--- a/iOSTalk.pptx
+++ b/iOSTalk.pptx
@@ -5,7 +5,7 @@
     <p:sldMasterId id="2147483648" r:id="rId1"/>
   </p:sldMasterIdLst>
   <p:notesMasterIdLst>
-    <p:notesMasterId r:id="rId39"/>
+    <p:notesMasterId r:id="rId40"/>
   </p:notesMasterIdLst>
   <p:sldIdLst>
     <p:sldId id="256" r:id="rId2"/>
@@ -22,29 +22,30 @@
     <p:sldId id="275" r:id="rId13"/>
     <p:sldId id="278" r:id="rId14"/>
     <p:sldId id="279" r:id="rId15"/>
-    <p:sldId id="296" r:id="rId16"/>
-    <p:sldId id="280" r:id="rId17"/>
-    <p:sldId id="282" r:id="rId18"/>
-    <p:sldId id="281" r:id="rId19"/>
-    <p:sldId id="264" r:id="rId20"/>
-    <p:sldId id="288" r:id="rId21"/>
-    <p:sldId id="276" r:id="rId22"/>
-    <p:sldId id="297" r:id="rId23"/>
-    <p:sldId id="277" r:id="rId24"/>
-    <p:sldId id="286" r:id="rId25"/>
-    <p:sldId id="289" r:id="rId26"/>
-    <p:sldId id="285" r:id="rId27"/>
-    <p:sldId id="283" r:id="rId28"/>
-    <p:sldId id="284" r:id="rId29"/>
-    <p:sldId id="287" r:id="rId30"/>
-    <p:sldId id="298" r:id="rId31"/>
-    <p:sldId id="290" r:id="rId32"/>
-    <p:sldId id="292" r:id="rId33"/>
-    <p:sldId id="291" r:id="rId34"/>
-    <p:sldId id="295" r:id="rId35"/>
-    <p:sldId id="293" r:id="rId36"/>
-    <p:sldId id="294" r:id="rId37"/>
-    <p:sldId id="260" r:id="rId38"/>
+    <p:sldId id="299" r:id="rId16"/>
+    <p:sldId id="296" r:id="rId17"/>
+    <p:sldId id="280" r:id="rId18"/>
+    <p:sldId id="282" r:id="rId19"/>
+    <p:sldId id="281" r:id="rId20"/>
+    <p:sldId id="264" r:id="rId21"/>
+    <p:sldId id="288" r:id="rId22"/>
+    <p:sldId id="276" r:id="rId23"/>
+    <p:sldId id="297" r:id="rId24"/>
+    <p:sldId id="277" r:id="rId25"/>
+    <p:sldId id="286" r:id="rId26"/>
+    <p:sldId id="289" r:id="rId27"/>
+    <p:sldId id="285" r:id="rId28"/>
+    <p:sldId id="283" r:id="rId29"/>
+    <p:sldId id="284" r:id="rId30"/>
+    <p:sldId id="287" r:id="rId31"/>
+    <p:sldId id="298" r:id="rId32"/>
+    <p:sldId id="290" r:id="rId33"/>
+    <p:sldId id="292" r:id="rId34"/>
+    <p:sldId id="291" r:id="rId35"/>
+    <p:sldId id="295" r:id="rId36"/>
+    <p:sldId id="293" r:id="rId37"/>
+    <p:sldId id="294" r:id="rId38"/>
+    <p:sldId id="260" r:id="rId39"/>
   </p:sldIdLst>
   <p:sldSz cx="12192000" cy="6858000"/>
   <p:notesSz cx="6858000" cy="9144000"/>
@@ -9073,6 +9074,67 @@
       </p:grpSpPr>
       <p:pic>
         <p:nvPicPr>
+          <p:cNvPr id="4" name="图片 3"/>
+          <p:cNvPicPr>
+            <a:picLocks noChangeAspect="1"/>
+          </p:cNvPicPr>
+          <p:nvPr/>
+        </p:nvPicPr>
+        <p:blipFill>
+          <a:blip r:embed="rId2"/>
+          <a:stretch>
+            <a:fillRect/>
+          </a:stretch>
+        </p:blipFill>
+        <p:spPr>
+          <a:xfrm>
+            <a:off x="465715" y="0"/>
+            <a:ext cx="11260570" cy="6858000"/>
+          </a:xfrm>
+          <a:prstGeom prst="rect">
+            <a:avLst/>
+          </a:prstGeom>
+        </p:spPr>
+      </p:pic>
+    </p:spTree>
+    <p:extLst>
+      <p:ext uri="{BB962C8B-B14F-4D97-AF65-F5344CB8AC3E}">
+        <p14:creationId xmlns:p14="http://schemas.microsoft.com/office/powerpoint/2010/main" val="1714245992"/>
+      </p:ext>
+    </p:extLst>
+  </p:cSld>
+  <p:clrMapOvr>
+    <a:masterClrMapping/>
+  </p:clrMapOvr>
+  <p:timing>
+    <p:tnLst>
+      <p:par>
+        <p:cTn id="1" dur="indefinite" restart="never" nodeType="tmRoot"/>
+      </p:par>
+    </p:tnLst>
+  </p:timing>
+</p:sld>
+</file>
+
+<file path=ppt/slides/slide16.xml><?xml version="1.0" encoding="utf-8"?>
+<p:sld xmlns:a="http://schemas.openxmlformats.org/drawingml/2006/main" xmlns:r="http://schemas.openxmlformats.org/officeDocument/2006/relationships" xmlns:p="http://schemas.openxmlformats.org/presentationml/2006/main">
+  <p:cSld>
+    <p:spTree>
+      <p:nvGrpSpPr>
+        <p:cNvPr id="1" name=""/>
+        <p:cNvGrpSpPr/>
+        <p:nvPr/>
+      </p:nvGrpSpPr>
+      <p:grpSpPr>
+        <a:xfrm>
+          <a:off x="0" y="0"/>
+          <a:ext cx="0" cy="0"/>
+          <a:chOff x="0" y="0"/>
+          <a:chExt cx="0" cy="0"/>
+        </a:xfrm>
+      </p:grpSpPr>
+      <p:pic>
+        <p:nvPicPr>
           <p:cNvPr id="5" name="图片 4"/>
           <p:cNvPicPr>
             <a:picLocks noChangeAspect="1"/>
@@ -9105,10 +9167,17 @@
   <p:clrMapOvr>
     <a:masterClrMapping/>
   </p:clrMapOvr>
+  <p:timing>
+    <p:tnLst>
+      <p:par>
+        <p:cTn id="1" dur="indefinite" restart="never" nodeType="tmRoot"/>
+      </p:par>
+    </p:tnLst>
+  </p:timing>
 </p:sld>
 </file>
 
-<file path=ppt/slides/slide16.xml><?xml version="1.0" encoding="utf-8"?>
+<file path=ppt/slides/slide17.xml><?xml version="1.0" encoding="utf-8"?>
 <p:sld xmlns:a="http://schemas.openxmlformats.org/drawingml/2006/main" xmlns:r="http://schemas.openxmlformats.org/officeDocument/2006/relationships" xmlns:p="http://schemas.openxmlformats.org/presentationml/2006/main">
   <p:cSld>
     <p:spTree>
@@ -9974,7 +10043,7 @@
 </p:sld>
 </file>
 
-<file path=ppt/slides/slide17.xml><?xml version="1.0" encoding="utf-8"?>
+<file path=ppt/slides/slide18.xml><?xml version="1.0" encoding="utf-8"?>
 <p:sld xmlns:a="http://schemas.openxmlformats.org/drawingml/2006/main" xmlns:r="http://schemas.openxmlformats.org/officeDocument/2006/relationships" xmlns:p="http://schemas.openxmlformats.org/presentationml/2006/main">
   <p:cSld>
     <p:spTree>
@@ -10887,7 +10956,7 @@
 </p:sld>
 </file>
 
-<file path=ppt/slides/slide18.xml><?xml version="1.0" encoding="utf-8"?>
+<file path=ppt/slides/slide19.xml><?xml version="1.0" encoding="utf-8"?>
 <p:sld xmlns:a="http://schemas.openxmlformats.org/drawingml/2006/main" xmlns:r="http://schemas.openxmlformats.org/officeDocument/2006/relationships" xmlns:p="http://schemas.openxmlformats.org/presentationml/2006/main">
   <p:cSld>
     <p:spTree>
@@ -11680,1142 +11749,6 @@
     <p:extLst>
       <p:ext uri="{BB962C8B-B14F-4D97-AF65-F5344CB8AC3E}">
         <p14:creationId xmlns:p14="http://schemas.microsoft.com/office/powerpoint/2010/main" val="838371272"/>
-      </p:ext>
-    </p:extLst>
-  </p:cSld>
-  <p:clrMapOvr>
-    <a:masterClrMapping/>
-  </p:clrMapOvr>
-  <p:timing>
-    <p:tnLst>
-      <p:par>
-        <p:cTn id="1" dur="indefinite" restart="never" nodeType="tmRoot"/>
-      </p:par>
-    </p:tnLst>
-  </p:timing>
-</p:sld>
-</file>
-
-<file path=ppt/slides/slide19.xml><?xml version="1.0" encoding="utf-8"?>
-<p:sld xmlns:a="http://schemas.openxmlformats.org/drawingml/2006/main" xmlns:r="http://schemas.openxmlformats.org/officeDocument/2006/relationships" xmlns:p="http://schemas.openxmlformats.org/presentationml/2006/main">
-  <p:cSld>
-    <p:spTree>
-      <p:nvGrpSpPr>
-        <p:cNvPr id="1" name=""/>
-        <p:cNvGrpSpPr/>
-        <p:nvPr/>
-      </p:nvGrpSpPr>
-      <p:grpSpPr>
-        <a:xfrm>
-          <a:off x="0" y="0"/>
-          <a:ext cx="0" cy="0"/>
-          <a:chOff x="0" y="0"/>
-          <a:chExt cx="0" cy="0"/>
-        </a:xfrm>
-      </p:grpSpPr>
-      <p:sp>
-        <p:nvSpPr>
-          <p:cNvPr id="21" name="文本框 20"/>
-          <p:cNvSpPr txBox="1"/>
-          <p:nvPr/>
-        </p:nvSpPr>
-        <p:spPr>
-          <a:xfrm>
-            <a:off x="5622854" y="1687540"/>
-            <a:ext cx="633507" cy="1107996"/>
-          </a:xfrm>
-          <a:prstGeom prst="rect">
-            <a:avLst/>
-          </a:prstGeom>
-          <a:noFill/>
-        </p:spPr>
-        <p:txBody>
-          <a:bodyPr wrap="none" rtlCol="0">
-            <a:spAutoFit/>
-          </a:bodyPr>
-          <a:lstStyle/>
-          <a:p>
-            <a:r>
-              <a:rPr lang="en-US" altLang="zh-CN" sz="6600" dirty="0" smtClean="0">
-                <a:solidFill>
-                  <a:schemeClr val="bg1"/>
-                </a:solidFill>
-                <a:latin typeface="Impact" panose="020B0806030902050204" pitchFamily="34" charset="0"/>
-              </a:rPr>
-              <a:t>3</a:t>
-            </a:r>
-            <a:endParaRPr lang="zh-CN" altLang="en-US" sz="6600" dirty="0">
-              <a:solidFill>
-                <a:schemeClr val="bg1"/>
-              </a:solidFill>
-              <a:latin typeface="Impact" panose="020B0806030902050204" pitchFamily="34" charset="0"/>
-            </a:endParaRPr>
-          </a:p>
-        </p:txBody>
-      </p:sp>
-      <p:sp>
-        <p:nvSpPr>
-          <p:cNvPr id="25" name="同侧圆角矩形 24"/>
-          <p:cNvSpPr/>
-          <p:nvPr/>
-        </p:nvSpPr>
-        <p:spPr>
-          <a:xfrm>
-            <a:off x="2284671" y="2797228"/>
-            <a:ext cx="7390602" cy="1083177"/>
-          </a:xfrm>
-          <a:prstGeom prst="round2SameRect">
-            <a:avLst>
-              <a:gd name="adj1" fmla="val 36466"/>
-              <a:gd name="adj2" fmla="val 39493"/>
-            </a:avLst>
-          </a:prstGeom>
-          <a:gradFill>
-            <a:gsLst>
-              <a:gs pos="0">
-                <a:schemeClr val="bg1">
-                  <a:alpha val="22000"/>
-                </a:schemeClr>
-              </a:gs>
-              <a:gs pos="100000">
-                <a:schemeClr val="bg1">
-                  <a:alpha val="0"/>
-                </a:schemeClr>
-              </a:gs>
-            </a:gsLst>
-            <a:lin ang="5400000" scaled="1"/>
-          </a:gradFill>
-          <a:ln>
-            <a:gradFill>
-              <a:gsLst>
-                <a:gs pos="0">
-                  <a:schemeClr val="bg1"/>
-                </a:gs>
-                <a:gs pos="100000">
-                  <a:schemeClr val="bg1">
-                    <a:alpha val="0"/>
-                  </a:schemeClr>
-                </a:gs>
-              </a:gsLst>
-              <a:lin ang="5400000" scaled="1"/>
-            </a:gradFill>
-          </a:ln>
-        </p:spPr>
-        <p:style>
-          <a:lnRef idx="2">
-            <a:schemeClr val="accent1">
-              <a:shade val="50000"/>
-            </a:schemeClr>
-          </a:lnRef>
-          <a:fillRef idx="1">
-            <a:schemeClr val="accent1"/>
-          </a:fillRef>
-          <a:effectRef idx="0">
-            <a:schemeClr val="accent1"/>
-          </a:effectRef>
-          <a:fontRef idx="minor">
-            <a:schemeClr val="lt1"/>
-          </a:fontRef>
-        </p:style>
-        <p:txBody>
-          <a:bodyPr rtlCol="0" anchor="ctr"/>
-          <a:lstStyle/>
-          <a:p>
-            <a:pPr algn="ctr"/>
-            <a:endParaRPr lang="zh-CN" altLang="en-US"/>
-          </a:p>
-        </p:txBody>
-      </p:sp>
-      <p:sp>
-        <p:nvSpPr>
-          <p:cNvPr id="20" name="文本框 19"/>
-          <p:cNvSpPr txBox="1"/>
-          <p:nvPr/>
-        </p:nvSpPr>
-        <p:spPr>
-          <a:xfrm>
-            <a:off x="5105885" y="3002846"/>
-            <a:ext cx="1643399" cy="584775"/>
-          </a:xfrm>
-          <a:prstGeom prst="rect">
-            <a:avLst/>
-          </a:prstGeom>
-          <a:noFill/>
-        </p:spPr>
-        <p:txBody>
-          <a:bodyPr wrap="none" rtlCol="0">
-            <a:spAutoFit/>
-          </a:bodyPr>
-          <a:lstStyle/>
-          <a:p>
-            <a:r>
-              <a:rPr lang="en-US" altLang="zh-CN" sz="3200" dirty="0" smtClean="0">
-                <a:solidFill>
-                  <a:schemeClr val="bg1"/>
-                </a:solidFill>
-                <a:latin typeface="方正兰亭粗黑_GBK" panose="02000000000000000000" pitchFamily="2" charset="-122"/>
-                <a:ea typeface="方正兰亭粗黑_GBK" panose="02000000000000000000" pitchFamily="2" charset="-122"/>
-              </a:rPr>
-              <a:t>iOS</a:t>
-            </a:r>
-            <a:r>
-              <a:rPr lang="zh-CN" altLang="en-US" sz="3200" dirty="0" smtClean="0">
-                <a:solidFill>
-                  <a:schemeClr val="bg1"/>
-                </a:solidFill>
-                <a:latin typeface="方正兰亭粗黑_GBK" panose="02000000000000000000" pitchFamily="2" charset="-122"/>
-                <a:ea typeface="方正兰亭粗黑_GBK" panose="02000000000000000000" pitchFamily="2" charset="-122"/>
-              </a:rPr>
-              <a:t>开发</a:t>
-            </a:r>
-            <a:endParaRPr lang="zh-CN" altLang="en-US" sz="3200" dirty="0">
-              <a:solidFill>
-                <a:schemeClr val="bg1"/>
-              </a:solidFill>
-              <a:latin typeface="方正兰亭粗黑_GBK" panose="02000000000000000000" pitchFamily="2" charset="-122"/>
-              <a:ea typeface="方正兰亭粗黑_GBK" panose="02000000000000000000" pitchFamily="2" charset="-122"/>
-            </a:endParaRPr>
-          </a:p>
-        </p:txBody>
-      </p:sp>
-      <p:grpSp>
-        <p:nvGrpSpPr>
-          <p:cNvPr id="8" name="组合 7"/>
-          <p:cNvGrpSpPr/>
-          <p:nvPr/>
-        </p:nvGrpSpPr>
-        <p:grpSpPr>
-          <a:xfrm>
-            <a:off x="3934775" y="3715211"/>
-            <a:ext cx="4138098" cy="2017024"/>
-            <a:chOff x="4734875" y="3485051"/>
-            <a:chExt cx="4138098" cy="2017024"/>
-          </a:xfrm>
-        </p:grpSpPr>
-        <p:grpSp>
-          <p:nvGrpSpPr>
-            <p:cNvPr id="7" name="组合 6"/>
-            <p:cNvGrpSpPr/>
-            <p:nvPr/>
-          </p:nvGrpSpPr>
-          <p:grpSpPr>
-            <a:xfrm>
-              <a:off x="5500786" y="3599615"/>
-              <a:ext cx="2630428" cy="1282143"/>
-              <a:chOff x="5500786" y="3599615"/>
-              <a:chExt cx="2630428" cy="1282143"/>
-            </a:xfrm>
-          </p:grpSpPr>
-          <p:sp>
-            <p:nvSpPr>
-              <p:cNvPr id="54" name="椭圆 53"/>
-              <p:cNvSpPr/>
-              <p:nvPr/>
-            </p:nvSpPr>
-            <p:spPr>
-              <a:xfrm rot="1817112">
-                <a:off x="7946930" y="3661974"/>
-                <a:ext cx="184284" cy="184284"/>
-              </a:xfrm>
-              <a:prstGeom prst="ellipse">
-                <a:avLst/>
-              </a:prstGeom>
-              <a:solidFill>
-                <a:schemeClr val="bg1"/>
-              </a:solidFill>
-              <a:ln>
-                <a:noFill/>
-              </a:ln>
-            </p:spPr>
-            <p:style>
-              <a:lnRef idx="2">
-                <a:schemeClr val="accent1">
-                  <a:shade val="50000"/>
-                </a:schemeClr>
-              </a:lnRef>
-              <a:fillRef idx="1">
-                <a:schemeClr val="accent1"/>
-              </a:fillRef>
-              <a:effectRef idx="0">
-                <a:schemeClr val="accent1"/>
-              </a:effectRef>
-              <a:fontRef idx="minor">
-                <a:schemeClr val="lt1"/>
-              </a:fontRef>
-            </p:style>
-            <p:txBody>
-              <a:bodyPr rtlCol="0" anchor="ctr"/>
-              <a:lstStyle/>
-              <a:p>
-                <a:pPr algn="ctr"/>
-                <a:endParaRPr lang="zh-CN" altLang="en-US"/>
-              </a:p>
-            </p:txBody>
-          </p:sp>
-          <p:sp>
-            <p:nvSpPr>
-              <p:cNvPr id="55" name="任意多边形 54"/>
-              <p:cNvSpPr/>
-              <p:nvPr/>
-            </p:nvSpPr>
-            <p:spPr>
-              <a:xfrm rot="10486686">
-                <a:off x="5500786" y="3599615"/>
-                <a:ext cx="2575990" cy="1282143"/>
-              </a:xfrm>
-              <a:custGeom>
-                <a:avLst/>
-                <a:gdLst>
-                  <a:gd name="connsiteX0" fmla="*/ 2013372 w 4071723"/>
-                  <a:gd name="connsiteY0" fmla="*/ 26 h 2026612"/>
-                  <a:gd name="connsiteX1" fmla="*/ 4064581 w 4071723"/>
-                  <a:gd name="connsiteY1" fmla="*/ 1869676 h 2026612"/>
-                  <a:gd name="connsiteX2" fmla="*/ 4071723 w 4071723"/>
-                  <a:gd name="connsiteY2" fmla="*/ 2026612 h 2026612"/>
-                  <a:gd name="connsiteX3" fmla="*/ 4042898 w 4071723"/>
-                  <a:gd name="connsiteY3" fmla="*/ 2026612 h 2026612"/>
-                  <a:gd name="connsiteX4" fmla="*/ 4035884 w 4071723"/>
-                  <a:gd name="connsiteY4" fmla="*/ 1872481 h 2026612"/>
-                  <a:gd name="connsiteX5" fmla="*/ 2013229 w 4071723"/>
-                  <a:gd name="connsiteY5" fmla="*/ 28856 h 2026612"/>
-                  <a:gd name="connsiteX6" fmla="*/ 55578 w 4071723"/>
-                  <a:gd name="connsiteY6" fmla="*/ 1454149 h 2026612"/>
-                  <a:gd name="connsiteX7" fmla="*/ 29738 w 4071723"/>
-                  <a:gd name="connsiteY7" fmla="*/ 1552608 h 2026612"/>
-                  <a:gd name="connsiteX8" fmla="*/ 0 w 4071723"/>
-                  <a:gd name="connsiteY8" fmla="*/ 1552460 h 2026612"/>
-                  <a:gd name="connsiteX9" fmla="*/ 28086 w 4071723"/>
-                  <a:gd name="connsiteY9" fmla="*/ 1445438 h 2026612"/>
-                  <a:gd name="connsiteX10" fmla="*/ 2013372 w 4071723"/>
-                  <a:gd name="connsiteY10" fmla="*/ 26 h 2026612"/>
-                </a:gdLst>
-                <a:ahLst/>
-                <a:cxnLst>
-                  <a:cxn ang="0">
-                    <a:pos x="connsiteX0" y="connsiteY0"/>
-                  </a:cxn>
-                  <a:cxn ang="0">
-                    <a:pos x="connsiteX1" y="connsiteY1"/>
-                  </a:cxn>
-                  <a:cxn ang="0">
-                    <a:pos x="connsiteX2" y="connsiteY2"/>
-                  </a:cxn>
-                  <a:cxn ang="0">
-                    <a:pos x="connsiteX3" y="connsiteY3"/>
-                  </a:cxn>
-                  <a:cxn ang="0">
-                    <a:pos x="connsiteX4" y="connsiteY4"/>
-                  </a:cxn>
-                  <a:cxn ang="0">
-                    <a:pos x="connsiteX5" y="connsiteY5"/>
-                  </a:cxn>
-                  <a:cxn ang="0">
-                    <a:pos x="connsiteX6" y="connsiteY6"/>
-                  </a:cxn>
-                  <a:cxn ang="0">
-                    <a:pos x="connsiteX7" y="connsiteY7"/>
-                  </a:cxn>
-                  <a:cxn ang="0">
-                    <a:pos x="connsiteX8" y="connsiteY8"/>
-                  </a:cxn>
-                  <a:cxn ang="0">
-                    <a:pos x="connsiteX9" y="connsiteY9"/>
-                  </a:cxn>
-                  <a:cxn ang="0">
-                    <a:pos x="connsiteX10" y="connsiteY10"/>
-                  </a:cxn>
-                </a:cxnLst>
-                <a:rect l="l" t="t" r="r" b="b"/>
-                <a:pathLst>
-                  <a:path w="4071723" h="2026612">
-                    <a:moveTo>
-                      <a:pt x="2013372" y="26"/>
-                    </a:moveTo>
-                    <a:cubicBezTo>
-                      <a:pt x="3085749" y="5363"/>
-                      <a:pt x="3963716" y="824754"/>
-                      <a:pt x="4064581" y="1869676"/>
-                    </a:cubicBezTo>
-                    <a:lnTo>
-                      <a:pt x="4071723" y="2026612"/>
-                    </a:lnTo>
-                    <a:lnTo>
-                      <a:pt x="4042898" y="2026612"/>
-                    </a:lnTo>
-                    <a:lnTo>
-                      <a:pt x="4035884" y="1872481"/>
-                    </a:lnTo>
-                    <a:cubicBezTo>
-                      <a:pt x="3936423" y="842104"/>
-                      <a:pt x="3070679" y="34120"/>
-                      <a:pt x="2013229" y="28856"/>
-                    </a:cubicBezTo>
-                    <a:cubicBezTo>
-                      <a:pt x="1096773" y="24294"/>
-                      <a:pt x="318298" y="624068"/>
-                      <a:pt x="55578" y="1454149"/>
-                    </a:cubicBezTo>
-                    <a:lnTo>
-                      <a:pt x="29738" y="1552608"/>
-                    </a:lnTo>
-                    <a:lnTo>
-                      <a:pt x="0" y="1552460"/>
-                    </a:lnTo>
-                    <a:lnTo>
-                      <a:pt x="28086" y="1445438"/>
-                    </a:lnTo>
-                    <a:cubicBezTo>
-                      <a:pt x="294515" y="603640"/>
-                      <a:pt x="1083979" y="-4601"/>
-                      <a:pt x="2013372" y="26"/>
-                    </a:cubicBezTo>
-                    <a:close/>
-                  </a:path>
-                </a:pathLst>
-              </a:custGeom>
-              <a:gradFill flip="none" rotWithShape="1">
-                <a:gsLst>
-                  <a:gs pos="100000">
-                    <a:schemeClr val="bg1">
-                      <a:alpha val="0"/>
-                      <a:lumMod val="0"/>
-                      <a:lumOff val="100000"/>
-                    </a:schemeClr>
-                  </a:gs>
-                  <a:gs pos="0">
-                    <a:schemeClr val="bg1"/>
-                  </a:gs>
-                </a:gsLst>
-                <a:lin ang="2700000" scaled="1"/>
-                <a:tileRect/>
-              </a:gradFill>
-              <a:ln>
-                <a:noFill/>
-              </a:ln>
-            </p:spPr>
-            <p:style>
-              <a:lnRef idx="2">
-                <a:schemeClr val="accent1">
-                  <a:shade val="50000"/>
-                </a:schemeClr>
-              </a:lnRef>
-              <a:fillRef idx="1">
-                <a:schemeClr val="accent1"/>
-              </a:fillRef>
-              <a:effectRef idx="0">
-                <a:schemeClr val="accent1"/>
-              </a:effectRef>
-              <a:fontRef idx="minor">
-                <a:schemeClr val="lt1"/>
-              </a:fontRef>
-            </p:style>
-            <p:txBody>
-              <a:bodyPr rtlCol="0" anchor="ctr"/>
-              <a:lstStyle/>
-              <a:p>
-                <a:pPr algn="ctr"/>
-                <a:endParaRPr lang="zh-CN" altLang="en-US"/>
-              </a:p>
-            </p:txBody>
-          </p:sp>
-        </p:grpSp>
-        <p:grpSp>
-          <p:nvGrpSpPr>
-            <p:cNvPr id="58" name="组合 57"/>
-            <p:cNvGrpSpPr/>
-            <p:nvPr/>
-          </p:nvGrpSpPr>
-          <p:grpSpPr>
-            <a:xfrm>
-              <a:off x="4734875" y="3485051"/>
-              <a:ext cx="4138098" cy="2017024"/>
-              <a:chOff x="5500786" y="3599615"/>
-              <a:chExt cx="2630428" cy="1282143"/>
-            </a:xfrm>
-          </p:grpSpPr>
-          <p:sp>
-            <p:nvSpPr>
-              <p:cNvPr id="60" name="任意多边形 59"/>
-              <p:cNvSpPr/>
-              <p:nvPr/>
-            </p:nvSpPr>
-            <p:spPr>
-              <a:xfrm rot="10486686">
-                <a:off x="5500786" y="3599615"/>
-                <a:ext cx="2575990" cy="1282143"/>
-              </a:xfrm>
-              <a:custGeom>
-                <a:avLst/>
-                <a:gdLst>
-                  <a:gd name="connsiteX0" fmla="*/ 2013372 w 4071723"/>
-                  <a:gd name="connsiteY0" fmla="*/ 26 h 2026612"/>
-                  <a:gd name="connsiteX1" fmla="*/ 4064581 w 4071723"/>
-                  <a:gd name="connsiteY1" fmla="*/ 1869676 h 2026612"/>
-                  <a:gd name="connsiteX2" fmla="*/ 4071723 w 4071723"/>
-                  <a:gd name="connsiteY2" fmla="*/ 2026612 h 2026612"/>
-                  <a:gd name="connsiteX3" fmla="*/ 4042898 w 4071723"/>
-                  <a:gd name="connsiteY3" fmla="*/ 2026612 h 2026612"/>
-                  <a:gd name="connsiteX4" fmla="*/ 4035884 w 4071723"/>
-                  <a:gd name="connsiteY4" fmla="*/ 1872481 h 2026612"/>
-                  <a:gd name="connsiteX5" fmla="*/ 2013229 w 4071723"/>
-                  <a:gd name="connsiteY5" fmla="*/ 28856 h 2026612"/>
-                  <a:gd name="connsiteX6" fmla="*/ 55578 w 4071723"/>
-                  <a:gd name="connsiteY6" fmla="*/ 1454149 h 2026612"/>
-                  <a:gd name="connsiteX7" fmla="*/ 29738 w 4071723"/>
-                  <a:gd name="connsiteY7" fmla="*/ 1552608 h 2026612"/>
-                  <a:gd name="connsiteX8" fmla="*/ 0 w 4071723"/>
-                  <a:gd name="connsiteY8" fmla="*/ 1552460 h 2026612"/>
-                  <a:gd name="connsiteX9" fmla="*/ 28086 w 4071723"/>
-                  <a:gd name="connsiteY9" fmla="*/ 1445438 h 2026612"/>
-                  <a:gd name="connsiteX10" fmla="*/ 2013372 w 4071723"/>
-                  <a:gd name="connsiteY10" fmla="*/ 26 h 2026612"/>
-                </a:gdLst>
-                <a:ahLst/>
-                <a:cxnLst>
-                  <a:cxn ang="0">
-                    <a:pos x="connsiteX0" y="connsiteY0"/>
-                  </a:cxn>
-                  <a:cxn ang="0">
-                    <a:pos x="connsiteX1" y="connsiteY1"/>
-                  </a:cxn>
-                  <a:cxn ang="0">
-                    <a:pos x="connsiteX2" y="connsiteY2"/>
-                  </a:cxn>
-                  <a:cxn ang="0">
-                    <a:pos x="connsiteX3" y="connsiteY3"/>
-                  </a:cxn>
-                  <a:cxn ang="0">
-                    <a:pos x="connsiteX4" y="connsiteY4"/>
-                  </a:cxn>
-                  <a:cxn ang="0">
-                    <a:pos x="connsiteX5" y="connsiteY5"/>
-                  </a:cxn>
-                  <a:cxn ang="0">
-                    <a:pos x="connsiteX6" y="connsiteY6"/>
-                  </a:cxn>
-                  <a:cxn ang="0">
-                    <a:pos x="connsiteX7" y="connsiteY7"/>
-                  </a:cxn>
-                  <a:cxn ang="0">
-                    <a:pos x="connsiteX8" y="connsiteY8"/>
-                  </a:cxn>
-                  <a:cxn ang="0">
-                    <a:pos x="connsiteX9" y="connsiteY9"/>
-                  </a:cxn>
-                  <a:cxn ang="0">
-                    <a:pos x="connsiteX10" y="connsiteY10"/>
-                  </a:cxn>
-                </a:cxnLst>
-                <a:rect l="l" t="t" r="r" b="b"/>
-                <a:pathLst>
-                  <a:path w="4071723" h="2026612">
-                    <a:moveTo>
-                      <a:pt x="2013372" y="26"/>
-                    </a:moveTo>
-                    <a:cubicBezTo>
-                      <a:pt x="3085749" y="5363"/>
-                      <a:pt x="3963716" y="824754"/>
-                      <a:pt x="4064581" y="1869676"/>
-                    </a:cubicBezTo>
-                    <a:lnTo>
-                      <a:pt x="4071723" y="2026612"/>
-                    </a:lnTo>
-                    <a:lnTo>
-                      <a:pt x="4042898" y="2026612"/>
-                    </a:lnTo>
-                    <a:lnTo>
-                      <a:pt x="4035884" y="1872481"/>
-                    </a:lnTo>
-                    <a:cubicBezTo>
-                      <a:pt x="3936423" y="842104"/>
-                      <a:pt x="3070679" y="34120"/>
-                      <a:pt x="2013229" y="28856"/>
-                    </a:cubicBezTo>
-                    <a:cubicBezTo>
-                      <a:pt x="1096773" y="24294"/>
-                      <a:pt x="318298" y="624068"/>
-                      <a:pt x="55578" y="1454149"/>
-                    </a:cubicBezTo>
-                    <a:lnTo>
-                      <a:pt x="29738" y="1552608"/>
-                    </a:lnTo>
-                    <a:lnTo>
-                      <a:pt x="0" y="1552460"/>
-                    </a:lnTo>
-                    <a:lnTo>
-                      <a:pt x="28086" y="1445438"/>
-                    </a:lnTo>
-                    <a:cubicBezTo>
-                      <a:pt x="294515" y="603640"/>
-                      <a:pt x="1083979" y="-4601"/>
-                      <a:pt x="2013372" y="26"/>
-                    </a:cubicBezTo>
-                    <a:close/>
-                  </a:path>
-                </a:pathLst>
-              </a:custGeom>
-              <a:gradFill flip="none" rotWithShape="1">
-                <a:gsLst>
-                  <a:gs pos="100000">
-                    <a:schemeClr val="bg1">
-                      <a:alpha val="0"/>
-                      <a:lumMod val="0"/>
-                      <a:lumOff val="100000"/>
-                    </a:schemeClr>
-                  </a:gs>
-                  <a:gs pos="0">
-                    <a:srgbClr val="00A7F8"/>
-                  </a:gs>
-                </a:gsLst>
-                <a:lin ang="2700000" scaled="1"/>
-                <a:tileRect/>
-              </a:gradFill>
-              <a:ln>
-                <a:noFill/>
-              </a:ln>
-            </p:spPr>
-            <p:style>
-              <a:lnRef idx="2">
-                <a:schemeClr val="accent1">
-                  <a:shade val="50000"/>
-                </a:schemeClr>
-              </a:lnRef>
-              <a:fillRef idx="1">
-                <a:schemeClr val="accent1"/>
-              </a:fillRef>
-              <a:effectRef idx="0">
-                <a:schemeClr val="accent1"/>
-              </a:effectRef>
-              <a:fontRef idx="minor">
-                <a:schemeClr val="lt1"/>
-              </a:fontRef>
-            </p:style>
-            <p:txBody>
-              <a:bodyPr rtlCol="0" anchor="ctr"/>
-              <a:lstStyle/>
-              <a:p>
-                <a:pPr algn="ctr"/>
-                <a:endParaRPr lang="zh-CN" altLang="en-US"/>
-              </a:p>
-            </p:txBody>
-          </p:sp>
-          <p:sp>
-            <p:nvSpPr>
-              <p:cNvPr id="59" name="椭圆 58"/>
-              <p:cNvSpPr/>
-              <p:nvPr/>
-            </p:nvSpPr>
-            <p:spPr>
-              <a:xfrm rot="1817112">
-                <a:off x="7946930" y="3661974"/>
-                <a:ext cx="184284" cy="184284"/>
-              </a:xfrm>
-              <a:prstGeom prst="ellipse">
-                <a:avLst/>
-              </a:prstGeom>
-              <a:solidFill>
-                <a:schemeClr val="bg1"/>
-              </a:solidFill>
-              <a:ln>
-                <a:noFill/>
-              </a:ln>
-            </p:spPr>
-            <p:style>
-              <a:lnRef idx="2">
-                <a:schemeClr val="accent1">
-                  <a:shade val="50000"/>
-                </a:schemeClr>
-              </a:lnRef>
-              <a:fillRef idx="1">
-                <a:schemeClr val="accent1"/>
-              </a:fillRef>
-              <a:effectRef idx="0">
-                <a:schemeClr val="accent1"/>
-              </a:effectRef>
-              <a:fontRef idx="minor">
-                <a:schemeClr val="lt1"/>
-              </a:fontRef>
-            </p:style>
-            <p:txBody>
-              <a:bodyPr rtlCol="0" anchor="ctr"/>
-              <a:lstStyle/>
-              <a:p>
-                <a:pPr algn="ctr"/>
-                <a:endParaRPr lang="zh-CN" altLang="en-US"/>
-              </a:p>
-            </p:txBody>
-          </p:sp>
-        </p:grpSp>
-      </p:grpSp>
-      <p:grpSp>
-        <p:nvGrpSpPr>
-          <p:cNvPr id="61" name="组合 60"/>
-          <p:cNvGrpSpPr/>
-          <p:nvPr/>
-        </p:nvGrpSpPr>
-        <p:grpSpPr>
-          <a:xfrm rot="10800000">
-            <a:off x="3764420" y="1047577"/>
-            <a:ext cx="4138098" cy="2017024"/>
-            <a:chOff x="4734875" y="3485051"/>
-            <a:chExt cx="4138098" cy="2017024"/>
-          </a:xfrm>
-        </p:grpSpPr>
-        <p:grpSp>
-          <p:nvGrpSpPr>
-            <p:cNvPr id="62" name="组合 61"/>
-            <p:cNvGrpSpPr/>
-            <p:nvPr/>
-          </p:nvGrpSpPr>
-          <p:grpSpPr>
-            <a:xfrm>
-              <a:off x="5500786" y="3599615"/>
-              <a:ext cx="2630428" cy="1282143"/>
-              <a:chOff x="5500786" y="3599615"/>
-              <a:chExt cx="2630428" cy="1282143"/>
-            </a:xfrm>
-          </p:grpSpPr>
-          <p:sp>
-            <p:nvSpPr>
-              <p:cNvPr id="67" name="任意多边形 66"/>
-              <p:cNvSpPr/>
-              <p:nvPr/>
-            </p:nvSpPr>
-            <p:spPr>
-              <a:xfrm rot="10486686">
-                <a:off x="5500786" y="3599615"/>
-                <a:ext cx="2575990" cy="1282143"/>
-              </a:xfrm>
-              <a:custGeom>
-                <a:avLst/>
-                <a:gdLst>
-                  <a:gd name="connsiteX0" fmla="*/ 2013372 w 4071723"/>
-                  <a:gd name="connsiteY0" fmla="*/ 26 h 2026612"/>
-                  <a:gd name="connsiteX1" fmla="*/ 4064581 w 4071723"/>
-                  <a:gd name="connsiteY1" fmla="*/ 1869676 h 2026612"/>
-                  <a:gd name="connsiteX2" fmla="*/ 4071723 w 4071723"/>
-                  <a:gd name="connsiteY2" fmla="*/ 2026612 h 2026612"/>
-                  <a:gd name="connsiteX3" fmla="*/ 4042898 w 4071723"/>
-                  <a:gd name="connsiteY3" fmla="*/ 2026612 h 2026612"/>
-                  <a:gd name="connsiteX4" fmla="*/ 4035884 w 4071723"/>
-                  <a:gd name="connsiteY4" fmla="*/ 1872481 h 2026612"/>
-                  <a:gd name="connsiteX5" fmla="*/ 2013229 w 4071723"/>
-                  <a:gd name="connsiteY5" fmla="*/ 28856 h 2026612"/>
-                  <a:gd name="connsiteX6" fmla="*/ 55578 w 4071723"/>
-                  <a:gd name="connsiteY6" fmla="*/ 1454149 h 2026612"/>
-                  <a:gd name="connsiteX7" fmla="*/ 29738 w 4071723"/>
-                  <a:gd name="connsiteY7" fmla="*/ 1552608 h 2026612"/>
-                  <a:gd name="connsiteX8" fmla="*/ 0 w 4071723"/>
-                  <a:gd name="connsiteY8" fmla="*/ 1552460 h 2026612"/>
-                  <a:gd name="connsiteX9" fmla="*/ 28086 w 4071723"/>
-                  <a:gd name="connsiteY9" fmla="*/ 1445438 h 2026612"/>
-                  <a:gd name="connsiteX10" fmla="*/ 2013372 w 4071723"/>
-                  <a:gd name="connsiteY10" fmla="*/ 26 h 2026612"/>
-                </a:gdLst>
-                <a:ahLst/>
-                <a:cxnLst>
-                  <a:cxn ang="0">
-                    <a:pos x="connsiteX0" y="connsiteY0"/>
-                  </a:cxn>
-                  <a:cxn ang="0">
-                    <a:pos x="connsiteX1" y="connsiteY1"/>
-                  </a:cxn>
-                  <a:cxn ang="0">
-                    <a:pos x="connsiteX2" y="connsiteY2"/>
-                  </a:cxn>
-                  <a:cxn ang="0">
-                    <a:pos x="connsiteX3" y="connsiteY3"/>
-                  </a:cxn>
-                  <a:cxn ang="0">
-                    <a:pos x="connsiteX4" y="connsiteY4"/>
-                  </a:cxn>
-                  <a:cxn ang="0">
-                    <a:pos x="connsiteX5" y="connsiteY5"/>
-                  </a:cxn>
-                  <a:cxn ang="0">
-                    <a:pos x="connsiteX6" y="connsiteY6"/>
-                  </a:cxn>
-                  <a:cxn ang="0">
-                    <a:pos x="connsiteX7" y="connsiteY7"/>
-                  </a:cxn>
-                  <a:cxn ang="0">
-                    <a:pos x="connsiteX8" y="connsiteY8"/>
-                  </a:cxn>
-                  <a:cxn ang="0">
-                    <a:pos x="connsiteX9" y="connsiteY9"/>
-                  </a:cxn>
-                  <a:cxn ang="0">
-                    <a:pos x="connsiteX10" y="connsiteY10"/>
-                  </a:cxn>
-                </a:cxnLst>
-                <a:rect l="l" t="t" r="r" b="b"/>
-                <a:pathLst>
-                  <a:path w="4071723" h="2026612">
-                    <a:moveTo>
-                      <a:pt x="2013372" y="26"/>
-                    </a:moveTo>
-                    <a:cubicBezTo>
-                      <a:pt x="3085749" y="5363"/>
-                      <a:pt x="3963716" y="824754"/>
-                      <a:pt x="4064581" y="1869676"/>
-                    </a:cubicBezTo>
-                    <a:lnTo>
-                      <a:pt x="4071723" y="2026612"/>
-                    </a:lnTo>
-                    <a:lnTo>
-                      <a:pt x="4042898" y="2026612"/>
-                    </a:lnTo>
-                    <a:lnTo>
-                      <a:pt x="4035884" y="1872481"/>
-                    </a:lnTo>
-                    <a:cubicBezTo>
-                      <a:pt x="3936423" y="842104"/>
-                      <a:pt x="3070679" y="34120"/>
-                      <a:pt x="2013229" y="28856"/>
-                    </a:cubicBezTo>
-                    <a:cubicBezTo>
-                      <a:pt x="1096773" y="24294"/>
-                      <a:pt x="318298" y="624068"/>
-                      <a:pt x="55578" y="1454149"/>
-                    </a:cubicBezTo>
-                    <a:lnTo>
-                      <a:pt x="29738" y="1552608"/>
-                    </a:lnTo>
-                    <a:lnTo>
-                      <a:pt x="0" y="1552460"/>
-                    </a:lnTo>
-                    <a:lnTo>
-                      <a:pt x="28086" y="1445438"/>
-                    </a:lnTo>
-                    <a:cubicBezTo>
-                      <a:pt x="294515" y="603640"/>
-                      <a:pt x="1083979" y="-4601"/>
-                      <a:pt x="2013372" y="26"/>
-                    </a:cubicBezTo>
-                    <a:close/>
-                  </a:path>
-                </a:pathLst>
-              </a:custGeom>
-              <a:gradFill flip="none" rotWithShape="1">
-                <a:gsLst>
-                  <a:gs pos="100000">
-                    <a:srgbClr val="00A7F8">
-                      <a:alpha val="0"/>
-                    </a:srgbClr>
-                  </a:gs>
-                  <a:gs pos="0">
-                    <a:schemeClr val="bg1"/>
-                  </a:gs>
-                </a:gsLst>
-                <a:lin ang="2700000" scaled="1"/>
-                <a:tileRect/>
-              </a:gradFill>
-              <a:ln>
-                <a:noFill/>
-              </a:ln>
-            </p:spPr>
-            <p:style>
-              <a:lnRef idx="2">
-                <a:schemeClr val="accent1">
-                  <a:shade val="50000"/>
-                </a:schemeClr>
-              </a:lnRef>
-              <a:fillRef idx="1">
-                <a:schemeClr val="accent1"/>
-              </a:fillRef>
-              <a:effectRef idx="0">
-                <a:schemeClr val="accent1"/>
-              </a:effectRef>
-              <a:fontRef idx="minor">
-                <a:schemeClr val="lt1"/>
-              </a:fontRef>
-            </p:style>
-            <p:txBody>
-              <a:bodyPr rtlCol="0" anchor="ctr"/>
-              <a:lstStyle/>
-              <a:p>
-                <a:pPr algn="ctr"/>
-                <a:endParaRPr lang="zh-CN" altLang="en-US"/>
-              </a:p>
-            </p:txBody>
-          </p:sp>
-          <p:sp>
-            <p:nvSpPr>
-              <p:cNvPr id="66" name="椭圆 65"/>
-              <p:cNvSpPr/>
-              <p:nvPr/>
-            </p:nvSpPr>
-            <p:spPr>
-              <a:xfrm rot="1817112">
-                <a:off x="7946930" y="3661974"/>
-                <a:ext cx="184284" cy="184284"/>
-              </a:xfrm>
-              <a:prstGeom prst="ellipse">
-                <a:avLst/>
-              </a:prstGeom>
-              <a:solidFill>
-                <a:schemeClr val="bg1"/>
-              </a:solidFill>
-              <a:ln>
-                <a:noFill/>
-              </a:ln>
-            </p:spPr>
-            <p:style>
-              <a:lnRef idx="2">
-                <a:schemeClr val="accent1">
-                  <a:shade val="50000"/>
-                </a:schemeClr>
-              </a:lnRef>
-              <a:fillRef idx="1">
-                <a:schemeClr val="accent1"/>
-              </a:fillRef>
-              <a:effectRef idx="0">
-                <a:schemeClr val="accent1"/>
-              </a:effectRef>
-              <a:fontRef idx="minor">
-                <a:schemeClr val="lt1"/>
-              </a:fontRef>
-            </p:style>
-            <p:txBody>
-              <a:bodyPr rtlCol="0" anchor="ctr"/>
-              <a:lstStyle/>
-              <a:p>
-                <a:pPr algn="ctr"/>
-                <a:endParaRPr lang="zh-CN" altLang="en-US"/>
-              </a:p>
-            </p:txBody>
-          </p:sp>
-        </p:grpSp>
-        <p:grpSp>
-          <p:nvGrpSpPr>
-            <p:cNvPr id="63" name="组合 62"/>
-            <p:cNvGrpSpPr/>
-            <p:nvPr/>
-          </p:nvGrpSpPr>
-          <p:grpSpPr>
-            <a:xfrm>
-              <a:off x="4734875" y="3485051"/>
-              <a:ext cx="4138098" cy="2017024"/>
-              <a:chOff x="5500786" y="3599615"/>
-              <a:chExt cx="2630428" cy="1282143"/>
-            </a:xfrm>
-          </p:grpSpPr>
-          <p:sp>
-            <p:nvSpPr>
-              <p:cNvPr id="65" name="任意多边形 64"/>
-              <p:cNvSpPr/>
-              <p:nvPr/>
-            </p:nvSpPr>
-            <p:spPr>
-              <a:xfrm rot="10486686">
-                <a:off x="5500786" y="3599615"/>
-                <a:ext cx="2575990" cy="1282143"/>
-              </a:xfrm>
-              <a:custGeom>
-                <a:avLst/>
-                <a:gdLst>
-                  <a:gd name="connsiteX0" fmla="*/ 2013372 w 4071723"/>
-                  <a:gd name="connsiteY0" fmla="*/ 26 h 2026612"/>
-                  <a:gd name="connsiteX1" fmla="*/ 4064581 w 4071723"/>
-                  <a:gd name="connsiteY1" fmla="*/ 1869676 h 2026612"/>
-                  <a:gd name="connsiteX2" fmla="*/ 4071723 w 4071723"/>
-                  <a:gd name="connsiteY2" fmla="*/ 2026612 h 2026612"/>
-                  <a:gd name="connsiteX3" fmla="*/ 4042898 w 4071723"/>
-                  <a:gd name="connsiteY3" fmla="*/ 2026612 h 2026612"/>
-                  <a:gd name="connsiteX4" fmla="*/ 4035884 w 4071723"/>
-                  <a:gd name="connsiteY4" fmla="*/ 1872481 h 2026612"/>
-                  <a:gd name="connsiteX5" fmla="*/ 2013229 w 4071723"/>
-                  <a:gd name="connsiteY5" fmla="*/ 28856 h 2026612"/>
-                  <a:gd name="connsiteX6" fmla="*/ 55578 w 4071723"/>
-                  <a:gd name="connsiteY6" fmla="*/ 1454149 h 2026612"/>
-                  <a:gd name="connsiteX7" fmla="*/ 29738 w 4071723"/>
-                  <a:gd name="connsiteY7" fmla="*/ 1552608 h 2026612"/>
-                  <a:gd name="connsiteX8" fmla="*/ 0 w 4071723"/>
-                  <a:gd name="connsiteY8" fmla="*/ 1552460 h 2026612"/>
-                  <a:gd name="connsiteX9" fmla="*/ 28086 w 4071723"/>
-                  <a:gd name="connsiteY9" fmla="*/ 1445438 h 2026612"/>
-                  <a:gd name="connsiteX10" fmla="*/ 2013372 w 4071723"/>
-                  <a:gd name="connsiteY10" fmla="*/ 26 h 2026612"/>
-                </a:gdLst>
-                <a:ahLst/>
-                <a:cxnLst>
-                  <a:cxn ang="0">
-                    <a:pos x="connsiteX0" y="connsiteY0"/>
-                  </a:cxn>
-                  <a:cxn ang="0">
-                    <a:pos x="connsiteX1" y="connsiteY1"/>
-                  </a:cxn>
-                  <a:cxn ang="0">
-                    <a:pos x="connsiteX2" y="connsiteY2"/>
-                  </a:cxn>
-                  <a:cxn ang="0">
-                    <a:pos x="connsiteX3" y="connsiteY3"/>
-                  </a:cxn>
-                  <a:cxn ang="0">
-                    <a:pos x="connsiteX4" y="connsiteY4"/>
-                  </a:cxn>
-                  <a:cxn ang="0">
-                    <a:pos x="connsiteX5" y="connsiteY5"/>
-                  </a:cxn>
-                  <a:cxn ang="0">
-                    <a:pos x="connsiteX6" y="connsiteY6"/>
-                  </a:cxn>
-                  <a:cxn ang="0">
-                    <a:pos x="connsiteX7" y="connsiteY7"/>
-                  </a:cxn>
-                  <a:cxn ang="0">
-                    <a:pos x="connsiteX8" y="connsiteY8"/>
-                  </a:cxn>
-                  <a:cxn ang="0">
-                    <a:pos x="connsiteX9" y="connsiteY9"/>
-                  </a:cxn>
-                  <a:cxn ang="0">
-                    <a:pos x="connsiteX10" y="connsiteY10"/>
-                  </a:cxn>
-                </a:cxnLst>
-                <a:rect l="l" t="t" r="r" b="b"/>
-                <a:pathLst>
-                  <a:path w="4071723" h="2026612">
-                    <a:moveTo>
-                      <a:pt x="2013372" y="26"/>
-                    </a:moveTo>
-                    <a:cubicBezTo>
-                      <a:pt x="3085749" y="5363"/>
-                      <a:pt x="3963716" y="824754"/>
-                      <a:pt x="4064581" y="1869676"/>
-                    </a:cubicBezTo>
-                    <a:lnTo>
-                      <a:pt x="4071723" y="2026612"/>
-                    </a:lnTo>
-                    <a:lnTo>
-                      <a:pt x="4042898" y="2026612"/>
-                    </a:lnTo>
-                    <a:lnTo>
-                      <a:pt x="4035884" y="1872481"/>
-                    </a:lnTo>
-                    <a:cubicBezTo>
-                      <a:pt x="3936423" y="842104"/>
-                      <a:pt x="3070679" y="34120"/>
-                      <a:pt x="2013229" y="28856"/>
-                    </a:cubicBezTo>
-                    <a:cubicBezTo>
-                      <a:pt x="1096773" y="24294"/>
-                      <a:pt x="318298" y="624068"/>
-                      <a:pt x="55578" y="1454149"/>
-                    </a:cubicBezTo>
-                    <a:lnTo>
-                      <a:pt x="29738" y="1552608"/>
-                    </a:lnTo>
-                    <a:lnTo>
-                      <a:pt x="0" y="1552460"/>
-                    </a:lnTo>
-                    <a:lnTo>
-                      <a:pt x="28086" y="1445438"/>
-                    </a:lnTo>
-                    <a:cubicBezTo>
-                      <a:pt x="294515" y="603640"/>
-                      <a:pt x="1083979" y="-4601"/>
-                      <a:pt x="2013372" y="26"/>
-                    </a:cubicBezTo>
-                    <a:close/>
-                  </a:path>
-                </a:pathLst>
-              </a:custGeom>
-              <a:gradFill flip="none" rotWithShape="1">
-                <a:gsLst>
-                  <a:gs pos="100000">
-                    <a:srgbClr val="00A7F8">
-                      <a:alpha val="0"/>
-                    </a:srgbClr>
-                  </a:gs>
-                  <a:gs pos="0">
-                    <a:schemeClr val="bg1"/>
-                  </a:gs>
-                </a:gsLst>
-                <a:lin ang="2700000" scaled="1"/>
-                <a:tileRect/>
-              </a:gradFill>
-              <a:ln>
-                <a:noFill/>
-              </a:ln>
-            </p:spPr>
-            <p:style>
-              <a:lnRef idx="2">
-                <a:schemeClr val="accent1">
-                  <a:shade val="50000"/>
-                </a:schemeClr>
-              </a:lnRef>
-              <a:fillRef idx="1">
-                <a:schemeClr val="accent1"/>
-              </a:fillRef>
-              <a:effectRef idx="0">
-                <a:schemeClr val="accent1"/>
-              </a:effectRef>
-              <a:fontRef idx="minor">
-                <a:schemeClr val="lt1"/>
-              </a:fontRef>
-            </p:style>
-            <p:txBody>
-              <a:bodyPr rtlCol="0" anchor="ctr"/>
-              <a:lstStyle/>
-              <a:p>
-                <a:pPr algn="ctr"/>
-                <a:endParaRPr lang="zh-CN" altLang="en-US"/>
-              </a:p>
-            </p:txBody>
-          </p:sp>
-          <p:sp>
-            <p:nvSpPr>
-              <p:cNvPr id="64" name="椭圆 63"/>
-              <p:cNvSpPr/>
-              <p:nvPr/>
-            </p:nvSpPr>
-            <p:spPr>
-              <a:xfrm rot="1817112">
-                <a:off x="7946930" y="3661974"/>
-                <a:ext cx="184284" cy="184284"/>
-              </a:xfrm>
-              <a:prstGeom prst="ellipse">
-                <a:avLst/>
-              </a:prstGeom>
-              <a:solidFill>
-                <a:schemeClr val="bg1"/>
-              </a:solidFill>
-              <a:ln>
-                <a:noFill/>
-              </a:ln>
-            </p:spPr>
-            <p:style>
-              <a:lnRef idx="2">
-                <a:schemeClr val="accent1">
-                  <a:shade val="50000"/>
-                </a:schemeClr>
-              </a:lnRef>
-              <a:fillRef idx="1">
-                <a:schemeClr val="accent1"/>
-              </a:fillRef>
-              <a:effectRef idx="0">
-                <a:schemeClr val="accent1"/>
-              </a:effectRef>
-              <a:fontRef idx="minor">
-                <a:schemeClr val="lt1"/>
-              </a:fontRef>
-            </p:style>
-            <p:txBody>
-              <a:bodyPr rtlCol="0" anchor="ctr"/>
-              <a:lstStyle/>
-              <a:p>
-                <a:pPr algn="ctr"/>
-                <a:endParaRPr lang="zh-CN" altLang="en-US"/>
-              </a:p>
-            </p:txBody>
-          </p:sp>
-        </p:grpSp>
-      </p:grpSp>
-    </p:spTree>
-    <p:extLst>
-      <p:ext uri="{BB962C8B-B14F-4D97-AF65-F5344CB8AC3E}">
-        <p14:creationId xmlns:p14="http://schemas.microsoft.com/office/powerpoint/2010/main" val="638708219"/>
       </p:ext>
     </p:extLst>
   </p:cSld>
@@ -14637,6 +13570,1142 @@
       </p:grpSpPr>
       <p:sp>
         <p:nvSpPr>
+          <p:cNvPr id="21" name="文本框 20"/>
+          <p:cNvSpPr txBox="1"/>
+          <p:nvPr/>
+        </p:nvSpPr>
+        <p:spPr>
+          <a:xfrm>
+            <a:off x="5622854" y="1687540"/>
+            <a:ext cx="633507" cy="1107996"/>
+          </a:xfrm>
+          <a:prstGeom prst="rect">
+            <a:avLst/>
+          </a:prstGeom>
+          <a:noFill/>
+        </p:spPr>
+        <p:txBody>
+          <a:bodyPr wrap="none" rtlCol="0">
+            <a:spAutoFit/>
+          </a:bodyPr>
+          <a:lstStyle/>
+          <a:p>
+            <a:r>
+              <a:rPr lang="en-US" altLang="zh-CN" sz="6600" dirty="0" smtClean="0">
+                <a:solidFill>
+                  <a:schemeClr val="bg1"/>
+                </a:solidFill>
+                <a:latin typeface="Impact" panose="020B0806030902050204" pitchFamily="34" charset="0"/>
+              </a:rPr>
+              <a:t>3</a:t>
+            </a:r>
+            <a:endParaRPr lang="zh-CN" altLang="en-US" sz="6600" dirty="0">
+              <a:solidFill>
+                <a:schemeClr val="bg1"/>
+              </a:solidFill>
+              <a:latin typeface="Impact" panose="020B0806030902050204" pitchFamily="34" charset="0"/>
+            </a:endParaRPr>
+          </a:p>
+        </p:txBody>
+      </p:sp>
+      <p:sp>
+        <p:nvSpPr>
+          <p:cNvPr id="25" name="同侧圆角矩形 24"/>
+          <p:cNvSpPr/>
+          <p:nvPr/>
+        </p:nvSpPr>
+        <p:spPr>
+          <a:xfrm>
+            <a:off x="2284671" y="2797228"/>
+            <a:ext cx="7390602" cy="1083177"/>
+          </a:xfrm>
+          <a:prstGeom prst="round2SameRect">
+            <a:avLst>
+              <a:gd name="adj1" fmla="val 36466"/>
+              <a:gd name="adj2" fmla="val 39493"/>
+            </a:avLst>
+          </a:prstGeom>
+          <a:gradFill>
+            <a:gsLst>
+              <a:gs pos="0">
+                <a:schemeClr val="bg1">
+                  <a:alpha val="22000"/>
+                </a:schemeClr>
+              </a:gs>
+              <a:gs pos="100000">
+                <a:schemeClr val="bg1">
+                  <a:alpha val="0"/>
+                </a:schemeClr>
+              </a:gs>
+            </a:gsLst>
+            <a:lin ang="5400000" scaled="1"/>
+          </a:gradFill>
+          <a:ln>
+            <a:gradFill>
+              <a:gsLst>
+                <a:gs pos="0">
+                  <a:schemeClr val="bg1"/>
+                </a:gs>
+                <a:gs pos="100000">
+                  <a:schemeClr val="bg1">
+                    <a:alpha val="0"/>
+                  </a:schemeClr>
+                </a:gs>
+              </a:gsLst>
+              <a:lin ang="5400000" scaled="1"/>
+            </a:gradFill>
+          </a:ln>
+        </p:spPr>
+        <p:style>
+          <a:lnRef idx="2">
+            <a:schemeClr val="accent1">
+              <a:shade val="50000"/>
+            </a:schemeClr>
+          </a:lnRef>
+          <a:fillRef idx="1">
+            <a:schemeClr val="accent1"/>
+          </a:fillRef>
+          <a:effectRef idx="0">
+            <a:schemeClr val="accent1"/>
+          </a:effectRef>
+          <a:fontRef idx="minor">
+            <a:schemeClr val="lt1"/>
+          </a:fontRef>
+        </p:style>
+        <p:txBody>
+          <a:bodyPr rtlCol="0" anchor="ctr"/>
+          <a:lstStyle/>
+          <a:p>
+            <a:pPr algn="ctr"/>
+            <a:endParaRPr lang="zh-CN" altLang="en-US"/>
+          </a:p>
+        </p:txBody>
+      </p:sp>
+      <p:sp>
+        <p:nvSpPr>
+          <p:cNvPr id="20" name="文本框 19"/>
+          <p:cNvSpPr txBox="1"/>
+          <p:nvPr/>
+        </p:nvSpPr>
+        <p:spPr>
+          <a:xfrm>
+            <a:off x="5105885" y="3002846"/>
+            <a:ext cx="1643399" cy="584775"/>
+          </a:xfrm>
+          <a:prstGeom prst="rect">
+            <a:avLst/>
+          </a:prstGeom>
+          <a:noFill/>
+        </p:spPr>
+        <p:txBody>
+          <a:bodyPr wrap="none" rtlCol="0">
+            <a:spAutoFit/>
+          </a:bodyPr>
+          <a:lstStyle/>
+          <a:p>
+            <a:r>
+              <a:rPr lang="en-US" altLang="zh-CN" sz="3200" dirty="0" smtClean="0">
+                <a:solidFill>
+                  <a:schemeClr val="bg1"/>
+                </a:solidFill>
+                <a:latin typeface="方正兰亭粗黑_GBK" panose="02000000000000000000" pitchFamily="2" charset="-122"/>
+                <a:ea typeface="方正兰亭粗黑_GBK" panose="02000000000000000000" pitchFamily="2" charset="-122"/>
+              </a:rPr>
+              <a:t>iOS</a:t>
+            </a:r>
+            <a:r>
+              <a:rPr lang="zh-CN" altLang="en-US" sz="3200" dirty="0" smtClean="0">
+                <a:solidFill>
+                  <a:schemeClr val="bg1"/>
+                </a:solidFill>
+                <a:latin typeface="方正兰亭粗黑_GBK" panose="02000000000000000000" pitchFamily="2" charset="-122"/>
+                <a:ea typeface="方正兰亭粗黑_GBK" panose="02000000000000000000" pitchFamily="2" charset="-122"/>
+              </a:rPr>
+              <a:t>开发</a:t>
+            </a:r>
+            <a:endParaRPr lang="zh-CN" altLang="en-US" sz="3200" dirty="0">
+              <a:solidFill>
+                <a:schemeClr val="bg1"/>
+              </a:solidFill>
+              <a:latin typeface="方正兰亭粗黑_GBK" panose="02000000000000000000" pitchFamily="2" charset="-122"/>
+              <a:ea typeface="方正兰亭粗黑_GBK" panose="02000000000000000000" pitchFamily="2" charset="-122"/>
+            </a:endParaRPr>
+          </a:p>
+        </p:txBody>
+      </p:sp>
+      <p:grpSp>
+        <p:nvGrpSpPr>
+          <p:cNvPr id="8" name="组合 7"/>
+          <p:cNvGrpSpPr/>
+          <p:nvPr/>
+        </p:nvGrpSpPr>
+        <p:grpSpPr>
+          <a:xfrm>
+            <a:off x="3934775" y="3715211"/>
+            <a:ext cx="4138098" cy="2017024"/>
+            <a:chOff x="4734875" y="3485051"/>
+            <a:chExt cx="4138098" cy="2017024"/>
+          </a:xfrm>
+        </p:grpSpPr>
+        <p:grpSp>
+          <p:nvGrpSpPr>
+            <p:cNvPr id="7" name="组合 6"/>
+            <p:cNvGrpSpPr/>
+            <p:nvPr/>
+          </p:nvGrpSpPr>
+          <p:grpSpPr>
+            <a:xfrm>
+              <a:off x="5500786" y="3599615"/>
+              <a:ext cx="2630428" cy="1282143"/>
+              <a:chOff x="5500786" y="3599615"/>
+              <a:chExt cx="2630428" cy="1282143"/>
+            </a:xfrm>
+          </p:grpSpPr>
+          <p:sp>
+            <p:nvSpPr>
+              <p:cNvPr id="54" name="椭圆 53"/>
+              <p:cNvSpPr/>
+              <p:nvPr/>
+            </p:nvSpPr>
+            <p:spPr>
+              <a:xfrm rot="1817112">
+                <a:off x="7946930" y="3661974"/>
+                <a:ext cx="184284" cy="184284"/>
+              </a:xfrm>
+              <a:prstGeom prst="ellipse">
+                <a:avLst/>
+              </a:prstGeom>
+              <a:solidFill>
+                <a:schemeClr val="bg1"/>
+              </a:solidFill>
+              <a:ln>
+                <a:noFill/>
+              </a:ln>
+            </p:spPr>
+            <p:style>
+              <a:lnRef idx="2">
+                <a:schemeClr val="accent1">
+                  <a:shade val="50000"/>
+                </a:schemeClr>
+              </a:lnRef>
+              <a:fillRef idx="1">
+                <a:schemeClr val="accent1"/>
+              </a:fillRef>
+              <a:effectRef idx="0">
+                <a:schemeClr val="accent1"/>
+              </a:effectRef>
+              <a:fontRef idx="minor">
+                <a:schemeClr val="lt1"/>
+              </a:fontRef>
+            </p:style>
+            <p:txBody>
+              <a:bodyPr rtlCol="0" anchor="ctr"/>
+              <a:lstStyle/>
+              <a:p>
+                <a:pPr algn="ctr"/>
+                <a:endParaRPr lang="zh-CN" altLang="en-US"/>
+              </a:p>
+            </p:txBody>
+          </p:sp>
+          <p:sp>
+            <p:nvSpPr>
+              <p:cNvPr id="55" name="任意多边形 54"/>
+              <p:cNvSpPr/>
+              <p:nvPr/>
+            </p:nvSpPr>
+            <p:spPr>
+              <a:xfrm rot="10486686">
+                <a:off x="5500786" y="3599615"/>
+                <a:ext cx="2575990" cy="1282143"/>
+              </a:xfrm>
+              <a:custGeom>
+                <a:avLst/>
+                <a:gdLst>
+                  <a:gd name="connsiteX0" fmla="*/ 2013372 w 4071723"/>
+                  <a:gd name="connsiteY0" fmla="*/ 26 h 2026612"/>
+                  <a:gd name="connsiteX1" fmla="*/ 4064581 w 4071723"/>
+                  <a:gd name="connsiteY1" fmla="*/ 1869676 h 2026612"/>
+                  <a:gd name="connsiteX2" fmla="*/ 4071723 w 4071723"/>
+                  <a:gd name="connsiteY2" fmla="*/ 2026612 h 2026612"/>
+                  <a:gd name="connsiteX3" fmla="*/ 4042898 w 4071723"/>
+                  <a:gd name="connsiteY3" fmla="*/ 2026612 h 2026612"/>
+                  <a:gd name="connsiteX4" fmla="*/ 4035884 w 4071723"/>
+                  <a:gd name="connsiteY4" fmla="*/ 1872481 h 2026612"/>
+                  <a:gd name="connsiteX5" fmla="*/ 2013229 w 4071723"/>
+                  <a:gd name="connsiteY5" fmla="*/ 28856 h 2026612"/>
+                  <a:gd name="connsiteX6" fmla="*/ 55578 w 4071723"/>
+                  <a:gd name="connsiteY6" fmla="*/ 1454149 h 2026612"/>
+                  <a:gd name="connsiteX7" fmla="*/ 29738 w 4071723"/>
+                  <a:gd name="connsiteY7" fmla="*/ 1552608 h 2026612"/>
+                  <a:gd name="connsiteX8" fmla="*/ 0 w 4071723"/>
+                  <a:gd name="connsiteY8" fmla="*/ 1552460 h 2026612"/>
+                  <a:gd name="connsiteX9" fmla="*/ 28086 w 4071723"/>
+                  <a:gd name="connsiteY9" fmla="*/ 1445438 h 2026612"/>
+                  <a:gd name="connsiteX10" fmla="*/ 2013372 w 4071723"/>
+                  <a:gd name="connsiteY10" fmla="*/ 26 h 2026612"/>
+                </a:gdLst>
+                <a:ahLst/>
+                <a:cxnLst>
+                  <a:cxn ang="0">
+                    <a:pos x="connsiteX0" y="connsiteY0"/>
+                  </a:cxn>
+                  <a:cxn ang="0">
+                    <a:pos x="connsiteX1" y="connsiteY1"/>
+                  </a:cxn>
+                  <a:cxn ang="0">
+                    <a:pos x="connsiteX2" y="connsiteY2"/>
+                  </a:cxn>
+                  <a:cxn ang="0">
+                    <a:pos x="connsiteX3" y="connsiteY3"/>
+                  </a:cxn>
+                  <a:cxn ang="0">
+                    <a:pos x="connsiteX4" y="connsiteY4"/>
+                  </a:cxn>
+                  <a:cxn ang="0">
+                    <a:pos x="connsiteX5" y="connsiteY5"/>
+                  </a:cxn>
+                  <a:cxn ang="0">
+                    <a:pos x="connsiteX6" y="connsiteY6"/>
+                  </a:cxn>
+                  <a:cxn ang="0">
+                    <a:pos x="connsiteX7" y="connsiteY7"/>
+                  </a:cxn>
+                  <a:cxn ang="0">
+                    <a:pos x="connsiteX8" y="connsiteY8"/>
+                  </a:cxn>
+                  <a:cxn ang="0">
+                    <a:pos x="connsiteX9" y="connsiteY9"/>
+                  </a:cxn>
+                  <a:cxn ang="0">
+                    <a:pos x="connsiteX10" y="connsiteY10"/>
+                  </a:cxn>
+                </a:cxnLst>
+                <a:rect l="l" t="t" r="r" b="b"/>
+                <a:pathLst>
+                  <a:path w="4071723" h="2026612">
+                    <a:moveTo>
+                      <a:pt x="2013372" y="26"/>
+                    </a:moveTo>
+                    <a:cubicBezTo>
+                      <a:pt x="3085749" y="5363"/>
+                      <a:pt x="3963716" y="824754"/>
+                      <a:pt x="4064581" y="1869676"/>
+                    </a:cubicBezTo>
+                    <a:lnTo>
+                      <a:pt x="4071723" y="2026612"/>
+                    </a:lnTo>
+                    <a:lnTo>
+                      <a:pt x="4042898" y="2026612"/>
+                    </a:lnTo>
+                    <a:lnTo>
+                      <a:pt x="4035884" y="1872481"/>
+                    </a:lnTo>
+                    <a:cubicBezTo>
+                      <a:pt x="3936423" y="842104"/>
+                      <a:pt x="3070679" y="34120"/>
+                      <a:pt x="2013229" y="28856"/>
+                    </a:cubicBezTo>
+                    <a:cubicBezTo>
+                      <a:pt x="1096773" y="24294"/>
+                      <a:pt x="318298" y="624068"/>
+                      <a:pt x="55578" y="1454149"/>
+                    </a:cubicBezTo>
+                    <a:lnTo>
+                      <a:pt x="29738" y="1552608"/>
+                    </a:lnTo>
+                    <a:lnTo>
+                      <a:pt x="0" y="1552460"/>
+                    </a:lnTo>
+                    <a:lnTo>
+                      <a:pt x="28086" y="1445438"/>
+                    </a:lnTo>
+                    <a:cubicBezTo>
+                      <a:pt x="294515" y="603640"/>
+                      <a:pt x="1083979" y="-4601"/>
+                      <a:pt x="2013372" y="26"/>
+                    </a:cubicBezTo>
+                    <a:close/>
+                  </a:path>
+                </a:pathLst>
+              </a:custGeom>
+              <a:gradFill flip="none" rotWithShape="1">
+                <a:gsLst>
+                  <a:gs pos="100000">
+                    <a:schemeClr val="bg1">
+                      <a:alpha val="0"/>
+                      <a:lumMod val="0"/>
+                      <a:lumOff val="100000"/>
+                    </a:schemeClr>
+                  </a:gs>
+                  <a:gs pos="0">
+                    <a:schemeClr val="bg1"/>
+                  </a:gs>
+                </a:gsLst>
+                <a:lin ang="2700000" scaled="1"/>
+                <a:tileRect/>
+              </a:gradFill>
+              <a:ln>
+                <a:noFill/>
+              </a:ln>
+            </p:spPr>
+            <p:style>
+              <a:lnRef idx="2">
+                <a:schemeClr val="accent1">
+                  <a:shade val="50000"/>
+                </a:schemeClr>
+              </a:lnRef>
+              <a:fillRef idx="1">
+                <a:schemeClr val="accent1"/>
+              </a:fillRef>
+              <a:effectRef idx="0">
+                <a:schemeClr val="accent1"/>
+              </a:effectRef>
+              <a:fontRef idx="minor">
+                <a:schemeClr val="lt1"/>
+              </a:fontRef>
+            </p:style>
+            <p:txBody>
+              <a:bodyPr rtlCol="0" anchor="ctr"/>
+              <a:lstStyle/>
+              <a:p>
+                <a:pPr algn="ctr"/>
+                <a:endParaRPr lang="zh-CN" altLang="en-US"/>
+              </a:p>
+            </p:txBody>
+          </p:sp>
+        </p:grpSp>
+        <p:grpSp>
+          <p:nvGrpSpPr>
+            <p:cNvPr id="58" name="组合 57"/>
+            <p:cNvGrpSpPr/>
+            <p:nvPr/>
+          </p:nvGrpSpPr>
+          <p:grpSpPr>
+            <a:xfrm>
+              <a:off x="4734875" y="3485051"/>
+              <a:ext cx="4138098" cy="2017024"/>
+              <a:chOff x="5500786" y="3599615"/>
+              <a:chExt cx="2630428" cy="1282143"/>
+            </a:xfrm>
+          </p:grpSpPr>
+          <p:sp>
+            <p:nvSpPr>
+              <p:cNvPr id="60" name="任意多边形 59"/>
+              <p:cNvSpPr/>
+              <p:nvPr/>
+            </p:nvSpPr>
+            <p:spPr>
+              <a:xfrm rot="10486686">
+                <a:off x="5500786" y="3599615"/>
+                <a:ext cx="2575990" cy="1282143"/>
+              </a:xfrm>
+              <a:custGeom>
+                <a:avLst/>
+                <a:gdLst>
+                  <a:gd name="connsiteX0" fmla="*/ 2013372 w 4071723"/>
+                  <a:gd name="connsiteY0" fmla="*/ 26 h 2026612"/>
+                  <a:gd name="connsiteX1" fmla="*/ 4064581 w 4071723"/>
+                  <a:gd name="connsiteY1" fmla="*/ 1869676 h 2026612"/>
+                  <a:gd name="connsiteX2" fmla="*/ 4071723 w 4071723"/>
+                  <a:gd name="connsiteY2" fmla="*/ 2026612 h 2026612"/>
+                  <a:gd name="connsiteX3" fmla="*/ 4042898 w 4071723"/>
+                  <a:gd name="connsiteY3" fmla="*/ 2026612 h 2026612"/>
+                  <a:gd name="connsiteX4" fmla="*/ 4035884 w 4071723"/>
+                  <a:gd name="connsiteY4" fmla="*/ 1872481 h 2026612"/>
+                  <a:gd name="connsiteX5" fmla="*/ 2013229 w 4071723"/>
+                  <a:gd name="connsiteY5" fmla="*/ 28856 h 2026612"/>
+                  <a:gd name="connsiteX6" fmla="*/ 55578 w 4071723"/>
+                  <a:gd name="connsiteY6" fmla="*/ 1454149 h 2026612"/>
+                  <a:gd name="connsiteX7" fmla="*/ 29738 w 4071723"/>
+                  <a:gd name="connsiteY7" fmla="*/ 1552608 h 2026612"/>
+                  <a:gd name="connsiteX8" fmla="*/ 0 w 4071723"/>
+                  <a:gd name="connsiteY8" fmla="*/ 1552460 h 2026612"/>
+                  <a:gd name="connsiteX9" fmla="*/ 28086 w 4071723"/>
+                  <a:gd name="connsiteY9" fmla="*/ 1445438 h 2026612"/>
+                  <a:gd name="connsiteX10" fmla="*/ 2013372 w 4071723"/>
+                  <a:gd name="connsiteY10" fmla="*/ 26 h 2026612"/>
+                </a:gdLst>
+                <a:ahLst/>
+                <a:cxnLst>
+                  <a:cxn ang="0">
+                    <a:pos x="connsiteX0" y="connsiteY0"/>
+                  </a:cxn>
+                  <a:cxn ang="0">
+                    <a:pos x="connsiteX1" y="connsiteY1"/>
+                  </a:cxn>
+                  <a:cxn ang="0">
+                    <a:pos x="connsiteX2" y="connsiteY2"/>
+                  </a:cxn>
+                  <a:cxn ang="0">
+                    <a:pos x="connsiteX3" y="connsiteY3"/>
+                  </a:cxn>
+                  <a:cxn ang="0">
+                    <a:pos x="connsiteX4" y="connsiteY4"/>
+                  </a:cxn>
+                  <a:cxn ang="0">
+                    <a:pos x="connsiteX5" y="connsiteY5"/>
+                  </a:cxn>
+                  <a:cxn ang="0">
+                    <a:pos x="connsiteX6" y="connsiteY6"/>
+                  </a:cxn>
+                  <a:cxn ang="0">
+                    <a:pos x="connsiteX7" y="connsiteY7"/>
+                  </a:cxn>
+                  <a:cxn ang="0">
+                    <a:pos x="connsiteX8" y="connsiteY8"/>
+                  </a:cxn>
+                  <a:cxn ang="0">
+                    <a:pos x="connsiteX9" y="connsiteY9"/>
+                  </a:cxn>
+                  <a:cxn ang="0">
+                    <a:pos x="connsiteX10" y="connsiteY10"/>
+                  </a:cxn>
+                </a:cxnLst>
+                <a:rect l="l" t="t" r="r" b="b"/>
+                <a:pathLst>
+                  <a:path w="4071723" h="2026612">
+                    <a:moveTo>
+                      <a:pt x="2013372" y="26"/>
+                    </a:moveTo>
+                    <a:cubicBezTo>
+                      <a:pt x="3085749" y="5363"/>
+                      <a:pt x="3963716" y="824754"/>
+                      <a:pt x="4064581" y="1869676"/>
+                    </a:cubicBezTo>
+                    <a:lnTo>
+                      <a:pt x="4071723" y="2026612"/>
+                    </a:lnTo>
+                    <a:lnTo>
+                      <a:pt x="4042898" y="2026612"/>
+                    </a:lnTo>
+                    <a:lnTo>
+                      <a:pt x="4035884" y="1872481"/>
+                    </a:lnTo>
+                    <a:cubicBezTo>
+                      <a:pt x="3936423" y="842104"/>
+                      <a:pt x="3070679" y="34120"/>
+                      <a:pt x="2013229" y="28856"/>
+                    </a:cubicBezTo>
+                    <a:cubicBezTo>
+                      <a:pt x="1096773" y="24294"/>
+                      <a:pt x="318298" y="624068"/>
+                      <a:pt x="55578" y="1454149"/>
+                    </a:cubicBezTo>
+                    <a:lnTo>
+                      <a:pt x="29738" y="1552608"/>
+                    </a:lnTo>
+                    <a:lnTo>
+                      <a:pt x="0" y="1552460"/>
+                    </a:lnTo>
+                    <a:lnTo>
+                      <a:pt x="28086" y="1445438"/>
+                    </a:lnTo>
+                    <a:cubicBezTo>
+                      <a:pt x="294515" y="603640"/>
+                      <a:pt x="1083979" y="-4601"/>
+                      <a:pt x="2013372" y="26"/>
+                    </a:cubicBezTo>
+                    <a:close/>
+                  </a:path>
+                </a:pathLst>
+              </a:custGeom>
+              <a:gradFill flip="none" rotWithShape="1">
+                <a:gsLst>
+                  <a:gs pos="100000">
+                    <a:schemeClr val="bg1">
+                      <a:alpha val="0"/>
+                      <a:lumMod val="0"/>
+                      <a:lumOff val="100000"/>
+                    </a:schemeClr>
+                  </a:gs>
+                  <a:gs pos="0">
+                    <a:srgbClr val="00A7F8"/>
+                  </a:gs>
+                </a:gsLst>
+                <a:lin ang="2700000" scaled="1"/>
+                <a:tileRect/>
+              </a:gradFill>
+              <a:ln>
+                <a:noFill/>
+              </a:ln>
+            </p:spPr>
+            <p:style>
+              <a:lnRef idx="2">
+                <a:schemeClr val="accent1">
+                  <a:shade val="50000"/>
+                </a:schemeClr>
+              </a:lnRef>
+              <a:fillRef idx="1">
+                <a:schemeClr val="accent1"/>
+              </a:fillRef>
+              <a:effectRef idx="0">
+                <a:schemeClr val="accent1"/>
+              </a:effectRef>
+              <a:fontRef idx="minor">
+                <a:schemeClr val="lt1"/>
+              </a:fontRef>
+            </p:style>
+            <p:txBody>
+              <a:bodyPr rtlCol="0" anchor="ctr"/>
+              <a:lstStyle/>
+              <a:p>
+                <a:pPr algn="ctr"/>
+                <a:endParaRPr lang="zh-CN" altLang="en-US"/>
+              </a:p>
+            </p:txBody>
+          </p:sp>
+          <p:sp>
+            <p:nvSpPr>
+              <p:cNvPr id="59" name="椭圆 58"/>
+              <p:cNvSpPr/>
+              <p:nvPr/>
+            </p:nvSpPr>
+            <p:spPr>
+              <a:xfrm rot="1817112">
+                <a:off x="7946930" y="3661974"/>
+                <a:ext cx="184284" cy="184284"/>
+              </a:xfrm>
+              <a:prstGeom prst="ellipse">
+                <a:avLst/>
+              </a:prstGeom>
+              <a:solidFill>
+                <a:schemeClr val="bg1"/>
+              </a:solidFill>
+              <a:ln>
+                <a:noFill/>
+              </a:ln>
+            </p:spPr>
+            <p:style>
+              <a:lnRef idx="2">
+                <a:schemeClr val="accent1">
+                  <a:shade val="50000"/>
+                </a:schemeClr>
+              </a:lnRef>
+              <a:fillRef idx="1">
+                <a:schemeClr val="accent1"/>
+              </a:fillRef>
+              <a:effectRef idx="0">
+                <a:schemeClr val="accent1"/>
+              </a:effectRef>
+              <a:fontRef idx="minor">
+                <a:schemeClr val="lt1"/>
+              </a:fontRef>
+            </p:style>
+            <p:txBody>
+              <a:bodyPr rtlCol="0" anchor="ctr"/>
+              <a:lstStyle/>
+              <a:p>
+                <a:pPr algn="ctr"/>
+                <a:endParaRPr lang="zh-CN" altLang="en-US"/>
+              </a:p>
+            </p:txBody>
+          </p:sp>
+        </p:grpSp>
+      </p:grpSp>
+      <p:grpSp>
+        <p:nvGrpSpPr>
+          <p:cNvPr id="61" name="组合 60"/>
+          <p:cNvGrpSpPr/>
+          <p:nvPr/>
+        </p:nvGrpSpPr>
+        <p:grpSpPr>
+          <a:xfrm rot="10800000">
+            <a:off x="3764420" y="1047577"/>
+            <a:ext cx="4138098" cy="2017024"/>
+            <a:chOff x="4734875" y="3485051"/>
+            <a:chExt cx="4138098" cy="2017024"/>
+          </a:xfrm>
+        </p:grpSpPr>
+        <p:grpSp>
+          <p:nvGrpSpPr>
+            <p:cNvPr id="62" name="组合 61"/>
+            <p:cNvGrpSpPr/>
+            <p:nvPr/>
+          </p:nvGrpSpPr>
+          <p:grpSpPr>
+            <a:xfrm>
+              <a:off x="5500786" y="3599615"/>
+              <a:ext cx="2630428" cy="1282143"/>
+              <a:chOff x="5500786" y="3599615"/>
+              <a:chExt cx="2630428" cy="1282143"/>
+            </a:xfrm>
+          </p:grpSpPr>
+          <p:sp>
+            <p:nvSpPr>
+              <p:cNvPr id="67" name="任意多边形 66"/>
+              <p:cNvSpPr/>
+              <p:nvPr/>
+            </p:nvSpPr>
+            <p:spPr>
+              <a:xfrm rot="10486686">
+                <a:off x="5500786" y="3599615"/>
+                <a:ext cx="2575990" cy="1282143"/>
+              </a:xfrm>
+              <a:custGeom>
+                <a:avLst/>
+                <a:gdLst>
+                  <a:gd name="connsiteX0" fmla="*/ 2013372 w 4071723"/>
+                  <a:gd name="connsiteY0" fmla="*/ 26 h 2026612"/>
+                  <a:gd name="connsiteX1" fmla="*/ 4064581 w 4071723"/>
+                  <a:gd name="connsiteY1" fmla="*/ 1869676 h 2026612"/>
+                  <a:gd name="connsiteX2" fmla="*/ 4071723 w 4071723"/>
+                  <a:gd name="connsiteY2" fmla="*/ 2026612 h 2026612"/>
+                  <a:gd name="connsiteX3" fmla="*/ 4042898 w 4071723"/>
+                  <a:gd name="connsiteY3" fmla="*/ 2026612 h 2026612"/>
+                  <a:gd name="connsiteX4" fmla="*/ 4035884 w 4071723"/>
+                  <a:gd name="connsiteY4" fmla="*/ 1872481 h 2026612"/>
+                  <a:gd name="connsiteX5" fmla="*/ 2013229 w 4071723"/>
+                  <a:gd name="connsiteY5" fmla="*/ 28856 h 2026612"/>
+                  <a:gd name="connsiteX6" fmla="*/ 55578 w 4071723"/>
+                  <a:gd name="connsiteY6" fmla="*/ 1454149 h 2026612"/>
+                  <a:gd name="connsiteX7" fmla="*/ 29738 w 4071723"/>
+                  <a:gd name="connsiteY7" fmla="*/ 1552608 h 2026612"/>
+                  <a:gd name="connsiteX8" fmla="*/ 0 w 4071723"/>
+                  <a:gd name="connsiteY8" fmla="*/ 1552460 h 2026612"/>
+                  <a:gd name="connsiteX9" fmla="*/ 28086 w 4071723"/>
+                  <a:gd name="connsiteY9" fmla="*/ 1445438 h 2026612"/>
+                  <a:gd name="connsiteX10" fmla="*/ 2013372 w 4071723"/>
+                  <a:gd name="connsiteY10" fmla="*/ 26 h 2026612"/>
+                </a:gdLst>
+                <a:ahLst/>
+                <a:cxnLst>
+                  <a:cxn ang="0">
+                    <a:pos x="connsiteX0" y="connsiteY0"/>
+                  </a:cxn>
+                  <a:cxn ang="0">
+                    <a:pos x="connsiteX1" y="connsiteY1"/>
+                  </a:cxn>
+                  <a:cxn ang="0">
+                    <a:pos x="connsiteX2" y="connsiteY2"/>
+                  </a:cxn>
+                  <a:cxn ang="0">
+                    <a:pos x="connsiteX3" y="connsiteY3"/>
+                  </a:cxn>
+                  <a:cxn ang="0">
+                    <a:pos x="connsiteX4" y="connsiteY4"/>
+                  </a:cxn>
+                  <a:cxn ang="0">
+                    <a:pos x="connsiteX5" y="connsiteY5"/>
+                  </a:cxn>
+                  <a:cxn ang="0">
+                    <a:pos x="connsiteX6" y="connsiteY6"/>
+                  </a:cxn>
+                  <a:cxn ang="0">
+                    <a:pos x="connsiteX7" y="connsiteY7"/>
+                  </a:cxn>
+                  <a:cxn ang="0">
+                    <a:pos x="connsiteX8" y="connsiteY8"/>
+                  </a:cxn>
+                  <a:cxn ang="0">
+                    <a:pos x="connsiteX9" y="connsiteY9"/>
+                  </a:cxn>
+                  <a:cxn ang="0">
+                    <a:pos x="connsiteX10" y="connsiteY10"/>
+                  </a:cxn>
+                </a:cxnLst>
+                <a:rect l="l" t="t" r="r" b="b"/>
+                <a:pathLst>
+                  <a:path w="4071723" h="2026612">
+                    <a:moveTo>
+                      <a:pt x="2013372" y="26"/>
+                    </a:moveTo>
+                    <a:cubicBezTo>
+                      <a:pt x="3085749" y="5363"/>
+                      <a:pt x="3963716" y="824754"/>
+                      <a:pt x="4064581" y="1869676"/>
+                    </a:cubicBezTo>
+                    <a:lnTo>
+                      <a:pt x="4071723" y="2026612"/>
+                    </a:lnTo>
+                    <a:lnTo>
+                      <a:pt x="4042898" y="2026612"/>
+                    </a:lnTo>
+                    <a:lnTo>
+                      <a:pt x="4035884" y="1872481"/>
+                    </a:lnTo>
+                    <a:cubicBezTo>
+                      <a:pt x="3936423" y="842104"/>
+                      <a:pt x="3070679" y="34120"/>
+                      <a:pt x="2013229" y="28856"/>
+                    </a:cubicBezTo>
+                    <a:cubicBezTo>
+                      <a:pt x="1096773" y="24294"/>
+                      <a:pt x="318298" y="624068"/>
+                      <a:pt x="55578" y="1454149"/>
+                    </a:cubicBezTo>
+                    <a:lnTo>
+                      <a:pt x="29738" y="1552608"/>
+                    </a:lnTo>
+                    <a:lnTo>
+                      <a:pt x="0" y="1552460"/>
+                    </a:lnTo>
+                    <a:lnTo>
+                      <a:pt x="28086" y="1445438"/>
+                    </a:lnTo>
+                    <a:cubicBezTo>
+                      <a:pt x="294515" y="603640"/>
+                      <a:pt x="1083979" y="-4601"/>
+                      <a:pt x="2013372" y="26"/>
+                    </a:cubicBezTo>
+                    <a:close/>
+                  </a:path>
+                </a:pathLst>
+              </a:custGeom>
+              <a:gradFill flip="none" rotWithShape="1">
+                <a:gsLst>
+                  <a:gs pos="100000">
+                    <a:srgbClr val="00A7F8">
+                      <a:alpha val="0"/>
+                    </a:srgbClr>
+                  </a:gs>
+                  <a:gs pos="0">
+                    <a:schemeClr val="bg1"/>
+                  </a:gs>
+                </a:gsLst>
+                <a:lin ang="2700000" scaled="1"/>
+                <a:tileRect/>
+              </a:gradFill>
+              <a:ln>
+                <a:noFill/>
+              </a:ln>
+            </p:spPr>
+            <p:style>
+              <a:lnRef idx="2">
+                <a:schemeClr val="accent1">
+                  <a:shade val="50000"/>
+                </a:schemeClr>
+              </a:lnRef>
+              <a:fillRef idx="1">
+                <a:schemeClr val="accent1"/>
+              </a:fillRef>
+              <a:effectRef idx="0">
+                <a:schemeClr val="accent1"/>
+              </a:effectRef>
+              <a:fontRef idx="minor">
+                <a:schemeClr val="lt1"/>
+              </a:fontRef>
+            </p:style>
+            <p:txBody>
+              <a:bodyPr rtlCol="0" anchor="ctr"/>
+              <a:lstStyle/>
+              <a:p>
+                <a:pPr algn="ctr"/>
+                <a:endParaRPr lang="zh-CN" altLang="en-US"/>
+              </a:p>
+            </p:txBody>
+          </p:sp>
+          <p:sp>
+            <p:nvSpPr>
+              <p:cNvPr id="66" name="椭圆 65"/>
+              <p:cNvSpPr/>
+              <p:nvPr/>
+            </p:nvSpPr>
+            <p:spPr>
+              <a:xfrm rot="1817112">
+                <a:off x="7946930" y="3661974"/>
+                <a:ext cx="184284" cy="184284"/>
+              </a:xfrm>
+              <a:prstGeom prst="ellipse">
+                <a:avLst/>
+              </a:prstGeom>
+              <a:solidFill>
+                <a:schemeClr val="bg1"/>
+              </a:solidFill>
+              <a:ln>
+                <a:noFill/>
+              </a:ln>
+            </p:spPr>
+            <p:style>
+              <a:lnRef idx="2">
+                <a:schemeClr val="accent1">
+                  <a:shade val="50000"/>
+                </a:schemeClr>
+              </a:lnRef>
+              <a:fillRef idx="1">
+                <a:schemeClr val="accent1"/>
+              </a:fillRef>
+              <a:effectRef idx="0">
+                <a:schemeClr val="accent1"/>
+              </a:effectRef>
+              <a:fontRef idx="minor">
+                <a:schemeClr val="lt1"/>
+              </a:fontRef>
+            </p:style>
+            <p:txBody>
+              <a:bodyPr rtlCol="0" anchor="ctr"/>
+              <a:lstStyle/>
+              <a:p>
+                <a:pPr algn="ctr"/>
+                <a:endParaRPr lang="zh-CN" altLang="en-US"/>
+              </a:p>
+            </p:txBody>
+          </p:sp>
+        </p:grpSp>
+        <p:grpSp>
+          <p:nvGrpSpPr>
+            <p:cNvPr id="63" name="组合 62"/>
+            <p:cNvGrpSpPr/>
+            <p:nvPr/>
+          </p:nvGrpSpPr>
+          <p:grpSpPr>
+            <a:xfrm>
+              <a:off x="4734875" y="3485051"/>
+              <a:ext cx="4138098" cy="2017024"/>
+              <a:chOff x="5500786" y="3599615"/>
+              <a:chExt cx="2630428" cy="1282143"/>
+            </a:xfrm>
+          </p:grpSpPr>
+          <p:sp>
+            <p:nvSpPr>
+              <p:cNvPr id="65" name="任意多边形 64"/>
+              <p:cNvSpPr/>
+              <p:nvPr/>
+            </p:nvSpPr>
+            <p:spPr>
+              <a:xfrm rot="10486686">
+                <a:off x="5500786" y="3599615"/>
+                <a:ext cx="2575990" cy="1282143"/>
+              </a:xfrm>
+              <a:custGeom>
+                <a:avLst/>
+                <a:gdLst>
+                  <a:gd name="connsiteX0" fmla="*/ 2013372 w 4071723"/>
+                  <a:gd name="connsiteY0" fmla="*/ 26 h 2026612"/>
+                  <a:gd name="connsiteX1" fmla="*/ 4064581 w 4071723"/>
+                  <a:gd name="connsiteY1" fmla="*/ 1869676 h 2026612"/>
+                  <a:gd name="connsiteX2" fmla="*/ 4071723 w 4071723"/>
+                  <a:gd name="connsiteY2" fmla="*/ 2026612 h 2026612"/>
+                  <a:gd name="connsiteX3" fmla="*/ 4042898 w 4071723"/>
+                  <a:gd name="connsiteY3" fmla="*/ 2026612 h 2026612"/>
+                  <a:gd name="connsiteX4" fmla="*/ 4035884 w 4071723"/>
+                  <a:gd name="connsiteY4" fmla="*/ 1872481 h 2026612"/>
+                  <a:gd name="connsiteX5" fmla="*/ 2013229 w 4071723"/>
+                  <a:gd name="connsiteY5" fmla="*/ 28856 h 2026612"/>
+                  <a:gd name="connsiteX6" fmla="*/ 55578 w 4071723"/>
+                  <a:gd name="connsiteY6" fmla="*/ 1454149 h 2026612"/>
+                  <a:gd name="connsiteX7" fmla="*/ 29738 w 4071723"/>
+                  <a:gd name="connsiteY7" fmla="*/ 1552608 h 2026612"/>
+                  <a:gd name="connsiteX8" fmla="*/ 0 w 4071723"/>
+                  <a:gd name="connsiteY8" fmla="*/ 1552460 h 2026612"/>
+                  <a:gd name="connsiteX9" fmla="*/ 28086 w 4071723"/>
+                  <a:gd name="connsiteY9" fmla="*/ 1445438 h 2026612"/>
+                  <a:gd name="connsiteX10" fmla="*/ 2013372 w 4071723"/>
+                  <a:gd name="connsiteY10" fmla="*/ 26 h 2026612"/>
+                </a:gdLst>
+                <a:ahLst/>
+                <a:cxnLst>
+                  <a:cxn ang="0">
+                    <a:pos x="connsiteX0" y="connsiteY0"/>
+                  </a:cxn>
+                  <a:cxn ang="0">
+                    <a:pos x="connsiteX1" y="connsiteY1"/>
+                  </a:cxn>
+                  <a:cxn ang="0">
+                    <a:pos x="connsiteX2" y="connsiteY2"/>
+                  </a:cxn>
+                  <a:cxn ang="0">
+                    <a:pos x="connsiteX3" y="connsiteY3"/>
+                  </a:cxn>
+                  <a:cxn ang="0">
+                    <a:pos x="connsiteX4" y="connsiteY4"/>
+                  </a:cxn>
+                  <a:cxn ang="0">
+                    <a:pos x="connsiteX5" y="connsiteY5"/>
+                  </a:cxn>
+                  <a:cxn ang="0">
+                    <a:pos x="connsiteX6" y="connsiteY6"/>
+                  </a:cxn>
+                  <a:cxn ang="0">
+                    <a:pos x="connsiteX7" y="connsiteY7"/>
+                  </a:cxn>
+                  <a:cxn ang="0">
+                    <a:pos x="connsiteX8" y="connsiteY8"/>
+                  </a:cxn>
+                  <a:cxn ang="0">
+                    <a:pos x="connsiteX9" y="connsiteY9"/>
+                  </a:cxn>
+                  <a:cxn ang="0">
+                    <a:pos x="connsiteX10" y="connsiteY10"/>
+                  </a:cxn>
+                </a:cxnLst>
+                <a:rect l="l" t="t" r="r" b="b"/>
+                <a:pathLst>
+                  <a:path w="4071723" h="2026612">
+                    <a:moveTo>
+                      <a:pt x="2013372" y="26"/>
+                    </a:moveTo>
+                    <a:cubicBezTo>
+                      <a:pt x="3085749" y="5363"/>
+                      <a:pt x="3963716" y="824754"/>
+                      <a:pt x="4064581" y="1869676"/>
+                    </a:cubicBezTo>
+                    <a:lnTo>
+                      <a:pt x="4071723" y="2026612"/>
+                    </a:lnTo>
+                    <a:lnTo>
+                      <a:pt x="4042898" y="2026612"/>
+                    </a:lnTo>
+                    <a:lnTo>
+                      <a:pt x="4035884" y="1872481"/>
+                    </a:lnTo>
+                    <a:cubicBezTo>
+                      <a:pt x="3936423" y="842104"/>
+                      <a:pt x="3070679" y="34120"/>
+                      <a:pt x="2013229" y="28856"/>
+                    </a:cubicBezTo>
+                    <a:cubicBezTo>
+                      <a:pt x="1096773" y="24294"/>
+                      <a:pt x="318298" y="624068"/>
+                      <a:pt x="55578" y="1454149"/>
+                    </a:cubicBezTo>
+                    <a:lnTo>
+                      <a:pt x="29738" y="1552608"/>
+                    </a:lnTo>
+                    <a:lnTo>
+                      <a:pt x="0" y="1552460"/>
+                    </a:lnTo>
+                    <a:lnTo>
+                      <a:pt x="28086" y="1445438"/>
+                    </a:lnTo>
+                    <a:cubicBezTo>
+                      <a:pt x="294515" y="603640"/>
+                      <a:pt x="1083979" y="-4601"/>
+                      <a:pt x="2013372" y="26"/>
+                    </a:cubicBezTo>
+                    <a:close/>
+                  </a:path>
+                </a:pathLst>
+              </a:custGeom>
+              <a:gradFill flip="none" rotWithShape="1">
+                <a:gsLst>
+                  <a:gs pos="100000">
+                    <a:srgbClr val="00A7F8">
+                      <a:alpha val="0"/>
+                    </a:srgbClr>
+                  </a:gs>
+                  <a:gs pos="0">
+                    <a:schemeClr val="bg1"/>
+                  </a:gs>
+                </a:gsLst>
+                <a:lin ang="2700000" scaled="1"/>
+                <a:tileRect/>
+              </a:gradFill>
+              <a:ln>
+                <a:noFill/>
+              </a:ln>
+            </p:spPr>
+            <p:style>
+              <a:lnRef idx="2">
+                <a:schemeClr val="accent1">
+                  <a:shade val="50000"/>
+                </a:schemeClr>
+              </a:lnRef>
+              <a:fillRef idx="1">
+                <a:schemeClr val="accent1"/>
+              </a:fillRef>
+              <a:effectRef idx="0">
+                <a:schemeClr val="accent1"/>
+              </a:effectRef>
+              <a:fontRef idx="minor">
+                <a:schemeClr val="lt1"/>
+              </a:fontRef>
+            </p:style>
+            <p:txBody>
+              <a:bodyPr rtlCol="0" anchor="ctr"/>
+              <a:lstStyle/>
+              <a:p>
+                <a:pPr algn="ctr"/>
+                <a:endParaRPr lang="zh-CN" altLang="en-US"/>
+              </a:p>
+            </p:txBody>
+          </p:sp>
+          <p:sp>
+            <p:nvSpPr>
+              <p:cNvPr id="64" name="椭圆 63"/>
+              <p:cNvSpPr/>
+              <p:nvPr/>
+            </p:nvSpPr>
+            <p:spPr>
+              <a:xfrm rot="1817112">
+                <a:off x="7946930" y="3661974"/>
+                <a:ext cx="184284" cy="184284"/>
+              </a:xfrm>
+              <a:prstGeom prst="ellipse">
+                <a:avLst/>
+              </a:prstGeom>
+              <a:solidFill>
+                <a:schemeClr val="bg1"/>
+              </a:solidFill>
+              <a:ln>
+                <a:noFill/>
+              </a:ln>
+            </p:spPr>
+            <p:style>
+              <a:lnRef idx="2">
+                <a:schemeClr val="accent1">
+                  <a:shade val="50000"/>
+                </a:schemeClr>
+              </a:lnRef>
+              <a:fillRef idx="1">
+                <a:schemeClr val="accent1"/>
+              </a:fillRef>
+              <a:effectRef idx="0">
+                <a:schemeClr val="accent1"/>
+              </a:effectRef>
+              <a:fontRef idx="minor">
+                <a:schemeClr val="lt1"/>
+              </a:fontRef>
+            </p:style>
+            <p:txBody>
+              <a:bodyPr rtlCol="0" anchor="ctr"/>
+              <a:lstStyle/>
+              <a:p>
+                <a:pPr algn="ctr"/>
+                <a:endParaRPr lang="zh-CN" altLang="en-US"/>
+              </a:p>
+            </p:txBody>
+          </p:sp>
+        </p:grpSp>
+      </p:grpSp>
+    </p:spTree>
+    <p:extLst>
+      <p:ext uri="{BB962C8B-B14F-4D97-AF65-F5344CB8AC3E}">
+        <p14:creationId xmlns:p14="http://schemas.microsoft.com/office/powerpoint/2010/main" val="638708219"/>
+      </p:ext>
+    </p:extLst>
+  </p:cSld>
+  <p:clrMapOvr>
+    <a:masterClrMapping/>
+  </p:clrMapOvr>
+  <p:timing>
+    <p:tnLst>
+      <p:par>
+        <p:cTn id="1" dur="indefinite" restart="never" nodeType="tmRoot"/>
+      </p:par>
+    </p:tnLst>
+  </p:timing>
+</p:sld>
+</file>
+
+<file path=ppt/slides/slide21.xml><?xml version="1.0" encoding="utf-8"?>
+<p:sld xmlns:a="http://schemas.openxmlformats.org/drawingml/2006/main" xmlns:r="http://schemas.openxmlformats.org/officeDocument/2006/relationships" xmlns:p="http://schemas.openxmlformats.org/presentationml/2006/main">
+  <p:cSld>
+    <p:spTree>
+      <p:nvGrpSpPr>
+        <p:cNvPr id="1" name=""/>
+        <p:cNvGrpSpPr/>
+        <p:nvPr/>
+      </p:nvGrpSpPr>
+      <p:grpSpPr>
+        <a:xfrm>
+          <a:off x="0" y="0"/>
+          <a:ext cx="0" cy="0"/>
+          <a:chOff x="0" y="0"/>
+          <a:chExt cx="0" cy="0"/>
+        </a:xfrm>
+      </p:grpSpPr>
+      <p:sp>
+        <p:nvSpPr>
           <p:cNvPr id="25" name="同侧圆角矩形 24"/>
           <p:cNvSpPr/>
           <p:nvPr/>
@@ -16621,7 +16690,7 @@
 </p:sld>
 </file>
 
-<file path=ppt/slides/slide21.xml><?xml version="1.0" encoding="utf-8"?>
+<file path=ppt/slides/slide22.xml><?xml version="1.0" encoding="utf-8"?>
 <p:sld xmlns:a="http://schemas.openxmlformats.org/drawingml/2006/main" xmlns:r="http://schemas.openxmlformats.org/officeDocument/2006/relationships" xmlns:p="http://schemas.openxmlformats.org/presentationml/2006/main">
   <p:cSld>
     <p:spTree>
@@ -17465,7 +17534,7 @@
 </p:sld>
 </file>
 
-<file path=ppt/slides/slide22.xml><?xml version="1.0" encoding="utf-8"?>
+<file path=ppt/slides/slide23.xml><?xml version="1.0" encoding="utf-8"?>
 <p:sld xmlns:a="http://schemas.openxmlformats.org/drawingml/2006/main" xmlns:r="http://schemas.openxmlformats.org/officeDocument/2006/relationships" xmlns:p="http://schemas.openxmlformats.org/presentationml/2006/main">
   <p:cSld>
     <p:spTree>
@@ -18555,7 +18624,7 @@
 </p:sld>
 </file>
 
-<file path=ppt/slides/slide23.xml><?xml version="1.0" encoding="utf-8"?>
+<file path=ppt/slides/slide24.xml><?xml version="1.0" encoding="utf-8"?>
 <p:sld xmlns:a="http://schemas.openxmlformats.org/drawingml/2006/main" xmlns:r="http://schemas.openxmlformats.org/officeDocument/2006/relationships" xmlns:p="http://schemas.openxmlformats.org/presentationml/2006/main">
   <p:cSld>
     <p:spTree>
@@ -19390,7 +19459,7 @@
 </p:sld>
 </file>
 
-<file path=ppt/slides/slide24.xml><?xml version="1.0" encoding="utf-8"?>
+<file path=ppt/slides/slide25.xml><?xml version="1.0" encoding="utf-8"?>
 <p:sld xmlns:a="http://schemas.openxmlformats.org/drawingml/2006/main" xmlns:r="http://schemas.openxmlformats.org/officeDocument/2006/relationships" xmlns:p="http://schemas.openxmlformats.org/presentationml/2006/main">
   <p:cSld>
     <p:spTree>
@@ -20217,7 +20286,7 @@
 </p:sld>
 </file>
 
-<file path=ppt/slides/slide25.xml><?xml version="1.0" encoding="utf-8"?>
+<file path=ppt/slides/slide26.xml><?xml version="1.0" encoding="utf-8"?>
 <p:sld xmlns:a="http://schemas.openxmlformats.org/drawingml/2006/main" xmlns:r="http://schemas.openxmlformats.org/officeDocument/2006/relationships" xmlns:p="http://schemas.openxmlformats.org/presentationml/2006/main">
   <p:cSld>
     <p:spTree>
@@ -21044,7 +21113,7 @@
 </p:sld>
 </file>
 
-<file path=ppt/slides/slide26.xml><?xml version="1.0" encoding="utf-8"?>
+<file path=ppt/slides/slide27.xml><?xml version="1.0" encoding="utf-8"?>
 <p:sld xmlns:a="http://schemas.openxmlformats.org/drawingml/2006/main" xmlns:r="http://schemas.openxmlformats.org/officeDocument/2006/relationships" xmlns:p="http://schemas.openxmlformats.org/presentationml/2006/main">
   <p:cSld>
     <p:spTree>
@@ -21909,7 +21978,7 @@
 </p:sld>
 </file>
 
-<file path=ppt/slides/slide27.xml><?xml version="1.0" encoding="utf-8"?>
+<file path=ppt/slides/slide28.xml><?xml version="1.0" encoding="utf-8"?>
 <p:sld xmlns:a="http://schemas.openxmlformats.org/drawingml/2006/main" xmlns:r="http://schemas.openxmlformats.org/officeDocument/2006/relationships" xmlns:p="http://schemas.openxmlformats.org/presentationml/2006/main">
   <p:cSld>
     <p:spTree>
@@ -23067,7 +23136,7 @@
 </p:sld>
 </file>
 
-<file path=ppt/slides/slide28.xml><?xml version="1.0" encoding="utf-8"?>
+<file path=ppt/slides/slide29.xml><?xml version="1.0" encoding="utf-8"?>
 <p:sld xmlns:a="http://schemas.openxmlformats.org/drawingml/2006/main" xmlns:r="http://schemas.openxmlformats.org/officeDocument/2006/relationships" xmlns:p="http://schemas.openxmlformats.org/presentationml/2006/main">
   <p:cSld>
     <p:spTree>
@@ -24037,951 +24106,6 @@
   <p:clrMapOvr>
     <a:masterClrMapping/>
   </p:clrMapOvr>
-  <p:timing>
-    <p:tnLst>
-      <p:par>
-        <p:cTn id="1" dur="indefinite" restart="never" nodeType="tmRoot"/>
-      </p:par>
-    </p:tnLst>
-  </p:timing>
-</p:sld>
-</file>
-
-<file path=ppt/slides/slide29.xml><?xml version="1.0" encoding="utf-8"?>
-<p:sld xmlns:a="http://schemas.openxmlformats.org/drawingml/2006/main" xmlns:r="http://schemas.openxmlformats.org/officeDocument/2006/relationships" xmlns:p="http://schemas.openxmlformats.org/presentationml/2006/main">
-  <p:cSld>
-    <p:spTree>
-      <p:nvGrpSpPr>
-        <p:cNvPr id="1" name=""/>
-        <p:cNvGrpSpPr/>
-        <p:nvPr/>
-      </p:nvGrpSpPr>
-      <p:grpSpPr>
-        <a:xfrm>
-          <a:off x="0" y="0"/>
-          <a:ext cx="0" cy="0"/>
-          <a:chOff x="0" y="0"/>
-          <a:chExt cx="0" cy="0"/>
-        </a:xfrm>
-      </p:grpSpPr>
-      <p:sp>
-        <p:nvSpPr>
-          <p:cNvPr id="25" name="同侧圆角矩形 24"/>
-          <p:cNvSpPr/>
-          <p:nvPr/>
-        </p:nvSpPr>
-        <p:spPr>
-          <a:xfrm>
-            <a:off x="2705696" y="326728"/>
-            <a:ext cx="7898804" cy="925716"/>
-          </a:xfrm>
-          <a:prstGeom prst="round2SameRect">
-            <a:avLst>
-              <a:gd name="adj1" fmla="val 38896"/>
-              <a:gd name="adj2" fmla="val 2451"/>
-            </a:avLst>
-          </a:prstGeom>
-          <a:gradFill>
-            <a:gsLst>
-              <a:gs pos="0">
-                <a:schemeClr val="bg1">
-                  <a:alpha val="22000"/>
-                </a:schemeClr>
-              </a:gs>
-              <a:gs pos="100000">
-                <a:schemeClr val="bg1">
-                  <a:alpha val="0"/>
-                </a:schemeClr>
-              </a:gs>
-            </a:gsLst>
-            <a:lin ang="5400000" scaled="1"/>
-          </a:gradFill>
-          <a:ln>
-            <a:noFill/>
-          </a:ln>
-        </p:spPr>
-        <p:style>
-          <a:lnRef idx="2">
-            <a:schemeClr val="accent1">
-              <a:shade val="50000"/>
-            </a:schemeClr>
-          </a:lnRef>
-          <a:fillRef idx="1">
-            <a:schemeClr val="accent1"/>
-          </a:fillRef>
-          <a:effectRef idx="0">
-            <a:schemeClr val="accent1"/>
-          </a:effectRef>
-          <a:fontRef idx="minor">
-            <a:schemeClr val="lt1"/>
-          </a:fontRef>
-        </p:style>
-        <p:txBody>
-          <a:bodyPr rtlCol="0" anchor="ctr"/>
-          <a:lstStyle/>
-          <a:p>
-            <a:pPr algn="ctr"/>
-            <a:endParaRPr lang="zh-CN" altLang="en-US"/>
-          </a:p>
-        </p:txBody>
-      </p:sp>
-      <p:sp>
-        <p:nvSpPr>
-          <p:cNvPr id="20" name="文本框 19"/>
-          <p:cNvSpPr txBox="1"/>
-          <p:nvPr/>
-        </p:nvSpPr>
-        <p:spPr>
-          <a:xfrm>
-            <a:off x="3055621" y="395721"/>
-            <a:ext cx="1745991" cy="584775"/>
-          </a:xfrm>
-          <a:prstGeom prst="rect">
-            <a:avLst/>
-          </a:prstGeom>
-          <a:noFill/>
-        </p:spPr>
-        <p:txBody>
-          <a:bodyPr wrap="none" rtlCol="0">
-            <a:spAutoFit/>
-          </a:bodyPr>
-          <a:lstStyle/>
-          <a:p>
-            <a:r>
-              <a:rPr lang="en-US" altLang="zh-CN" sz="3200" dirty="0" smtClean="0">
-                <a:solidFill>
-                  <a:schemeClr val="bg1"/>
-                </a:solidFill>
-                <a:latin typeface="方正兰亭粗黑_GBK" panose="02000000000000000000" pitchFamily="2" charset="-122"/>
-                <a:ea typeface="方正兰亭粗黑_GBK" panose="02000000000000000000" pitchFamily="2" charset="-122"/>
-              </a:rPr>
-              <a:t>iOS</a:t>
-            </a:r>
-            <a:r>
-              <a:rPr lang="zh-CN" altLang="en-US" sz="3200" dirty="0">
-                <a:solidFill>
-                  <a:schemeClr val="bg1"/>
-                </a:solidFill>
-                <a:latin typeface="方正兰亭粗黑_GBK" panose="02000000000000000000" pitchFamily="2" charset="-122"/>
-                <a:ea typeface="方正兰亭粗黑_GBK" panose="02000000000000000000" pitchFamily="2" charset="-122"/>
-              </a:rPr>
-              <a:t> </a:t>
-            </a:r>
-            <a:r>
-              <a:rPr lang="zh-CN" altLang="en-US" sz="3200" dirty="0" smtClean="0">
-                <a:solidFill>
-                  <a:schemeClr val="bg1"/>
-                </a:solidFill>
-                <a:latin typeface="方正兰亭粗黑_GBK" panose="02000000000000000000" pitchFamily="2" charset="-122"/>
-                <a:ea typeface="方正兰亭粗黑_GBK" panose="02000000000000000000" pitchFamily="2" charset="-122"/>
-              </a:rPr>
-              <a:t>动画</a:t>
-            </a:r>
-            <a:endParaRPr lang="zh-CN" altLang="en-US" sz="3200" dirty="0">
-              <a:solidFill>
-                <a:schemeClr val="bg1"/>
-              </a:solidFill>
-              <a:latin typeface="方正兰亭粗黑_GBK" panose="02000000000000000000" pitchFamily="2" charset="-122"/>
-              <a:ea typeface="方正兰亭粗黑_GBK" panose="02000000000000000000" pitchFamily="2" charset="-122"/>
-            </a:endParaRPr>
-          </a:p>
-        </p:txBody>
-      </p:sp>
-      <p:sp>
-        <p:nvSpPr>
-          <p:cNvPr id="21" name="文本框 20"/>
-          <p:cNvSpPr txBox="1"/>
-          <p:nvPr/>
-        </p:nvSpPr>
-        <p:spPr>
-          <a:xfrm>
-            <a:off x="1179819" y="-9144"/>
-            <a:ext cx="760144" cy="646331"/>
-          </a:xfrm>
-          <a:prstGeom prst="rect">
-            <a:avLst/>
-          </a:prstGeom>
-          <a:noFill/>
-        </p:spPr>
-        <p:txBody>
-          <a:bodyPr wrap="none" rtlCol="0">
-            <a:spAutoFit/>
-          </a:bodyPr>
-          <a:lstStyle/>
-          <a:p>
-            <a:r>
-              <a:rPr lang="en-US" altLang="zh-CN" sz="3600" dirty="0" smtClean="0">
-                <a:solidFill>
-                  <a:schemeClr val="bg1"/>
-                </a:solidFill>
-                <a:latin typeface="Impact" panose="020B0806030902050204" pitchFamily="34" charset="0"/>
-              </a:rPr>
-              <a:t>3.4</a:t>
-            </a:r>
-            <a:endParaRPr lang="zh-CN" altLang="en-US" sz="3600" dirty="0">
-              <a:solidFill>
-                <a:schemeClr val="bg1"/>
-              </a:solidFill>
-              <a:latin typeface="Impact" panose="020B0806030902050204" pitchFamily="34" charset="0"/>
-            </a:endParaRPr>
-          </a:p>
-        </p:txBody>
-      </p:sp>
-      <p:grpSp>
-        <p:nvGrpSpPr>
-          <p:cNvPr id="3" name="组合 2"/>
-          <p:cNvGrpSpPr/>
-          <p:nvPr/>
-        </p:nvGrpSpPr>
-        <p:grpSpPr>
-          <a:xfrm>
-            <a:off x="153510" y="-1440518"/>
-            <a:ext cx="2393074" cy="2355198"/>
-            <a:chOff x="3706240" y="-3100473"/>
-            <a:chExt cx="4570694" cy="4498352"/>
-          </a:xfrm>
-        </p:grpSpPr>
-        <p:grpSp>
-          <p:nvGrpSpPr>
-            <p:cNvPr id="2" name="组合 1"/>
-            <p:cNvGrpSpPr/>
-            <p:nvPr/>
-          </p:nvGrpSpPr>
-          <p:grpSpPr>
-            <a:xfrm>
-              <a:off x="4313438" y="-2637781"/>
-              <a:ext cx="3595008" cy="3652822"/>
-              <a:chOff x="4313438" y="-2637781"/>
-              <a:chExt cx="3595008" cy="3652822"/>
-            </a:xfrm>
-          </p:grpSpPr>
-          <p:sp>
-            <p:nvSpPr>
-              <p:cNvPr id="36" name="任意多边形 35"/>
-              <p:cNvSpPr/>
-              <p:nvPr/>
-            </p:nvSpPr>
-            <p:spPr>
-              <a:xfrm rot="3600000">
-                <a:off x="4284531" y="-2608874"/>
-                <a:ext cx="3652822" cy="3595008"/>
-              </a:xfrm>
-              <a:custGeom>
-                <a:avLst/>
-                <a:gdLst>
-                  <a:gd name="connsiteX0" fmla="*/ 2326664 w 4653328"/>
-                  <a:gd name="connsiteY0" fmla="*/ 0 h 4579678"/>
-                  <a:gd name="connsiteX1" fmla="*/ 4653328 w 4653328"/>
-                  <a:gd name="connsiteY1" fmla="*/ 2326664 h 4579678"/>
-                  <a:gd name="connsiteX2" fmla="*/ 3232307 w 4653328"/>
-                  <a:gd name="connsiteY2" fmla="*/ 4470487 h 4579678"/>
-                  <a:gd name="connsiteX3" fmla="*/ 3031514 w 4653328"/>
-                  <a:gd name="connsiteY3" fmla="*/ 4543979 h 4579678"/>
-                  <a:gd name="connsiteX4" fmla="*/ 3031514 w 4653328"/>
-                  <a:gd name="connsiteY4" fmla="*/ 4509523 h 4579678"/>
-                  <a:gd name="connsiteX5" fmla="*/ 3219700 w 4653328"/>
-                  <a:gd name="connsiteY5" fmla="*/ 4440645 h 4579678"/>
-                  <a:gd name="connsiteX6" fmla="*/ 4620941 w 4653328"/>
-                  <a:gd name="connsiteY6" fmla="*/ 2326664 h 4579678"/>
-                  <a:gd name="connsiteX7" fmla="*/ 2326664 w 4653328"/>
-                  <a:gd name="connsiteY7" fmla="*/ 32387 h 4579678"/>
-                  <a:gd name="connsiteX8" fmla="*/ 32387 w 4653328"/>
-                  <a:gd name="connsiteY8" fmla="*/ 2326664 h 4579678"/>
-                  <a:gd name="connsiteX9" fmla="*/ 1644416 w 4653328"/>
-                  <a:gd name="connsiteY9" fmla="*/ 4517795 h 4579678"/>
-                  <a:gd name="connsiteX10" fmla="*/ 1755164 w 4653328"/>
-                  <a:gd name="connsiteY10" fmla="*/ 4546271 h 4579678"/>
-                  <a:gd name="connsiteX11" fmla="*/ 1755164 w 4653328"/>
-                  <a:gd name="connsiteY11" fmla="*/ 4579678 h 4579678"/>
-                  <a:gd name="connsiteX12" fmla="*/ 1634785 w 4653328"/>
-                  <a:gd name="connsiteY12" fmla="*/ 4548726 h 4579678"/>
-                  <a:gd name="connsiteX13" fmla="*/ 0 w 4653328"/>
-                  <a:gd name="connsiteY13" fmla="*/ 2326664 h 4579678"/>
-                  <a:gd name="connsiteX14" fmla="*/ 2326664 w 4653328"/>
-                  <a:gd name="connsiteY14" fmla="*/ 0 h 4579678"/>
-                </a:gdLst>
-                <a:ahLst/>
-                <a:cxnLst>
-                  <a:cxn ang="0">
-                    <a:pos x="connsiteX0" y="connsiteY0"/>
-                  </a:cxn>
-                  <a:cxn ang="0">
-                    <a:pos x="connsiteX1" y="connsiteY1"/>
-                  </a:cxn>
-                  <a:cxn ang="0">
-                    <a:pos x="connsiteX2" y="connsiteY2"/>
-                  </a:cxn>
-                  <a:cxn ang="0">
-                    <a:pos x="connsiteX3" y="connsiteY3"/>
-                  </a:cxn>
-                  <a:cxn ang="0">
-                    <a:pos x="connsiteX4" y="connsiteY4"/>
-                  </a:cxn>
-                  <a:cxn ang="0">
-                    <a:pos x="connsiteX5" y="connsiteY5"/>
-                  </a:cxn>
-                  <a:cxn ang="0">
-                    <a:pos x="connsiteX6" y="connsiteY6"/>
-                  </a:cxn>
-                  <a:cxn ang="0">
-                    <a:pos x="connsiteX7" y="connsiteY7"/>
-                  </a:cxn>
-                  <a:cxn ang="0">
-                    <a:pos x="connsiteX8" y="connsiteY8"/>
-                  </a:cxn>
-                  <a:cxn ang="0">
-                    <a:pos x="connsiteX9" y="connsiteY9"/>
-                  </a:cxn>
-                  <a:cxn ang="0">
-                    <a:pos x="connsiteX10" y="connsiteY10"/>
-                  </a:cxn>
-                  <a:cxn ang="0">
-                    <a:pos x="connsiteX11" y="connsiteY11"/>
-                  </a:cxn>
-                  <a:cxn ang="0">
-                    <a:pos x="connsiteX12" y="connsiteY12"/>
-                  </a:cxn>
-                  <a:cxn ang="0">
-                    <a:pos x="connsiteX13" y="connsiteY13"/>
-                  </a:cxn>
-                  <a:cxn ang="0">
-                    <a:pos x="connsiteX14" y="connsiteY14"/>
-                  </a:cxn>
-                </a:cxnLst>
-                <a:rect l="l" t="t" r="r" b="b"/>
-                <a:pathLst>
-                  <a:path w="4653328" h="4579678">
-                    <a:moveTo>
-                      <a:pt x="2326664" y="0"/>
-                    </a:moveTo>
-                    <a:cubicBezTo>
-                      <a:pt x="3611645" y="0"/>
-                      <a:pt x="4653328" y="1041683"/>
-                      <a:pt x="4653328" y="2326664"/>
-                    </a:cubicBezTo>
-                    <a:cubicBezTo>
-                      <a:pt x="4653328" y="3290400"/>
-                      <a:pt x="4067382" y="4117281"/>
-                      <a:pt x="3232307" y="4470487"/>
-                    </a:cubicBezTo>
-                    <a:lnTo>
-                      <a:pt x="3031514" y="4543979"/>
-                    </a:lnTo>
-                    <a:lnTo>
-                      <a:pt x="3031514" y="4509523"/>
-                    </a:lnTo>
-                    <a:lnTo>
-                      <a:pt x="3219700" y="4440645"/>
-                    </a:lnTo>
-                    <a:cubicBezTo>
-                      <a:pt x="4043151" y="4092355"/>
-                      <a:pt x="4620941" y="3276984"/>
-                      <a:pt x="4620941" y="2326664"/>
-                    </a:cubicBezTo>
-                    <a:cubicBezTo>
-                      <a:pt x="4620941" y="1059570"/>
-                      <a:pt x="3593758" y="32387"/>
-                      <a:pt x="2326664" y="32387"/>
-                    </a:cubicBezTo>
-                    <a:cubicBezTo>
-                      <a:pt x="1059570" y="32387"/>
-                      <a:pt x="32387" y="1059570"/>
-                      <a:pt x="32387" y="2326664"/>
-                    </a:cubicBezTo>
-                    <a:cubicBezTo>
-                      <a:pt x="32387" y="3356178"/>
-                      <a:pt x="710488" y="4227313"/>
-                      <a:pt x="1644416" y="4517795"/>
-                    </a:cubicBezTo>
-                    <a:lnTo>
-                      <a:pt x="1755164" y="4546271"/>
-                    </a:lnTo>
-                    <a:lnTo>
-                      <a:pt x="1755164" y="4579678"/>
-                    </a:lnTo>
-                    <a:lnTo>
-                      <a:pt x="1634785" y="4548726"/>
-                    </a:lnTo>
-                    <a:cubicBezTo>
-                      <a:pt x="687673" y="4254144"/>
-                      <a:pt x="0" y="3370711"/>
-                      <a:pt x="0" y="2326664"/>
-                    </a:cubicBezTo>
-                    <a:cubicBezTo>
-                      <a:pt x="0" y="1041683"/>
-                      <a:pt x="1041683" y="0"/>
-                      <a:pt x="2326664" y="0"/>
-                    </a:cubicBezTo>
-                    <a:close/>
-                  </a:path>
-                </a:pathLst>
-              </a:custGeom>
-              <a:solidFill>
-                <a:schemeClr val="bg1">
-                  <a:alpha val="40000"/>
-                </a:schemeClr>
-              </a:solidFill>
-              <a:ln>
-                <a:noFill/>
-              </a:ln>
-            </p:spPr>
-            <p:style>
-              <a:lnRef idx="2">
-                <a:schemeClr val="accent1">
-                  <a:shade val="50000"/>
-                </a:schemeClr>
-              </a:lnRef>
-              <a:fillRef idx="1">
-                <a:schemeClr val="accent1"/>
-              </a:fillRef>
-              <a:effectRef idx="0">
-                <a:schemeClr val="accent1"/>
-              </a:effectRef>
-              <a:fontRef idx="minor">
-                <a:schemeClr val="lt1"/>
-              </a:fontRef>
-            </p:style>
-            <p:txBody>
-              <a:bodyPr rtlCol="0" anchor="ctr"/>
-              <a:lstStyle/>
-              <a:p>
-                <a:pPr algn="ctr"/>
-                <a:endParaRPr lang="zh-CN" altLang="en-US"/>
-              </a:p>
-            </p:txBody>
-          </p:sp>
-          <p:sp>
-            <p:nvSpPr>
-              <p:cNvPr id="37" name="椭圆 36"/>
-              <p:cNvSpPr/>
-              <p:nvPr/>
-            </p:nvSpPr>
-            <p:spPr>
-              <a:xfrm>
-                <a:off x="4744096" y="417049"/>
-                <a:ext cx="254016" cy="254016"/>
-              </a:xfrm>
-              <a:prstGeom prst="ellipse">
-                <a:avLst/>
-              </a:prstGeom>
-              <a:solidFill>
-                <a:schemeClr val="bg1"/>
-              </a:solidFill>
-              <a:ln>
-                <a:noFill/>
-              </a:ln>
-            </p:spPr>
-            <p:style>
-              <a:lnRef idx="2">
-                <a:schemeClr val="accent1">
-                  <a:shade val="50000"/>
-                </a:schemeClr>
-              </a:lnRef>
-              <a:fillRef idx="1">
-                <a:schemeClr val="accent1"/>
-              </a:fillRef>
-              <a:effectRef idx="0">
-                <a:schemeClr val="accent1"/>
-              </a:effectRef>
-              <a:fontRef idx="minor">
-                <a:schemeClr val="lt1"/>
-              </a:fontRef>
-            </p:style>
-            <p:txBody>
-              <a:bodyPr rtlCol="0" anchor="ctr"/>
-              <a:lstStyle/>
-              <a:p>
-                <a:pPr algn="ctr"/>
-                <a:endParaRPr lang="zh-CN" altLang="en-US"/>
-              </a:p>
-            </p:txBody>
-          </p:sp>
-        </p:grpSp>
-        <p:grpSp>
-          <p:nvGrpSpPr>
-            <p:cNvPr id="48" name="组合 47"/>
-            <p:cNvGrpSpPr/>
-            <p:nvPr/>
-          </p:nvGrpSpPr>
-          <p:grpSpPr>
-            <a:xfrm rot="15713286">
-              <a:off x="3742411" y="-3136644"/>
-              <a:ext cx="4498352" cy="4570694"/>
-              <a:chOff x="4313438" y="-2637781"/>
-              <a:chExt cx="3595008" cy="3652822"/>
-            </a:xfrm>
-          </p:grpSpPr>
-          <p:sp>
-            <p:nvSpPr>
-              <p:cNvPr id="49" name="任意多边形 48"/>
-              <p:cNvSpPr/>
-              <p:nvPr/>
-            </p:nvSpPr>
-            <p:spPr>
-              <a:xfrm rot="3600000">
-                <a:off x="4284531" y="-2608874"/>
-                <a:ext cx="3652822" cy="3595008"/>
-              </a:xfrm>
-              <a:custGeom>
-                <a:avLst/>
-                <a:gdLst>
-                  <a:gd name="connsiteX0" fmla="*/ 2326664 w 4653328"/>
-                  <a:gd name="connsiteY0" fmla="*/ 0 h 4579678"/>
-                  <a:gd name="connsiteX1" fmla="*/ 4653328 w 4653328"/>
-                  <a:gd name="connsiteY1" fmla="*/ 2326664 h 4579678"/>
-                  <a:gd name="connsiteX2" fmla="*/ 3232307 w 4653328"/>
-                  <a:gd name="connsiteY2" fmla="*/ 4470487 h 4579678"/>
-                  <a:gd name="connsiteX3" fmla="*/ 3031514 w 4653328"/>
-                  <a:gd name="connsiteY3" fmla="*/ 4543979 h 4579678"/>
-                  <a:gd name="connsiteX4" fmla="*/ 3031514 w 4653328"/>
-                  <a:gd name="connsiteY4" fmla="*/ 4509523 h 4579678"/>
-                  <a:gd name="connsiteX5" fmla="*/ 3219700 w 4653328"/>
-                  <a:gd name="connsiteY5" fmla="*/ 4440645 h 4579678"/>
-                  <a:gd name="connsiteX6" fmla="*/ 4620941 w 4653328"/>
-                  <a:gd name="connsiteY6" fmla="*/ 2326664 h 4579678"/>
-                  <a:gd name="connsiteX7" fmla="*/ 2326664 w 4653328"/>
-                  <a:gd name="connsiteY7" fmla="*/ 32387 h 4579678"/>
-                  <a:gd name="connsiteX8" fmla="*/ 32387 w 4653328"/>
-                  <a:gd name="connsiteY8" fmla="*/ 2326664 h 4579678"/>
-                  <a:gd name="connsiteX9" fmla="*/ 1644416 w 4653328"/>
-                  <a:gd name="connsiteY9" fmla="*/ 4517795 h 4579678"/>
-                  <a:gd name="connsiteX10" fmla="*/ 1755164 w 4653328"/>
-                  <a:gd name="connsiteY10" fmla="*/ 4546271 h 4579678"/>
-                  <a:gd name="connsiteX11" fmla="*/ 1755164 w 4653328"/>
-                  <a:gd name="connsiteY11" fmla="*/ 4579678 h 4579678"/>
-                  <a:gd name="connsiteX12" fmla="*/ 1634785 w 4653328"/>
-                  <a:gd name="connsiteY12" fmla="*/ 4548726 h 4579678"/>
-                  <a:gd name="connsiteX13" fmla="*/ 0 w 4653328"/>
-                  <a:gd name="connsiteY13" fmla="*/ 2326664 h 4579678"/>
-                  <a:gd name="connsiteX14" fmla="*/ 2326664 w 4653328"/>
-                  <a:gd name="connsiteY14" fmla="*/ 0 h 4579678"/>
-                </a:gdLst>
-                <a:ahLst/>
-                <a:cxnLst>
-                  <a:cxn ang="0">
-                    <a:pos x="connsiteX0" y="connsiteY0"/>
-                  </a:cxn>
-                  <a:cxn ang="0">
-                    <a:pos x="connsiteX1" y="connsiteY1"/>
-                  </a:cxn>
-                  <a:cxn ang="0">
-                    <a:pos x="connsiteX2" y="connsiteY2"/>
-                  </a:cxn>
-                  <a:cxn ang="0">
-                    <a:pos x="connsiteX3" y="connsiteY3"/>
-                  </a:cxn>
-                  <a:cxn ang="0">
-                    <a:pos x="connsiteX4" y="connsiteY4"/>
-                  </a:cxn>
-                  <a:cxn ang="0">
-                    <a:pos x="connsiteX5" y="connsiteY5"/>
-                  </a:cxn>
-                  <a:cxn ang="0">
-                    <a:pos x="connsiteX6" y="connsiteY6"/>
-                  </a:cxn>
-                  <a:cxn ang="0">
-                    <a:pos x="connsiteX7" y="connsiteY7"/>
-                  </a:cxn>
-                  <a:cxn ang="0">
-                    <a:pos x="connsiteX8" y="connsiteY8"/>
-                  </a:cxn>
-                  <a:cxn ang="0">
-                    <a:pos x="connsiteX9" y="connsiteY9"/>
-                  </a:cxn>
-                  <a:cxn ang="0">
-                    <a:pos x="connsiteX10" y="connsiteY10"/>
-                  </a:cxn>
-                  <a:cxn ang="0">
-                    <a:pos x="connsiteX11" y="connsiteY11"/>
-                  </a:cxn>
-                  <a:cxn ang="0">
-                    <a:pos x="connsiteX12" y="connsiteY12"/>
-                  </a:cxn>
-                  <a:cxn ang="0">
-                    <a:pos x="connsiteX13" y="connsiteY13"/>
-                  </a:cxn>
-                  <a:cxn ang="0">
-                    <a:pos x="connsiteX14" y="connsiteY14"/>
-                  </a:cxn>
-                </a:cxnLst>
-                <a:rect l="l" t="t" r="r" b="b"/>
-                <a:pathLst>
-                  <a:path w="4653328" h="4579678">
-                    <a:moveTo>
-                      <a:pt x="2326664" y="0"/>
-                    </a:moveTo>
-                    <a:cubicBezTo>
-                      <a:pt x="3611645" y="0"/>
-                      <a:pt x="4653328" y="1041683"/>
-                      <a:pt x="4653328" y="2326664"/>
-                    </a:cubicBezTo>
-                    <a:cubicBezTo>
-                      <a:pt x="4653328" y="3290400"/>
-                      <a:pt x="4067382" y="4117281"/>
-                      <a:pt x="3232307" y="4470487"/>
-                    </a:cubicBezTo>
-                    <a:lnTo>
-                      <a:pt x="3031514" y="4543979"/>
-                    </a:lnTo>
-                    <a:lnTo>
-                      <a:pt x="3031514" y="4509523"/>
-                    </a:lnTo>
-                    <a:lnTo>
-                      <a:pt x="3219700" y="4440645"/>
-                    </a:lnTo>
-                    <a:cubicBezTo>
-                      <a:pt x="4043151" y="4092355"/>
-                      <a:pt x="4620941" y="3276984"/>
-                      <a:pt x="4620941" y="2326664"/>
-                    </a:cubicBezTo>
-                    <a:cubicBezTo>
-                      <a:pt x="4620941" y="1059570"/>
-                      <a:pt x="3593758" y="32387"/>
-                      <a:pt x="2326664" y="32387"/>
-                    </a:cubicBezTo>
-                    <a:cubicBezTo>
-                      <a:pt x="1059570" y="32387"/>
-                      <a:pt x="32387" y="1059570"/>
-                      <a:pt x="32387" y="2326664"/>
-                    </a:cubicBezTo>
-                    <a:cubicBezTo>
-                      <a:pt x="32387" y="3356178"/>
-                      <a:pt x="710488" y="4227313"/>
-                      <a:pt x="1644416" y="4517795"/>
-                    </a:cubicBezTo>
-                    <a:lnTo>
-                      <a:pt x="1755164" y="4546271"/>
-                    </a:lnTo>
-                    <a:lnTo>
-                      <a:pt x="1755164" y="4579678"/>
-                    </a:lnTo>
-                    <a:lnTo>
-                      <a:pt x="1634785" y="4548726"/>
-                    </a:lnTo>
-                    <a:cubicBezTo>
-                      <a:pt x="687673" y="4254144"/>
-                      <a:pt x="0" y="3370711"/>
-                      <a:pt x="0" y="2326664"/>
-                    </a:cubicBezTo>
-                    <a:cubicBezTo>
-                      <a:pt x="0" y="1041683"/>
-                      <a:pt x="1041683" y="0"/>
-                      <a:pt x="2326664" y="0"/>
-                    </a:cubicBezTo>
-                    <a:close/>
-                  </a:path>
-                </a:pathLst>
-              </a:custGeom>
-              <a:solidFill>
-                <a:schemeClr val="bg1">
-                  <a:alpha val="40000"/>
-                </a:schemeClr>
-              </a:solidFill>
-              <a:ln>
-                <a:noFill/>
-              </a:ln>
-            </p:spPr>
-            <p:style>
-              <a:lnRef idx="2">
-                <a:schemeClr val="accent1">
-                  <a:shade val="50000"/>
-                </a:schemeClr>
-              </a:lnRef>
-              <a:fillRef idx="1">
-                <a:schemeClr val="accent1"/>
-              </a:fillRef>
-              <a:effectRef idx="0">
-                <a:schemeClr val="accent1"/>
-              </a:effectRef>
-              <a:fontRef idx="minor">
-                <a:schemeClr val="lt1"/>
-              </a:fontRef>
-            </p:style>
-            <p:txBody>
-              <a:bodyPr rtlCol="0" anchor="ctr"/>
-              <a:lstStyle/>
-              <a:p>
-                <a:pPr algn="ctr"/>
-                <a:endParaRPr lang="zh-CN" altLang="en-US"/>
-              </a:p>
-            </p:txBody>
-          </p:sp>
-          <p:sp>
-            <p:nvSpPr>
-              <p:cNvPr id="50" name="椭圆 49"/>
-              <p:cNvSpPr/>
-              <p:nvPr/>
-            </p:nvSpPr>
-            <p:spPr>
-              <a:xfrm>
-                <a:off x="4744096" y="417049"/>
-                <a:ext cx="254016" cy="254016"/>
-              </a:xfrm>
-              <a:prstGeom prst="ellipse">
-                <a:avLst/>
-              </a:prstGeom>
-              <a:solidFill>
-                <a:schemeClr val="bg1"/>
-              </a:solidFill>
-              <a:ln>
-                <a:noFill/>
-              </a:ln>
-            </p:spPr>
-            <p:style>
-              <a:lnRef idx="2">
-                <a:schemeClr val="accent1">
-                  <a:shade val="50000"/>
-                </a:schemeClr>
-              </a:lnRef>
-              <a:fillRef idx="1">
-                <a:schemeClr val="accent1"/>
-              </a:fillRef>
-              <a:effectRef idx="0">
-                <a:schemeClr val="accent1"/>
-              </a:effectRef>
-              <a:fontRef idx="minor">
-                <a:schemeClr val="lt1"/>
-              </a:fontRef>
-            </p:style>
-            <p:txBody>
-              <a:bodyPr rtlCol="0" anchor="ctr"/>
-              <a:lstStyle/>
-              <a:p>
-                <a:pPr algn="ctr"/>
-                <a:endParaRPr lang="zh-CN" altLang="en-US"/>
-              </a:p>
-            </p:txBody>
-          </p:sp>
-        </p:grpSp>
-      </p:grpSp>
-      <p:sp>
-        <p:nvSpPr>
-          <p:cNvPr id="26" name="同侧圆角矩形 25"/>
-          <p:cNvSpPr/>
-          <p:nvPr/>
-        </p:nvSpPr>
-        <p:spPr>
-          <a:xfrm>
-            <a:off x="829894" y="1056684"/>
-            <a:ext cx="10714406" cy="5209181"/>
-          </a:xfrm>
-          <a:prstGeom prst="round2SameRect">
-            <a:avLst>
-              <a:gd name="adj1" fmla="val 7576"/>
-              <a:gd name="adj2" fmla="val 12431"/>
-            </a:avLst>
-          </a:prstGeom>
-          <a:gradFill>
-            <a:gsLst>
-              <a:gs pos="0">
-                <a:schemeClr val="bg1">
-                  <a:alpha val="61000"/>
-                </a:schemeClr>
-              </a:gs>
-              <a:gs pos="100000">
-                <a:schemeClr val="bg1">
-                  <a:alpha val="0"/>
-                </a:schemeClr>
-              </a:gs>
-            </a:gsLst>
-            <a:lin ang="5400000" scaled="1"/>
-          </a:gradFill>
-          <a:ln>
-            <a:noFill/>
-          </a:ln>
-        </p:spPr>
-        <p:style>
-          <a:lnRef idx="2">
-            <a:schemeClr val="accent1">
-              <a:shade val="50000"/>
-            </a:schemeClr>
-          </a:lnRef>
-          <a:fillRef idx="1">
-            <a:schemeClr val="accent1"/>
-          </a:fillRef>
-          <a:effectRef idx="0">
-            <a:schemeClr val="accent1"/>
-          </a:effectRef>
-          <a:fontRef idx="minor">
-            <a:schemeClr val="lt1"/>
-          </a:fontRef>
-        </p:style>
-        <p:txBody>
-          <a:bodyPr rtlCol="0" anchor="ctr"/>
-          <a:lstStyle/>
-          <a:p>
-            <a:r>
-              <a:rPr lang="en-US" altLang="zh-CN" sz="2800" dirty="0" smtClean="0"/>
-              <a:t>iOS</a:t>
-            </a:r>
-            <a:r>
-              <a:rPr lang="zh-CN" altLang="en-US" sz="2800" dirty="0" smtClean="0"/>
-              <a:t>动画</a:t>
-            </a:r>
-            <a:endParaRPr lang="en-US" altLang="zh-CN" sz="2800" dirty="0" smtClean="0"/>
-          </a:p>
-        </p:txBody>
-      </p:sp>
-      <p:sp>
-        <p:nvSpPr>
-          <p:cNvPr id="13" name="矩形 12"/>
-          <p:cNvSpPr/>
-          <p:nvPr/>
-        </p:nvSpPr>
-        <p:spPr>
-          <a:xfrm>
-            <a:off x="3371851" y="1956262"/>
-            <a:ext cx="7129462" cy="3243262"/>
-          </a:xfrm>
-          <a:prstGeom prst="rect">
-            <a:avLst/>
-          </a:prstGeom>
-          <a:noFill/>
-          <a:ln>
-            <a:noFill/>
-          </a:ln>
-        </p:spPr>
-        <p:style>
-          <a:lnRef idx="2">
-            <a:schemeClr val="accent1">
-              <a:shade val="50000"/>
-            </a:schemeClr>
-          </a:lnRef>
-          <a:fillRef idx="1">
-            <a:schemeClr val="accent1"/>
-          </a:fillRef>
-          <a:effectRef idx="0">
-            <a:schemeClr val="accent1"/>
-          </a:effectRef>
-          <a:fontRef idx="minor">
-            <a:schemeClr val="lt1"/>
-          </a:fontRef>
-        </p:style>
-        <p:txBody>
-          <a:bodyPr rtlCol="0" anchor="ctr"/>
-          <a:lstStyle/>
-          <a:p>
-            <a:pPr marL="514350" indent="-514350">
-              <a:buAutoNum type="arabicPeriod"/>
-            </a:pPr>
-            <a:r>
-              <a:rPr lang="it-IT" altLang="zh-CN" sz="2800" dirty="0" err="1" smtClean="0"/>
-              <a:t>CoreAnmiation</a:t>
-            </a:r>
-            <a:r>
-              <a:rPr lang="it-IT" altLang="zh-CN" sz="2800" dirty="0" smtClean="0"/>
-              <a:t> </a:t>
-            </a:r>
-            <a:r>
-              <a:rPr lang="zh-CN" altLang="it-IT" sz="2800" dirty="0"/>
-              <a:t>核心</a:t>
-            </a:r>
-            <a:r>
-              <a:rPr lang="zh-CN" altLang="it-IT" sz="2800" dirty="0" smtClean="0"/>
-              <a:t>动画</a:t>
-            </a:r>
-            <a:r>
-              <a:rPr lang="zh-CN" altLang="en-US" sz="2800" dirty="0" smtClean="0"/>
-              <a:t>。</a:t>
-            </a:r>
-            <a:endParaRPr lang="en-US" altLang="zh-CN" sz="2800" dirty="0" smtClean="0"/>
-          </a:p>
-          <a:p>
-            <a:pPr marL="514350" indent="-514350">
-              <a:buAutoNum type="arabicPeriod"/>
-            </a:pPr>
-            <a:r>
-              <a:rPr lang="en-US" altLang="zh-CN" sz="2800" dirty="0" err="1" smtClean="0"/>
-              <a:t>CAPropertyAnimation</a:t>
-            </a:r>
-            <a:r>
-              <a:rPr lang="zh-CN" altLang="en-US" sz="2800" dirty="0" smtClean="0"/>
-              <a:t> 属性动画。</a:t>
-            </a:r>
-            <a:endParaRPr lang="en-US" altLang="zh-CN" sz="2800" dirty="0" smtClean="0"/>
-          </a:p>
-          <a:p>
-            <a:pPr marL="514350" indent="-514350">
-              <a:buAutoNum type="arabicPeriod" startAt="3"/>
-            </a:pPr>
-            <a:r>
-              <a:rPr lang="en-US" altLang="zh-CN" sz="2800" dirty="0" err="1" smtClean="0"/>
-              <a:t>CAKeyframeAnimation</a:t>
-            </a:r>
-            <a:r>
-              <a:rPr lang="zh-CN" altLang="en-US" sz="2800" dirty="0"/>
-              <a:t>（关键帧动画</a:t>
-            </a:r>
-            <a:r>
-              <a:rPr lang="zh-CN" altLang="en-US" sz="2800" dirty="0" smtClean="0"/>
-              <a:t>）</a:t>
-            </a:r>
-            <a:r>
-              <a:rPr lang="zh-CN" altLang="en-US" sz="2800" dirty="0" smtClean="0"/>
-              <a:t>。</a:t>
-            </a:r>
-            <a:endParaRPr lang="en-US" altLang="zh-CN" sz="2800" dirty="0" smtClean="0"/>
-          </a:p>
-          <a:p>
-            <a:pPr marL="514350" indent="-514350">
-              <a:buAutoNum type="arabicPeriod" startAt="3"/>
-            </a:pPr>
-            <a:r>
-              <a:rPr lang="en-US" altLang="zh-CN" sz="2800" b="1" dirty="0" err="1" smtClean="0"/>
-              <a:t>CATransition</a:t>
-            </a:r>
-            <a:r>
-              <a:rPr lang="zh-CN" altLang="en-US" sz="2800" b="1" dirty="0" smtClean="0"/>
-              <a:t>（转场动画）。</a:t>
-            </a:r>
-            <a:endParaRPr lang="en-US" altLang="zh-CN" sz="2800" b="1" dirty="0" smtClean="0"/>
-          </a:p>
-          <a:p>
-            <a:pPr marL="514350" indent="-514350">
-              <a:buAutoNum type="arabicPeriod" startAt="3"/>
-            </a:pPr>
-            <a:r>
-              <a:rPr lang="en-US" altLang="zh-CN" sz="2800" b="1" dirty="0" err="1" smtClean="0"/>
-              <a:t>CASpringAnimation</a:t>
-            </a:r>
-            <a:r>
-              <a:rPr lang="zh-CN" altLang="en-US" sz="2800" b="1" dirty="0" smtClean="0"/>
-              <a:t>（弹性动画，</a:t>
-            </a:r>
-            <a:r>
-              <a:rPr lang="en-US" altLang="zh-CN" sz="2800" b="1" dirty="0" smtClean="0"/>
-              <a:t>iOS9</a:t>
-            </a:r>
-            <a:r>
-              <a:rPr lang="zh-CN" altLang="en-US" sz="2800" b="1" dirty="0" smtClean="0"/>
-              <a:t>）</a:t>
-            </a:r>
-            <a:endParaRPr lang="en-US" altLang="zh-CN" sz="2800" dirty="0" smtClean="0"/>
-          </a:p>
-        </p:txBody>
-      </p:sp>
-    </p:spTree>
-    <p:extLst>
-      <p:ext uri="{BB962C8B-B14F-4D97-AF65-F5344CB8AC3E}">
-        <p14:creationId xmlns:p14="http://schemas.microsoft.com/office/powerpoint/2010/main" val="2017125084"/>
-      </p:ext>
-    </p:extLst>
-  </p:cSld>
-  <p:clrMapOvr>
-    <a:masterClrMapping/>
-  </p:clrMapOvr>
-  <mc:AlternateContent xmlns:mc="http://schemas.openxmlformats.org/markup-compatibility/2006" xmlns:p15="http://schemas.microsoft.com/office/powerpoint/2012/main">
-    <mc:Choice Requires="p15">
-      <p:transition xmlns:p14="http://schemas.microsoft.com/office/powerpoint/2010/main" spd="slow" p14:dur="2000">
-        <p15:prstTrans prst="drape"/>
-      </p:transition>
-    </mc:Choice>
-    <mc:Fallback xmlns="">
-      <p:transition spd="slow">
-        <p:fade/>
-      </p:transition>
-    </mc:Fallback>
-  </mc:AlternateContent>
   <p:timing>
     <p:tnLst>
       <p:par>
@@ -26891,6 +26015,951 @@
           <a:bodyPr rtlCol="0" anchor="ctr"/>
           <a:lstStyle/>
           <a:p>
+            <a:r>
+              <a:rPr lang="en-US" altLang="zh-CN" sz="2800" dirty="0" smtClean="0"/>
+              <a:t>iOS</a:t>
+            </a:r>
+            <a:r>
+              <a:rPr lang="zh-CN" altLang="en-US" sz="2800" dirty="0" smtClean="0"/>
+              <a:t>动画</a:t>
+            </a:r>
+            <a:endParaRPr lang="en-US" altLang="zh-CN" sz="2800" dirty="0" smtClean="0"/>
+          </a:p>
+        </p:txBody>
+      </p:sp>
+      <p:sp>
+        <p:nvSpPr>
+          <p:cNvPr id="13" name="矩形 12"/>
+          <p:cNvSpPr/>
+          <p:nvPr/>
+        </p:nvSpPr>
+        <p:spPr>
+          <a:xfrm>
+            <a:off x="3371851" y="1956262"/>
+            <a:ext cx="7129462" cy="3243262"/>
+          </a:xfrm>
+          <a:prstGeom prst="rect">
+            <a:avLst/>
+          </a:prstGeom>
+          <a:noFill/>
+          <a:ln>
+            <a:noFill/>
+          </a:ln>
+        </p:spPr>
+        <p:style>
+          <a:lnRef idx="2">
+            <a:schemeClr val="accent1">
+              <a:shade val="50000"/>
+            </a:schemeClr>
+          </a:lnRef>
+          <a:fillRef idx="1">
+            <a:schemeClr val="accent1"/>
+          </a:fillRef>
+          <a:effectRef idx="0">
+            <a:schemeClr val="accent1"/>
+          </a:effectRef>
+          <a:fontRef idx="minor">
+            <a:schemeClr val="lt1"/>
+          </a:fontRef>
+        </p:style>
+        <p:txBody>
+          <a:bodyPr rtlCol="0" anchor="ctr"/>
+          <a:lstStyle/>
+          <a:p>
+            <a:pPr marL="514350" indent="-514350">
+              <a:buAutoNum type="arabicPeriod"/>
+            </a:pPr>
+            <a:r>
+              <a:rPr lang="it-IT" altLang="zh-CN" sz="2800" dirty="0" err="1" smtClean="0"/>
+              <a:t>CoreAnmiation</a:t>
+            </a:r>
+            <a:r>
+              <a:rPr lang="it-IT" altLang="zh-CN" sz="2800" dirty="0" smtClean="0"/>
+              <a:t> </a:t>
+            </a:r>
+            <a:r>
+              <a:rPr lang="zh-CN" altLang="it-IT" sz="2800" dirty="0"/>
+              <a:t>核心</a:t>
+            </a:r>
+            <a:r>
+              <a:rPr lang="zh-CN" altLang="it-IT" sz="2800" dirty="0" smtClean="0"/>
+              <a:t>动画</a:t>
+            </a:r>
+            <a:r>
+              <a:rPr lang="zh-CN" altLang="en-US" sz="2800" dirty="0" smtClean="0"/>
+              <a:t>。</a:t>
+            </a:r>
+            <a:endParaRPr lang="en-US" altLang="zh-CN" sz="2800" dirty="0" smtClean="0"/>
+          </a:p>
+          <a:p>
+            <a:pPr marL="514350" indent="-514350">
+              <a:buAutoNum type="arabicPeriod"/>
+            </a:pPr>
+            <a:r>
+              <a:rPr lang="en-US" altLang="zh-CN" sz="2800" dirty="0" err="1" smtClean="0"/>
+              <a:t>CAPropertyAnimation</a:t>
+            </a:r>
+            <a:r>
+              <a:rPr lang="zh-CN" altLang="en-US" sz="2800" dirty="0" smtClean="0"/>
+              <a:t> 属性动画。</a:t>
+            </a:r>
+            <a:endParaRPr lang="en-US" altLang="zh-CN" sz="2800" dirty="0" smtClean="0"/>
+          </a:p>
+          <a:p>
+            <a:pPr marL="514350" indent="-514350">
+              <a:buAutoNum type="arabicPeriod" startAt="3"/>
+            </a:pPr>
+            <a:r>
+              <a:rPr lang="en-US" altLang="zh-CN" sz="2800" dirty="0" err="1" smtClean="0"/>
+              <a:t>CAKeyframeAnimation</a:t>
+            </a:r>
+            <a:r>
+              <a:rPr lang="zh-CN" altLang="en-US" sz="2800" dirty="0"/>
+              <a:t>（关键帧动画</a:t>
+            </a:r>
+            <a:r>
+              <a:rPr lang="zh-CN" altLang="en-US" sz="2800" dirty="0" smtClean="0"/>
+              <a:t>）</a:t>
+            </a:r>
+            <a:r>
+              <a:rPr lang="zh-CN" altLang="en-US" sz="2800" dirty="0" smtClean="0"/>
+              <a:t>。</a:t>
+            </a:r>
+            <a:endParaRPr lang="en-US" altLang="zh-CN" sz="2800" dirty="0" smtClean="0"/>
+          </a:p>
+          <a:p>
+            <a:pPr marL="514350" indent="-514350">
+              <a:buAutoNum type="arabicPeriod" startAt="3"/>
+            </a:pPr>
+            <a:r>
+              <a:rPr lang="en-US" altLang="zh-CN" sz="2800" b="1" dirty="0" err="1" smtClean="0"/>
+              <a:t>CATransition</a:t>
+            </a:r>
+            <a:r>
+              <a:rPr lang="zh-CN" altLang="en-US" sz="2800" b="1" dirty="0" smtClean="0"/>
+              <a:t>（转场动画）。</a:t>
+            </a:r>
+            <a:endParaRPr lang="en-US" altLang="zh-CN" sz="2800" b="1" dirty="0" smtClean="0"/>
+          </a:p>
+          <a:p>
+            <a:pPr marL="514350" indent="-514350">
+              <a:buAutoNum type="arabicPeriod" startAt="3"/>
+            </a:pPr>
+            <a:r>
+              <a:rPr lang="en-US" altLang="zh-CN" sz="2800" b="1" dirty="0" err="1" smtClean="0"/>
+              <a:t>CASpringAnimation</a:t>
+            </a:r>
+            <a:r>
+              <a:rPr lang="zh-CN" altLang="en-US" sz="2800" b="1" dirty="0" smtClean="0"/>
+              <a:t>（弹性动画，</a:t>
+            </a:r>
+            <a:r>
+              <a:rPr lang="en-US" altLang="zh-CN" sz="2800" b="1" dirty="0" smtClean="0"/>
+              <a:t>iOS9</a:t>
+            </a:r>
+            <a:r>
+              <a:rPr lang="zh-CN" altLang="en-US" sz="2800" b="1" dirty="0" smtClean="0"/>
+              <a:t>）</a:t>
+            </a:r>
+            <a:endParaRPr lang="en-US" altLang="zh-CN" sz="2800" dirty="0" smtClean="0"/>
+          </a:p>
+        </p:txBody>
+      </p:sp>
+    </p:spTree>
+    <p:extLst>
+      <p:ext uri="{BB962C8B-B14F-4D97-AF65-F5344CB8AC3E}">
+        <p14:creationId xmlns:p14="http://schemas.microsoft.com/office/powerpoint/2010/main" val="2017125084"/>
+      </p:ext>
+    </p:extLst>
+  </p:cSld>
+  <p:clrMapOvr>
+    <a:masterClrMapping/>
+  </p:clrMapOvr>
+  <mc:AlternateContent xmlns:mc="http://schemas.openxmlformats.org/markup-compatibility/2006" xmlns:p15="http://schemas.microsoft.com/office/powerpoint/2012/main">
+    <mc:Choice Requires="p15">
+      <p:transition xmlns:p14="http://schemas.microsoft.com/office/powerpoint/2010/main" spd="slow" p14:dur="2000">
+        <p15:prstTrans prst="drape"/>
+      </p:transition>
+    </mc:Choice>
+    <mc:Fallback xmlns="">
+      <p:transition spd="slow">
+        <p:fade/>
+      </p:transition>
+    </mc:Fallback>
+  </mc:AlternateContent>
+  <p:timing>
+    <p:tnLst>
+      <p:par>
+        <p:cTn id="1" dur="indefinite" restart="never" nodeType="tmRoot"/>
+      </p:par>
+    </p:tnLst>
+  </p:timing>
+</p:sld>
+</file>
+
+<file path=ppt/slides/slide31.xml><?xml version="1.0" encoding="utf-8"?>
+<p:sld xmlns:a="http://schemas.openxmlformats.org/drawingml/2006/main" xmlns:r="http://schemas.openxmlformats.org/officeDocument/2006/relationships" xmlns:p="http://schemas.openxmlformats.org/presentationml/2006/main">
+  <p:cSld>
+    <p:spTree>
+      <p:nvGrpSpPr>
+        <p:cNvPr id="1" name=""/>
+        <p:cNvGrpSpPr/>
+        <p:nvPr/>
+      </p:nvGrpSpPr>
+      <p:grpSpPr>
+        <a:xfrm>
+          <a:off x="0" y="0"/>
+          <a:ext cx="0" cy="0"/>
+          <a:chOff x="0" y="0"/>
+          <a:chExt cx="0" cy="0"/>
+        </a:xfrm>
+      </p:grpSpPr>
+      <p:sp>
+        <p:nvSpPr>
+          <p:cNvPr id="25" name="同侧圆角矩形 24"/>
+          <p:cNvSpPr/>
+          <p:nvPr/>
+        </p:nvSpPr>
+        <p:spPr>
+          <a:xfrm>
+            <a:off x="2705696" y="326728"/>
+            <a:ext cx="7898804" cy="925716"/>
+          </a:xfrm>
+          <a:prstGeom prst="round2SameRect">
+            <a:avLst>
+              <a:gd name="adj1" fmla="val 38896"/>
+              <a:gd name="adj2" fmla="val 2451"/>
+            </a:avLst>
+          </a:prstGeom>
+          <a:gradFill>
+            <a:gsLst>
+              <a:gs pos="0">
+                <a:schemeClr val="bg1">
+                  <a:alpha val="22000"/>
+                </a:schemeClr>
+              </a:gs>
+              <a:gs pos="100000">
+                <a:schemeClr val="bg1">
+                  <a:alpha val="0"/>
+                </a:schemeClr>
+              </a:gs>
+            </a:gsLst>
+            <a:lin ang="5400000" scaled="1"/>
+          </a:gradFill>
+          <a:ln>
+            <a:noFill/>
+          </a:ln>
+        </p:spPr>
+        <p:style>
+          <a:lnRef idx="2">
+            <a:schemeClr val="accent1">
+              <a:shade val="50000"/>
+            </a:schemeClr>
+          </a:lnRef>
+          <a:fillRef idx="1">
+            <a:schemeClr val="accent1"/>
+          </a:fillRef>
+          <a:effectRef idx="0">
+            <a:schemeClr val="accent1"/>
+          </a:effectRef>
+          <a:fontRef idx="minor">
+            <a:schemeClr val="lt1"/>
+          </a:fontRef>
+        </p:style>
+        <p:txBody>
+          <a:bodyPr rtlCol="0" anchor="ctr"/>
+          <a:lstStyle/>
+          <a:p>
+            <a:pPr algn="ctr"/>
+            <a:endParaRPr lang="zh-CN" altLang="en-US"/>
+          </a:p>
+        </p:txBody>
+      </p:sp>
+      <p:sp>
+        <p:nvSpPr>
+          <p:cNvPr id="20" name="文本框 19"/>
+          <p:cNvSpPr txBox="1"/>
+          <p:nvPr/>
+        </p:nvSpPr>
+        <p:spPr>
+          <a:xfrm>
+            <a:off x="3055621" y="395721"/>
+            <a:ext cx="1745991" cy="584775"/>
+          </a:xfrm>
+          <a:prstGeom prst="rect">
+            <a:avLst/>
+          </a:prstGeom>
+          <a:noFill/>
+        </p:spPr>
+        <p:txBody>
+          <a:bodyPr wrap="none" rtlCol="0">
+            <a:spAutoFit/>
+          </a:bodyPr>
+          <a:lstStyle/>
+          <a:p>
+            <a:r>
+              <a:rPr lang="en-US" altLang="zh-CN" sz="3200" dirty="0" smtClean="0">
+                <a:solidFill>
+                  <a:schemeClr val="bg1"/>
+                </a:solidFill>
+                <a:latin typeface="方正兰亭粗黑_GBK" panose="02000000000000000000" pitchFamily="2" charset="-122"/>
+                <a:ea typeface="方正兰亭粗黑_GBK" panose="02000000000000000000" pitchFamily="2" charset="-122"/>
+              </a:rPr>
+              <a:t>iOS</a:t>
+            </a:r>
+            <a:r>
+              <a:rPr lang="zh-CN" altLang="en-US" sz="3200" dirty="0">
+                <a:solidFill>
+                  <a:schemeClr val="bg1"/>
+                </a:solidFill>
+                <a:latin typeface="方正兰亭粗黑_GBK" panose="02000000000000000000" pitchFamily="2" charset="-122"/>
+                <a:ea typeface="方正兰亭粗黑_GBK" panose="02000000000000000000" pitchFamily="2" charset="-122"/>
+              </a:rPr>
+              <a:t> </a:t>
+            </a:r>
+            <a:r>
+              <a:rPr lang="zh-CN" altLang="en-US" sz="3200" dirty="0" smtClean="0">
+                <a:solidFill>
+                  <a:schemeClr val="bg1"/>
+                </a:solidFill>
+                <a:latin typeface="方正兰亭粗黑_GBK" panose="02000000000000000000" pitchFamily="2" charset="-122"/>
+                <a:ea typeface="方正兰亭粗黑_GBK" panose="02000000000000000000" pitchFamily="2" charset="-122"/>
+              </a:rPr>
+              <a:t>动画</a:t>
+            </a:r>
+            <a:endParaRPr lang="zh-CN" altLang="en-US" sz="3200" dirty="0">
+              <a:solidFill>
+                <a:schemeClr val="bg1"/>
+              </a:solidFill>
+              <a:latin typeface="方正兰亭粗黑_GBK" panose="02000000000000000000" pitchFamily="2" charset="-122"/>
+              <a:ea typeface="方正兰亭粗黑_GBK" panose="02000000000000000000" pitchFamily="2" charset="-122"/>
+            </a:endParaRPr>
+          </a:p>
+        </p:txBody>
+      </p:sp>
+      <p:sp>
+        <p:nvSpPr>
+          <p:cNvPr id="21" name="文本框 20"/>
+          <p:cNvSpPr txBox="1"/>
+          <p:nvPr/>
+        </p:nvSpPr>
+        <p:spPr>
+          <a:xfrm>
+            <a:off x="1179819" y="-9144"/>
+            <a:ext cx="760144" cy="646331"/>
+          </a:xfrm>
+          <a:prstGeom prst="rect">
+            <a:avLst/>
+          </a:prstGeom>
+          <a:noFill/>
+        </p:spPr>
+        <p:txBody>
+          <a:bodyPr wrap="none" rtlCol="0">
+            <a:spAutoFit/>
+          </a:bodyPr>
+          <a:lstStyle/>
+          <a:p>
+            <a:r>
+              <a:rPr lang="en-US" altLang="zh-CN" sz="3600" dirty="0" smtClean="0">
+                <a:solidFill>
+                  <a:schemeClr val="bg1"/>
+                </a:solidFill>
+                <a:latin typeface="Impact" panose="020B0806030902050204" pitchFamily="34" charset="0"/>
+              </a:rPr>
+              <a:t>3.4</a:t>
+            </a:r>
+            <a:endParaRPr lang="zh-CN" altLang="en-US" sz="3600" dirty="0">
+              <a:solidFill>
+                <a:schemeClr val="bg1"/>
+              </a:solidFill>
+              <a:latin typeface="Impact" panose="020B0806030902050204" pitchFamily="34" charset="0"/>
+            </a:endParaRPr>
+          </a:p>
+        </p:txBody>
+      </p:sp>
+      <p:grpSp>
+        <p:nvGrpSpPr>
+          <p:cNvPr id="3" name="组合 2"/>
+          <p:cNvGrpSpPr/>
+          <p:nvPr/>
+        </p:nvGrpSpPr>
+        <p:grpSpPr>
+          <a:xfrm>
+            <a:off x="153510" y="-1440518"/>
+            <a:ext cx="2393074" cy="2355198"/>
+            <a:chOff x="3706240" y="-3100473"/>
+            <a:chExt cx="4570694" cy="4498352"/>
+          </a:xfrm>
+        </p:grpSpPr>
+        <p:grpSp>
+          <p:nvGrpSpPr>
+            <p:cNvPr id="2" name="组合 1"/>
+            <p:cNvGrpSpPr/>
+            <p:nvPr/>
+          </p:nvGrpSpPr>
+          <p:grpSpPr>
+            <a:xfrm>
+              <a:off x="4313438" y="-2637781"/>
+              <a:ext cx="3595008" cy="3652822"/>
+              <a:chOff x="4313438" y="-2637781"/>
+              <a:chExt cx="3595008" cy="3652822"/>
+            </a:xfrm>
+          </p:grpSpPr>
+          <p:sp>
+            <p:nvSpPr>
+              <p:cNvPr id="36" name="任意多边形 35"/>
+              <p:cNvSpPr/>
+              <p:nvPr/>
+            </p:nvSpPr>
+            <p:spPr>
+              <a:xfrm rot="3600000">
+                <a:off x="4284531" y="-2608874"/>
+                <a:ext cx="3652822" cy="3595008"/>
+              </a:xfrm>
+              <a:custGeom>
+                <a:avLst/>
+                <a:gdLst>
+                  <a:gd name="connsiteX0" fmla="*/ 2326664 w 4653328"/>
+                  <a:gd name="connsiteY0" fmla="*/ 0 h 4579678"/>
+                  <a:gd name="connsiteX1" fmla="*/ 4653328 w 4653328"/>
+                  <a:gd name="connsiteY1" fmla="*/ 2326664 h 4579678"/>
+                  <a:gd name="connsiteX2" fmla="*/ 3232307 w 4653328"/>
+                  <a:gd name="connsiteY2" fmla="*/ 4470487 h 4579678"/>
+                  <a:gd name="connsiteX3" fmla="*/ 3031514 w 4653328"/>
+                  <a:gd name="connsiteY3" fmla="*/ 4543979 h 4579678"/>
+                  <a:gd name="connsiteX4" fmla="*/ 3031514 w 4653328"/>
+                  <a:gd name="connsiteY4" fmla="*/ 4509523 h 4579678"/>
+                  <a:gd name="connsiteX5" fmla="*/ 3219700 w 4653328"/>
+                  <a:gd name="connsiteY5" fmla="*/ 4440645 h 4579678"/>
+                  <a:gd name="connsiteX6" fmla="*/ 4620941 w 4653328"/>
+                  <a:gd name="connsiteY6" fmla="*/ 2326664 h 4579678"/>
+                  <a:gd name="connsiteX7" fmla="*/ 2326664 w 4653328"/>
+                  <a:gd name="connsiteY7" fmla="*/ 32387 h 4579678"/>
+                  <a:gd name="connsiteX8" fmla="*/ 32387 w 4653328"/>
+                  <a:gd name="connsiteY8" fmla="*/ 2326664 h 4579678"/>
+                  <a:gd name="connsiteX9" fmla="*/ 1644416 w 4653328"/>
+                  <a:gd name="connsiteY9" fmla="*/ 4517795 h 4579678"/>
+                  <a:gd name="connsiteX10" fmla="*/ 1755164 w 4653328"/>
+                  <a:gd name="connsiteY10" fmla="*/ 4546271 h 4579678"/>
+                  <a:gd name="connsiteX11" fmla="*/ 1755164 w 4653328"/>
+                  <a:gd name="connsiteY11" fmla="*/ 4579678 h 4579678"/>
+                  <a:gd name="connsiteX12" fmla="*/ 1634785 w 4653328"/>
+                  <a:gd name="connsiteY12" fmla="*/ 4548726 h 4579678"/>
+                  <a:gd name="connsiteX13" fmla="*/ 0 w 4653328"/>
+                  <a:gd name="connsiteY13" fmla="*/ 2326664 h 4579678"/>
+                  <a:gd name="connsiteX14" fmla="*/ 2326664 w 4653328"/>
+                  <a:gd name="connsiteY14" fmla="*/ 0 h 4579678"/>
+                </a:gdLst>
+                <a:ahLst/>
+                <a:cxnLst>
+                  <a:cxn ang="0">
+                    <a:pos x="connsiteX0" y="connsiteY0"/>
+                  </a:cxn>
+                  <a:cxn ang="0">
+                    <a:pos x="connsiteX1" y="connsiteY1"/>
+                  </a:cxn>
+                  <a:cxn ang="0">
+                    <a:pos x="connsiteX2" y="connsiteY2"/>
+                  </a:cxn>
+                  <a:cxn ang="0">
+                    <a:pos x="connsiteX3" y="connsiteY3"/>
+                  </a:cxn>
+                  <a:cxn ang="0">
+                    <a:pos x="connsiteX4" y="connsiteY4"/>
+                  </a:cxn>
+                  <a:cxn ang="0">
+                    <a:pos x="connsiteX5" y="connsiteY5"/>
+                  </a:cxn>
+                  <a:cxn ang="0">
+                    <a:pos x="connsiteX6" y="connsiteY6"/>
+                  </a:cxn>
+                  <a:cxn ang="0">
+                    <a:pos x="connsiteX7" y="connsiteY7"/>
+                  </a:cxn>
+                  <a:cxn ang="0">
+                    <a:pos x="connsiteX8" y="connsiteY8"/>
+                  </a:cxn>
+                  <a:cxn ang="0">
+                    <a:pos x="connsiteX9" y="connsiteY9"/>
+                  </a:cxn>
+                  <a:cxn ang="0">
+                    <a:pos x="connsiteX10" y="connsiteY10"/>
+                  </a:cxn>
+                  <a:cxn ang="0">
+                    <a:pos x="connsiteX11" y="connsiteY11"/>
+                  </a:cxn>
+                  <a:cxn ang="0">
+                    <a:pos x="connsiteX12" y="connsiteY12"/>
+                  </a:cxn>
+                  <a:cxn ang="0">
+                    <a:pos x="connsiteX13" y="connsiteY13"/>
+                  </a:cxn>
+                  <a:cxn ang="0">
+                    <a:pos x="connsiteX14" y="connsiteY14"/>
+                  </a:cxn>
+                </a:cxnLst>
+                <a:rect l="l" t="t" r="r" b="b"/>
+                <a:pathLst>
+                  <a:path w="4653328" h="4579678">
+                    <a:moveTo>
+                      <a:pt x="2326664" y="0"/>
+                    </a:moveTo>
+                    <a:cubicBezTo>
+                      <a:pt x="3611645" y="0"/>
+                      <a:pt x="4653328" y="1041683"/>
+                      <a:pt x="4653328" y="2326664"/>
+                    </a:cubicBezTo>
+                    <a:cubicBezTo>
+                      <a:pt x="4653328" y="3290400"/>
+                      <a:pt x="4067382" y="4117281"/>
+                      <a:pt x="3232307" y="4470487"/>
+                    </a:cubicBezTo>
+                    <a:lnTo>
+                      <a:pt x="3031514" y="4543979"/>
+                    </a:lnTo>
+                    <a:lnTo>
+                      <a:pt x="3031514" y="4509523"/>
+                    </a:lnTo>
+                    <a:lnTo>
+                      <a:pt x="3219700" y="4440645"/>
+                    </a:lnTo>
+                    <a:cubicBezTo>
+                      <a:pt x="4043151" y="4092355"/>
+                      <a:pt x="4620941" y="3276984"/>
+                      <a:pt x="4620941" y="2326664"/>
+                    </a:cubicBezTo>
+                    <a:cubicBezTo>
+                      <a:pt x="4620941" y="1059570"/>
+                      <a:pt x="3593758" y="32387"/>
+                      <a:pt x="2326664" y="32387"/>
+                    </a:cubicBezTo>
+                    <a:cubicBezTo>
+                      <a:pt x="1059570" y="32387"/>
+                      <a:pt x="32387" y="1059570"/>
+                      <a:pt x="32387" y="2326664"/>
+                    </a:cubicBezTo>
+                    <a:cubicBezTo>
+                      <a:pt x="32387" y="3356178"/>
+                      <a:pt x="710488" y="4227313"/>
+                      <a:pt x="1644416" y="4517795"/>
+                    </a:cubicBezTo>
+                    <a:lnTo>
+                      <a:pt x="1755164" y="4546271"/>
+                    </a:lnTo>
+                    <a:lnTo>
+                      <a:pt x="1755164" y="4579678"/>
+                    </a:lnTo>
+                    <a:lnTo>
+                      <a:pt x="1634785" y="4548726"/>
+                    </a:lnTo>
+                    <a:cubicBezTo>
+                      <a:pt x="687673" y="4254144"/>
+                      <a:pt x="0" y="3370711"/>
+                      <a:pt x="0" y="2326664"/>
+                    </a:cubicBezTo>
+                    <a:cubicBezTo>
+                      <a:pt x="0" y="1041683"/>
+                      <a:pt x="1041683" y="0"/>
+                      <a:pt x="2326664" y="0"/>
+                    </a:cubicBezTo>
+                    <a:close/>
+                  </a:path>
+                </a:pathLst>
+              </a:custGeom>
+              <a:solidFill>
+                <a:schemeClr val="bg1">
+                  <a:alpha val="40000"/>
+                </a:schemeClr>
+              </a:solidFill>
+              <a:ln>
+                <a:noFill/>
+              </a:ln>
+            </p:spPr>
+            <p:style>
+              <a:lnRef idx="2">
+                <a:schemeClr val="accent1">
+                  <a:shade val="50000"/>
+                </a:schemeClr>
+              </a:lnRef>
+              <a:fillRef idx="1">
+                <a:schemeClr val="accent1"/>
+              </a:fillRef>
+              <a:effectRef idx="0">
+                <a:schemeClr val="accent1"/>
+              </a:effectRef>
+              <a:fontRef idx="minor">
+                <a:schemeClr val="lt1"/>
+              </a:fontRef>
+            </p:style>
+            <p:txBody>
+              <a:bodyPr rtlCol="0" anchor="ctr"/>
+              <a:lstStyle/>
+              <a:p>
+                <a:pPr algn="ctr"/>
+                <a:endParaRPr lang="zh-CN" altLang="en-US"/>
+              </a:p>
+            </p:txBody>
+          </p:sp>
+          <p:sp>
+            <p:nvSpPr>
+              <p:cNvPr id="37" name="椭圆 36"/>
+              <p:cNvSpPr/>
+              <p:nvPr/>
+            </p:nvSpPr>
+            <p:spPr>
+              <a:xfrm>
+                <a:off x="4744096" y="417049"/>
+                <a:ext cx="254016" cy="254016"/>
+              </a:xfrm>
+              <a:prstGeom prst="ellipse">
+                <a:avLst/>
+              </a:prstGeom>
+              <a:solidFill>
+                <a:schemeClr val="bg1"/>
+              </a:solidFill>
+              <a:ln>
+                <a:noFill/>
+              </a:ln>
+            </p:spPr>
+            <p:style>
+              <a:lnRef idx="2">
+                <a:schemeClr val="accent1">
+                  <a:shade val="50000"/>
+                </a:schemeClr>
+              </a:lnRef>
+              <a:fillRef idx="1">
+                <a:schemeClr val="accent1"/>
+              </a:fillRef>
+              <a:effectRef idx="0">
+                <a:schemeClr val="accent1"/>
+              </a:effectRef>
+              <a:fontRef idx="minor">
+                <a:schemeClr val="lt1"/>
+              </a:fontRef>
+            </p:style>
+            <p:txBody>
+              <a:bodyPr rtlCol="0" anchor="ctr"/>
+              <a:lstStyle/>
+              <a:p>
+                <a:pPr algn="ctr"/>
+                <a:endParaRPr lang="zh-CN" altLang="en-US"/>
+              </a:p>
+            </p:txBody>
+          </p:sp>
+        </p:grpSp>
+        <p:grpSp>
+          <p:nvGrpSpPr>
+            <p:cNvPr id="48" name="组合 47"/>
+            <p:cNvGrpSpPr/>
+            <p:nvPr/>
+          </p:nvGrpSpPr>
+          <p:grpSpPr>
+            <a:xfrm rot="15713286">
+              <a:off x="3742411" y="-3136644"/>
+              <a:ext cx="4498352" cy="4570694"/>
+              <a:chOff x="4313438" y="-2637781"/>
+              <a:chExt cx="3595008" cy="3652822"/>
+            </a:xfrm>
+          </p:grpSpPr>
+          <p:sp>
+            <p:nvSpPr>
+              <p:cNvPr id="49" name="任意多边形 48"/>
+              <p:cNvSpPr/>
+              <p:nvPr/>
+            </p:nvSpPr>
+            <p:spPr>
+              <a:xfrm rot="3600000">
+                <a:off x="4284531" y="-2608874"/>
+                <a:ext cx="3652822" cy="3595008"/>
+              </a:xfrm>
+              <a:custGeom>
+                <a:avLst/>
+                <a:gdLst>
+                  <a:gd name="connsiteX0" fmla="*/ 2326664 w 4653328"/>
+                  <a:gd name="connsiteY0" fmla="*/ 0 h 4579678"/>
+                  <a:gd name="connsiteX1" fmla="*/ 4653328 w 4653328"/>
+                  <a:gd name="connsiteY1" fmla="*/ 2326664 h 4579678"/>
+                  <a:gd name="connsiteX2" fmla="*/ 3232307 w 4653328"/>
+                  <a:gd name="connsiteY2" fmla="*/ 4470487 h 4579678"/>
+                  <a:gd name="connsiteX3" fmla="*/ 3031514 w 4653328"/>
+                  <a:gd name="connsiteY3" fmla="*/ 4543979 h 4579678"/>
+                  <a:gd name="connsiteX4" fmla="*/ 3031514 w 4653328"/>
+                  <a:gd name="connsiteY4" fmla="*/ 4509523 h 4579678"/>
+                  <a:gd name="connsiteX5" fmla="*/ 3219700 w 4653328"/>
+                  <a:gd name="connsiteY5" fmla="*/ 4440645 h 4579678"/>
+                  <a:gd name="connsiteX6" fmla="*/ 4620941 w 4653328"/>
+                  <a:gd name="connsiteY6" fmla="*/ 2326664 h 4579678"/>
+                  <a:gd name="connsiteX7" fmla="*/ 2326664 w 4653328"/>
+                  <a:gd name="connsiteY7" fmla="*/ 32387 h 4579678"/>
+                  <a:gd name="connsiteX8" fmla="*/ 32387 w 4653328"/>
+                  <a:gd name="connsiteY8" fmla="*/ 2326664 h 4579678"/>
+                  <a:gd name="connsiteX9" fmla="*/ 1644416 w 4653328"/>
+                  <a:gd name="connsiteY9" fmla="*/ 4517795 h 4579678"/>
+                  <a:gd name="connsiteX10" fmla="*/ 1755164 w 4653328"/>
+                  <a:gd name="connsiteY10" fmla="*/ 4546271 h 4579678"/>
+                  <a:gd name="connsiteX11" fmla="*/ 1755164 w 4653328"/>
+                  <a:gd name="connsiteY11" fmla="*/ 4579678 h 4579678"/>
+                  <a:gd name="connsiteX12" fmla="*/ 1634785 w 4653328"/>
+                  <a:gd name="connsiteY12" fmla="*/ 4548726 h 4579678"/>
+                  <a:gd name="connsiteX13" fmla="*/ 0 w 4653328"/>
+                  <a:gd name="connsiteY13" fmla="*/ 2326664 h 4579678"/>
+                  <a:gd name="connsiteX14" fmla="*/ 2326664 w 4653328"/>
+                  <a:gd name="connsiteY14" fmla="*/ 0 h 4579678"/>
+                </a:gdLst>
+                <a:ahLst/>
+                <a:cxnLst>
+                  <a:cxn ang="0">
+                    <a:pos x="connsiteX0" y="connsiteY0"/>
+                  </a:cxn>
+                  <a:cxn ang="0">
+                    <a:pos x="connsiteX1" y="connsiteY1"/>
+                  </a:cxn>
+                  <a:cxn ang="0">
+                    <a:pos x="connsiteX2" y="connsiteY2"/>
+                  </a:cxn>
+                  <a:cxn ang="0">
+                    <a:pos x="connsiteX3" y="connsiteY3"/>
+                  </a:cxn>
+                  <a:cxn ang="0">
+                    <a:pos x="connsiteX4" y="connsiteY4"/>
+                  </a:cxn>
+                  <a:cxn ang="0">
+                    <a:pos x="connsiteX5" y="connsiteY5"/>
+                  </a:cxn>
+                  <a:cxn ang="0">
+                    <a:pos x="connsiteX6" y="connsiteY6"/>
+                  </a:cxn>
+                  <a:cxn ang="0">
+                    <a:pos x="connsiteX7" y="connsiteY7"/>
+                  </a:cxn>
+                  <a:cxn ang="0">
+                    <a:pos x="connsiteX8" y="connsiteY8"/>
+                  </a:cxn>
+                  <a:cxn ang="0">
+                    <a:pos x="connsiteX9" y="connsiteY9"/>
+                  </a:cxn>
+                  <a:cxn ang="0">
+                    <a:pos x="connsiteX10" y="connsiteY10"/>
+                  </a:cxn>
+                  <a:cxn ang="0">
+                    <a:pos x="connsiteX11" y="connsiteY11"/>
+                  </a:cxn>
+                  <a:cxn ang="0">
+                    <a:pos x="connsiteX12" y="connsiteY12"/>
+                  </a:cxn>
+                  <a:cxn ang="0">
+                    <a:pos x="connsiteX13" y="connsiteY13"/>
+                  </a:cxn>
+                  <a:cxn ang="0">
+                    <a:pos x="connsiteX14" y="connsiteY14"/>
+                  </a:cxn>
+                </a:cxnLst>
+                <a:rect l="l" t="t" r="r" b="b"/>
+                <a:pathLst>
+                  <a:path w="4653328" h="4579678">
+                    <a:moveTo>
+                      <a:pt x="2326664" y="0"/>
+                    </a:moveTo>
+                    <a:cubicBezTo>
+                      <a:pt x="3611645" y="0"/>
+                      <a:pt x="4653328" y="1041683"/>
+                      <a:pt x="4653328" y="2326664"/>
+                    </a:cubicBezTo>
+                    <a:cubicBezTo>
+                      <a:pt x="4653328" y="3290400"/>
+                      <a:pt x="4067382" y="4117281"/>
+                      <a:pt x="3232307" y="4470487"/>
+                    </a:cubicBezTo>
+                    <a:lnTo>
+                      <a:pt x="3031514" y="4543979"/>
+                    </a:lnTo>
+                    <a:lnTo>
+                      <a:pt x="3031514" y="4509523"/>
+                    </a:lnTo>
+                    <a:lnTo>
+                      <a:pt x="3219700" y="4440645"/>
+                    </a:lnTo>
+                    <a:cubicBezTo>
+                      <a:pt x="4043151" y="4092355"/>
+                      <a:pt x="4620941" y="3276984"/>
+                      <a:pt x="4620941" y="2326664"/>
+                    </a:cubicBezTo>
+                    <a:cubicBezTo>
+                      <a:pt x="4620941" y="1059570"/>
+                      <a:pt x="3593758" y="32387"/>
+                      <a:pt x="2326664" y="32387"/>
+                    </a:cubicBezTo>
+                    <a:cubicBezTo>
+                      <a:pt x="1059570" y="32387"/>
+                      <a:pt x="32387" y="1059570"/>
+                      <a:pt x="32387" y="2326664"/>
+                    </a:cubicBezTo>
+                    <a:cubicBezTo>
+                      <a:pt x="32387" y="3356178"/>
+                      <a:pt x="710488" y="4227313"/>
+                      <a:pt x="1644416" y="4517795"/>
+                    </a:cubicBezTo>
+                    <a:lnTo>
+                      <a:pt x="1755164" y="4546271"/>
+                    </a:lnTo>
+                    <a:lnTo>
+                      <a:pt x="1755164" y="4579678"/>
+                    </a:lnTo>
+                    <a:lnTo>
+                      <a:pt x="1634785" y="4548726"/>
+                    </a:lnTo>
+                    <a:cubicBezTo>
+                      <a:pt x="687673" y="4254144"/>
+                      <a:pt x="0" y="3370711"/>
+                      <a:pt x="0" y="2326664"/>
+                    </a:cubicBezTo>
+                    <a:cubicBezTo>
+                      <a:pt x="0" y="1041683"/>
+                      <a:pt x="1041683" y="0"/>
+                      <a:pt x="2326664" y="0"/>
+                    </a:cubicBezTo>
+                    <a:close/>
+                  </a:path>
+                </a:pathLst>
+              </a:custGeom>
+              <a:solidFill>
+                <a:schemeClr val="bg1">
+                  <a:alpha val="40000"/>
+                </a:schemeClr>
+              </a:solidFill>
+              <a:ln>
+                <a:noFill/>
+              </a:ln>
+            </p:spPr>
+            <p:style>
+              <a:lnRef idx="2">
+                <a:schemeClr val="accent1">
+                  <a:shade val="50000"/>
+                </a:schemeClr>
+              </a:lnRef>
+              <a:fillRef idx="1">
+                <a:schemeClr val="accent1"/>
+              </a:fillRef>
+              <a:effectRef idx="0">
+                <a:schemeClr val="accent1"/>
+              </a:effectRef>
+              <a:fontRef idx="minor">
+                <a:schemeClr val="lt1"/>
+              </a:fontRef>
+            </p:style>
+            <p:txBody>
+              <a:bodyPr rtlCol="0" anchor="ctr"/>
+              <a:lstStyle/>
+              <a:p>
+                <a:pPr algn="ctr"/>
+                <a:endParaRPr lang="zh-CN" altLang="en-US"/>
+              </a:p>
+            </p:txBody>
+          </p:sp>
+          <p:sp>
+            <p:nvSpPr>
+              <p:cNvPr id="50" name="椭圆 49"/>
+              <p:cNvSpPr/>
+              <p:nvPr/>
+            </p:nvSpPr>
+            <p:spPr>
+              <a:xfrm>
+                <a:off x="4744096" y="417049"/>
+                <a:ext cx="254016" cy="254016"/>
+              </a:xfrm>
+              <a:prstGeom prst="ellipse">
+                <a:avLst/>
+              </a:prstGeom>
+              <a:solidFill>
+                <a:schemeClr val="bg1"/>
+              </a:solidFill>
+              <a:ln>
+                <a:noFill/>
+              </a:ln>
+            </p:spPr>
+            <p:style>
+              <a:lnRef idx="2">
+                <a:schemeClr val="accent1">
+                  <a:shade val="50000"/>
+                </a:schemeClr>
+              </a:lnRef>
+              <a:fillRef idx="1">
+                <a:schemeClr val="accent1"/>
+              </a:fillRef>
+              <a:effectRef idx="0">
+                <a:schemeClr val="accent1"/>
+              </a:effectRef>
+              <a:fontRef idx="minor">
+                <a:schemeClr val="lt1"/>
+              </a:fontRef>
+            </p:style>
+            <p:txBody>
+              <a:bodyPr rtlCol="0" anchor="ctr"/>
+              <a:lstStyle/>
+              <a:p>
+                <a:pPr algn="ctr"/>
+                <a:endParaRPr lang="zh-CN" altLang="en-US"/>
+              </a:p>
+            </p:txBody>
+          </p:sp>
+        </p:grpSp>
+      </p:grpSp>
+      <p:sp>
+        <p:nvSpPr>
+          <p:cNvPr id="26" name="同侧圆角矩形 25"/>
+          <p:cNvSpPr/>
+          <p:nvPr/>
+        </p:nvSpPr>
+        <p:spPr>
+          <a:xfrm>
+            <a:off x="829894" y="1056684"/>
+            <a:ext cx="10714406" cy="5209181"/>
+          </a:xfrm>
+          <a:prstGeom prst="round2SameRect">
+            <a:avLst>
+              <a:gd name="adj1" fmla="val 7576"/>
+              <a:gd name="adj2" fmla="val 12431"/>
+            </a:avLst>
+          </a:prstGeom>
+          <a:gradFill>
+            <a:gsLst>
+              <a:gs pos="0">
+                <a:schemeClr val="bg1">
+                  <a:alpha val="61000"/>
+                </a:schemeClr>
+              </a:gs>
+              <a:gs pos="100000">
+                <a:schemeClr val="bg1">
+                  <a:alpha val="0"/>
+                </a:schemeClr>
+              </a:gs>
+            </a:gsLst>
+            <a:lin ang="5400000" scaled="1"/>
+          </a:gradFill>
+          <a:ln>
+            <a:noFill/>
+          </a:ln>
+        </p:spPr>
+        <p:style>
+          <a:lnRef idx="2">
+            <a:schemeClr val="accent1">
+              <a:shade val="50000"/>
+            </a:schemeClr>
+          </a:lnRef>
+          <a:fillRef idx="1">
+            <a:schemeClr val="accent1"/>
+          </a:fillRef>
+          <a:effectRef idx="0">
+            <a:schemeClr val="accent1"/>
+          </a:effectRef>
+          <a:fontRef idx="minor">
+            <a:schemeClr val="lt1"/>
+          </a:fontRef>
+        </p:style>
+        <p:txBody>
+          <a:bodyPr rtlCol="0" anchor="ctr"/>
+          <a:lstStyle/>
+          <a:p>
             <a:endParaRPr lang="en-US" altLang="zh-CN" sz="2800" dirty="0" smtClean="0"/>
           </a:p>
         </p:txBody>
@@ -26957,7 +27026,7 @@
 </p:sld>
 </file>
 
-<file path=ppt/slides/slide31.xml><?xml version="1.0" encoding="utf-8"?>
+<file path=ppt/slides/slide32.xml><?xml version="1.0" encoding="utf-8"?>
 <p:sld xmlns:a="http://schemas.openxmlformats.org/drawingml/2006/main" xmlns:r="http://schemas.openxmlformats.org/officeDocument/2006/relationships" xmlns:p="http://schemas.openxmlformats.org/presentationml/2006/main">
   <p:cSld>
     <p:spTree>
@@ -28024,7 +28093,7 @@
 </p:sld>
 </file>
 
-<file path=ppt/slides/slide32.xml><?xml version="1.0" encoding="utf-8"?>
+<file path=ppt/slides/slide33.xml><?xml version="1.0" encoding="utf-8"?>
 <p:sld xmlns:a="http://schemas.openxmlformats.org/drawingml/2006/main" xmlns:r="http://schemas.openxmlformats.org/officeDocument/2006/relationships" xmlns:p="http://schemas.openxmlformats.org/presentationml/2006/main">
   <p:cSld>
     <p:spTree>
@@ -28835,7 +28904,7 @@
 </p:sld>
 </file>
 
-<file path=ppt/slides/slide33.xml><?xml version="1.0" encoding="utf-8"?>
+<file path=ppt/slides/slide34.xml><?xml version="1.0" encoding="utf-8"?>
 <p:sld xmlns:a="http://schemas.openxmlformats.org/drawingml/2006/main" xmlns:r="http://schemas.openxmlformats.org/officeDocument/2006/relationships" xmlns:p="http://schemas.openxmlformats.org/presentationml/2006/main">
   <p:cSld>
     <p:spTree>
@@ -29682,7 +29751,7 @@
 </p:sld>
 </file>
 
-<file path=ppt/slides/slide34.xml><?xml version="1.0" encoding="utf-8"?>
+<file path=ppt/slides/slide35.xml><?xml version="1.0" encoding="utf-8"?>
 <p:sld xmlns:a="http://schemas.openxmlformats.org/drawingml/2006/main" xmlns:r="http://schemas.openxmlformats.org/officeDocument/2006/relationships" xmlns:p="http://schemas.openxmlformats.org/presentationml/2006/main">
   <p:cSld>
     <p:spTree>
@@ -30767,7 +30836,7 @@
 </p:sld>
 </file>
 
-<file path=ppt/slides/slide35.xml><?xml version="1.0" encoding="utf-8"?>
+<file path=ppt/slides/slide36.xml><?xml version="1.0" encoding="utf-8"?>
 <p:sld xmlns:a="http://schemas.openxmlformats.org/drawingml/2006/main" xmlns:r="http://schemas.openxmlformats.org/officeDocument/2006/relationships" xmlns:p="http://schemas.openxmlformats.org/presentationml/2006/main">
   <p:cSld>
     <p:spTree>
@@ -31658,7 +31727,7 @@
 </p:sld>
 </file>
 
-<file path=ppt/slides/slide36.xml><?xml version="1.0" encoding="utf-8"?>
+<file path=ppt/slides/slide37.xml><?xml version="1.0" encoding="utf-8"?>
 <p:sld xmlns:a="http://schemas.openxmlformats.org/drawingml/2006/main" xmlns:r="http://schemas.openxmlformats.org/officeDocument/2006/relationships" xmlns:p="http://schemas.openxmlformats.org/presentationml/2006/main">
   <p:cSld>
     <p:spTree>
@@ -31850,7 +31919,7 @@
 </p:sld>
 </file>
 
-<file path=ppt/slides/slide37.xml><?xml version="1.0" encoding="utf-8"?>
+<file path=ppt/slides/slide38.xml><?xml version="1.0" encoding="utf-8"?>
 <p:sld xmlns:a="http://schemas.openxmlformats.org/drawingml/2006/main" xmlns:r="http://schemas.openxmlformats.org/officeDocument/2006/relationships" xmlns:p="http://schemas.openxmlformats.org/presentationml/2006/main">
   <p:cSld>
     <p:spTree>

--- a/iOSTalk.pptx
+++ b/iOSTalk.pptx
@@ -12,23 +12,23 @@
     <p:sldId id="258" r:id="rId3"/>
     <p:sldId id="259" r:id="rId4"/>
     <p:sldId id="261" r:id="rId5"/>
-    <p:sldId id="268" r:id="rId6"/>
-    <p:sldId id="269" r:id="rId7"/>
-    <p:sldId id="270" r:id="rId8"/>
-    <p:sldId id="271" r:id="rId9"/>
-    <p:sldId id="272" r:id="rId10"/>
-    <p:sldId id="273" r:id="rId11"/>
-    <p:sldId id="274" r:id="rId12"/>
-    <p:sldId id="275" r:id="rId13"/>
-    <p:sldId id="278" r:id="rId14"/>
-    <p:sldId id="279" r:id="rId15"/>
-    <p:sldId id="299" r:id="rId16"/>
-    <p:sldId id="296" r:id="rId17"/>
-    <p:sldId id="280" r:id="rId18"/>
-    <p:sldId id="282" r:id="rId19"/>
-    <p:sldId id="281" r:id="rId20"/>
-    <p:sldId id="264" r:id="rId21"/>
-    <p:sldId id="288" r:id="rId22"/>
+    <p:sldId id="269" r:id="rId6"/>
+    <p:sldId id="270" r:id="rId7"/>
+    <p:sldId id="271" r:id="rId8"/>
+    <p:sldId id="272" r:id="rId9"/>
+    <p:sldId id="273" r:id="rId10"/>
+    <p:sldId id="274" r:id="rId11"/>
+    <p:sldId id="275" r:id="rId12"/>
+    <p:sldId id="278" r:id="rId13"/>
+    <p:sldId id="279" r:id="rId14"/>
+    <p:sldId id="299" r:id="rId15"/>
+    <p:sldId id="296" r:id="rId16"/>
+    <p:sldId id="280" r:id="rId17"/>
+    <p:sldId id="282" r:id="rId18"/>
+    <p:sldId id="281" r:id="rId19"/>
+    <p:sldId id="264" r:id="rId20"/>
+    <p:sldId id="288" r:id="rId21"/>
+    <p:sldId id="300" r:id="rId22"/>
     <p:sldId id="276" r:id="rId23"/>
     <p:sldId id="297" r:id="rId24"/>
     <p:sldId id="277" r:id="rId25"/>
@@ -248,7 +248,7 @@
           <a:p>
             <a:fld id="{E1316061-BA0D-2145-94B8-F8D33C2A69AB}" type="datetimeFigureOut">
               <a:rPr kumimoji="1" lang="zh-CN" altLang="en-US" smtClean="0"/>
-              <a:t>2017/11/20</a:t>
+              <a:t>2017/11/21</a:t>
             </a:fld>
             <a:endParaRPr kumimoji="1" lang="zh-CN" altLang="en-US"/>
           </a:p>
@@ -647,7 +647,7 @@
           <a:p>
             <a:fld id="{5A29A3CC-4224-4F33-814E-7B1EABA0E596}" type="datetimeFigureOut">
               <a:rPr lang="zh-CN" altLang="en-US" smtClean="0"/>
-              <a:t>2017/11/20</a:t>
+              <a:t>2017/11/21</a:t>
             </a:fld>
             <a:endParaRPr lang="zh-CN" altLang="en-US"/>
           </a:p>
@@ -817,7 +817,7 @@
           <a:p>
             <a:fld id="{5A29A3CC-4224-4F33-814E-7B1EABA0E596}" type="datetimeFigureOut">
               <a:rPr lang="zh-CN" altLang="en-US" smtClean="0"/>
-              <a:t>2017/11/20</a:t>
+              <a:t>2017/11/21</a:t>
             </a:fld>
             <a:endParaRPr lang="zh-CN" altLang="en-US"/>
           </a:p>
@@ -997,7 +997,7 @@
           <a:p>
             <a:fld id="{5A29A3CC-4224-4F33-814E-7B1EABA0E596}" type="datetimeFigureOut">
               <a:rPr lang="zh-CN" altLang="en-US" smtClean="0"/>
-              <a:t>2017/11/20</a:t>
+              <a:t>2017/11/21</a:t>
             </a:fld>
             <a:endParaRPr lang="zh-CN" altLang="en-US"/>
           </a:p>
@@ -1167,7 +1167,7 @@
           <a:p>
             <a:fld id="{5A29A3CC-4224-4F33-814E-7B1EABA0E596}" type="datetimeFigureOut">
               <a:rPr lang="zh-CN" altLang="en-US" smtClean="0"/>
-              <a:t>2017/11/20</a:t>
+              <a:t>2017/11/21</a:t>
             </a:fld>
             <a:endParaRPr lang="zh-CN" altLang="en-US"/>
           </a:p>
@@ -1413,7 +1413,7 @@
           <a:p>
             <a:fld id="{5A29A3CC-4224-4F33-814E-7B1EABA0E596}" type="datetimeFigureOut">
               <a:rPr lang="zh-CN" altLang="en-US" smtClean="0"/>
-              <a:t>2017/11/20</a:t>
+              <a:t>2017/11/21</a:t>
             </a:fld>
             <a:endParaRPr lang="zh-CN" altLang="en-US"/>
           </a:p>
@@ -1645,7 +1645,7 @@
           <a:p>
             <a:fld id="{5A29A3CC-4224-4F33-814E-7B1EABA0E596}" type="datetimeFigureOut">
               <a:rPr lang="zh-CN" altLang="en-US" smtClean="0"/>
-              <a:t>2017/11/20</a:t>
+              <a:t>2017/11/21</a:t>
             </a:fld>
             <a:endParaRPr lang="zh-CN" altLang="en-US"/>
           </a:p>
@@ -2012,7 +2012,7 @@
           <a:p>
             <a:fld id="{5A29A3CC-4224-4F33-814E-7B1EABA0E596}" type="datetimeFigureOut">
               <a:rPr lang="zh-CN" altLang="en-US" smtClean="0"/>
-              <a:t>2017/11/20</a:t>
+              <a:t>2017/11/21</a:t>
             </a:fld>
             <a:endParaRPr lang="zh-CN" altLang="en-US"/>
           </a:p>
@@ -2130,7 +2130,7 @@
           <a:p>
             <a:fld id="{5A29A3CC-4224-4F33-814E-7B1EABA0E596}" type="datetimeFigureOut">
               <a:rPr lang="zh-CN" altLang="en-US" smtClean="0"/>
-              <a:t>2017/11/20</a:t>
+              <a:t>2017/11/21</a:t>
             </a:fld>
             <a:endParaRPr lang="zh-CN" altLang="en-US"/>
           </a:p>
@@ -2225,7 +2225,7 @@
           <a:p>
             <a:fld id="{5A29A3CC-4224-4F33-814E-7B1EABA0E596}" type="datetimeFigureOut">
               <a:rPr lang="zh-CN" altLang="en-US" smtClean="0"/>
-              <a:t>2017/11/20</a:t>
+              <a:t>2017/11/21</a:t>
             </a:fld>
             <a:endParaRPr lang="zh-CN" altLang="en-US"/>
           </a:p>
@@ -2502,7 +2502,7 @@
           <a:p>
             <a:fld id="{5A29A3CC-4224-4F33-814E-7B1EABA0E596}" type="datetimeFigureOut">
               <a:rPr lang="zh-CN" altLang="en-US" smtClean="0"/>
-              <a:t>2017/11/20</a:t>
+              <a:t>2017/11/21</a:t>
             </a:fld>
             <a:endParaRPr lang="zh-CN" altLang="en-US"/>
           </a:p>
@@ -2755,7 +2755,7 @@
           <a:p>
             <a:fld id="{5A29A3CC-4224-4F33-814E-7B1EABA0E596}" type="datetimeFigureOut">
               <a:rPr lang="zh-CN" altLang="en-US" smtClean="0"/>
-              <a:t>2017/11/20</a:t>
+              <a:t>2017/11/21</a:t>
             </a:fld>
             <a:endParaRPr lang="zh-CN" altLang="en-US"/>
           </a:p>
@@ -3022,7 +3022,7 @@
           <a:p>
             <a:fld id="{5A29A3CC-4224-4F33-814E-7B1EABA0E596}" type="datetimeFigureOut">
               <a:rPr lang="zh-CN" altLang="en-US" smtClean="0"/>
-              <a:t>2017/11/20</a:t>
+              <a:t>2017/11/21</a:t>
             </a:fld>
             <a:endParaRPr lang="zh-CN" altLang="en-US"/>
           </a:p>
@@ -4555,7 +4555,7 @@
                 <a:latin typeface="方正兰亭粗黑_GBK" panose="02000000000000000000" pitchFamily="2" charset="-122"/>
                 <a:ea typeface="方正兰亭粗黑_GBK" panose="02000000000000000000" pitchFamily="2" charset="-122"/>
               </a:rPr>
-              <a:t>简史</a:t>
+              <a:t>特色</a:t>
             </a:r>
             <a:endParaRPr lang="zh-CN" altLang="en-US" sz="3200" dirty="0">
               <a:solidFill>
@@ -4576,7 +4576,7 @@
         <p:spPr>
           <a:xfrm>
             <a:off x="1179819" y="-9144"/>
-            <a:ext cx="1011815" cy="646331"/>
+            <a:ext cx="691215" cy="646331"/>
           </a:xfrm>
           <a:prstGeom prst="rect">
             <a:avLst/>
@@ -4596,7 +4596,7 @@
                 </a:solidFill>
                 <a:latin typeface="Impact" panose="020B0806030902050204" pitchFamily="34" charset="0"/>
               </a:rPr>
-              <a:t>1.2.5</a:t>
+              <a:t>1.3</a:t>
             </a:r>
             <a:endParaRPr lang="zh-CN" altLang="en-US" sz="3600" dirty="0">
               <a:solidFill>
@@ -5142,7 +5142,7 @@
         </p:nvSpPr>
         <p:spPr>
           <a:xfrm>
-            <a:off x="829894" y="1093432"/>
+            <a:off x="829894" y="1056684"/>
             <a:ext cx="10714406" cy="5209181"/>
           </a:xfrm>
           <a:prstGeom prst="round2SameRect">
@@ -5191,136 +5191,41 @@
           <a:lstStyle/>
           <a:p>
             <a:r>
-              <a:rPr lang="zh-CN" altLang="en-US" sz="2800" dirty="0"/>
-              <a:t>在</a:t>
-            </a:r>
-            <a:r>
-              <a:rPr lang="en-US" altLang="zh-CN" sz="2800" dirty="0"/>
-              <a:t>1995</a:t>
-            </a:r>
-            <a:r>
-              <a:rPr lang="zh-CN" altLang="en-US" sz="2800" dirty="0"/>
-              <a:t>年，</a:t>
-            </a:r>
-            <a:r>
-              <a:rPr lang="en-US" altLang="zh-CN" sz="2800" dirty="0"/>
-              <a:t>NeXT</a:t>
-            </a:r>
-            <a:r>
-              <a:rPr lang="zh-CN" altLang="en-US" sz="2800" dirty="0"/>
-              <a:t>从</a:t>
-            </a:r>
-            <a:r>
-              <a:rPr lang="en-US" altLang="zh-CN" sz="2800" dirty="0" err="1"/>
-              <a:t>Stepstone</a:t>
-            </a:r>
-            <a:r>
-              <a:rPr lang="zh-CN" altLang="en-US" sz="2800" dirty="0"/>
-              <a:t>得到了</a:t>
-            </a:r>
-            <a:r>
               <a:rPr lang="en-US" altLang="zh-CN" sz="2800" dirty="0"/>
               <a:t>Objective-C</a:t>
             </a:r>
             <a:r>
               <a:rPr lang="zh-CN" altLang="en-US" sz="2800" dirty="0"/>
-              <a:t>全部</a:t>
-            </a:r>
-            <a:r>
-              <a:rPr lang="zh-CN" altLang="en-US" sz="2800" dirty="0" smtClean="0"/>
-              <a:t>版权</a:t>
-            </a:r>
-            <a:endParaRPr lang="en-US" altLang="zh-CN" sz="2800" dirty="0" smtClean="0"/>
-          </a:p>
-          <a:p>
-            <a:endParaRPr lang="zh-CN" altLang="en-US" sz="2800" dirty="0"/>
-          </a:p>
-          <a:p>
+              <a:t>是面向对象的一门语言，它用</a:t>
+            </a:r>
             <a:r>
               <a:rPr lang="en-US" altLang="zh-CN" sz="2800" dirty="0"/>
-              <a:t>1996</a:t>
+              <a:t>C</a:t>
             </a:r>
             <a:r>
               <a:rPr lang="zh-CN" altLang="en-US" sz="2800" dirty="0"/>
-              <a:t>，</a:t>
+              <a:t>写成很小的运行库而且它完全兼容标准</a:t>
             </a:r>
             <a:r>
               <a:rPr lang="en-US" altLang="zh-CN" sz="2800" dirty="0"/>
-              <a:t>Apple</a:t>
+              <a:t>C</a:t>
             </a:r>
             <a:r>
               <a:rPr lang="zh-CN" altLang="en-US" sz="2800" dirty="0"/>
-              <a:t>买下</a:t>
-            </a:r>
-            <a:r>
-              <a:rPr lang="en-US" altLang="zh-CN" sz="2800" dirty="0"/>
-              <a:t>NeXT</a:t>
-            </a:r>
-            <a:r>
-              <a:rPr lang="zh-CN" altLang="en-US" sz="2800" dirty="0"/>
-              <a:t>，主要用意就是要以</a:t>
-            </a:r>
-            <a:r>
-              <a:rPr lang="en-US" altLang="zh-CN" sz="2800" dirty="0" err="1"/>
-              <a:t>NeXTStep</a:t>
-            </a:r>
-            <a:r>
-              <a:rPr lang="zh-CN" altLang="en-US" sz="2800" dirty="0"/>
-              <a:t>作业系统取代老旧的</a:t>
-            </a:r>
-            <a:r>
-              <a:rPr lang="en-US" altLang="zh-CN" sz="2800" dirty="0" smtClean="0"/>
-              <a:t>Mac</a:t>
-            </a:r>
-            <a:r>
-              <a:rPr lang="zh-CN" altLang="en-US" sz="2800" dirty="0" smtClean="0"/>
-              <a:t> </a:t>
-            </a:r>
-            <a:r>
-              <a:rPr lang="en-US" altLang="zh-CN" sz="2800" dirty="0" smtClean="0"/>
-              <a:t>OS</a:t>
+              <a:t>语言</a:t>
             </a:r>
             <a:r>
               <a:rPr lang="zh-CN" altLang="en-US" sz="2800" dirty="0" smtClean="0"/>
               <a:t>。</a:t>
             </a:r>
-            <a:endParaRPr lang="en-US" altLang="zh-CN" sz="2800" dirty="0" smtClean="0"/>
-          </a:p>
-          <a:p>
             <a:endParaRPr lang="zh-CN" altLang="en-US" sz="2800" dirty="0"/>
-          </a:p>
-          <a:p>
-            <a:r>
-              <a:rPr lang="en-US" altLang="zh-CN" sz="2800" dirty="0"/>
-              <a:t>1997</a:t>
-            </a:r>
-            <a:r>
-              <a:rPr lang="zh-CN" altLang="en-US" sz="2800" dirty="0"/>
-              <a:t>，</a:t>
-            </a:r>
-            <a:r>
-              <a:rPr lang="en-US" altLang="zh-CN" sz="2800" dirty="0"/>
-              <a:t>Steve Jobs</a:t>
-            </a:r>
-            <a:r>
-              <a:rPr lang="zh-CN" altLang="en-US" sz="2800" dirty="0"/>
-              <a:t>重回</a:t>
-            </a:r>
-            <a:r>
-              <a:rPr lang="en-US" altLang="zh-CN" sz="2800" dirty="0"/>
-              <a:t>Apple</a:t>
-            </a:r>
-            <a:r>
-              <a:rPr lang="zh-CN" altLang="en-US" sz="2800" dirty="0"/>
-              <a:t>。</a:t>
-            </a:r>
           </a:p>
         </p:txBody>
       </p:sp>
     </p:spTree>
     <p:extLst>
       <p:ext uri="{BB962C8B-B14F-4D97-AF65-F5344CB8AC3E}">
-        <p14:creationId xmlns:p14="http://schemas.microsoft.com/office/powerpoint/2010/main" val="2004085961"/>
+        <p14:creationId xmlns:p14="http://schemas.microsoft.com/office/powerpoint/2010/main" val="1539226979"/>
       </p:ext>
     </p:extLst>
   </p:cSld>
@@ -6091,811 +5996,6 @@
           <a:lstStyle/>
           <a:p>
             <a:r>
-              <a:rPr lang="en-US" altLang="zh-CN" sz="2800" dirty="0"/>
-              <a:t>Objective-C</a:t>
-            </a:r>
-            <a:r>
-              <a:rPr lang="zh-CN" altLang="en-US" sz="2800" dirty="0"/>
-              <a:t>是面向对象的一门语言，它用</a:t>
-            </a:r>
-            <a:r>
-              <a:rPr lang="en-US" altLang="zh-CN" sz="2800" dirty="0"/>
-              <a:t>C</a:t>
-            </a:r>
-            <a:r>
-              <a:rPr lang="zh-CN" altLang="en-US" sz="2800" dirty="0"/>
-              <a:t>写成很小的运行库而且它完全兼容标准</a:t>
-            </a:r>
-            <a:r>
-              <a:rPr lang="en-US" altLang="zh-CN" sz="2800" dirty="0"/>
-              <a:t>C</a:t>
-            </a:r>
-            <a:r>
-              <a:rPr lang="zh-CN" altLang="en-US" sz="2800" dirty="0"/>
-              <a:t>语言</a:t>
-            </a:r>
-            <a:r>
-              <a:rPr lang="zh-CN" altLang="en-US" sz="2800" dirty="0" smtClean="0"/>
-              <a:t>。</a:t>
-            </a:r>
-            <a:endParaRPr lang="zh-CN" altLang="en-US" sz="2800" dirty="0"/>
-          </a:p>
-        </p:txBody>
-      </p:sp>
-    </p:spTree>
-    <p:extLst>
-      <p:ext uri="{BB962C8B-B14F-4D97-AF65-F5344CB8AC3E}">
-        <p14:creationId xmlns:p14="http://schemas.microsoft.com/office/powerpoint/2010/main" val="1539226979"/>
-      </p:ext>
-    </p:extLst>
-  </p:cSld>
-  <p:clrMapOvr>
-    <a:masterClrMapping/>
-  </p:clrMapOvr>
-  <p:timing>
-    <p:tnLst>
-      <p:par>
-        <p:cTn id="1" dur="indefinite" restart="never" nodeType="tmRoot"/>
-      </p:par>
-    </p:tnLst>
-  </p:timing>
-</p:sld>
-</file>
-
-<file path=ppt/slides/slide12.xml><?xml version="1.0" encoding="utf-8"?>
-<p:sld xmlns:a="http://schemas.openxmlformats.org/drawingml/2006/main" xmlns:r="http://schemas.openxmlformats.org/officeDocument/2006/relationships" xmlns:p="http://schemas.openxmlformats.org/presentationml/2006/main">
-  <p:cSld>
-    <p:spTree>
-      <p:nvGrpSpPr>
-        <p:cNvPr id="1" name=""/>
-        <p:cNvGrpSpPr/>
-        <p:nvPr/>
-      </p:nvGrpSpPr>
-      <p:grpSpPr>
-        <a:xfrm>
-          <a:off x="0" y="0"/>
-          <a:ext cx="0" cy="0"/>
-          <a:chOff x="0" y="0"/>
-          <a:chExt cx="0" cy="0"/>
-        </a:xfrm>
-      </p:grpSpPr>
-      <p:sp>
-        <p:nvSpPr>
-          <p:cNvPr id="25" name="同侧圆角矩形 24"/>
-          <p:cNvSpPr/>
-          <p:nvPr/>
-        </p:nvSpPr>
-        <p:spPr>
-          <a:xfrm>
-            <a:off x="2705696" y="326728"/>
-            <a:ext cx="7898804" cy="925716"/>
-          </a:xfrm>
-          <a:prstGeom prst="round2SameRect">
-            <a:avLst>
-              <a:gd name="adj1" fmla="val 38896"/>
-              <a:gd name="adj2" fmla="val 2451"/>
-            </a:avLst>
-          </a:prstGeom>
-          <a:gradFill>
-            <a:gsLst>
-              <a:gs pos="0">
-                <a:schemeClr val="bg1">
-                  <a:alpha val="22000"/>
-                </a:schemeClr>
-              </a:gs>
-              <a:gs pos="100000">
-                <a:schemeClr val="bg1">
-                  <a:alpha val="0"/>
-                </a:schemeClr>
-              </a:gs>
-            </a:gsLst>
-            <a:lin ang="5400000" scaled="1"/>
-          </a:gradFill>
-          <a:ln>
-            <a:noFill/>
-          </a:ln>
-        </p:spPr>
-        <p:style>
-          <a:lnRef idx="2">
-            <a:schemeClr val="accent1">
-              <a:shade val="50000"/>
-            </a:schemeClr>
-          </a:lnRef>
-          <a:fillRef idx="1">
-            <a:schemeClr val="accent1"/>
-          </a:fillRef>
-          <a:effectRef idx="0">
-            <a:schemeClr val="accent1"/>
-          </a:effectRef>
-          <a:fontRef idx="minor">
-            <a:schemeClr val="lt1"/>
-          </a:fontRef>
-        </p:style>
-        <p:txBody>
-          <a:bodyPr rtlCol="0" anchor="ctr"/>
-          <a:lstStyle/>
-          <a:p>
-            <a:pPr algn="ctr"/>
-            <a:endParaRPr lang="zh-CN" altLang="en-US"/>
-          </a:p>
-        </p:txBody>
-      </p:sp>
-      <p:sp>
-        <p:nvSpPr>
-          <p:cNvPr id="20" name="文本框 19"/>
-          <p:cNvSpPr txBox="1"/>
-          <p:nvPr/>
-        </p:nvSpPr>
-        <p:spPr>
-          <a:xfrm>
-            <a:off x="3055621" y="395721"/>
-            <a:ext cx="3012363" cy="584775"/>
-          </a:xfrm>
-          <a:prstGeom prst="rect">
-            <a:avLst/>
-          </a:prstGeom>
-          <a:noFill/>
-        </p:spPr>
-        <p:txBody>
-          <a:bodyPr wrap="none" rtlCol="0">
-            <a:spAutoFit/>
-          </a:bodyPr>
-          <a:lstStyle/>
-          <a:p>
-            <a:r>
-              <a:rPr lang="en-US" altLang="zh-CN" sz="3200" dirty="0" smtClean="0">
-                <a:solidFill>
-                  <a:schemeClr val="bg1"/>
-                </a:solidFill>
-                <a:latin typeface="方正兰亭粗黑_GBK" panose="02000000000000000000" pitchFamily="2" charset="-122"/>
-                <a:ea typeface="方正兰亭粗黑_GBK" panose="02000000000000000000" pitchFamily="2" charset="-122"/>
-              </a:rPr>
-              <a:t>Objective-C</a:t>
-            </a:r>
-            <a:r>
-              <a:rPr lang="zh-CN" altLang="en-US" sz="3200" dirty="0" smtClean="0">
-                <a:solidFill>
-                  <a:schemeClr val="bg1"/>
-                </a:solidFill>
-                <a:latin typeface="方正兰亭粗黑_GBK" panose="02000000000000000000" pitchFamily="2" charset="-122"/>
-                <a:ea typeface="方正兰亭粗黑_GBK" panose="02000000000000000000" pitchFamily="2" charset="-122"/>
-              </a:rPr>
-              <a:t>特色</a:t>
-            </a:r>
-            <a:endParaRPr lang="zh-CN" altLang="en-US" sz="3200" dirty="0">
-              <a:solidFill>
-                <a:schemeClr val="bg1"/>
-              </a:solidFill>
-              <a:latin typeface="方正兰亭粗黑_GBK" panose="02000000000000000000" pitchFamily="2" charset="-122"/>
-              <a:ea typeface="方正兰亭粗黑_GBK" panose="02000000000000000000" pitchFamily="2" charset="-122"/>
-            </a:endParaRPr>
-          </a:p>
-        </p:txBody>
-      </p:sp>
-      <p:sp>
-        <p:nvSpPr>
-          <p:cNvPr id="21" name="文本框 20"/>
-          <p:cNvSpPr txBox="1"/>
-          <p:nvPr/>
-        </p:nvSpPr>
-        <p:spPr>
-          <a:xfrm>
-            <a:off x="1179819" y="-9144"/>
-            <a:ext cx="691215" cy="646331"/>
-          </a:xfrm>
-          <a:prstGeom prst="rect">
-            <a:avLst/>
-          </a:prstGeom>
-          <a:noFill/>
-        </p:spPr>
-        <p:txBody>
-          <a:bodyPr wrap="none" rtlCol="0">
-            <a:spAutoFit/>
-          </a:bodyPr>
-          <a:lstStyle/>
-          <a:p>
-            <a:r>
-              <a:rPr lang="en-US" altLang="zh-CN" sz="3600" dirty="0" smtClean="0">
-                <a:solidFill>
-                  <a:schemeClr val="bg1"/>
-                </a:solidFill>
-                <a:latin typeface="Impact" panose="020B0806030902050204" pitchFamily="34" charset="0"/>
-              </a:rPr>
-              <a:t>1.3</a:t>
-            </a:r>
-            <a:endParaRPr lang="zh-CN" altLang="en-US" sz="3600" dirty="0">
-              <a:solidFill>
-                <a:schemeClr val="bg1"/>
-              </a:solidFill>
-              <a:latin typeface="Impact" panose="020B0806030902050204" pitchFamily="34" charset="0"/>
-            </a:endParaRPr>
-          </a:p>
-        </p:txBody>
-      </p:sp>
-      <p:grpSp>
-        <p:nvGrpSpPr>
-          <p:cNvPr id="3" name="组合 2"/>
-          <p:cNvGrpSpPr/>
-          <p:nvPr/>
-        </p:nvGrpSpPr>
-        <p:grpSpPr>
-          <a:xfrm>
-            <a:off x="153510" y="-1440518"/>
-            <a:ext cx="2393074" cy="2355198"/>
-            <a:chOff x="3706240" y="-3100473"/>
-            <a:chExt cx="4570694" cy="4498352"/>
-          </a:xfrm>
-        </p:grpSpPr>
-        <p:grpSp>
-          <p:nvGrpSpPr>
-            <p:cNvPr id="2" name="组合 1"/>
-            <p:cNvGrpSpPr/>
-            <p:nvPr/>
-          </p:nvGrpSpPr>
-          <p:grpSpPr>
-            <a:xfrm>
-              <a:off x="4313438" y="-2637781"/>
-              <a:ext cx="3595008" cy="3652822"/>
-              <a:chOff x="4313438" y="-2637781"/>
-              <a:chExt cx="3595008" cy="3652822"/>
-            </a:xfrm>
-          </p:grpSpPr>
-          <p:sp>
-            <p:nvSpPr>
-              <p:cNvPr id="36" name="任意多边形 35"/>
-              <p:cNvSpPr/>
-              <p:nvPr/>
-            </p:nvSpPr>
-            <p:spPr>
-              <a:xfrm rot="3600000">
-                <a:off x="4284531" y="-2608874"/>
-                <a:ext cx="3652822" cy="3595008"/>
-              </a:xfrm>
-              <a:custGeom>
-                <a:avLst/>
-                <a:gdLst>
-                  <a:gd name="connsiteX0" fmla="*/ 2326664 w 4653328"/>
-                  <a:gd name="connsiteY0" fmla="*/ 0 h 4579678"/>
-                  <a:gd name="connsiteX1" fmla="*/ 4653328 w 4653328"/>
-                  <a:gd name="connsiteY1" fmla="*/ 2326664 h 4579678"/>
-                  <a:gd name="connsiteX2" fmla="*/ 3232307 w 4653328"/>
-                  <a:gd name="connsiteY2" fmla="*/ 4470487 h 4579678"/>
-                  <a:gd name="connsiteX3" fmla="*/ 3031514 w 4653328"/>
-                  <a:gd name="connsiteY3" fmla="*/ 4543979 h 4579678"/>
-                  <a:gd name="connsiteX4" fmla="*/ 3031514 w 4653328"/>
-                  <a:gd name="connsiteY4" fmla="*/ 4509523 h 4579678"/>
-                  <a:gd name="connsiteX5" fmla="*/ 3219700 w 4653328"/>
-                  <a:gd name="connsiteY5" fmla="*/ 4440645 h 4579678"/>
-                  <a:gd name="connsiteX6" fmla="*/ 4620941 w 4653328"/>
-                  <a:gd name="connsiteY6" fmla="*/ 2326664 h 4579678"/>
-                  <a:gd name="connsiteX7" fmla="*/ 2326664 w 4653328"/>
-                  <a:gd name="connsiteY7" fmla="*/ 32387 h 4579678"/>
-                  <a:gd name="connsiteX8" fmla="*/ 32387 w 4653328"/>
-                  <a:gd name="connsiteY8" fmla="*/ 2326664 h 4579678"/>
-                  <a:gd name="connsiteX9" fmla="*/ 1644416 w 4653328"/>
-                  <a:gd name="connsiteY9" fmla="*/ 4517795 h 4579678"/>
-                  <a:gd name="connsiteX10" fmla="*/ 1755164 w 4653328"/>
-                  <a:gd name="connsiteY10" fmla="*/ 4546271 h 4579678"/>
-                  <a:gd name="connsiteX11" fmla="*/ 1755164 w 4653328"/>
-                  <a:gd name="connsiteY11" fmla="*/ 4579678 h 4579678"/>
-                  <a:gd name="connsiteX12" fmla="*/ 1634785 w 4653328"/>
-                  <a:gd name="connsiteY12" fmla="*/ 4548726 h 4579678"/>
-                  <a:gd name="connsiteX13" fmla="*/ 0 w 4653328"/>
-                  <a:gd name="connsiteY13" fmla="*/ 2326664 h 4579678"/>
-                  <a:gd name="connsiteX14" fmla="*/ 2326664 w 4653328"/>
-                  <a:gd name="connsiteY14" fmla="*/ 0 h 4579678"/>
-                </a:gdLst>
-                <a:ahLst/>
-                <a:cxnLst>
-                  <a:cxn ang="0">
-                    <a:pos x="connsiteX0" y="connsiteY0"/>
-                  </a:cxn>
-                  <a:cxn ang="0">
-                    <a:pos x="connsiteX1" y="connsiteY1"/>
-                  </a:cxn>
-                  <a:cxn ang="0">
-                    <a:pos x="connsiteX2" y="connsiteY2"/>
-                  </a:cxn>
-                  <a:cxn ang="0">
-                    <a:pos x="connsiteX3" y="connsiteY3"/>
-                  </a:cxn>
-                  <a:cxn ang="0">
-                    <a:pos x="connsiteX4" y="connsiteY4"/>
-                  </a:cxn>
-                  <a:cxn ang="0">
-                    <a:pos x="connsiteX5" y="connsiteY5"/>
-                  </a:cxn>
-                  <a:cxn ang="0">
-                    <a:pos x="connsiteX6" y="connsiteY6"/>
-                  </a:cxn>
-                  <a:cxn ang="0">
-                    <a:pos x="connsiteX7" y="connsiteY7"/>
-                  </a:cxn>
-                  <a:cxn ang="0">
-                    <a:pos x="connsiteX8" y="connsiteY8"/>
-                  </a:cxn>
-                  <a:cxn ang="0">
-                    <a:pos x="connsiteX9" y="connsiteY9"/>
-                  </a:cxn>
-                  <a:cxn ang="0">
-                    <a:pos x="connsiteX10" y="connsiteY10"/>
-                  </a:cxn>
-                  <a:cxn ang="0">
-                    <a:pos x="connsiteX11" y="connsiteY11"/>
-                  </a:cxn>
-                  <a:cxn ang="0">
-                    <a:pos x="connsiteX12" y="connsiteY12"/>
-                  </a:cxn>
-                  <a:cxn ang="0">
-                    <a:pos x="connsiteX13" y="connsiteY13"/>
-                  </a:cxn>
-                  <a:cxn ang="0">
-                    <a:pos x="connsiteX14" y="connsiteY14"/>
-                  </a:cxn>
-                </a:cxnLst>
-                <a:rect l="l" t="t" r="r" b="b"/>
-                <a:pathLst>
-                  <a:path w="4653328" h="4579678">
-                    <a:moveTo>
-                      <a:pt x="2326664" y="0"/>
-                    </a:moveTo>
-                    <a:cubicBezTo>
-                      <a:pt x="3611645" y="0"/>
-                      <a:pt x="4653328" y="1041683"/>
-                      <a:pt x="4653328" y="2326664"/>
-                    </a:cubicBezTo>
-                    <a:cubicBezTo>
-                      <a:pt x="4653328" y="3290400"/>
-                      <a:pt x="4067382" y="4117281"/>
-                      <a:pt x="3232307" y="4470487"/>
-                    </a:cubicBezTo>
-                    <a:lnTo>
-                      <a:pt x="3031514" y="4543979"/>
-                    </a:lnTo>
-                    <a:lnTo>
-                      <a:pt x="3031514" y="4509523"/>
-                    </a:lnTo>
-                    <a:lnTo>
-                      <a:pt x="3219700" y="4440645"/>
-                    </a:lnTo>
-                    <a:cubicBezTo>
-                      <a:pt x="4043151" y="4092355"/>
-                      <a:pt x="4620941" y="3276984"/>
-                      <a:pt x="4620941" y="2326664"/>
-                    </a:cubicBezTo>
-                    <a:cubicBezTo>
-                      <a:pt x="4620941" y="1059570"/>
-                      <a:pt x="3593758" y="32387"/>
-                      <a:pt x="2326664" y="32387"/>
-                    </a:cubicBezTo>
-                    <a:cubicBezTo>
-                      <a:pt x="1059570" y="32387"/>
-                      <a:pt x="32387" y="1059570"/>
-                      <a:pt x="32387" y="2326664"/>
-                    </a:cubicBezTo>
-                    <a:cubicBezTo>
-                      <a:pt x="32387" y="3356178"/>
-                      <a:pt x="710488" y="4227313"/>
-                      <a:pt x="1644416" y="4517795"/>
-                    </a:cubicBezTo>
-                    <a:lnTo>
-                      <a:pt x="1755164" y="4546271"/>
-                    </a:lnTo>
-                    <a:lnTo>
-                      <a:pt x="1755164" y="4579678"/>
-                    </a:lnTo>
-                    <a:lnTo>
-                      <a:pt x="1634785" y="4548726"/>
-                    </a:lnTo>
-                    <a:cubicBezTo>
-                      <a:pt x="687673" y="4254144"/>
-                      <a:pt x="0" y="3370711"/>
-                      <a:pt x="0" y="2326664"/>
-                    </a:cubicBezTo>
-                    <a:cubicBezTo>
-                      <a:pt x="0" y="1041683"/>
-                      <a:pt x="1041683" y="0"/>
-                      <a:pt x="2326664" y="0"/>
-                    </a:cubicBezTo>
-                    <a:close/>
-                  </a:path>
-                </a:pathLst>
-              </a:custGeom>
-              <a:solidFill>
-                <a:schemeClr val="bg1">
-                  <a:alpha val="40000"/>
-                </a:schemeClr>
-              </a:solidFill>
-              <a:ln>
-                <a:noFill/>
-              </a:ln>
-            </p:spPr>
-            <p:style>
-              <a:lnRef idx="2">
-                <a:schemeClr val="accent1">
-                  <a:shade val="50000"/>
-                </a:schemeClr>
-              </a:lnRef>
-              <a:fillRef idx="1">
-                <a:schemeClr val="accent1"/>
-              </a:fillRef>
-              <a:effectRef idx="0">
-                <a:schemeClr val="accent1"/>
-              </a:effectRef>
-              <a:fontRef idx="minor">
-                <a:schemeClr val="lt1"/>
-              </a:fontRef>
-            </p:style>
-            <p:txBody>
-              <a:bodyPr rtlCol="0" anchor="ctr"/>
-              <a:lstStyle/>
-              <a:p>
-                <a:pPr algn="ctr"/>
-                <a:endParaRPr lang="zh-CN" altLang="en-US"/>
-              </a:p>
-            </p:txBody>
-          </p:sp>
-          <p:sp>
-            <p:nvSpPr>
-              <p:cNvPr id="37" name="椭圆 36"/>
-              <p:cNvSpPr/>
-              <p:nvPr/>
-            </p:nvSpPr>
-            <p:spPr>
-              <a:xfrm>
-                <a:off x="4744096" y="417049"/>
-                <a:ext cx="254016" cy="254016"/>
-              </a:xfrm>
-              <a:prstGeom prst="ellipse">
-                <a:avLst/>
-              </a:prstGeom>
-              <a:solidFill>
-                <a:schemeClr val="bg1"/>
-              </a:solidFill>
-              <a:ln>
-                <a:noFill/>
-              </a:ln>
-            </p:spPr>
-            <p:style>
-              <a:lnRef idx="2">
-                <a:schemeClr val="accent1">
-                  <a:shade val="50000"/>
-                </a:schemeClr>
-              </a:lnRef>
-              <a:fillRef idx="1">
-                <a:schemeClr val="accent1"/>
-              </a:fillRef>
-              <a:effectRef idx="0">
-                <a:schemeClr val="accent1"/>
-              </a:effectRef>
-              <a:fontRef idx="minor">
-                <a:schemeClr val="lt1"/>
-              </a:fontRef>
-            </p:style>
-            <p:txBody>
-              <a:bodyPr rtlCol="0" anchor="ctr"/>
-              <a:lstStyle/>
-              <a:p>
-                <a:pPr algn="ctr"/>
-                <a:endParaRPr lang="zh-CN" altLang="en-US"/>
-              </a:p>
-            </p:txBody>
-          </p:sp>
-        </p:grpSp>
-        <p:grpSp>
-          <p:nvGrpSpPr>
-            <p:cNvPr id="48" name="组合 47"/>
-            <p:cNvGrpSpPr/>
-            <p:nvPr/>
-          </p:nvGrpSpPr>
-          <p:grpSpPr>
-            <a:xfrm rot="15713286">
-              <a:off x="3742411" y="-3136644"/>
-              <a:ext cx="4498352" cy="4570694"/>
-              <a:chOff x="4313438" y="-2637781"/>
-              <a:chExt cx="3595008" cy="3652822"/>
-            </a:xfrm>
-          </p:grpSpPr>
-          <p:sp>
-            <p:nvSpPr>
-              <p:cNvPr id="49" name="任意多边形 48"/>
-              <p:cNvSpPr/>
-              <p:nvPr/>
-            </p:nvSpPr>
-            <p:spPr>
-              <a:xfrm rot="3600000">
-                <a:off x="4284531" y="-2608874"/>
-                <a:ext cx="3652822" cy="3595008"/>
-              </a:xfrm>
-              <a:custGeom>
-                <a:avLst/>
-                <a:gdLst>
-                  <a:gd name="connsiteX0" fmla="*/ 2326664 w 4653328"/>
-                  <a:gd name="connsiteY0" fmla="*/ 0 h 4579678"/>
-                  <a:gd name="connsiteX1" fmla="*/ 4653328 w 4653328"/>
-                  <a:gd name="connsiteY1" fmla="*/ 2326664 h 4579678"/>
-                  <a:gd name="connsiteX2" fmla="*/ 3232307 w 4653328"/>
-                  <a:gd name="connsiteY2" fmla="*/ 4470487 h 4579678"/>
-                  <a:gd name="connsiteX3" fmla="*/ 3031514 w 4653328"/>
-                  <a:gd name="connsiteY3" fmla="*/ 4543979 h 4579678"/>
-                  <a:gd name="connsiteX4" fmla="*/ 3031514 w 4653328"/>
-                  <a:gd name="connsiteY4" fmla="*/ 4509523 h 4579678"/>
-                  <a:gd name="connsiteX5" fmla="*/ 3219700 w 4653328"/>
-                  <a:gd name="connsiteY5" fmla="*/ 4440645 h 4579678"/>
-                  <a:gd name="connsiteX6" fmla="*/ 4620941 w 4653328"/>
-                  <a:gd name="connsiteY6" fmla="*/ 2326664 h 4579678"/>
-                  <a:gd name="connsiteX7" fmla="*/ 2326664 w 4653328"/>
-                  <a:gd name="connsiteY7" fmla="*/ 32387 h 4579678"/>
-                  <a:gd name="connsiteX8" fmla="*/ 32387 w 4653328"/>
-                  <a:gd name="connsiteY8" fmla="*/ 2326664 h 4579678"/>
-                  <a:gd name="connsiteX9" fmla="*/ 1644416 w 4653328"/>
-                  <a:gd name="connsiteY9" fmla="*/ 4517795 h 4579678"/>
-                  <a:gd name="connsiteX10" fmla="*/ 1755164 w 4653328"/>
-                  <a:gd name="connsiteY10" fmla="*/ 4546271 h 4579678"/>
-                  <a:gd name="connsiteX11" fmla="*/ 1755164 w 4653328"/>
-                  <a:gd name="connsiteY11" fmla="*/ 4579678 h 4579678"/>
-                  <a:gd name="connsiteX12" fmla="*/ 1634785 w 4653328"/>
-                  <a:gd name="connsiteY12" fmla="*/ 4548726 h 4579678"/>
-                  <a:gd name="connsiteX13" fmla="*/ 0 w 4653328"/>
-                  <a:gd name="connsiteY13" fmla="*/ 2326664 h 4579678"/>
-                  <a:gd name="connsiteX14" fmla="*/ 2326664 w 4653328"/>
-                  <a:gd name="connsiteY14" fmla="*/ 0 h 4579678"/>
-                </a:gdLst>
-                <a:ahLst/>
-                <a:cxnLst>
-                  <a:cxn ang="0">
-                    <a:pos x="connsiteX0" y="connsiteY0"/>
-                  </a:cxn>
-                  <a:cxn ang="0">
-                    <a:pos x="connsiteX1" y="connsiteY1"/>
-                  </a:cxn>
-                  <a:cxn ang="0">
-                    <a:pos x="connsiteX2" y="connsiteY2"/>
-                  </a:cxn>
-                  <a:cxn ang="0">
-                    <a:pos x="connsiteX3" y="connsiteY3"/>
-                  </a:cxn>
-                  <a:cxn ang="0">
-                    <a:pos x="connsiteX4" y="connsiteY4"/>
-                  </a:cxn>
-                  <a:cxn ang="0">
-                    <a:pos x="connsiteX5" y="connsiteY5"/>
-                  </a:cxn>
-                  <a:cxn ang="0">
-                    <a:pos x="connsiteX6" y="connsiteY6"/>
-                  </a:cxn>
-                  <a:cxn ang="0">
-                    <a:pos x="connsiteX7" y="connsiteY7"/>
-                  </a:cxn>
-                  <a:cxn ang="0">
-                    <a:pos x="connsiteX8" y="connsiteY8"/>
-                  </a:cxn>
-                  <a:cxn ang="0">
-                    <a:pos x="connsiteX9" y="connsiteY9"/>
-                  </a:cxn>
-                  <a:cxn ang="0">
-                    <a:pos x="connsiteX10" y="connsiteY10"/>
-                  </a:cxn>
-                  <a:cxn ang="0">
-                    <a:pos x="connsiteX11" y="connsiteY11"/>
-                  </a:cxn>
-                  <a:cxn ang="0">
-                    <a:pos x="connsiteX12" y="connsiteY12"/>
-                  </a:cxn>
-                  <a:cxn ang="0">
-                    <a:pos x="connsiteX13" y="connsiteY13"/>
-                  </a:cxn>
-                  <a:cxn ang="0">
-                    <a:pos x="connsiteX14" y="connsiteY14"/>
-                  </a:cxn>
-                </a:cxnLst>
-                <a:rect l="l" t="t" r="r" b="b"/>
-                <a:pathLst>
-                  <a:path w="4653328" h="4579678">
-                    <a:moveTo>
-                      <a:pt x="2326664" y="0"/>
-                    </a:moveTo>
-                    <a:cubicBezTo>
-                      <a:pt x="3611645" y="0"/>
-                      <a:pt x="4653328" y="1041683"/>
-                      <a:pt x="4653328" y="2326664"/>
-                    </a:cubicBezTo>
-                    <a:cubicBezTo>
-                      <a:pt x="4653328" y="3290400"/>
-                      <a:pt x="4067382" y="4117281"/>
-                      <a:pt x="3232307" y="4470487"/>
-                    </a:cubicBezTo>
-                    <a:lnTo>
-                      <a:pt x="3031514" y="4543979"/>
-                    </a:lnTo>
-                    <a:lnTo>
-                      <a:pt x="3031514" y="4509523"/>
-                    </a:lnTo>
-                    <a:lnTo>
-                      <a:pt x="3219700" y="4440645"/>
-                    </a:lnTo>
-                    <a:cubicBezTo>
-                      <a:pt x="4043151" y="4092355"/>
-                      <a:pt x="4620941" y="3276984"/>
-                      <a:pt x="4620941" y="2326664"/>
-                    </a:cubicBezTo>
-                    <a:cubicBezTo>
-                      <a:pt x="4620941" y="1059570"/>
-                      <a:pt x="3593758" y="32387"/>
-                      <a:pt x="2326664" y="32387"/>
-                    </a:cubicBezTo>
-                    <a:cubicBezTo>
-                      <a:pt x="1059570" y="32387"/>
-                      <a:pt x="32387" y="1059570"/>
-                      <a:pt x="32387" y="2326664"/>
-                    </a:cubicBezTo>
-                    <a:cubicBezTo>
-                      <a:pt x="32387" y="3356178"/>
-                      <a:pt x="710488" y="4227313"/>
-                      <a:pt x="1644416" y="4517795"/>
-                    </a:cubicBezTo>
-                    <a:lnTo>
-                      <a:pt x="1755164" y="4546271"/>
-                    </a:lnTo>
-                    <a:lnTo>
-                      <a:pt x="1755164" y="4579678"/>
-                    </a:lnTo>
-                    <a:lnTo>
-                      <a:pt x="1634785" y="4548726"/>
-                    </a:lnTo>
-                    <a:cubicBezTo>
-                      <a:pt x="687673" y="4254144"/>
-                      <a:pt x="0" y="3370711"/>
-                      <a:pt x="0" y="2326664"/>
-                    </a:cubicBezTo>
-                    <a:cubicBezTo>
-                      <a:pt x="0" y="1041683"/>
-                      <a:pt x="1041683" y="0"/>
-                      <a:pt x="2326664" y="0"/>
-                    </a:cubicBezTo>
-                    <a:close/>
-                  </a:path>
-                </a:pathLst>
-              </a:custGeom>
-              <a:solidFill>
-                <a:schemeClr val="bg1">
-                  <a:alpha val="40000"/>
-                </a:schemeClr>
-              </a:solidFill>
-              <a:ln>
-                <a:noFill/>
-              </a:ln>
-            </p:spPr>
-            <p:style>
-              <a:lnRef idx="2">
-                <a:schemeClr val="accent1">
-                  <a:shade val="50000"/>
-                </a:schemeClr>
-              </a:lnRef>
-              <a:fillRef idx="1">
-                <a:schemeClr val="accent1"/>
-              </a:fillRef>
-              <a:effectRef idx="0">
-                <a:schemeClr val="accent1"/>
-              </a:effectRef>
-              <a:fontRef idx="minor">
-                <a:schemeClr val="lt1"/>
-              </a:fontRef>
-            </p:style>
-            <p:txBody>
-              <a:bodyPr rtlCol="0" anchor="ctr"/>
-              <a:lstStyle/>
-              <a:p>
-                <a:pPr algn="ctr"/>
-                <a:endParaRPr lang="zh-CN" altLang="en-US"/>
-              </a:p>
-            </p:txBody>
-          </p:sp>
-          <p:sp>
-            <p:nvSpPr>
-              <p:cNvPr id="50" name="椭圆 49"/>
-              <p:cNvSpPr/>
-              <p:nvPr/>
-            </p:nvSpPr>
-            <p:spPr>
-              <a:xfrm>
-                <a:off x="4744096" y="417049"/>
-                <a:ext cx="254016" cy="254016"/>
-              </a:xfrm>
-              <a:prstGeom prst="ellipse">
-                <a:avLst/>
-              </a:prstGeom>
-              <a:solidFill>
-                <a:schemeClr val="bg1"/>
-              </a:solidFill>
-              <a:ln>
-                <a:noFill/>
-              </a:ln>
-            </p:spPr>
-            <p:style>
-              <a:lnRef idx="2">
-                <a:schemeClr val="accent1">
-                  <a:shade val="50000"/>
-                </a:schemeClr>
-              </a:lnRef>
-              <a:fillRef idx="1">
-                <a:schemeClr val="accent1"/>
-              </a:fillRef>
-              <a:effectRef idx="0">
-                <a:schemeClr val="accent1"/>
-              </a:effectRef>
-              <a:fontRef idx="minor">
-                <a:schemeClr val="lt1"/>
-              </a:fontRef>
-            </p:style>
-            <p:txBody>
-              <a:bodyPr rtlCol="0" anchor="ctr"/>
-              <a:lstStyle/>
-              <a:p>
-                <a:pPr algn="ctr"/>
-                <a:endParaRPr lang="zh-CN" altLang="en-US"/>
-              </a:p>
-            </p:txBody>
-          </p:sp>
-        </p:grpSp>
-      </p:grpSp>
-      <p:sp>
-        <p:nvSpPr>
-          <p:cNvPr id="26" name="同侧圆角矩形 25"/>
-          <p:cNvSpPr/>
-          <p:nvPr/>
-        </p:nvSpPr>
-        <p:spPr>
-          <a:xfrm>
-            <a:off x="829894" y="1056684"/>
-            <a:ext cx="10714406" cy="5209181"/>
-          </a:xfrm>
-          <a:prstGeom prst="round2SameRect">
-            <a:avLst>
-              <a:gd name="adj1" fmla="val 7576"/>
-              <a:gd name="adj2" fmla="val 12431"/>
-            </a:avLst>
-          </a:prstGeom>
-          <a:gradFill>
-            <a:gsLst>
-              <a:gs pos="0">
-                <a:schemeClr val="bg1">
-                  <a:alpha val="61000"/>
-                </a:schemeClr>
-              </a:gs>
-              <a:gs pos="100000">
-                <a:schemeClr val="bg1">
-                  <a:alpha val="0"/>
-                </a:schemeClr>
-              </a:gs>
-            </a:gsLst>
-            <a:lin ang="5400000" scaled="1"/>
-          </a:gradFill>
-          <a:ln>
-            <a:noFill/>
-          </a:ln>
-        </p:spPr>
-        <p:style>
-          <a:lnRef idx="2">
-            <a:schemeClr val="accent1">
-              <a:shade val="50000"/>
-            </a:schemeClr>
-          </a:lnRef>
-          <a:fillRef idx="1">
-            <a:schemeClr val="accent1"/>
-          </a:fillRef>
-          <a:effectRef idx="0">
-            <a:schemeClr val="accent1"/>
-          </a:effectRef>
-          <a:fontRef idx="minor">
-            <a:schemeClr val="lt1"/>
-          </a:fontRef>
-        </p:style>
-        <p:txBody>
-          <a:bodyPr rtlCol="0" anchor="ctr"/>
-          <a:lstStyle/>
-          <a:p>
-            <a:r>
               <a:rPr lang="zh-CN" altLang="en-US" sz="2800" dirty="0" smtClean="0"/>
               <a:t>优点：</a:t>
             </a:r>
@@ -7102,7 +6202,7 @@
 </p:sld>
 </file>
 
-<file path=ppt/slides/slide13.xml><?xml version="1.0" encoding="utf-8"?>
+<file path=ppt/slides/slide12.xml><?xml version="1.0" encoding="utf-8"?>
 <p:sld xmlns:a="http://schemas.openxmlformats.org/drawingml/2006/main" xmlns:r="http://schemas.openxmlformats.org/officeDocument/2006/relationships" xmlns:p="http://schemas.openxmlformats.org/presentationml/2006/main">
   <p:cSld>
     <p:spTree>
@@ -8228,7 +7328,7 @@
 </p:sld>
 </file>
 
-<file path=ppt/slides/slide14.xml><?xml version="1.0" encoding="utf-8"?>
+<file path=ppt/slides/slide13.xml><?xml version="1.0" encoding="utf-8"?>
 <p:sld xmlns:a="http://schemas.openxmlformats.org/drawingml/2006/main" xmlns:r="http://schemas.openxmlformats.org/officeDocument/2006/relationships" xmlns:p="http://schemas.openxmlformats.org/presentationml/2006/main">
   <p:cSld>
     <p:spTree>
@@ -9055,7 +8155,7 @@
 </p:sld>
 </file>
 
-<file path=ppt/slides/slide15.xml><?xml version="1.0" encoding="utf-8"?>
+<file path=ppt/slides/slide14.xml><?xml version="1.0" encoding="utf-8"?>
 <p:sld xmlns:a="http://schemas.openxmlformats.org/drawingml/2006/main" xmlns:r="http://schemas.openxmlformats.org/officeDocument/2006/relationships" xmlns:p="http://schemas.openxmlformats.org/presentationml/2006/main">
   <p:cSld>
     <p:spTree>
@@ -9116,7 +8216,7 @@
 </p:sld>
 </file>
 
-<file path=ppt/slides/slide16.xml><?xml version="1.0" encoding="utf-8"?>
+<file path=ppt/slides/slide15.xml><?xml version="1.0" encoding="utf-8"?>
 <p:sld xmlns:a="http://schemas.openxmlformats.org/drawingml/2006/main" xmlns:r="http://schemas.openxmlformats.org/officeDocument/2006/relationships" xmlns:p="http://schemas.openxmlformats.org/presentationml/2006/main">
   <p:cSld>
     <p:spTree>
@@ -9177,7 +8277,7 @@
 </p:sld>
 </file>
 
-<file path=ppt/slides/slide17.xml><?xml version="1.0" encoding="utf-8"?>
+<file path=ppt/slides/slide16.xml><?xml version="1.0" encoding="utf-8"?>
 <p:sld xmlns:a="http://schemas.openxmlformats.org/drawingml/2006/main" xmlns:r="http://schemas.openxmlformats.org/officeDocument/2006/relationships" xmlns:p="http://schemas.openxmlformats.org/presentationml/2006/main">
   <p:cSld>
     <p:spTree>
@@ -10043,7 +9143,7 @@
 </p:sld>
 </file>
 
-<file path=ppt/slides/slide18.xml><?xml version="1.0" encoding="utf-8"?>
+<file path=ppt/slides/slide17.xml><?xml version="1.0" encoding="utf-8"?>
 <p:sld xmlns:a="http://schemas.openxmlformats.org/drawingml/2006/main" xmlns:r="http://schemas.openxmlformats.org/officeDocument/2006/relationships" xmlns:p="http://schemas.openxmlformats.org/presentationml/2006/main">
   <p:cSld>
     <p:spTree>
@@ -10956,7 +10056,7 @@
 </p:sld>
 </file>
 
-<file path=ppt/slides/slide19.xml><?xml version="1.0" encoding="utf-8"?>
+<file path=ppt/slides/slide18.xml><?xml version="1.0" encoding="utf-8"?>
 <p:sld xmlns:a="http://schemas.openxmlformats.org/drawingml/2006/main" xmlns:r="http://schemas.openxmlformats.org/officeDocument/2006/relationships" xmlns:p="http://schemas.openxmlformats.org/presentationml/2006/main">
   <p:cSld>
     <p:spTree>
@@ -11749,6 +10849,1142 @@
     <p:extLst>
       <p:ext uri="{BB962C8B-B14F-4D97-AF65-F5344CB8AC3E}">
         <p14:creationId xmlns:p14="http://schemas.microsoft.com/office/powerpoint/2010/main" val="838371272"/>
+      </p:ext>
+    </p:extLst>
+  </p:cSld>
+  <p:clrMapOvr>
+    <a:masterClrMapping/>
+  </p:clrMapOvr>
+  <p:timing>
+    <p:tnLst>
+      <p:par>
+        <p:cTn id="1" dur="indefinite" restart="never" nodeType="tmRoot"/>
+      </p:par>
+    </p:tnLst>
+  </p:timing>
+</p:sld>
+</file>
+
+<file path=ppt/slides/slide19.xml><?xml version="1.0" encoding="utf-8"?>
+<p:sld xmlns:a="http://schemas.openxmlformats.org/drawingml/2006/main" xmlns:r="http://schemas.openxmlformats.org/officeDocument/2006/relationships" xmlns:p="http://schemas.openxmlformats.org/presentationml/2006/main">
+  <p:cSld>
+    <p:spTree>
+      <p:nvGrpSpPr>
+        <p:cNvPr id="1" name=""/>
+        <p:cNvGrpSpPr/>
+        <p:nvPr/>
+      </p:nvGrpSpPr>
+      <p:grpSpPr>
+        <a:xfrm>
+          <a:off x="0" y="0"/>
+          <a:ext cx="0" cy="0"/>
+          <a:chOff x="0" y="0"/>
+          <a:chExt cx="0" cy="0"/>
+        </a:xfrm>
+      </p:grpSpPr>
+      <p:sp>
+        <p:nvSpPr>
+          <p:cNvPr id="21" name="文本框 20"/>
+          <p:cNvSpPr txBox="1"/>
+          <p:nvPr/>
+        </p:nvSpPr>
+        <p:spPr>
+          <a:xfrm>
+            <a:off x="5622854" y="1687540"/>
+            <a:ext cx="633507" cy="1107996"/>
+          </a:xfrm>
+          <a:prstGeom prst="rect">
+            <a:avLst/>
+          </a:prstGeom>
+          <a:noFill/>
+        </p:spPr>
+        <p:txBody>
+          <a:bodyPr wrap="none" rtlCol="0">
+            <a:spAutoFit/>
+          </a:bodyPr>
+          <a:lstStyle/>
+          <a:p>
+            <a:r>
+              <a:rPr lang="en-US" altLang="zh-CN" sz="6600" dirty="0" smtClean="0">
+                <a:solidFill>
+                  <a:schemeClr val="bg1"/>
+                </a:solidFill>
+                <a:latin typeface="Impact" panose="020B0806030902050204" pitchFamily="34" charset="0"/>
+              </a:rPr>
+              <a:t>3</a:t>
+            </a:r>
+            <a:endParaRPr lang="zh-CN" altLang="en-US" sz="6600" dirty="0">
+              <a:solidFill>
+                <a:schemeClr val="bg1"/>
+              </a:solidFill>
+              <a:latin typeface="Impact" panose="020B0806030902050204" pitchFamily="34" charset="0"/>
+            </a:endParaRPr>
+          </a:p>
+        </p:txBody>
+      </p:sp>
+      <p:sp>
+        <p:nvSpPr>
+          <p:cNvPr id="25" name="同侧圆角矩形 24"/>
+          <p:cNvSpPr/>
+          <p:nvPr/>
+        </p:nvSpPr>
+        <p:spPr>
+          <a:xfrm>
+            <a:off x="2284671" y="2797228"/>
+            <a:ext cx="7390602" cy="1083177"/>
+          </a:xfrm>
+          <a:prstGeom prst="round2SameRect">
+            <a:avLst>
+              <a:gd name="adj1" fmla="val 36466"/>
+              <a:gd name="adj2" fmla="val 39493"/>
+            </a:avLst>
+          </a:prstGeom>
+          <a:gradFill>
+            <a:gsLst>
+              <a:gs pos="0">
+                <a:schemeClr val="bg1">
+                  <a:alpha val="22000"/>
+                </a:schemeClr>
+              </a:gs>
+              <a:gs pos="100000">
+                <a:schemeClr val="bg1">
+                  <a:alpha val="0"/>
+                </a:schemeClr>
+              </a:gs>
+            </a:gsLst>
+            <a:lin ang="5400000" scaled="1"/>
+          </a:gradFill>
+          <a:ln>
+            <a:gradFill>
+              <a:gsLst>
+                <a:gs pos="0">
+                  <a:schemeClr val="bg1"/>
+                </a:gs>
+                <a:gs pos="100000">
+                  <a:schemeClr val="bg1">
+                    <a:alpha val="0"/>
+                  </a:schemeClr>
+                </a:gs>
+              </a:gsLst>
+              <a:lin ang="5400000" scaled="1"/>
+            </a:gradFill>
+          </a:ln>
+        </p:spPr>
+        <p:style>
+          <a:lnRef idx="2">
+            <a:schemeClr val="accent1">
+              <a:shade val="50000"/>
+            </a:schemeClr>
+          </a:lnRef>
+          <a:fillRef idx="1">
+            <a:schemeClr val="accent1"/>
+          </a:fillRef>
+          <a:effectRef idx="0">
+            <a:schemeClr val="accent1"/>
+          </a:effectRef>
+          <a:fontRef idx="minor">
+            <a:schemeClr val="lt1"/>
+          </a:fontRef>
+        </p:style>
+        <p:txBody>
+          <a:bodyPr rtlCol="0" anchor="ctr"/>
+          <a:lstStyle/>
+          <a:p>
+            <a:pPr algn="ctr"/>
+            <a:endParaRPr lang="zh-CN" altLang="en-US"/>
+          </a:p>
+        </p:txBody>
+      </p:sp>
+      <p:sp>
+        <p:nvSpPr>
+          <p:cNvPr id="20" name="文本框 19"/>
+          <p:cNvSpPr txBox="1"/>
+          <p:nvPr/>
+        </p:nvSpPr>
+        <p:spPr>
+          <a:xfrm>
+            <a:off x="5105885" y="3002846"/>
+            <a:ext cx="1643399" cy="584775"/>
+          </a:xfrm>
+          <a:prstGeom prst="rect">
+            <a:avLst/>
+          </a:prstGeom>
+          <a:noFill/>
+        </p:spPr>
+        <p:txBody>
+          <a:bodyPr wrap="none" rtlCol="0">
+            <a:spAutoFit/>
+          </a:bodyPr>
+          <a:lstStyle/>
+          <a:p>
+            <a:r>
+              <a:rPr lang="en-US" altLang="zh-CN" sz="3200" dirty="0" smtClean="0">
+                <a:solidFill>
+                  <a:schemeClr val="bg1"/>
+                </a:solidFill>
+                <a:latin typeface="方正兰亭粗黑_GBK" panose="02000000000000000000" pitchFamily="2" charset="-122"/>
+                <a:ea typeface="方正兰亭粗黑_GBK" panose="02000000000000000000" pitchFamily="2" charset="-122"/>
+              </a:rPr>
+              <a:t>iOS</a:t>
+            </a:r>
+            <a:r>
+              <a:rPr lang="zh-CN" altLang="en-US" sz="3200" dirty="0" smtClean="0">
+                <a:solidFill>
+                  <a:schemeClr val="bg1"/>
+                </a:solidFill>
+                <a:latin typeface="方正兰亭粗黑_GBK" panose="02000000000000000000" pitchFamily="2" charset="-122"/>
+                <a:ea typeface="方正兰亭粗黑_GBK" panose="02000000000000000000" pitchFamily="2" charset="-122"/>
+              </a:rPr>
+              <a:t>开发</a:t>
+            </a:r>
+            <a:endParaRPr lang="zh-CN" altLang="en-US" sz="3200" dirty="0">
+              <a:solidFill>
+                <a:schemeClr val="bg1"/>
+              </a:solidFill>
+              <a:latin typeface="方正兰亭粗黑_GBK" panose="02000000000000000000" pitchFamily="2" charset="-122"/>
+              <a:ea typeface="方正兰亭粗黑_GBK" panose="02000000000000000000" pitchFamily="2" charset="-122"/>
+            </a:endParaRPr>
+          </a:p>
+        </p:txBody>
+      </p:sp>
+      <p:grpSp>
+        <p:nvGrpSpPr>
+          <p:cNvPr id="8" name="组合 7"/>
+          <p:cNvGrpSpPr/>
+          <p:nvPr/>
+        </p:nvGrpSpPr>
+        <p:grpSpPr>
+          <a:xfrm>
+            <a:off x="3934775" y="3715211"/>
+            <a:ext cx="4138098" cy="2017024"/>
+            <a:chOff x="4734875" y="3485051"/>
+            <a:chExt cx="4138098" cy="2017024"/>
+          </a:xfrm>
+        </p:grpSpPr>
+        <p:grpSp>
+          <p:nvGrpSpPr>
+            <p:cNvPr id="7" name="组合 6"/>
+            <p:cNvGrpSpPr/>
+            <p:nvPr/>
+          </p:nvGrpSpPr>
+          <p:grpSpPr>
+            <a:xfrm>
+              <a:off x="5500786" y="3599615"/>
+              <a:ext cx="2630428" cy="1282143"/>
+              <a:chOff x="5500786" y="3599615"/>
+              <a:chExt cx="2630428" cy="1282143"/>
+            </a:xfrm>
+          </p:grpSpPr>
+          <p:sp>
+            <p:nvSpPr>
+              <p:cNvPr id="54" name="椭圆 53"/>
+              <p:cNvSpPr/>
+              <p:nvPr/>
+            </p:nvSpPr>
+            <p:spPr>
+              <a:xfrm rot="1817112">
+                <a:off x="7946930" y="3661974"/>
+                <a:ext cx="184284" cy="184284"/>
+              </a:xfrm>
+              <a:prstGeom prst="ellipse">
+                <a:avLst/>
+              </a:prstGeom>
+              <a:solidFill>
+                <a:schemeClr val="bg1"/>
+              </a:solidFill>
+              <a:ln>
+                <a:noFill/>
+              </a:ln>
+            </p:spPr>
+            <p:style>
+              <a:lnRef idx="2">
+                <a:schemeClr val="accent1">
+                  <a:shade val="50000"/>
+                </a:schemeClr>
+              </a:lnRef>
+              <a:fillRef idx="1">
+                <a:schemeClr val="accent1"/>
+              </a:fillRef>
+              <a:effectRef idx="0">
+                <a:schemeClr val="accent1"/>
+              </a:effectRef>
+              <a:fontRef idx="minor">
+                <a:schemeClr val="lt1"/>
+              </a:fontRef>
+            </p:style>
+            <p:txBody>
+              <a:bodyPr rtlCol="0" anchor="ctr"/>
+              <a:lstStyle/>
+              <a:p>
+                <a:pPr algn="ctr"/>
+                <a:endParaRPr lang="zh-CN" altLang="en-US"/>
+              </a:p>
+            </p:txBody>
+          </p:sp>
+          <p:sp>
+            <p:nvSpPr>
+              <p:cNvPr id="55" name="任意多边形 54"/>
+              <p:cNvSpPr/>
+              <p:nvPr/>
+            </p:nvSpPr>
+            <p:spPr>
+              <a:xfrm rot="10486686">
+                <a:off x="5500786" y="3599615"/>
+                <a:ext cx="2575990" cy="1282143"/>
+              </a:xfrm>
+              <a:custGeom>
+                <a:avLst/>
+                <a:gdLst>
+                  <a:gd name="connsiteX0" fmla="*/ 2013372 w 4071723"/>
+                  <a:gd name="connsiteY0" fmla="*/ 26 h 2026612"/>
+                  <a:gd name="connsiteX1" fmla="*/ 4064581 w 4071723"/>
+                  <a:gd name="connsiteY1" fmla="*/ 1869676 h 2026612"/>
+                  <a:gd name="connsiteX2" fmla="*/ 4071723 w 4071723"/>
+                  <a:gd name="connsiteY2" fmla="*/ 2026612 h 2026612"/>
+                  <a:gd name="connsiteX3" fmla="*/ 4042898 w 4071723"/>
+                  <a:gd name="connsiteY3" fmla="*/ 2026612 h 2026612"/>
+                  <a:gd name="connsiteX4" fmla="*/ 4035884 w 4071723"/>
+                  <a:gd name="connsiteY4" fmla="*/ 1872481 h 2026612"/>
+                  <a:gd name="connsiteX5" fmla="*/ 2013229 w 4071723"/>
+                  <a:gd name="connsiteY5" fmla="*/ 28856 h 2026612"/>
+                  <a:gd name="connsiteX6" fmla="*/ 55578 w 4071723"/>
+                  <a:gd name="connsiteY6" fmla="*/ 1454149 h 2026612"/>
+                  <a:gd name="connsiteX7" fmla="*/ 29738 w 4071723"/>
+                  <a:gd name="connsiteY7" fmla="*/ 1552608 h 2026612"/>
+                  <a:gd name="connsiteX8" fmla="*/ 0 w 4071723"/>
+                  <a:gd name="connsiteY8" fmla="*/ 1552460 h 2026612"/>
+                  <a:gd name="connsiteX9" fmla="*/ 28086 w 4071723"/>
+                  <a:gd name="connsiteY9" fmla="*/ 1445438 h 2026612"/>
+                  <a:gd name="connsiteX10" fmla="*/ 2013372 w 4071723"/>
+                  <a:gd name="connsiteY10" fmla="*/ 26 h 2026612"/>
+                </a:gdLst>
+                <a:ahLst/>
+                <a:cxnLst>
+                  <a:cxn ang="0">
+                    <a:pos x="connsiteX0" y="connsiteY0"/>
+                  </a:cxn>
+                  <a:cxn ang="0">
+                    <a:pos x="connsiteX1" y="connsiteY1"/>
+                  </a:cxn>
+                  <a:cxn ang="0">
+                    <a:pos x="connsiteX2" y="connsiteY2"/>
+                  </a:cxn>
+                  <a:cxn ang="0">
+                    <a:pos x="connsiteX3" y="connsiteY3"/>
+                  </a:cxn>
+                  <a:cxn ang="0">
+                    <a:pos x="connsiteX4" y="connsiteY4"/>
+                  </a:cxn>
+                  <a:cxn ang="0">
+                    <a:pos x="connsiteX5" y="connsiteY5"/>
+                  </a:cxn>
+                  <a:cxn ang="0">
+                    <a:pos x="connsiteX6" y="connsiteY6"/>
+                  </a:cxn>
+                  <a:cxn ang="0">
+                    <a:pos x="connsiteX7" y="connsiteY7"/>
+                  </a:cxn>
+                  <a:cxn ang="0">
+                    <a:pos x="connsiteX8" y="connsiteY8"/>
+                  </a:cxn>
+                  <a:cxn ang="0">
+                    <a:pos x="connsiteX9" y="connsiteY9"/>
+                  </a:cxn>
+                  <a:cxn ang="0">
+                    <a:pos x="connsiteX10" y="connsiteY10"/>
+                  </a:cxn>
+                </a:cxnLst>
+                <a:rect l="l" t="t" r="r" b="b"/>
+                <a:pathLst>
+                  <a:path w="4071723" h="2026612">
+                    <a:moveTo>
+                      <a:pt x="2013372" y="26"/>
+                    </a:moveTo>
+                    <a:cubicBezTo>
+                      <a:pt x="3085749" y="5363"/>
+                      <a:pt x="3963716" y="824754"/>
+                      <a:pt x="4064581" y="1869676"/>
+                    </a:cubicBezTo>
+                    <a:lnTo>
+                      <a:pt x="4071723" y="2026612"/>
+                    </a:lnTo>
+                    <a:lnTo>
+                      <a:pt x="4042898" y="2026612"/>
+                    </a:lnTo>
+                    <a:lnTo>
+                      <a:pt x="4035884" y="1872481"/>
+                    </a:lnTo>
+                    <a:cubicBezTo>
+                      <a:pt x="3936423" y="842104"/>
+                      <a:pt x="3070679" y="34120"/>
+                      <a:pt x="2013229" y="28856"/>
+                    </a:cubicBezTo>
+                    <a:cubicBezTo>
+                      <a:pt x="1096773" y="24294"/>
+                      <a:pt x="318298" y="624068"/>
+                      <a:pt x="55578" y="1454149"/>
+                    </a:cubicBezTo>
+                    <a:lnTo>
+                      <a:pt x="29738" y="1552608"/>
+                    </a:lnTo>
+                    <a:lnTo>
+                      <a:pt x="0" y="1552460"/>
+                    </a:lnTo>
+                    <a:lnTo>
+                      <a:pt x="28086" y="1445438"/>
+                    </a:lnTo>
+                    <a:cubicBezTo>
+                      <a:pt x="294515" y="603640"/>
+                      <a:pt x="1083979" y="-4601"/>
+                      <a:pt x="2013372" y="26"/>
+                    </a:cubicBezTo>
+                    <a:close/>
+                  </a:path>
+                </a:pathLst>
+              </a:custGeom>
+              <a:gradFill flip="none" rotWithShape="1">
+                <a:gsLst>
+                  <a:gs pos="100000">
+                    <a:schemeClr val="bg1">
+                      <a:alpha val="0"/>
+                      <a:lumMod val="0"/>
+                      <a:lumOff val="100000"/>
+                    </a:schemeClr>
+                  </a:gs>
+                  <a:gs pos="0">
+                    <a:schemeClr val="bg1"/>
+                  </a:gs>
+                </a:gsLst>
+                <a:lin ang="2700000" scaled="1"/>
+                <a:tileRect/>
+              </a:gradFill>
+              <a:ln>
+                <a:noFill/>
+              </a:ln>
+            </p:spPr>
+            <p:style>
+              <a:lnRef idx="2">
+                <a:schemeClr val="accent1">
+                  <a:shade val="50000"/>
+                </a:schemeClr>
+              </a:lnRef>
+              <a:fillRef idx="1">
+                <a:schemeClr val="accent1"/>
+              </a:fillRef>
+              <a:effectRef idx="0">
+                <a:schemeClr val="accent1"/>
+              </a:effectRef>
+              <a:fontRef idx="minor">
+                <a:schemeClr val="lt1"/>
+              </a:fontRef>
+            </p:style>
+            <p:txBody>
+              <a:bodyPr rtlCol="0" anchor="ctr"/>
+              <a:lstStyle/>
+              <a:p>
+                <a:pPr algn="ctr"/>
+                <a:endParaRPr lang="zh-CN" altLang="en-US"/>
+              </a:p>
+            </p:txBody>
+          </p:sp>
+        </p:grpSp>
+        <p:grpSp>
+          <p:nvGrpSpPr>
+            <p:cNvPr id="58" name="组合 57"/>
+            <p:cNvGrpSpPr/>
+            <p:nvPr/>
+          </p:nvGrpSpPr>
+          <p:grpSpPr>
+            <a:xfrm>
+              <a:off x="4734875" y="3485051"/>
+              <a:ext cx="4138098" cy="2017024"/>
+              <a:chOff x="5500786" y="3599615"/>
+              <a:chExt cx="2630428" cy="1282143"/>
+            </a:xfrm>
+          </p:grpSpPr>
+          <p:sp>
+            <p:nvSpPr>
+              <p:cNvPr id="60" name="任意多边形 59"/>
+              <p:cNvSpPr/>
+              <p:nvPr/>
+            </p:nvSpPr>
+            <p:spPr>
+              <a:xfrm rot="10486686">
+                <a:off x="5500786" y="3599615"/>
+                <a:ext cx="2575990" cy="1282143"/>
+              </a:xfrm>
+              <a:custGeom>
+                <a:avLst/>
+                <a:gdLst>
+                  <a:gd name="connsiteX0" fmla="*/ 2013372 w 4071723"/>
+                  <a:gd name="connsiteY0" fmla="*/ 26 h 2026612"/>
+                  <a:gd name="connsiteX1" fmla="*/ 4064581 w 4071723"/>
+                  <a:gd name="connsiteY1" fmla="*/ 1869676 h 2026612"/>
+                  <a:gd name="connsiteX2" fmla="*/ 4071723 w 4071723"/>
+                  <a:gd name="connsiteY2" fmla="*/ 2026612 h 2026612"/>
+                  <a:gd name="connsiteX3" fmla="*/ 4042898 w 4071723"/>
+                  <a:gd name="connsiteY3" fmla="*/ 2026612 h 2026612"/>
+                  <a:gd name="connsiteX4" fmla="*/ 4035884 w 4071723"/>
+                  <a:gd name="connsiteY4" fmla="*/ 1872481 h 2026612"/>
+                  <a:gd name="connsiteX5" fmla="*/ 2013229 w 4071723"/>
+                  <a:gd name="connsiteY5" fmla="*/ 28856 h 2026612"/>
+                  <a:gd name="connsiteX6" fmla="*/ 55578 w 4071723"/>
+                  <a:gd name="connsiteY6" fmla="*/ 1454149 h 2026612"/>
+                  <a:gd name="connsiteX7" fmla="*/ 29738 w 4071723"/>
+                  <a:gd name="connsiteY7" fmla="*/ 1552608 h 2026612"/>
+                  <a:gd name="connsiteX8" fmla="*/ 0 w 4071723"/>
+                  <a:gd name="connsiteY8" fmla="*/ 1552460 h 2026612"/>
+                  <a:gd name="connsiteX9" fmla="*/ 28086 w 4071723"/>
+                  <a:gd name="connsiteY9" fmla="*/ 1445438 h 2026612"/>
+                  <a:gd name="connsiteX10" fmla="*/ 2013372 w 4071723"/>
+                  <a:gd name="connsiteY10" fmla="*/ 26 h 2026612"/>
+                </a:gdLst>
+                <a:ahLst/>
+                <a:cxnLst>
+                  <a:cxn ang="0">
+                    <a:pos x="connsiteX0" y="connsiteY0"/>
+                  </a:cxn>
+                  <a:cxn ang="0">
+                    <a:pos x="connsiteX1" y="connsiteY1"/>
+                  </a:cxn>
+                  <a:cxn ang="0">
+                    <a:pos x="connsiteX2" y="connsiteY2"/>
+                  </a:cxn>
+                  <a:cxn ang="0">
+                    <a:pos x="connsiteX3" y="connsiteY3"/>
+                  </a:cxn>
+                  <a:cxn ang="0">
+                    <a:pos x="connsiteX4" y="connsiteY4"/>
+                  </a:cxn>
+                  <a:cxn ang="0">
+                    <a:pos x="connsiteX5" y="connsiteY5"/>
+                  </a:cxn>
+                  <a:cxn ang="0">
+                    <a:pos x="connsiteX6" y="connsiteY6"/>
+                  </a:cxn>
+                  <a:cxn ang="0">
+                    <a:pos x="connsiteX7" y="connsiteY7"/>
+                  </a:cxn>
+                  <a:cxn ang="0">
+                    <a:pos x="connsiteX8" y="connsiteY8"/>
+                  </a:cxn>
+                  <a:cxn ang="0">
+                    <a:pos x="connsiteX9" y="connsiteY9"/>
+                  </a:cxn>
+                  <a:cxn ang="0">
+                    <a:pos x="connsiteX10" y="connsiteY10"/>
+                  </a:cxn>
+                </a:cxnLst>
+                <a:rect l="l" t="t" r="r" b="b"/>
+                <a:pathLst>
+                  <a:path w="4071723" h="2026612">
+                    <a:moveTo>
+                      <a:pt x="2013372" y="26"/>
+                    </a:moveTo>
+                    <a:cubicBezTo>
+                      <a:pt x="3085749" y="5363"/>
+                      <a:pt x="3963716" y="824754"/>
+                      <a:pt x="4064581" y="1869676"/>
+                    </a:cubicBezTo>
+                    <a:lnTo>
+                      <a:pt x="4071723" y="2026612"/>
+                    </a:lnTo>
+                    <a:lnTo>
+                      <a:pt x="4042898" y="2026612"/>
+                    </a:lnTo>
+                    <a:lnTo>
+                      <a:pt x="4035884" y="1872481"/>
+                    </a:lnTo>
+                    <a:cubicBezTo>
+                      <a:pt x="3936423" y="842104"/>
+                      <a:pt x="3070679" y="34120"/>
+                      <a:pt x="2013229" y="28856"/>
+                    </a:cubicBezTo>
+                    <a:cubicBezTo>
+                      <a:pt x="1096773" y="24294"/>
+                      <a:pt x="318298" y="624068"/>
+                      <a:pt x="55578" y="1454149"/>
+                    </a:cubicBezTo>
+                    <a:lnTo>
+                      <a:pt x="29738" y="1552608"/>
+                    </a:lnTo>
+                    <a:lnTo>
+                      <a:pt x="0" y="1552460"/>
+                    </a:lnTo>
+                    <a:lnTo>
+                      <a:pt x="28086" y="1445438"/>
+                    </a:lnTo>
+                    <a:cubicBezTo>
+                      <a:pt x="294515" y="603640"/>
+                      <a:pt x="1083979" y="-4601"/>
+                      <a:pt x="2013372" y="26"/>
+                    </a:cubicBezTo>
+                    <a:close/>
+                  </a:path>
+                </a:pathLst>
+              </a:custGeom>
+              <a:gradFill flip="none" rotWithShape="1">
+                <a:gsLst>
+                  <a:gs pos="100000">
+                    <a:schemeClr val="bg1">
+                      <a:alpha val="0"/>
+                      <a:lumMod val="0"/>
+                      <a:lumOff val="100000"/>
+                    </a:schemeClr>
+                  </a:gs>
+                  <a:gs pos="0">
+                    <a:srgbClr val="00A7F8"/>
+                  </a:gs>
+                </a:gsLst>
+                <a:lin ang="2700000" scaled="1"/>
+                <a:tileRect/>
+              </a:gradFill>
+              <a:ln>
+                <a:noFill/>
+              </a:ln>
+            </p:spPr>
+            <p:style>
+              <a:lnRef idx="2">
+                <a:schemeClr val="accent1">
+                  <a:shade val="50000"/>
+                </a:schemeClr>
+              </a:lnRef>
+              <a:fillRef idx="1">
+                <a:schemeClr val="accent1"/>
+              </a:fillRef>
+              <a:effectRef idx="0">
+                <a:schemeClr val="accent1"/>
+              </a:effectRef>
+              <a:fontRef idx="minor">
+                <a:schemeClr val="lt1"/>
+              </a:fontRef>
+            </p:style>
+            <p:txBody>
+              <a:bodyPr rtlCol="0" anchor="ctr"/>
+              <a:lstStyle/>
+              <a:p>
+                <a:pPr algn="ctr"/>
+                <a:endParaRPr lang="zh-CN" altLang="en-US"/>
+              </a:p>
+            </p:txBody>
+          </p:sp>
+          <p:sp>
+            <p:nvSpPr>
+              <p:cNvPr id="59" name="椭圆 58"/>
+              <p:cNvSpPr/>
+              <p:nvPr/>
+            </p:nvSpPr>
+            <p:spPr>
+              <a:xfrm rot="1817112">
+                <a:off x="7946930" y="3661974"/>
+                <a:ext cx="184284" cy="184284"/>
+              </a:xfrm>
+              <a:prstGeom prst="ellipse">
+                <a:avLst/>
+              </a:prstGeom>
+              <a:solidFill>
+                <a:schemeClr val="bg1"/>
+              </a:solidFill>
+              <a:ln>
+                <a:noFill/>
+              </a:ln>
+            </p:spPr>
+            <p:style>
+              <a:lnRef idx="2">
+                <a:schemeClr val="accent1">
+                  <a:shade val="50000"/>
+                </a:schemeClr>
+              </a:lnRef>
+              <a:fillRef idx="1">
+                <a:schemeClr val="accent1"/>
+              </a:fillRef>
+              <a:effectRef idx="0">
+                <a:schemeClr val="accent1"/>
+              </a:effectRef>
+              <a:fontRef idx="minor">
+                <a:schemeClr val="lt1"/>
+              </a:fontRef>
+            </p:style>
+            <p:txBody>
+              <a:bodyPr rtlCol="0" anchor="ctr"/>
+              <a:lstStyle/>
+              <a:p>
+                <a:pPr algn="ctr"/>
+                <a:endParaRPr lang="zh-CN" altLang="en-US"/>
+              </a:p>
+            </p:txBody>
+          </p:sp>
+        </p:grpSp>
+      </p:grpSp>
+      <p:grpSp>
+        <p:nvGrpSpPr>
+          <p:cNvPr id="61" name="组合 60"/>
+          <p:cNvGrpSpPr/>
+          <p:nvPr/>
+        </p:nvGrpSpPr>
+        <p:grpSpPr>
+          <a:xfrm rot="10800000">
+            <a:off x="3764420" y="1047577"/>
+            <a:ext cx="4138098" cy="2017024"/>
+            <a:chOff x="4734875" y="3485051"/>
+            <a:chExt cx="4138098" cy="2017024"/>
+          </a:xfrm>
+        </p:grpSpPr>
+        <p:grpSp>
+          <p:nvGrpSpPr>
+            <p:cNvPr id="62" name="组合 61"/>
+            <p:cNvGrpSpPr/>
+            <p:nvPr/>
+          </p:nvGrpSpPr>
+          <p:grpSpPr>
+            <a:xfrm>
+              <a:off x="5500786" y="3599615"/>
+              <a:ext cx="2630428" cy="1282143"/>
+              <a:chOff x="5500786" y="3599615"/>
+              <a:chExt cx="2630428" cy="1282143"/>
+            </a:xfrm>
+          </p:grpSpPr>
+          <p:sp>
+            <p:nvSpPr>
+              <p:cNvPr id="67" name="任意多边形 66"/>
+              <p:cNvSpPr/>
+              <p:nvPr/>
+            </p:nvSpPr>
+            <p:spPr>
+              <a:xfrm rot="10486686">
+                <a:off x="5500786" y="3599615"/>
+                <a:ext cx="2575990" cy="1282143"/>
+              </a:xfrm>
+              <a:custGeom>
+                <a:avLst/>
+                <a:gdLst>
+                  <a:gd name="connsiteX0" fmla="*/ 2013372 w 4071723"/>
+                  <a:gd name="connsiteY0" fmla="*/ 26 h 2026612"/>
+                  <a:gd name="connsiteX1" fmla="*/ 4064581 w 4071723"/>
+                  <a:gd name="connsiteY1" fmla="*/ 1869676 h 2026612"/>
+                  <a:gd name="connsiteX2" fmla="*/ 4071723 w 4071723"/>
+                  <a:gd name="connsiteY2" fmla="*/ 2026612 h 2026612"/>
+                  <a:gd name="connsiteX3" fmla="*/ 4042898 w 4071723"/>
+                  <a:gd name="connsiteY3" fmla="*/ 2026612 h 2026612"/>
+                  <a:gd name="connsiteX4" fmla="*/ 4035884 w 4071723"/>
+                  <a:gd name="connsiteY4" fmla="*/ 1872481 h 2026612"/>
+                  <a:gd name="connsiteX5" fmla="*/ 2013229 w 4071723"/>
+                  <a:gd name="connsiteY5" fmla="*/ 28856 h 2026612"/>
+                  <a:gd name="connsiteX6" fmla="*/ 55578 w 4071723"/>
+                  <a:gd name="connsiteY6" fmla="*/ 1454149 h 2026612"/>
+                  <a:gd name="connsiteX7" fmla="*/ 29738 w 4071723"/>
+                  <a:gd name="connsiteY7" fmla="*/ 1552608 h 2026612"/>
+                  <a:gd name="connsiteX8" fmla="*/ 0 w 4071723"/>
+                  <a:gd name="connsiteY8" fmla="*/ 1552460 h 2026612"/>
+                  <a:gd name="connsiteX9" fmla="*/ 28086 w 4071723"/>
+                  <a:gd name="connsiteY9" fmla="*/ 1445438 h 2026612"/>
+                  <a:gd name="connsiteX10" fmla="*/ 2013372 w 4071723"/>
+                  <a:gd name="connsiteY10" fmla="*/ 26 h 2026612"/>
+                </a:gdLst>
+                <a:ahLst/>
+                <a:cxnLst>
+                  <a:cxn ang="0">
+                    <a:pos x="connsiteX0" y="connsiteY0"/>
+                  </a:cxn>
+                  <a:cxn ang="0">
+                    <a:pos x="connsiteX1" y="connsiteY1"/>
+                  </a:cxn>
+                  <a:cxn ang="0">
+                    <a:pos x="connsiteX2" y="connsiteY2"/>
+                  </a:cxn>
+                  <a:cxn ang="0">
+                    <a:pos x="connsiteX3" y="connsiteY3"/>
+                  </a:cxn>
+                  <a:cxn ang="0">
+                    <a:pos x="connsiteX4" y="connsiteY4"/>
+                  </a:cxn>
+                  <a:cxn ang="0">
+                    <a:pos x="connsiteX5" y="connsiteY5"/>
+                  </a:cxn>
+                  <a:cxn ang="0">
+                    <a:pos x="connsiteX6" y="connsiteY6"/>
+                  </a:cxn>
+                  <a:cxn ang="0">
+                    <a:pos x="connsiteX7" y="connsiteY7"/>
+                  </a:cxn>
+                  <a:cxn ang="0">
+                    <a:pos x="connsiteX8" y="connsiteY8"/>
+                  </a:cxn>
+                  <a:cxn ang="0">
+                    <a:pos x="connsiteX9" y="connsiteY9"/>
+                  </a:cxn>
+                  <a:cxn ang="0">
+                    <a:pos x="connsiteX10" y="connsiteY10"/>
+                  </a:cxn>
+                </a:cxnLst>
+                <a:rect l="l" t="t" r="r" b="b"/>
+                <a:pathLst>
+                  <a:path w="4071723" h="2026612">
+                    <a:moveTo>
+                      <a:pt x="2013372" y="26"/>
+                    </a:moveTo>
+                    <a:cubicBezTo>
+                      <a:pt x="3085749" y="5363"/>
+                      <a:pt x="3963716" y="824754"/>
+                      <a:pt x="4064581" y="1869676"/>
+                    </a:cubicBezTo>
+                    <a:lnTo>
+                      <a:pt x="4071723" y="2026612"/>
+                    </a:lnTo>
+                    <a:lnTo>
+                      <a:pt x="4042898" y="2026612"/>
+                    </a:lnTo>
+                    <a:lnTo>
+                      <a:pt x="4035884" y="1872481"/>
+                    </a:lnTo>
+                    <a:cubicBezTo>
+                      <a:pt x="3936423" y="842104"/>
+                      <a:pt x="3070679" y="34120"/>
+                      <a:pt x="2013229" y="28856"/>
+                    </a:cubicBezTo>
+                    <a:cubicBezTo>
+                      <a:pt x="1096773" y="24294"/>
+                      <a:pt x="318298" y="624068"/>
+                      <a:pt x="55578" y="1454149"/>
+                    </a:cubicBezTo>
+                    <a:lnTo>
+                      <a:pt x="29738" y="1552608"/>
+                    </a:lnTo>
+                    <a:lnTo>
+                      <a:pt x="0" y="1552460"/>
+                    </a:lnTo>
+                    <a:lnTo>
+                      <a:pt x="28086" y="1445438"/>
+                    </a:lnTo>
+                    <a:cubicBezTo>
+                      <a:pt x="294515" y="603640"/>
+                      <a:pt x="1083979" y="-4601"/>
+                      <a:pt x="2013372" y="26"/>
+                    </a:cubicBezTo>
+                    <a:close/>
+                  </a:path>
+                </a:pathLst>
+              </a:custGeom>
+              <a:gradFill flip="none" rotWithShape="1">
+                <a:gsLst>
+                  <a:gs pos="100000">
+                    <a:srgbClr val="00A7F8">
+                      <a:alpha val="0"/>
+                    </a:srgbClr>
+                  </a:gs>
+                  <a:gs pos="0">
+                    <a:schemeClr val="bg1"/>
+                  </a:gs>
+                </a:gsLst>
+                <a:lin ang="2700000" scaled="1"/>
+                <a:tileRect/>
+              </a:gradFill>
+              <a:ln>
+                <a:noFill/>
+              </a:ln>
+            </p:spPr>
+            <p:style>
+              <a:lnRef idx="2">
+                <a:schemeClr val="accent1">
+                  <a:shade val="50000"/>
+                </a:schemeClr>
+              </a:lnRef>
+              <a:fillRef idx="1">
+                <a:schemeClr val="accent1"/>
+              </a:fillRef>
+              <a:effectRef idx="0">
+                <a:schemeClr val="accent1"/>
+              </a:effectRef>
+              <a:fontRef idx="minor">
+                <a:schemeClr val="lt1"/>
+              </a:fontRef>
+            </p:style>
+            <p:txBody>
+              <a:bodyPr rtlCol="0" anchor="ctr"/>
+              <a:lstStyle/>
+              <a:p>
+                <a:pPr algn="ctr"/>
+                <a:endParaRPr lang="zh-CN" altLang="en-US"/>
+              </a:p>
+            </p:txBody>
+          </p:sp>
+          <p:sp>
+            <p:nvSpPr>
+              <p:cNvPr id="66" name="椭圆 65"/>
+              <p:cNvSpPr/>
+              <p:nvPr/>
+            </p:nvSpPr>
+            <p:spPr>
+              <a:xfrm rot="1817112">
+                <a:off x="7946930" y="3661974"/>
+                <a:ext cx="184284" cy="184284"/>
+              </a:xfrm>
+              <a:prstGeom prst="ellipse">
+                <a:avLst/>
+              </a:prstGeom>
+              <a:solidFill>
+                <a:schemeClr val="bg1"/>
+              </a:solidFill>
+              <a:ln>
+                <a:noFill/>
+              </a:ln>
+            </p:spPr>
+            <p:style>
+              <a:lnRef idx="2">
+                <a:schemeClr val="accent1">
+                  <a:shade val="50000"/>
+                </a:schemeClr>
+              </a:lnRef>
+              <a:fillRef idx="1">
+                <a:schemeClr val="accent1"/>
+              </a:fillRef>
+              <a:effectRef idx="0">
+                <a:schemeClr val="accent1"/>
+              </a:effectRef>
+              <a:fontRef idx="minor">
+                <a:schemeClr val="lt1"/>
+              </a:fontRef>
+            </p:style>
+            <p:txBody>
+              <a:bodyPr rtlCol="0" anchor="ctr"/>
+              <a:lstStyle/>
+              <a:p>
+                <a:pPr algn="ctr"/>
+                <a:endParaRPr lang="zh-CN" altLang="en-US"/>
+              </a:p>
+            </p:txBody>
+          </p:sp>
+        </p:grpSp>
+        <p:grpSp>
+          <p:nvGrpSpPr>
+            <p:cNvPr id="63" name="组合 62"/>
+            <p:cNvGrpSpPr/>
+            <p:nvPr/>
+          </p:nvGrpSpPr>
+          <p:grpSpPr>
+            <a:xfrm>
+              <a:off x="4734875" y="3485051"/>
+              <a:ext cx="4138098" cy="2017024"/>
+              <a:chOff x="5500786" y="3599615"/>
+              <a:chExt cx="2630428" cy="1282143"/>
+            </a:xfrm>
+          </p:grpSpPr>
+          <p:sp>
+            <p:nvSpPr>
+              <p:cNvPr id="65" name="任意多边形 64"/>
+              <p:cNvSpPr/>
+              <p:nvPr/>
+            </p:nvSpPr>
+            <p:spPr>
+              <a:xfrm rot="10486686">
+                <a:off x="5500786" y="3599615"/>
+                <a:ext cx="2575990" cy="1282143"/>
+              </a:xfrm>
+              <a:custGeom>
+                <a:avLst/>
+                <a:gdLst>
+                  <a:gd name="connsiteX0" fmla="*/ 2013372 w 4071723"/>
+                  <a:gd name="connsiteY0" fmla="*/ 26 h 2026612"/>
+                  <a:gd name="connsiteX1" fmla="*/ 4064581 w 4071723"/>
+                  <a:gd name="connsiteY1" fmla="*/ 1869676 h 2026612"/>
+                  <a:gd name="connsiteX2" fmla="*/ 4071723 w 4071723"/>
+                  <a:gd name="connsiteY2" fmla="*/ 2026612 h 2026612"/>
+                  <a:gd name="connsiteX3" fmla="*/ 4042898 w 4071723"/>
+                  <a:gd name="connsiteY3" fmla="*/ 2026612 h 2026612"/>
+                  <a:gd name="connsiteX4" fmla="*/ 4035884 w 4071723"/>
+                  <a:gd name="connsiteY4" fmla="*/ 1872481 h 2026612"/>
+                  <a:gd name="connsiteX5" fmla="*/ 2013229 w 4071723"/>
+                  <a:gd name="connsiteY5" fmla="*/ 28856 h 2026612"/>
+                  <a:gd name="connsiteX6" fmla="*/ 55578 w 4071723"/>
+                  <a:gd name="connsiteY6" fmla="*/ 1454149 h 2026612"/>
+                  <a:gd name="connsiteX7" fmla="*/ 29738 w 4071723"/>
+                  <a:gd name="connsiteY7" fmla="*/ 1552608 h 2026612"/>
+                  <a:gd name="connsiteX8" fmla="*/ 0 w 4071723"/>
+                  <a:gd name="connsiteY8" fmla="*/ 1552460 h 2026612"/>
+                  <a:gd name="connsiteX9" fmla="*/ 28086 w 4071723"/>
+                  <a:gd name="connsiteY9" fmla="*/ 1445438 h 2026612"/>
+                  <a:gd name="connsiteX10" fmla="*/ 2013372 w 4071723"/>
+                  <a:gd name="connsiteY10" fmla="*/ 26 h 2026612"/>
+                </a:gdLst>
+                <a:ahLst/>
+                <a:cxnLst>
+                  <a:cxn ang="0">
+                    <a:pos x="connsiteX0" y="connsiteY0"/>
+                  </a:cxn>
+                  <a:cxn ang="0">
+                    <a:pos x="connsiteX1" y="connsiteY1"/>
+                  </a:cxn>
+                  <a:cxn ang="0">
+                    <a:pos x="connsiteX2" y="connsiteY2"/>
+                  </a:cxn>
+                  <a:cxn ang="0">
+                    <a:pos x="connsiteX3" y="connsiteY3"/>
+                  </a:cxn>
+                  <a:cxn ang="0">
+                    <a:pos x="connsiteX4" y="connsiteY4"/>
+                  </a:cxn>
+                  <a:cxn ang="0">
+                    <a:pos x="connsiteX5" y="connsiteY5"/>
+                  </a:cxn>
+                  <a:cxn ang="0">
+                    <a:pos x="connsiteX6" y="connsiteY6"/>
+                  </a:cxn>
+                  <a:cxn ang="0">
+                    <a:pos x="connsiteX7" y="connsiteY7"/>
+                  </a:cxn>
+                  <a:cxn ang="0">
+                    <a:pos x="connsiteX8" y="connsiteY8"/>
+                  </a:cxn>
+                  <a:cxn ang="0">
+                    <a:pos x="connsiteX9" y="connsiteY9"/>
+                  </a:cxn>
+                  <a:cxn ang="0">
+                    <a:pos x="connsiteX10" y="connsiteY10"/>
+                  </a:cxn>
+                </a:cxnLst>
+                <a:rect l="l" t="t" r="r" b="b"/>
+                <a:pathLst>
+                  <a:path w="4071723" h="2026612">
+                    <a:moveTo>
+                      <a:pt x="2013372" y="26"/>
+                    </a:moveTo>
+                    <a:cubicBezTo>
+                      <a:pt x="3085749" y="5363"/>
+                      <a:pt x="3963716" y="824754"/>
+                      <a:pt x="4064581" y="1869676"/>
+                    </a:cubicBezTo>
+                    <a:lnTo>
+                      <a:pt x="4071723" y="2026612"/>
+                    </a:lnTo>
+                    <a:lnTo>
+                      <a:pt x="4042898" y="2026612"/>
+                    </a:lnTo>
+                    <a:lnTo>
+                      <a:pt x="4035884" y="1872481"/>
+                    </a:lnTo>
+                    <a:cubicBezTo>
+                      <a:pt x="3936423" y="842104"/>
+                      <a:pt x="3070679" y="34120"/>
+                      <a:pt x="2013229" y="28856"/>
+                    </a:cubicBezTo>
+                    <a:cubicBezTo>
+                      <a:pt x="1096773" y="24294"/>
+                      <a:pt x="318298" y="624068"/>
+                      <a:pt x="55578" y="1454149"/>
+                    </a:cubicBezTo>
+                    <a:lnTo>
+                      <a:pt x="29738" y="1552608"/>
+                    </a:lnTo>
+                    <a:lnTo>
+                      <a:pt x="0" y="1552460"/>
+                    </a:lnTo>
+                    <a:lnTo>
+                      <a:pt x="28086" y="1445438"/>
+                    </a:lnTo>
+                    <a:cubicBezTo>
+                      <a:pt x="294515" y="603640"/>
+                      <a:pt x="1083979" y="-4601"/>
+                      <a:pt x="2013372" y="26"/>
+                    </a:cubicBezTo>
+                    <a:close/>
+                  </a:path>
+                </a:pathLst>
+              </a:custGeom>
+              <a:gradFill flip="none" rotWithShape="1">
+                <a:gsLst>
+                  <a:gs pos="100000">
+                    <a:srgbClr val="00A7F8">
+                      <a:alpha val="0"/>
+                    </a:srgbClr>
+                  </a:gs>
+                  <a:gs pos="0">
+                    <a:schemeClr val="bg1"/>
+                  </a:gs>
+                </a:gsLst>
+                <a:lin ang="2700000" scaled="1"/>
+                <a:tileRect/>
+              </a:gradFill>
+              <a:ln>
+                <a:noFill/>
+              </a:ln>
+            </p:spPr>
+            <p:style>
+              <a:lnRef idx="2">
+                <a:schemeClr val="accent1">
+                  <a:shade val="50000"/>
+                </a:schemeClr>
+              </a:lnRef>
+              <a:fillRef idx="1">
+                <a:schemeClr val="accent1"/>
+              </a:fillRef>
+              <a:effectRef idx="0">
+                <a:schemeClr val="accent1"/>
+              </a:effectRef>
+              <a:fontRef idx="minor">
+                <a:schemeClr val="lt1"/>
+              </a:fontRef>
+            </p:style>
+            <p:txBody>
+              <a:bodyPr rtlCol="0" anchor="ctr"/>
+              <a:lstStyle/>
+              <a:p>
+                <a:pPr algn="ctr"/>
+                <a:endParaRPr lang="zh-CN" altLang="en-US"/>
+              </a:p>
+            </p:txBody>
+          </p:sp>
+          <p:sp>
+            <p:nvSpPr>
+              <p:cNvPr id="64" name="椭圆 63"/>
+              <p:cNvSpPr/>
+              <p:nvPr/>
+            </p:nvSpPr>
+            <p:spPr>
+              <a:xfrm rot="1817112">
+                <a:off x="7946930" y="3661974"/>
+                <a:ext cx="184284" cy="184284"/>
+              </a:xfrm>
+              <a:prstGeom prst="ellipse">
+                <a:avLst/>
+              </a:prstGeom>
+              <a:solidFill>
+                <a:schemeClr val="bg1"/>
+              </a:solidFill>
+              <a:ln>
+                <a:noFill/>
+              </a:ln>
+            </p:spPr>
+            <p:style>
+              <a:lnRef idx="2">
+                <a:schemeClr val="accent1">
+                  <a:shade val="50000"/>
+                </a:schemeClr>
+              </a:lnRef>
+              <a:fillRef idx="1">
+                <a:schemeClr val="accent1"/>
+              </a:fillRef>
+              <a:effectRef idx="0">
+                <a:schemeClr val="accent1"/>
+              </a:effectRef>
+              <a:fontRef idx="minor">
+                <a:schemeClr val="lt1"/>
+              </a:fontRef>
+            </p:style>
+            <p:txBody>
+              <a:bodyPr rtlCol="0" anchor="ctr"/>
+              <a:lstStyle/>
+              <a:p>
+                <a:pPr algn="ctr"/>
+                <a:endParaRPr lang="zh-CN" altLang="en-US"/>
+              </a:p>
+            </p:txBody>
+          </p:sp>
+        </p:grpSp>
+      </p:grpSp>
+    </p:spTree>
+    <p:extLst>
+      <p:ext uri="{BB962C8B-B14F-4D97-AF65-F5344CB8AC3E}">
+        <p14:creationId xmlns:p14="http://schemas.microsoft.com/office/powerpoint/2010/main" val="638708219"/>
       </p:ext>
     </p:extLst>
   </p:cSld>
@@ -13570,1142 +13806,6 @@
       </p:grpSpPr>
       <p:sp>
         <p:nvSpPr>
-          <p:cNvPr id="21" name="文本框 20"/>
-          <p:cNvSpPr txBox="1"/>
-          <p:nvPr/>
-        </p:nvSpPr>
-        <p:spPr>
-          <a:xfrm>
-            <a:off x="5622854" y="1687540"/>
-            <a:ext cx="633507" cy="1107996"/>
-          </a:xfrm>
-          <a:prstGeom prst="rect">
-            <a:avLst/>
-          </a:prstGeom>
-          <a:noFill/>
-        </p:spPr>
-        <p:txBody>
-          <a:bodyPr wrap="none" rtlCol="0">
-            <a:spAutoFit/>
-          </a:bodyPr>
-          <a:lstStyle/>
-          <a:p>
-            <a:r>
-              <a:rPr lang="en-US" altLang="zh-CN" sz="6600" dirty="0" smtClean="0">
-                <a:solidFill>
-                  <a:schemeClr val="bg1"/>
-                </a:solidFill>
-                <a:latin typeface="Impact" panose="020B0806030902050204" pitchFamily="34" charset="0"/>
-              </a:rPr>
-              <a:t>3</a:t>
-            </a:r>
-            <a:endParaRPr lang="zh-CN" altLang="en-US" sz="6600" dirty="0">
-              <a:solidFill>
-                <a:schemeClr val="bg1"/>
-              </a:solidFill>
-              <a:latin typeface="Impact" panose="020B0806030902050204" pitchFamily="34" charset="0"/>
-            </a:endParaRPr>
-          </a:p>
-        </p:txBody>
-      </p:sp>
-      <p:sp>
-        <p:nvSpPr>
-          <p:cNvPr id="25" name="同侧圆角矩形 24"/>
-          <p:cNvSpPr/>
-          <p:nvPr/>
-        </p:nvSpPr>
-        <p:spPr>
-          <a:xfrm>
-            <a:off x="2284671" y="2797228"/>
-            <a:ext cx="7390602" cy="1083177"/>
-          </a:xfrm>
-          <a:prstGeom prst="round2SameRect">
-            <a:avLst>
-              <a:gd name="adj1" fmla="val 36466"/>
-              <a:gd name="adj2" fmla="val 39493"/>
-            </a:avLst>
-          </a:prstGeom>
-          <a:gradFill>
-            <a:gsLst>
-              <a:gs pos="0">
-                <a:schemeClr val="bg1">
-                  <a:alpha val="22000"/>
-                </a:schemeClr>
-              </a:gs>
-              <a:gs pos="100000">
-                <a:schemeClr val="bg1">
-                  <a:alpha val="0"/>
-                </a:schemeClr>
-              </a:gs>
-            </a:gsLst>
-            <a:lin ang="5400000" scaled="1"/>
-          </a:gradFill>
-          <a:ln>
-            <a:gradFill>
-              <a:gsLst>
-                <a:gs pos="0">
-                  <a:schemeClr val="bg1"/>
-                </a:gs>
-                <a:gs pos="100000">
-                  <a:schemeClr val="bg1">
-                    <a:alpha val="0"/>
-                  </a:schemeClr>
-                </a:gs>
-              </a:gsLst>
-              <a:lin ang="5400000" scaled="1"/>
-            </a:gradFill>
-          </a:ln>
-        </p:spPr>
-        <p:style>
-          <a:lnRef idx="2">
-            <a:schemeClr val="accent1">
-              <a:shade val="50000"/>
-            </a:schemeClr>
-          </a:lnRef>
-          <a:fillRef idx="1">
-            <a:schemeClr val="accent1"/>
-          </a:fillRef>
-          <a:effectRef idx="0">
-            <a:schemeClr val="accent1"/>
-          </a:effectRef>
-          <a:fontRef idx="minor">
-            <a:schemeClr val="lt1"/>
-          </a:fontRef>
-        </p:style>
-        <p:txBody>
-          <a:bodyPr rtlCol="0" anchor="ctr"/>
-          <a:lstStyle/>
-          <a:p>
-            <a:pPr algn="ctr"/>
-            <a:endParaRPr lang="zh-CN" altLang="en-US"/>
-          </a:p>
-        </p:txBody>
-      </p:sp>
-      <p:sp>
-        <p:nvSpPr>
-          <p:cNvPr id="20" name="文本框 19"/>
-          <p:cNvSpPr txBox="1"/>
-          <p:nvPr/>
-        </p:nvSpPr>
-        <p:spPr>
-          <a:xfrm>
-            <a:off x="5105885" y="3002846"/>
-            <a:ext cx="1643399" cy="584775"/>
-          </a:xfrm>
-          <a:prstGeom prst="rect">
-            <a:avLst/>
-          </a:prstGeom>
-          <a:noFill/>
-        </p:spPr>
-        <p:txBody>
-          <a:bodyPr wrap="none" rtlCol="0">
-            <a:spAutoFit/>
-          </a:bodyPr>
-          <a:lstStyle/>
-          <a:p>
-            <a:r>
-              <a:rPr lang="en-US" altLang="zh-CN" sz="3200" dirty="0" smtClean="0">
-                <a:solidFill>
-                  <a:schemeClr val="bg1"/>
-                </a:solidFill>
-                <a:latin typeface="方正兰亭粗黑_GBK" panose="02000000000000000000" pitchFamily="2" charset="-122"/>
-                <a:ea typeface="方正兰亭粗黑_GBK" panose="02000000000000000000" pitchFamily="2" charset="-122"/>
-              </a:rPr>
-              <a:t>iOS</a:t>
-            </a:r>
-            <a:r>
-              <a:rPr lang="zh-CN" altLang="en-US" sz="3200" dirty="0" smtClean="0">
-                <a:solidFill>
-                  <a:schemeClr val="bg1"/>
-                </a:solidFill>
-                <a:latin typeface="方正兰亭粗黑_GBK" panose="02000000000000000000" pitchFamily="2" charset="-122"/>
-                <a:ea typeface="方正兰亭粗黑_GBK" panose="02000000000000000000" pitchFamily="2" charset="-122"/>
-              </a:rPr>
-              <a:t>开发</a:t>
-            </a:r>
-            <a:endParaRPr lang="zh-CN" altLang="en-US" sz="3200" dirty="0">
-              <a:solidFill>
-                <a:schemeClr val="bg1"/>
-              </a:solidFill>
-              <a:latin typeface="方正兰亭粗黑_GBK" panose="02000000000000000000" pitchFamily="2" charset="-122"/>
-              <a:ea typeface="方正兰亭粗黑_GBK" panose="02000000000000000000" pitchFamily="2" charset="-122"/>
-            </a:endParaRPr>
-          </a:p>
-        </p:txBody>
-      </p:sp>
-      <p:grpSp>
-        <p:nvGrpSpPr>
-          <p:cNvPr id="8" name="组合 7"/>
-          <p:cNvGrpSpPr/>
-          <p:nvPr/>
-        </p:nvGrpSpPr>
-        <p:grpSpPr>
-          <a:xfrm>
-            <a:off x="3934775" y="3715211"/>
-            <a:ext cx="4138098" cy="2017024"/>
-            <a:chOff x="4734875" y="3485051"/>
-            <a:chExt cx="4138098" cy="2017024"/>
-          </a:xfrm>
-        </p:grpSpPr>
-        <p:grpSp>
-          <p:nvGrpSpPr>
-            <p:cNvPr id="7" name="组合 6"/>
-            <p:cNvGrpSpPr/>
-            <p:nvPr/>
-          </p:nvGrpSpPr>
-          <p:grpSpPr>
-            <a:xfrm>
-              <a:off x="5500786" y="3599615"/>
-              <a:ext cx="2630428" cy="1282143"/>
-              <a:chOff x="5500786" y="3599615"/>
-              <a:chExt cx="2630428" cy="1282143"/>
-            </a:xfrm>
-          </p:grpSpPr>
-          <p:sp>
-            <p:nvSpPr>
-              <p:cNvPr id="54" name="椭圆 53"/>
-              <p:cNvSpPr/>
-              <p:nvPr/>
-            </p:nvSpPr>
-            <p:spPr>
-              <a:xfrm rot="1817112">
-                <a:off x="7946930" y="3661974"/>
-                <a:ext cx="184284" cy="184284"/>
-              </a:xfrm>
-              <a:prstGeom prst="ellipse">
-                <a:avLst/>
-              </a:prstGeom>
-              <a:solidFill>
-                <a:schemeClr val="bg1"/>
-              </a:solidFill>
-              <a:ln>
-                <a:noFill/>
-              </a:ln>
-            </p:spPr>
-            <p:style>
-              <a:lnRef idx="2">
-                <a:schemeClr val="accent1">
-                  <a:shade val="50000"/>
-                </a:schemeClr>
-              </a:lnRef>
-              <a:fillRef idx="1">
-                <a:schemeClr val="accent1"/>
-              </a:fillRef>
-              <a:effectRef idx="0">
-                <a:schemeClr val="accent1"/>
-              </a:effectRef>
-              <a:fontRef idx="minor">
-                <a:schemeClr val="lt1"/>
-              </a:fontRef>
-            </p:style>
-            <p:txBody>
-              <a:bodyPr rtlCol="0" anchor="ctr"/>
-              <a:lstStyle/>
-              <a:p>
-                <a:pPr algn="ctr"/>
-                <a:endParaRPr lang="zh-CN" altLang="en-US"/>
-              </a:p>
-            </p:txBody>
-          </p:sp>
-          <p:sp>
-            <p:nvSpPr>
-              <p:cNvPr id="55" name="任意多边形 54"/>
-              <p:cNvSpPr/>
-              <p:nvPr/>
-            </p:nvSpPr>
-            <p:spPr>
-              <a:xfrm rot="10486686">
-                <a:off x="5500786" y="3599615"/>
-                <a:ext cx="2575990" cy="1282143"/>
-              </a:xfrm>
-              <a:custGeom>
-                <a:avLst/>
-                <a:gdLst>
-                  <a:gd name="connsiteX0" fmla="*/ 2013372 w 4071723"/>
-                  <a:gd name="connsiteY0" fmla="*/ 26 h 2026612"/>
-                  <a:gd name="connsiteX1" fmla="*/ 4064581 w 4071723"/>
-                  <a:gd name="connsiteY1" fmla="*/ 1869676 h 2026612"/>
-                  <a:gd name="connsiteX2" fmla="*/ 4071723 w 4071723"/>
-                  <a:gd name="connsiteY2" fmla="*/ 2026612 h 2026612"/>
-                  <a:gd name="connsiteX3" fmla="*/ 4042898 w 4071723"/>
-                  <a:gd name="connsiteY3" fmla="*/ 2026612 h 2026612"/>
-                  <a:gd name="connsiteX4" fmla="*/ 4035884 w 4071723"/>
-                  <a:gd name="connsiteY4" fmla="*/ 1872481 h 2026612"/>
-                  <a:gd name="connsiteX5" fmla="*/ 2013229 w 4071723"/>
-                  <a:gd name="connsiteY5" fmla="*/ 28856 h 2026612"/>
-                  <a:gd name="connsiteX6" fmla="*/ 55578 w 4071723"/>
-                  <a:gd name="connsiteY6" fmla="*/ 1454149 h 2026612"/>
-                  <a:gd name="connsiteX7" fmla="*/ 29738 w 4071723"/>
-                  <a:gd name="connsiteY7" fmla="*/ 1552608 h 2026612"/>
-                  <a:gd name="connsiteX8" fmla="*/ 0 w 4071723"/>
-                  <a:gd name="connsiteY8" fmla="*/ 1552460 h 2026612"/>
-                  <a:gd name="connsiteX9" fmla="*/ 28086 w 4071723"/>
-                  <a:gd name="connsiteY9" fmla="*/ 1445438 h 2026612"/>
-                  <a:gd name="connsiteX10" fmla="*/ 2013372 w 4071723"/>
-                  <a:gd name="connsiteY10" fmla="*/ 26 h 2026612"/>
-                </a:gdLst>
-                <a:ahLst/>
-                <a:cxnLst>
-                  <a:cxn ang="0">
-                    <a:pos x="connsiteX0" y="connsiteY0"/>
-                  </a:cxn>
-                  <a:cxn ang="0">
-                    <a:pos x="connsiteX1" y="connsiteY1"/>
-                  </a:cxn>
-                  <a:cxn ang="0">
-                    <a:pos x="connsiteX2" y="connsiteY2"/>
-                  </a:cxn>
-                  <a:cxn ang="0">
-                    <a:pos x="connsiteX3" y="connsiteY3"/>
-                  </a:cxn>
-                  <a:cxn ang="0">
-                    <a:pos x="connsiteX4" y="connsiteY4"/>
-                  </a:cxn>
-                  <a:cxn ang="0">
-                    <a:pos x="connsiteX5" y="connsiteY5"/>
-                  </a:cxn>
-                  <a:cxn ang="0">
-                    <a:pos x="connsiteX6" y="connsiteY6"/>
-                  </a:cxn>
-                  <a:cxn ang="0">
-                    <a:pos x="connsiteX7" y="connsiteY7"/>
-                  </a:cxn>
-                  <a:cxn ang="0">
-                    <a:pos x="connsiteX8" y="connsiteY8"/>
-                  </a:cxn>
-                  <a:cxn ang="0">
-                    <a:pos x="connsiteX9" y="connsiteY9"/>
-                  </a:cxn>
-                  <a:cxn ang="0">
-                    <a:pos x="connsiteX10" y="connsiteY10"/>
-                  </a:cxn>
-                </a:cxnLst>
-                <a:rect l="l" t="t" r="r" b="b"/>
-                <a:pathLst>
-                  <a:path w="4071723" h="2026612">
-                    <a:moveTo>
-                      <a:pt x="2013372" y="26"/>
-                    </a:moveTo>
-                    <a:cubicBezTo>
-                      <a:pt x="3085749" y="5363"/>
-                      <a:pt x="3963716" y="824754"/>
-                      <a:pt x="4064581" y="1869676"/>
-                    </a:cubicBezTo>
-                    <a:lnTo>
-                      <a:pt x="4071723" y="2026612"/>
-                    </a:lnTo>
-                    <a:lnTo>
-                      <a:pt x="4042898" y="2026612"/>
-                    </a:lnTo>
-                    <a:lnTo>
-                      <a:pt x="4035884" y="1872481"/>
-                    </a:lnTo>
-                    <a:cubicBezTo>
-                      <a:pt x="3936423" y="842104"/>
-                      <a:pt x="3070679" y="34120"/>
-                      <a:pt x="2013229" y="28856"/>
-                    </a:cubicBezTo>
-                    <a:cubicBezTo>
-                      <a:pt x="1096773" y="24294"/>
-                      <a:pt x="318298" y="624068"/>
-                      <a:pt x="55578" y="1454149"/>
-                    </a:cubicBezTo>
-                    <a:lnTo>
-                      <a:pt x="29738" y="1552608"/>
-                    </a:lnTo>
-                    <a:lnTo>
-                      <a:pt x="0" y="1552460"/>
-                    </a:lnTo>
-                    <a:lnTo>
-                      <a:pt x="28086" y="1445438"/>
-                    </a:lnTo>
-                    <a:cubicBezTo>
-                      <a:pt x="294515" y="603640"/>
-                      <a:pt x="1083979" y="-4601"/>
-                      <a:pt x="2013372" y="26"/>
-                    </a:cubicBezTo>
-                    <a:close/>
-                  </a:path>
-                </a:pathLst>
-              </a:custGeom>
-              <a:gradFill flip="none" rotWithShape="1">
-                <a:gsLst>
-                  <a:gs pos="100000">
-                    <a:schemeClr val="bg1">
-                      <a:alpha val="0"/>
-                      <a:lumMod val="0"/>
-                      <a:lumOff val="100000"/>
-                    </a:schemeClr>
-                  </a:gs>
-                  <a:gs pos="0">
-                    <a:schemeClr val="bg1"/>
-                  </a:gs>
-                </a:gsLst>
-                <a:lin ang="2700000" scaled="1"/>
-                <a:tileRect/>
-              </a:gradFill>
-              <a:ln>
-                <a:noFill/>
-              </a:ln>
-            </p:spPr>
-            <p:style>
-              <a:lnRef idx="2">
-                <a:schemeClr val="accent1">
-                  <a:shade val="50000"/>
-                </a:schemeClr>
-              </a:lnRef>
-              <a:fillRef idx="1">
-                <a:schemeClr val="accent1"/>
-              </a:fillRef>
-              <a:effectRef idx="0">
-                <a:schemeClr val="accent1"/>
-              </a:effectRef>
-              <a:fontRef idx="minor">
-                <a:schemeClr val="lt1"/>
-              </a:fontRef>
-            </p:style>
-            <p:txBody>
-              <a:bodyPr rtlCol="0" anchor="ctr"/>
-              <a:lstStyle/>
-              <a:p>
-                <a:pPr algn="ctr"/>
-                <a:endParaRPr lang="zh-CN" altLang="en-US"/>
-              </a:p>
-            </p:txBody>
-          </p:sp>
-        </p:grpSp>
-        <p:grpSp>
-          <p:nvGrpSpPr>
-            <p:cNvPr id="58" name="组合 57"/>
-            <p:cNvGrpSpPr/>
-            <p:nvPr/>
-          </p:nvGrpSpPr>
-          <p:grpSpPr>
-            <a:xfrm>
-              <a:off x="4734875" y="3485051"/>
-              <a:ext cx="4138098" cy="2017024"/>
-              <a:chOff x="5500786" y="3599615"/>
-              <a:chExt cx="2630428" cy="1282143"/>
-            </a:xfrm>
-          </p:grpSpPr>
-          <p:sp>
-            <p:nvSpPr>
-              <p:cNvPr id="60" name="任意多边形 59"/>
-              <p:cNvSpPr/>
-              <p:nvPr/>
-            </p:nvSpPr>
-            <p:spPr>
-              <a:xfrm rot="10486686">
-                <a:off x="5500786" y="3599615"/>
-                <a:ext cx="2575990" cy="1282143"/>
-              </a:xfrm>
-              <a:custGeom>
-                <a:avLst/>
-                <a:gdLst>
-                  <a:gd name="connsiteX0" fmla="*/ 2013372 w 4071723"/>
-                  <a:gd name="connsiteY0" fmla="*/ 26 h 2026612"/>
-                  <a:gd name="connsiteX1" fmla="*/ 4064581 w 4071723"/>
-                  <a:gd name="connsiteY1" fmla="*/ 1869676 h 2026612"/>
-                  <a:gd name="connsiteX2" fmla="*/ 4071723 w 4071723"/>
-                  <a:gd name="connsiteY2" fmla="*/ 2026612 h 2026612"/>
-                  <a:gd name="connsiteX3" fmla="*/ 4042898 w 4071723"/>
-                  <a:gd name="connsiteY3" fmla="*/ 2026612 h 2026612"/>
-                  <a:gd name="connsiteX4" fmla="*/ 4035884 w 4071723"/>
-                  <a:gd name="connsiteY4" fmla="*/ 1872481 h 2026612"/>
-                  <a:gd name="connsiteX5" fmla="*/ 2013229 w 4071723"/>
-                  <a:gd name="connsiteY5" fmla="*/ 28856 h 2026612"/>
-                  <a:gd name="connsiteX6" fmla="*/ 55578 w 4071723"/>
-                  <a:gd name="connsiteY6" fmla="*/ 1454149 h 2026612"/>
-                  <a:gd name="connsiteX7" fmla="*/ 29738 w 4071723"/>
-                  <a:gd name="connsiteY7" fmla="*/ 1552608 h 2026612"/>
-                  <a:gd name="connsiteX8" fmla="*/ 0 w 4071723"/>
-                  <a:gd name="connsiteY8" fmla="*/ 1552460 h 2026612"/>
-                  <a:gd name="connsiteX9" fmla="*/ 28086 w 4071723"/>
-                  <a:gd name="connsiteY9" fmla="*/ 1445438 h 2026612"/>
-                  <a:gd name="connsiteX10" fmla="*/ 2013372 w 4071723"/>
-                  <a:gd name="connsiteY10" fmla="*/ 26 h 2026612"/>
-                </a:gdLst>
-                <a:ahLst/>
-                <a:cxnLst>
-                  <a:cxn ang="0">
-                    <a:pos x="connsiteX0" y="connsiteY0"/>
-                  </a:cxn>
-                  <a:cxn ang="0">
-                    <a:pos x="connsiteX1" y="connsiteY1"/>
-                  </a:cxn>
-                  <a:cxn ang="0">
-                    <a:pos x="connsiteX2" y="connsiteY2"/>
-                  </a:cxn>
-                  <a:cxn ang="0">
-                    <a:pos x="connsiteX3" y="connsiteY3"/>
-                  </a:cxn>
-                  <a:cxn ang="0">
-                    <a:pos x="connsiteX4" y="connsiteY4"/>
-                  </a:cxn>
-                  <a:cxn ang="0">
-                    <a:pos x="connsiteX5" y="connsiteY5"/>
-                  </a:cxn>
-                  <a:cxn ang="0">
-                    <a:pos x="connsiteX6" y="connsiteY6"/>
-                  </a:cxn>
-                  <a:cxn ang="0">
-                    <a:pos x="connsiteX7" y="connsiteY7"/>
-                  </a:cxn>
-                  <a:cxn ang="0">
-                    <a:pos x="connsiteX8" y="connsiteY8"/>
-                  </a:cxn>
-                  <a:cxn ang="0">
-                    <a:pos x="connsiteX9" y="connsiteY9"/>
-                  </a:cxn>
-                  <a:cxn ang="0">
-                    <a:pos x="connsiteX10" y="connsiteY10"/>
-                  </a:cxn>
-                </a:cxnLst>
-                <a:rect l="l" t="t" r="r" b="b"/>
-                <a:pathLst>
-                  <a:path w="4071723" h="2026612">
-                    <a:moveTo>
-                      <a:pt x="2013372" y="26"/>
-                    </a:moveTo>
-                    <a:cubicBezTo>
-                      <a:pt x="3085749" y="5363"/>
-                      <a:pt x="3963716" y="824754"/>
-                      <a:pt x="4064581" y="1869676"/>
-                    </a:cubicBezTo>
-                    <a:lnTo>
-                      <a:pt x="4071723" y="2026612"/>
-                    </a:lnTo>
-                    <a:lnTo>
-                      <a:pt x="4042898" y="2026612"/>
-                    </a:lnTo>
-                    <a:lnTo>
-                      <a:pt x="4035884" y="1872481"/>
-                    </a:lnTo>
-                    <a:cubicBezTo>
-                      <a:pt x="3936423" y="842104"/>
-                      <a:pt x="3070679" y="34120"/>
-                      <a:pt x="2013229" y="28856"/>
-                    </a:cubicBezTo>
-                    <a:cubicBezTo>
-                      <a:pt x="1096773" y="24294"/>
-                      <a:pt x="318298" y="624068"/>
-                      <a:pt x="55578" y="1454149"/>
-                    </a:cubicBezTo>
-                    <a:lnTo>
-                      <a:pt x="29738" y="1552608"/>
-                    </a:lnTo>
-                    <a:lnTo>
-                      <a:pt x="0" y="1552460"/>
-                    </a:lnTo>
-                    <a:lnTo>
-                      <a:pt x="28086" y="1445438"/>
-                    </a:lnTo>
-                    <a:cubicBezTo>
-                      <a:pt x="294515" y="603640"/>
-                      <a:pt x="1083979" y="-4601"/>
-                      <a:pt x="2013372" y="26"/>
-                    </a:cubicBezTo>
-                    <a:close/>
-                  </a:path>
-                </a:pathLst>
-              </a:custGeom>
-              <a:gradFill flip="none" rotWithShape="1">
-                <a:gsLst>
-                  <a:gs pos="100000">
-                    <a:schemeClr val="bg1">
-                      <a:alpha val="0"/>
-                      <a:lumMod val="0"/>
-                      <a:lumOff val="100000"/>
-                    </a:schemeClr>
-                  </a:gs>
-                  <a:gs pos="0">
-                    <a:srgbClr val="00A7F8"/>
-                  </a:gs>
-                </a:gsLst>
-                <a:lin ang="2700000" scaled="1"/>
-                <a:tileRect/>
-              </a:gradFill>
-              <a:ln>
-                <a:noFill/>
-              </a:ln>
-            </p:spPr>
-            <p:style>
-              <a:lnRef idx="2">
-                <a:schemeClr val="accent1">
-                  <a:shade val="50000"/>
-                </a:schemeClr>
-              </a:lnRef>
-              <a:fillRef idx="1">
-                <a:schemeClr val="accent1"/>
-              </a:fillRef>
-              <a:effectRef idx="0">
-                <a:schemeClr val="accent1"/>
-              </a:effectRef>
-              <a:fontRef idx="minor">
-                <a:schemeClr val="lt1"/>
-              </a:fontRef>
-            </p:style>
-            <p:txBody>
-              <a:bodyPr rtlCol="0" anchor="ctr"/>
-              <a:lstStyle/>
-              <a:p>
-                <a:pPr algn="ctr"/>
-                <a:endParaRPr lang="zh-CN" altLang="en-US"/>
-              </a:p>
-            </p:txBody>
-          </p:sp>
-          <p:sp>
-            <p:nvSpPr>
-              <p:cNvPr id="59" name="椭圆 58"/>
-              <p:cNvSpPr/>
-              <p:nvPr/>
-            </p:nvSpPr>
-            <p:spPr>
-              <a:xfrm rot="1817112">
-                <a:off x="7946930" y="3661974"/>
-                <a:ext cx="184284" cy="184284"/>
-              </a:xfrm>
-              <a:prstGeom prst="ellipse">
-                <a:avLst/>
-              </a:prstGeom>
-              <a:solidFill>
-                <a:schemeClr val="bg1"/>
-              </a:solidFill>
-              <a:ln>
-                <a:noFill/>
-              </a:ln>
-            </p:spPr>
-            <p:style>
-              <a:lnRef idx="2">
-                <a:schemeClr val="accent1">
-                  <a:shade val="50000"/>
-                </a:schemeClr>
-              </a:lnRef>
-              <a:fillRef idx="1">
-                <a:schemeClr val="accent1"/>
-              </a:fillRef>
-              <a:effectRef idx="0">
-                <a:schemeClr val="accent1"/>
-              </a:effectRef>
-              <a:fontRef idx="minor">
-                <a:schemeClr val="lt1"/>
-              </a:fontRef>
-            </p:style>
-            <p:txBody>
-              <a:bodyPr rtlCol="0" anchor="ctr"/>
-              <a:lstStyle/>
-              <a:p>
-                <a:pPr algn="ctr"/>
-                <a:endParaRPr lang="zh-CN" altLang="en-US"/>
-              </a:p>
-            </p:txBody>
-          </p:sp>
-        </p:grpSp>
-      </p:grpSp>
-      <p:grpSp>
-        <p:nvGrpSpPr>
-          <p:cNvPr id="61" name="组合 60"/>
-          <p:cNvGrpSpPr/>
-          <p:nvPr/>
-        </p:nvGrpSpPr>
-        <p:grpSpPr>
-          <a:xfrm rot="10800000">
-            <a:off x="3764420" y="1047577"/>
-            <a:ext cx="4138098" cy="2017024"/>
-            <a:chOff x="4734875" y="3485051"/>
-            <a:chExt cx="4138098" cy="2017024"/>
-          </a:xfrm>
-        </p:grpSpPr>
-        <p:grpSp>
-          <p:nvGrpSpPr>
-            <p:cNvPr id="62" name="组合 61"/>
-            <p:cNvGrpSpPr/>
-            <p:nvPr/>
-          </p:nvGrpSpPr>
-          <p:grpSpPr>
-            <a:xfrm>
-              <a:off x="5500786" y="3599615"/>
-              <a:ext cx="2630428" cy="1282143"/>
-              <a:chOff x="5500786" y="3599615"/>
-              <a:chExt cx="2630428" cy="1282143"/>
-            </a:xfrm>
-          </p:grpSpPr>
-          <p:sp>
-            <p:nvSpPr>
-              <p:cNvPr id="67" name="任意多边形 66"/>
-              <p:cNvSpPr/>
-              <p:nvPr/>
-            </p:nvSpPr>
-            <p:spPr>
-              <a:xfrm rot="10486686">
-                <a:off x="5500786" y="3599615"/>
-                <a:ext cx="2575990" cy="1282143"/>
-              </a:xfrm>
-              <a:custGeom>
-                <a:avLst/>
-                <a:gdLst>
-                  <a:gd name="connsiteX0" fmla="*/ 2013372 w 4071723"/>
-                  <a:gd name="connsiteY0" fmla="*/ 26 h 2026612"/>
-                  <a:gd name="connsiteX1" fmla="*/ 4064581 w 4071723"/>
-                  <a:gd name="connsiteY1" fmla="*/ 1869676 h 2026612"/>
-                  <a:gd name="connsiteX2" fmla="*/ 4071723 w 4071723"/>
-                  <a:gd name="connsiteY2" fmla="*/ 2026612 h 2026612"/>
-                  <a:gd name="connsiteX3" fmla="*/ 4042898 w 4071723"/>
-                  <a:gd name="connsiteY3" fmla="*/ 2026612 h 2026612"/>
-                  <a:gd name="connsiteX4" fmla="*/ 4035884 w 4071723"/>
-                  <a:gd name="connsiteY4" fmla="*/ 1872481 h 2026612"/>
-                  <a:gd name="connsiteX5" fmla="*/ 2013229 w 4071723"/>
-                  <a:gd name="connsiteY5" fmla="*/ 28856 h 2026612"/>
-                  <a:gd name="connsiteX6" fmla="*/ 55578 w 4071723"/>
-                  <a:gd name="connsiteY6" fmla="*/ 1454149 h 2026612"/>
-                  <a:gd name="connsiteX7" fmla="*/ 29738 w 4071723"/>
-                  <a:gd name="connsiteY7" fmla="*/ 1552608 h 2026612"/>
-                  <a:gd name="connsiteX8" fmla="*/ 0 w 4071723"/>
-                  <a:gd name="connsiteY8" fmla="*/ 1552460 h 2026612"/>
-                  <a:gd name="connsiteX9" fmla="*/ 28086 w 4071723"/>
-                  <a:gd name="connsiteY9" fmla="*/ 1445438 h 2026612"/>
-                  <a:gd name="connsiteX10" fmla="*/ 2013372 w 4071723"/>
-                  <a:gd name="connsiteY10" fmla="*/ 26 h 2026612"/>
-                </a:gdLst>
-                <a:ahLst/>
-                <a:cxnLst>
-                  <a:cxn ang="0">
-                    <a:pos x="connsiteX0" y="connsiteY0"/>
-                  </a:cxn>
-                  <a:cxn ang="0">
-                    <a:pos x="connsiteX1" y="connsiteY1"/>
-                  </a:cxn>
-                  <a:cxn ang="0">
-                    <a:pos x="connsiteX2" y="connsiteY2"/>
-                  </a:cxn>
-                  <a:cxn ang="0">
-                    <a:pos x="connsiteX3" y="connsiteY3"/>
-                  </a:cxn>
-                  <a:cxn ang="0">
-                    <a:pos x="connsiteX4" y="connsiteY4"/>
-                  </a:cxn>
-                  <a:cxn ang="0">
-                    <a:pos x="connsiteX5" y="connsiteY5"/>
-                  </a:cxn>
-                  <a:cxn ang="0">
-                    <a:pos x="connsiteX6" y="connsiteY6"/>
-                  </a:cxn>
-                  <a:cxn ang="0">
-                    <a:pos x="connsiteX7" y="connsiteY7"/>
-                  </a:cxn>
-                  <a:cxn ang="0">
-                    <a:pos x="connsiteX8" y="connsiteY8"/>
-                  </a:cxn>
-                  <a:cxn ang="0">
-                    <a:pos x="connsiteX9" y="connsiteY9"/>
-                  </a:cxn>
-                  <a:cxn ang="0">
-                    <a:pos x="connsiteX10" y="connsiteY10"/>
-                  </a:cxn>
-                </a:cxnLst>
-                <a:rect l="l" t="t" r="r" b="b"/>
-                <a:pathLst>
-                  <a:path w="4071723" h="2026612">
-                    <a:moveTo>
-                      <a:pt x="2013372" y="26"/>
-                    </a:moveTo>
-                    <a:cubicBezTo>
-                      <a:pt x="3085749" y="5363"/>
-                      <a:pt x="3963716" y="824754"/>
-                      <a:pt x="4064581" y="1869676"/>
-                    </a:cubicBezTo>
-                    <a:lnTo>
-                      <a:pt x="4071723" y="2026612"/>
-                    </a:lnTo>
-                    <a:lnTo>
-                      <a:pt x="4042898" y="2026612"/>
-                    </a:lnTo>
-                    <a:lnTo>
-                      <a:pt x="4035884" y="1872481"/>
-                    </a:lnTo>
-                    <a:cubicBezTo>
-                      <a:pt x="3936423" y="842104"/>
-                      <a:pt x="3070679" y="34120"/>
-                      <a:pt x="2013229" y="28856"/>
-                    </a:cubicBezTo>
-                    <a:cubicBezTo>
-                      <a:pt x="1096773" y="24294"/>
-                      <a:pt x="318298" y="624068"/>
-                      <a:pt x="55578" y="1454149"/>
-                    </a:cubicBezTo>
-                    <a:lnTo>
-                      <a:pt x="29738" y="1552608"/>
-                    </a:lnTo>
-                    <a:lnTo>
-                      <a:pt x="0" y="1552460"/>
-                    </a:lnTo>
-                    <a:lnTo>
-                      <a:pt x="28086" y="1445438"/>
-                    </a:lnTo>
-                    <a:cubicBezTo>
-                      <a:pt x="294515" y="603640"/>
-                      <a:pt x="1083979" y="-4601"/>
-                      <a:pt x="2013372" y="26"/>
-                    </a:cubicBezTo>
-                    <a:close/>
-                  </a:path>
-                </a:pathLst>
-              </a:custGeom>
-              <a:gradFill flip="none" rotWithShape="1">
-                <a:gsLst>
-                  <a:gs pos="100000">
-                    <a:srgbClr val="00A7F8">
-                      <a:alpha val="0"/>
-                    </a:srgbClr>
-                  </a:gs>
-                  <a:gs pos="0">
-                    <a:schemeClr val="bg1"/>
-                  </a:gs>
-                </a:gsLst>
-                <a:lin ang="2700000" scaled="1"/>
-                <a:tileRect/>
-              </a:gradFill>
-              <a:ln>
-                <a:noFill/>
-              </a:ln>
-            </p:spPr>
-            <p:style>
-              <a:lnRef idx="2">
-                <a:schemeClr val="accent1">
-                  <a:shade val="50000"/>
-                </a:schemeClr>
-              </a:lnRef>
-              <a:fillRef idx="1">
-                <a:schemeClr val="accent1"/>
-              </a:fillRef>
-              <a:effectRef idx="0">
-                <a:schemeClr val="accent1"/>
-              </a:effectRef>
-              <a:fontRef idx="minor">
-                <a:schemeClr val="lt1"/>
-              </a:fontRef>
-            </p:style>
-            <p:txBody>
-              <a:bodyPr rtlCol="0" anchor="ctr"/>
-              <a:lstStyle/>
-              <a:p>
-                <a:pPr algn="ctr"/>
-                <a:endParaRPr lang="zh-CN" altLang="en-US"/>
-              </a:p>
-            </p:txBody>
-          </p:sp>
-          <p:sp>
-            <p:nvSpPr>
-              <p:cNvPr id="66" name="椭圆 65"/>
-              <p:cNvSpPr/>
-              <p:nvPr/>
-            </p:nvSpPr>
-            <p:spPr>
-              <a:xfrm rot="1817112">
-                <a:off x="7946930" y="3661974"/>
-                <a:ext cx="184284" cy="184284"/>
-              </a:xfrm>
-              <a:prstGeom prst="ellipse">
-                <a:avLst/>
-              </a:prstGeom>
-              <a:solidFill>
-                <a:schemeClr val="bg1"/>
-              </a:solidFill>
-              <a:ln>
-                <a:noFill/>
-              </a:ln>
-            </p:spPr>
-            <p:style>
-              <a:lnRef idx="2">
-                <a:schemeClr val="accent1">
-                  <a:shade val="50000"/>
-                </a:schemeClr>
-              </a:lnRef>
-              <a:fillRef idx="1">
-                <a:schemeClr val="accent1"/>
-              </a:fillRef>
-              <a:effectRef idx="0">
-                <a:schemeClr val="accent1"/>
-              </a:effectRef>
-              <a:fontRef idx="minor">
-                <a:schemeClr val="lt1"/>
-              </a:fontRef>
-            </p:style>
-            <p:txBody>
-              <a:bodyPr rtlCol="0" anchor="ctr"/>
-              <a:lstStyle/>
-              <a:p>
-                <a:pPr algn="ctr"/>
-                <a:endParaRPr lang="zh-CN" altLang="en-US"/>
-              </a:p>
-            </p:txBody>
-          </p:sp>
-        </p:grpSp>
-        <p:grpSp>
-          <p:nvGrpSpPr>
-            <p:cNvPr id="63" name="组合 62"/>
-            <p:cNvGrpSpPr/>
-            <p:nvPr/>
-          </p:nvGrpSpPr>
-          <p:grpSpPr>
-            <a:xfrm>
-              <a:off x="4734875" y="3485051"/>
-              <a:ext cx="4138098" cy="2017024"/>
-              <a:chOff x="5500786" y="3599615"/>
-              <a:chExt cx="2630428" cy="1282143"/>
-            </a:xfrm>
-          </p:grpSpPr>
-          <p:sp>
-            <p:nvSpPr>
-              <p:cNvPr id="65" name="任意多边形 64"/>
-              <p:cNvSpPr/>
-              <p:nvPr/>
-            </p:nvSpPr>
-            <p:spPr>
-              <a:xfrm rot="10486686">
-                <a:off x="5500786" y="3599615"/>
-                <a:ext cx="2575990" cy="1282143"/>
-              </a:xfrm>
-              <a:custGeom>
-                <a:avLst/>
-                <a:gdLst>
-                  <a:gd name="connsiteX0" fmla="*/ 2013372 w 4071723"/>
-                  <a:gd name="connsiteY0" fmla="*/ 26 h 2026612"/>
-                  <a:gd name="connsiteX1" fmla="*/ 4064581 w 4071723"/>
-                  <a:gd name="connsiteY1" fmla="*/ 1869676 h 2026612"/>
-                  <a:gd name="connsiteX2" fmla="*/ 4071723 w 4071723"/>
-                  <a:gd name="connsiteY2" fmla="*/ 2026612 h 2026612"/>
-                  <a:gd name="connsiteX3" fmla="*/ 4042898 w 4071723"/>
-                  <a:gd name="connsiteY3" fmla="*/ 2026612 h 2026612"/>
-                  <a:gd name="connsiteX4" fmla="*/ 4035884 w 4071723"/>
-                  <a:gd name="connsiteY4" fmla="*/ 1872481 h 2026612"/>
-                  <a:gd name="connsiteX5" fmla="*/ 2013229 w 4071723"/>
-                  <a:gd name="connsiteY5" fmla="*/ 28856 h 2026612"/>
-                  <a:gd name="connsiteX6" fmla="*/ 55578 w 4071723"/>
-                  <a:gd name="connsiteY6" fmla="*/ 1454149 h 2026612"/>
-                  <a:gd name="connsiteX7" fmla="*/ 29738 w 4071723"/>
-                  <a:gd name="connsiteY7" fmla="*/ 1552608 h 2026612"/>
-                  <a:gd name="connsiteX8" fmla="*/ 0 w 4071723"/>
-                  <a:gd name="connsiteY8" fmla="*/ 1552460 h 2026612"/>
-                  <a:gd name="connsiteX9" fmla="*/ 28086 w 4071723"/>
-                  <a:gd name="connsiteY9" fmla="*/ 1445438 h 2026612"/>
-                  <a:gd name="connsiteX10" fmla="*/ 2013372 w 4071723"/>
-                  <a:gd name="connsiteY10" fmla="*/ 26 h 2026612"/>
-                </a:gdLst>
-                <a:ahLst/>
-                <a:cxnLst>
-                  <a:cxn ang="0">
-                    <a:pos x="connsiteX0" y="connsiteY0"/>
-                  </a:cxn>
-                  <a:cxn ang="0">
-                    <a:pos x="connsiteX1" y="connsiteY1"/>
-                  </a:cxn>
-                  <a:cxn ang="0">
-                    <a:pos x="connsiteX2" y="connsiteY2"/>
-                  </a:cxn>
-                  <a:cxn ang="0">
-                    <a:pos x="connsiteX3" y="connsiteY3"/>
-                  </a:cxn>
-                  <a:cxn ang="0">
-                    <a:pos x="connsiteX4" y="connsiteY4"/>
-                  </a:cxn>
-                  <a:cxn ang="0">
-                    <a:pos x="connsiteX5" y="connsiteY5"/>
-                  </a:cxn>
-                  <a:cxn ang="0">
-                    <a:pos x="connsiteX6" y="connsiteY6"/>
-                  </a:cxn>
-                  <a:cxn ang="0">
-                    <a:pos x="connsiteX7" y="connsiteY7"/>
-                  </a:cxn>
-                  <a:cxn ang="0">
-                    <a:pos x="connsiteX8" y="connsiteY8"/>
-                  </a:cxn>
-                  <a:cxn ang="0">
-                    <a:pos x="connsiteX9" y="connsiteY9"/>
-                  </a:cxn>
-                  <a:cxn ang="0">
-                    <a:pos x="connsiteX10" y="connsiteY10"/>
-                  </a:cxn>
-                </a:cxnLst>
-                <a:rect l="l" t="t" r="r" b="b"/>
-                <a:pathLst>
-                  <a:path w="4071723" h="2026612">
-                    <a:moveTo>
-                      <a:pt x="2013372" y="26"/>
-                    </a:moveTo>
-                    <a:cubicBezTo>
-                      <a:pt x="3085749" y="5363"/>
-                      <a:pt x="3963716" y="824754"/>
-                      <a:pt x="4064581" y="1869676"/>
-                    </a:cubicBezTo>
-                    <a:lnTo>
-                      <a:pt x="4071723" y="2026612"/>
-                    </a:lnTo>
-                    <a:lnTo>
-                      <a:pt x="4042898" y="2026612"/>
-                    </a:lnTo>
-                    <a:lnTo>
-                      <a:pt x="4035884" y="1872481"/>
-                    </a:lnTo>
-                    <a:cubicBezTo>
-                      <a:pt x="3936423" y="842104"/>
-                      <a:pt x="3070679" y="34120"/>
-                      <a:pt x="2013229" y="28856"/>
-                    </a:cubicBezTo>
-                    <a:cubicBezTo>
-                      <a:pt x="1096773" y="24294"/>
-                      <a:pt x="318298" y="624068"/>
-                      <a:pt x="55578" y="1454149"/>
-                    </a:cubicBezTo>
-                    <a:lnTo>
-                      <a:pt x="29738" y="1552608"/>
-                    </a:lnTo>
-                    <a:lnTo>
-                      <a:pt x="0" y="1552460"/>
-                    </a:lnTo>
-                    <a:lnTo>
-                      <a:pt x="28086" y="1445438"/>
-                    </a:lnTo>
-                    <a:cubicBezTo>
-                      <a:pt x="294515" y="603640"/>
-                      <a:pt x="1083979" y="-4601"/>
-                      <a:pt x="2013372" y="26"/>
-                    </a:cubicBezTo>
-                    <a:close/>
-                  </a:path>
-                </a:pathLst>
-              </a:custGeom>
-              <a:gradFill flip="none" rotWithShape="1">
-                <a:gsLst>
-                  <a:gs pos="100000">
-                    <a:srgbClr val="00A7F8">
-                      <a:alpha val="0"/>
-                    </a:srgbClr>
-                  </a:gs>
-                  <a:gs pos="0">
-                    <a:schemeClr val="bg1"/>
-                  </a:gs>
-                </a:gsLst>
-                <a:lin ang="2700000" scaled="1"/>
-                <a:tileRect/>
-              </a:gradFill>
-              <a:ln>
-                <a:noFill/>
-              </a:ln>
-            </p:spPr>
-            <p:style>
-              <a:lnRef idx="2">
-                <a:schemeClr val="accent1">
-                  <a:shade val="50000"/>
-                </a:schemeClr>
-              </a:lnRef>
-              <a:fillRef idx="1">
-                <a:schemeClr val="accent1"/>
-              </a:fillRef>
-              <a:effectRef idx="0">
-                <a:schemeClr val="accent1"/>
-              </a:effectRef>
-              <a:fontRef idx="minor">
-                <a:schemeClr val="lt1"/>
-              </a:fontRef>
-            </p:style>
-            <p:txBody>
-              <a:bodyPr rtlCol="0" anchor="ctr"/>
-              <a:lstStyle/>
-              <a:p>
-                <a:pPr algn="ctr"/>
-                <a:endParaRPr lang="zh-CN" altLang="en-US"/>
-              </a:p>
-            </p:txBody>
-          </p:sp>
-          <p:sp>
-            <p:nvSpPr>
-              <p:cNvPr id="64" name="椭圆 63"/>
-              <p:cNvSpPr/>
-              <p:nvPr/>
-            </p:nvSpPr>
-            <p:spPr>
-              <a:xfrm rot="1817112">
-                <a:off x="7946930" y="3661974"/>
-                <a:ext cx="184284" cy="184284"/>
-              </a:xfrm>
-              <a:prstGeom prst="ellipse">
-                <a:avLst/>
-              </a:prstGeom>
-              <a:solidFill>
-                <a:schemeClr val="bg1"/>
-              </a:solidFill>
-              <a:ln>
-                <a:noFill/>
-              </a:ln>
-            </p:spPr>
-            <p:style>
-              <a:lnRef idx="2">
-                <a:schemeClr val="accent1">
-                  <a:shade val="50000"/>
-                </a:schemeClr>
-              </a:lnRef>
-              <a:fillRef idx="1">
-                <a:schemeClr val="accent1"/>
-              </a:fillRef>
-              <a:effectRef idx="0">
-                <a:schemeClr val="accent1"/>
-              </a:effectRef>
-              <a:fontRef idx="minor">
-                <a:schemeClr val="lt1"/>
-              </a:fontRef>
-            </p:style>
-            <p:txBody>
-              <a:bodyPr rtlCol="0" anchor="ctr"/>
-              <a:lstStyle/>
-              <a:p>
-                <a:pPr algn="ctr"/>
-                <a:endParaRPr lang="zh-CN" altLang="en-US"/>
-              </a:p>
-            </p:txBody>
-          </p:sp>
-        </p:grpSp>
-      </p:grpSp>
-    </p:spTree>
-    <p:extLst>
-      <p:ext uri="{BB962C8B-B14F-4D97-AF65-F5344CB8AC3E}">
-        <p14:creationId xmlns:p14="http://schemas.microsoft.com/office/powerpoint/2010/main" val="638708219"/>
-      </p:ext>
-    </p:extLst>
-  </p:cSld>
-  <p:clrMapOvr>
-    <a:masterClrMapping/>
-  </p:clrMapOvr>
-  <p:timing>
-    <p:tnLst>
-      <p:par>
-        <p:cTn id="1" dur="indefinite" restart="never" nodeType="tmRoot"/>
-      </p:par>
-    </p:tnLst>
-  </p:timing>
-</p:sld>
-</file>
-
-<file path=ppt/slides/slide21.xml><?xml version="1.0" encoding="utf-8"?>
-<p:sld xmlns:a="http://schemas.openxmlformats.org/drawingml/2006/main" xmlns:r="http://schemas.openxmlformats.org/officeDocument/2006/relationships" xmlns:p="http://schemas.openxmlformats.org/presentationml/2006/main">
-  <p:cSld>
-    <p:spTree>
-      <p:nvGrpSpPr>
-        <p:cNvPr id="1" name=""/>
-        <p:cNvGrpSpPr/>
-        <p:nvPr/>
-      </p:nvGrpSpPr>
-      <p:grpSpPr>
-        <a:xfrm>
-          <a:off x="0" y="0"/>
-          <a:ext cx="0" cy="0"/>
-          <a:chOff x="0" y="0"/>
-          <a:chExt cx="0" cy="0"/>
-        </a:xfrm>
-      </p:grpSpPr>
-      <p:sp>
-        <p:nvSpPr>
           <p:cNvPr id="25" name="同侧圆角矩形 24"/>
           <p:cNvSpPr/>
           <p:nvPr/>
@@ -16690,7 +15790,7 @@
 </p:sld>
 </file>
 
-<file path=ppt/slides/slide22.xml><?xml version="1.0" encoding="utf-8"?>
+<file path=ppt/slides/slide21.xml><?xml version="1.0" encoding="utf-8"?>
 <p:sld xmlns:a="http://schemas.openxmlformats.org/drawingml/2006/main" xmlns:r="http://schemas.openxmlformats.org/officeDocument/2006/relationships" xmlns:p="http://schemas.openxmlformats.org/presentationml/2006/main">
   <p:cSld>
     <p:spTree>
@@ -16776,8 +15876,8 @@
         </p:nvSpPr>
         <p:spPr>
           <a:xfrm>
-            <a:off x="3055621" y="395721"/>
-            <a:ext cx="2178802" cy="584775"/>
+            <a:off x="3055621" y="510025"/>
+            <a:ext cx="1866217" cy="400110"/>
           </a:xfrm>
           <a:prstGeom prst="rect">
             <a:avLst/>
@@ -16791,7 +15891,7 @@
           <a:lstStyle/>
           <a:p>
             <a:r>
-              <a:rPr lang="en-US" altLang="zh-CN" sz="3200" dirty="0" smtClean="0">
+              <a:rPr lang="en-US" altLang="zh-CN" sz="2000" dirty="0" smtClean="0">
                 <a:solidFill>
                   <a:schemeClr val="bg1"/>
                 </a:solidFill>
@@ -16801,36 +15901,16 @@
               <a:t>iOS</a:t>
             </a:r>
             <a:r>
-              <a:rPr lang="zh-CN" altLang="en-US" sz="3200" dirty="0">
+              <a:rPr lang="zh-CN" altLang="en-US" sz="2000" dirty="0" smtClean="0">
                 <a:solidFill>
                   <a:schemeClr val="bg1"/>
                 </a:solidFill>
                 <a:latin typeface="方正兰亭粗黑_GBK" panose="02000000000000000000" pitchFamily="2" charset="-122"/>
                 <a:ea typeface="方正兰亭粗黑_GBK" panose="02000000000000000000" pitchFamily="2" charset="-122"/>
               </a:rPr>
-              <a:t> </a:t>
-            </a:r>
-            <a:r>
-              <a:rPr lang="en-US" altLang="zh-CN" sz="3200" dirty="0" smtClean="0">
-                <a:solidFill>
-                  <a:schemeClr val="bg1"/>
-                </a:solidFill>
-                <a:latin typeface="方正兰亭粗黑_GBK" panose="02000000000000000000" pitchFamily="2" charset="-122"/>
-                <a:ea typeface="方正兰亭粗黑_GBK" panose="02000000000000000000" pitchFamily="2" charset="-122"/>
-              </a:rPr>
-              <a:t>UI</a:t>
-            </a:r>
-            <a:r>
-              <a:rPr lang="zh-CN" altLang="en-US" sz="3200" dirty="0" smtClean="0">
-                <a:solidFill>
-                  <a:schemeClr val="bg1"/>
-                </a:solidFill>
-                <a:latin typeface="方正兰亭粗黑_GBK" panose="02000000000000000000" pitchFamily="2" charset="-122"/>
-                <a:ea typeface="方正兰亭粗黑_GBK" panose="02000000000000000000" pitchFamily="2" charset="-122"/>
-              </a:rPr>
-              <a:t>开发</a:t>
-            </a:r>
-            <a:endParaRPr lang="zh-CN" altLang="en-US" sz="3200" dirty="0">
+              <a:t>使用的语言</a:t>
+            </a:r>
+            <a:endParaRPr lang="zh-CN" altLang="en-US" sz="2000" dirty="0">
               <a:solidFill>
                 <a:schemeClr val="bg1"/>
               </a:solidFill>
@@ -16863,7 +15943,7 @@
           <a:lstStyle/>
           <a:p>
             <a:r>
-              <a:rPr lang="en-US" altLang="zh-CN" sz="3600" dirty="0">
+              <a:rPr lang="en-US" altLang="zh-CN" sz="3600" dirty="0" smtClean="0">
                 <a:solidFill>
                   <a:schemeClr val="bg1"/>
                 </a:solidFill>
@@ -17472,52 +16552,187 @@
           <a:bodyPr rtlCol="0" anchor="ctr"/>
           <a:lstStyle/>
           <a:p>
-            <a:r>
-              <a:rPr lang="en-US" altLang="zh-CN" sz="2800" dirty="0" smtClean="0"/>
-              <a:t>iOS</a:t>
-            </a:r>
-            <a:r>
-              <a:rPr lang="zh-CN" altLang="en-US" sz="2800" dirty="0" smtClean="0"/>
-              <a:t>的控制器：</a:t>
-            </a:r>
-            <a:endParaRPr lang="en-US" altLang="zh-CN" sz="2800" dirty="0"/>
+            <a:pPr algn="ctr"/>
+            <a:endParaRPr lang="zh-CN" altLang="en-US"/>
           </a:p>
+        </p:txBody>
+      </p:sp>
+      <p:sp>
+        <p:nvSpPr>
+          <p:cNvPr id="4" name="矩形 3"/>
+          <p:cNvSpPr/>
+          <p:nvPr/>
+        </p:nvSpPr>
+        <p:spPr>
+          <a:xfrm>
+            <a:off x="1485900" y="2071688"/>
+            <a:ext cx="9272588" cy="1048198"/>
+          </a:xfrm>
+          <a:prstGeom prst="rect">
+            <a:avLst/>
+          </a:prstGeom>
+          <a:gradFill flip="none" rotWithShape="1">
+            <a:gsLst>
+              <a:gs pos="0">
+                <a:schemeClr val="bg1">
+                  <a:alpha val="11000"/>
+                </a:schemeClr>
+              </a:gs>
+              <a:gs pos="100000">
+                <a:schemeClr val="bg1">
+                  <a:alpha val="0"/>
+                </a:schemeClr>
+              </a:gs>
+            </a:gsLst>
+            <a:lin ang="5400000" scaled="0"/>
+            <a:tileRect/>
+          </a:gradFill>
+          <a:ln>
+            <a:noFill/>
+          </a:ln>
+        </p:spPr>
+        <p:style>
+          <a:lnRef idx="2">
+            <a:schemeClr val="accent1">
+              <a:shade val="50000"/>
+            </a:schemeClr>
+          </a:lnRef>
+          <a:fillRef idx="1">
+            <a:schemeClr val="accent1"/>
+          </a:fillRef>
+          <a:effectRef idx="0">
+            <a:schemeClr val="accent1"/>
+          </a:effectRef>
+          <a:fontRef idx="minor">
+            <a:schemeClr val="lt1"/>
+          </a:fontRef>
+        </p:style>
+        <p:txBody>
+          <a:bodyPr rtlCol="0" anchor="ctr"/>
+          <a:lstStyle/>
           <a:p>
-            <a:endParaRPr lang="en-US" altLang="zh-CN" sz="2800" dirty="0" smtClean="0"/>
+            <a:pPr algn="ctr"/>
+            <a:r>
+              <a:rPr lang="en-US" altLang="zh-CN" sz="4000" dirty="0" smtClean="0">
+                <a:solidFill>
+                  <a:schemeClr val="bg1"/>
+                </a:solidFill>
+                <a:effectLst>
+                  <a:glow rad="139700">
+                    <a:schemeClr val="accent5">
+                      <a:satMod val="175000"/>
+                      <a:alpha val="40000"/>
+                    </a:schemeClr>
+                  </a:glow>
+                </a:effectLst>
+                <a:latin typeface="方正兰亭粗黑_GBK" panose="02000000000000000000" pitchFamily="2" charset="-122"/>
+                <a:ea typeface="方正兰亭粗黑_GBK" panose="02000000000000000000" pitchFamily="2" charset="-122"/>
+              </a:rPr>
+              <a:t>Objective-C</a:t>
+            </a:r>
+            <a:endParaRPr kumimoji="1" lang="zh-CN" altLang="en-US" sz="4000" dirty="0">
+              <a:effectLst>
+                <a:glow rad="139700">
+                  <a:schemeClr val="accent5">
+                    <a:satMod val="175000"/>
+                    <a:alpha val="40000"/>
+                  </a:schemeClr>
+                </a:glow>
+              </a:effectLst>
+            </a:endParaRPr>
           </a:p>
+        </p:txBody>
+      </p:sp>
+      <p:sp>
+        <p:nvSpPr>
+          <p:cNvPr id="15" name="矩形 14"/>
+          <p:cNvSpPr/>
+          <p:nvPr/>
+        </p:nvSpPr>
+        <p:spPr>
+          <a:xfrm>
+            <a:off x="1485900" y="3539383"/>
+            <a:ext cx="9272588" cy="1048198"/>
+          </a:xfrm>
+          <a:prstGeom prst="rect">
+            <a:avLst/>
+          </a:prstGeom>
+          <a:gradFill flip="none" rotWithShape="1">
+            <a:gsLst>
+              <a:gs pos="0">
+                <a:schemeClr val="bg1">
+                  <a:alpha val="11000"/>
+                </a:schemeClr>
+              </a:gs>
+              <a:gs pos="100000">
+                <a:schemeClr val="bg1">
+                  <a:alpha val="0"/>
+                </a:schemeClr>
+              </a:gs>
+            </a:gsLst>
+            <a:lin ang="5400000" scaled="0"/>
+            <a:tileRect/>
+          </a:gradFill>
+          <a:ln>
+            <a:noFill/>
+          </a:ln>
+        </p:spPr>
+        <p:style>
+          <a:lnRef idx="2">
+            <a:schemeClr val="accent1">
+              <a:shade val="50000"/>
+            </a:schemeClr>
+          </a:lnRef>
+          <a:fillRef idx="1">
+            <a:schemeClr val="accent1"/>
+          </a:fillRef>
+          <a:effectRef idx="0">
+            <a:schemeClr val="accent1"/>
+          </a:effectRef>
+          <a:fontRef idx="minor">
+            <a:schemeClr val="lt1"/>
+          </a:fontRef>
+        </p:style>
+        <p:txBody>
+          <a:bodyPr rtlCol="0" anchor="ctr"/>
+          <a:lstStyle/>
           <a:p>
-            <a:r>
-              <a:rPr lang="en-US" altLang="zh-CN" sz="2800" dirty="0" err="1" smtClean="0"/>
-              <a:t>UIViewController</a:t>
-            </a:r>
-            <a:r>
-              <a:rPr lang="zh-CN" altLang="en-US" sz="2800" dirty="0" smtClean="0"/>
-              <a:t>、</a:t>
-            </a:r>
-            <a:r>
-              <a:rPr lang="en-US" altLang="zh-CN" sz="2800" dirty="0" err="1" smtClean="0"/>
-              <a:t>UITabbarController</a:t>
-            </a:r>
-            <a:r>
-              <a:rPr lang="zh-CN" altLang="en-US" sz="2800" dirty="0" smtClean="0"/>
-              <a:t>、</a:t>
-            </a:r>
-            <a:r>
-              <a:rPr lang="en-US" altLang="zh-CN" sz="2800" dirty="0" err="1" smtClean="0"/>
-              <a:t>UINavigationContrtoller</a:t>
-            </a:r>
-            <a:r>
-              <a:rPr lang="zh-CN" altLang="en-US" sz="2800" dirty="0" smtClean="0"/>
-              <a:t>等等</a:t>
-            </a:r>
-            <a:endParaRPr lang="en-US" altLang="zh-CN" sz="2800" dirty="0" smtClean="0"/>
+            <a:pPr algn="ctr"/>
+            <a:r>
+              <a:rPr lang="en-US" altLang="zh-CN" sz="4000" dirty="0" smtClean="0">
+                <a:solidFill>
+                  <a:schemeClr val="bg1"/>
+                </a:solidFill>
+                <a:effectLst>
+                  <a:glow rad="139700">
+                    <a:schemeClr val="accent5">
+                      <a:satMod val="175000"/>
+                      <a:alpha val="40000"/>
+                    </a:schemeClr>
+                  </a:glow>
+                </a:effectLst>
+                <a:latin typeface="方正兰亭粗黑_GBK" panose="02000000000000000000" pitchFamily="2" charset="-122"/>
+                <a:ea typeface="方正兰亭粗黑_GBK" panose="02000000000000000000" pitchFamily="2" charset="-122"/>
+              </a:rPr>
+              <a:t>Swift</a:t>
+            </a:r>
+            <a:endParaRPr kumimoji="1" lang="zh-CN" altLang="en-US" sz="4000" dirty="0">
+              <a:effectLst>
+                <a:glow rad="139700">
+                  <a:schemeClr val="accent5">
+                    <a:satMod val="175000"/>
+                    <a:alpha val="40000"/>
+                  </a:schemeClr>
+                </a:glow>
+              </a:effectLst>
+            </a:endParaRPr>
           </a:p>
         </p:txBody>
       </p:sp>
     </p:spTree>
     <p:extLst>
       <p:ext uri="{BB962C8B-B14F-4D97-AF65-F5344CB8AC3E}">
-        <p14:creationId xmlns:p14="http://schemas.microsoft.com/office/powerpoint/2010/main" val="1614678146"/>
+        <p14:creationId xmlns:p14="http://schemas.microsoft.com/office/powerpoint/2010/main" val="1757120716"/>
       </p:ext>
     </p:extLst>
   </p:cSld>
@@ -17534,7 +16749,7 @@
 </p:sld>
 </file>
 
-<file path=ppt/slides/slide23.xml><?xml version="1.0" encoding="utf-8"?>
+<file path=ppt/slides/slide22.xml><?xml version="1.0" encoding="utf-8"?>
 <p:sld xmlns:a="http://schemas.openxmlformats.org/drawingml/2006/main" xmlns:r="http://schemas.openxmlformats.org/officeDocument/2006/relationships" xmlns:p="http://schemas.openxmlformats.org/presentationml/2006/main">
   <p:cSld>
     <p:spTree>
@@ -17693,7 +16908,7 @@
         <p:spPr>
           <a:xfrm>
             <a:off x="1179819" y="-9144"/>
-            <a:ext cx="691215" cy="646331"/>
+            <a:ext cx="747320" cy="646331"/>
           </a:xfrm>
           <a:prstGeom prst="rect">
             <a:avLst/>
@@ -17707,22 +16922,13 @@
           <a:lstStyle/>
           <a:p>
             <a:r>
-              <a:rPr lang="en-US" altLang="zh-CN" sz="3600" dirty="0">
-                <a:solidFill>
-                  <a:schemeClr val="bg1"/>
-                </a:solidFill>
-                <a:latin typeface="Impact" panose="020B0806030902050204" pitchFamily="34" charset="0"/>
-              </a:rPr>
-              <a:t>3</a:t>
-            </a:r>
-            <a:r>
               <a:rPr lang="en-US" altLang="zh-CN" sz="3600" dirty="0" smtClean="0">
                 <a:solidFill>
                   <a:schemeClr val="bg1"/>
                 </a:solidFill>
                 <a:latin typeface="Impact" panose="020B0806030902050204" pitchFamily="34" charset="0"/>
               </a:rPr>
-              <a:t>.1</a:t>
+              <a:t>3.2</a:t>
             </a:r>
             <a:endParaRPr lang="zh-CN" altLang="en-US" sz="3600" dirty="0">
               <a:solidFill>
@@ -18322,7 +17528,7 @@
             </a:r>
             <a:r>
               <a:rPr lang="zh-CN" altLang="en-US" sz="2800" dirty="0" smtClean="0"/>
-              <a:t>的基本控件：</a:t>
+              <a:t>的控制器：</a:t>
             </a:r>
             <a:endParaRPr lang="en-US" altLang="zh-CN" sz="2800" dirty="0"/>
           </a:p>
@@ -18332,19 +17538,7 @@
           <a:p>
             <a:r>
               <a:rPr lang="en-US" altLang="zh-CN" sz="2800" dirty="0" err="1" smtClean="0"/>
-              <a:t>UILabel</a:t>
-            </a:r>
-            <a:r>
-              <a:rPr lang="en-US" altLang="zh-CN" sz="2800" dirty="0" smtClean="0"/>
-              <a:t>(</a:t>
-            </a:r>
-            <a:r>
-              <a:rPr lang="zh-CN" altLang="en-US" sz="2800" dirty="0" smtClean="0"/>
-              <a:t>文本</a:t>
-            </a:r>
-            <a:r>
-              <a:rPr lang="en-US" altLang="zh-CN" sz="2800" dirty="0" smtClean="0"/>
-              <a:t>)</a:t>
+              <a:t>UIViewController</a:t>
             </a:r>
             <a:r>
               <a:rPr lang="zh-CN" altLang="en-US" sz="2800" dirty="0" smtClean="0"/>
@@ -18352,19 +17546,7 @@
             </a:r>
             <a:r>
               <a:rPr lang="en-US" altLang="zh-CN" sz="2800" dirty="0" err="1" smtClean="0"/>
-              <a:t>UIButton</a:t>
-            </a:r>
-            <a:r>
-              <a:rPr lang="en-US" altLang="zh-CN" sz="2800" dirty="0" smtClean="0"/>
-              <a:t>(</a:t>
-            </a:r>
-            <a:r>
-              <a:rPr lang="zh-CN" altLang="en-US" sz="2800" dirty="0" smtClean="0"/>
-              <a:t>按钮</a:t>
-            </a:r>
-            <a:r>
-              <a:rPr lang="en-US" altLang="zh-CN" sz="2800" dirty="0" smtClean="0"/>
-              <a:t>)</a:t>
+              <a:t>UITabbarController</a:t>
             </a:r>
             <a:r>
               <a:rPr lang="zh-CN" altLang="en-US" sz="2800" dirty="0" smtClean="0"/>
@@ -18372,229 +17554,7 @@
             </a:r>
             <a:r>
               <a:rPr lang="en-US" altLang="zh-CN" sz="2800" dirty="0" err="1" smtClean="0"/>
-              <a:t>UISegmentedControl</a:t>
-            </a:r>
-            <a:r>
-              <a:rPr lang="en-US" altLang="zh-CN" sz="2800" dirty="0" smtClean="0"/>
-              <a:t>(</a:t>
-            </a:r>
-            <a:r>
-              <a:rPr lang="zh-CN" altLang="en-US" sz="2800" dirty="0" smtClean="0"/>
-              <a:t>分段控制器</a:t>
-            </a:r>
-            <a:r>
-              <a:rPr lang="en-US" altLang="zh-CN" sz="2800" dirty="0" smtClean="0"/>
-              <a:t>)</a:t>
-            </a:r>
-            <a:r>
-              <a:rPr lang="zh-CN" altLang="en-US" sz="2800" dirty="0" smtClean="0"/>
-              <a:t>、</a:t>
-            </a:r>
-            <a:endParaRPr lang="en-US" altLang="zh-CN" sz="2800" dirty="0" smtClean="0"/>
-          </a:p>
-          <a:p>
-            <a:r>
-              <a:rPr lang="en-US" altLang="zh-CN" sz="2800" dirty="0" err="1" smtClean="0"/>
-              <a:t>UITextField</a:t>
-            </a:r>
-            <a:r>
-              <a:rPr lang="en-US" altLang="zh-CN" sz="2800" dirty="0" smtClean="0"/>
-              <a:t>(</a:t>
-            </a:r>
-            <a:r>
-              <a:rPr lang="zh-CN" altLang="en-US" sz="2800" dirty="0" smtClean="0"/>
-              <a:t>单行输入框</a:t>
-            </a:r>
-            <a:r>
-              <a:rPr lang="en-US" altLang="zh-CN" sz="2800" dirty="0" smtClean="0"/>
-              <a:t>)</a:t>
-            </a:r>
-            <a:r>
-              <a:rPr lang="zh-CN" altLang="en-US" sz="2800" dirty="0" smtClean="0"/>
-              <a:t>、</a:t>
-            </a:r>
-            <a:r>
-              <a:rPr lang="en-US" altLang="zh-CN" sz="2800" dirty="0" err="1" smtClean="0"/>
-              <a:t>UITextView</a:t>
-            </a:r>
-            <a:r>
-              <a:rPr lang="en-US" altLang="zh-CN" sz="2800" dirty="0" smtClean="0"/>
-              <a:t>(</a:t>
-            </a:r>
-            <a:r>
-              <a:rPr lang="zh-CN" altLang="en-US" sz="2800" dirty="0" smtClean="0"/>
-              <a:t>多行输入框</a:t>
-            </a:r>
-            <a:r>
-              <a:rPr lang="en-US" altLang="zh-CN" sz="2800" dirty="0" smtClean="0"/>
-              <a:t>)</a:t>
-            </a:r>
-            <a:r>
-              <a:rPr lang="zh-CN" altLang="en-US" sz="2800" dirty="0" smtClean="0"/>
-              <a:t>、</a:t>
-            </a:r>
-            <a:r>
-              <a:rPr lang="en-US" altLang="zh-CN" sz="2800" dirty="0" err="1" smtClean="0"/>
-              <a:t>UISlider</a:t>
-            </a:r>
-            <a:r>
-              <a:rPr lang="en-US" altLang="zh-CN" sz="2800" dirty="0" smtClean="0"/>
-              <a:t>(</a:t>
-            </a:r>
-            <a:r>
-              <a:rPr lang="zh-CN" altLang="en-US" sz="2800" dirty="0" smtClean="0"/>
-              <a:t>滑块</a:t>
-            </a:r>
-            <a:r>
-              <a:rPr lang="en-US" altLang="zh-CN" sz="2800" dirty="0" smtClean="0"/>
-              <a:t>)</a:t>
-            </a:r>
-            <a:r>
-              <a:rPr lang="zh-CN" altLang="en-US" sz="2800" dirty="0" smtClean="0"/>
-              <a:t>、</a:t>
-            </a:r>
-            <a:endParaRPr lang="en-US" altLang="zh-CN" sz="2800" dirty="0" smtClean="0"/>
-          </a:p>
-          <a:p>
-            <a:r>
-              <a:rPr lang="en-US" altLang="zh-CN" sz="2800" dirty="0" err="1" smtClean="0"/>
-              <a:t>UISwitch</a:t>
-            </a:r>
-            <a:r>
-              <a:rPr lang="en-US" altLang="zh-CN" sz="2800" dirty="0" smtClean="0"/>
-              <a:t>(</a:t>
-            </a:r>
-            <a:r>
-              <a:rPr lang="zh-CN" altLang="en-US" sz="2800" dirty="0" smtClean="0"/>
-              <a:t>切换按钮</a:t>
-            </a:r>
-            <a:r>
-              <a:rPr lang="en-US" altLang="zh-CN" sz="2800" dirty="0" smtClean="0"/>
-              <a:t>)</a:t>
-            </a:r>
-            <a:r>
-              <a:rPr lang="zh-CN" altLang="en-US" sz="2800" dirty="0" smtClean="0"/>
-              <a:t>、</a:t>
-            </a:r>
-            <a:r>
-              <a:rPr lang="en-US" altLang="zh-CN" sz="2800" dirty="0" err="1" smtClean="0"/>
-              <a:t>UIProgressView</a:t>
-            </a:r>
-            <a:r>
-              <a:rPr lang="en-US" altLang="zh-CN" sz="2800" dirty="0" smtClean="0"/>
-              <a:t>(</a:t>
-            </a:r>
-            <a:r>
-              <a:rPr lang="zh-CN" altLang="en-US" sz="2800" dirty="0" smtClean="0"/>
-              <a:t>进度条</a:t>
-            </a:r>
-            <a:r>
-              <a:rPr lang="en-US" altLang="zh-CN" sz="2800" dirty="0" smtClean="0"/>
-              <a:t>)</a:t>
-            </a:r>
-            <a:r>
-              <a:rPr lang="zh-CN" altLang="en-US" sz="2800" dirty="0" smtClean="0"/>
-              <a:t>、</a:t>
-            </a:r>
-            <a:r>
-              <a:rPr lang="en-US" altLang="zh-CN" sz="2800" dirty="0" err="1" smtClean="0"/>
-              <a:t>UIPageControl</a:t>
-            </a:r>
-            <a:r>
-              <a:rPr lang="en-US" altLang="zh-CN" sz="2800" dirty="0" smtClean="0"/>
-              <a:t>(</a:t>
-            </a:r>
-            <a:r>
-              <a:rPr lang="zh-CN" altLang="en-US" sz="2800" dirty="0" smtClean="0"/>
-              <a:t>分页</a:t>
-            </a:r>
-            <a:r>
-              <a:rPr lang="en-US" altLang="zh-CN" sz="2800" dirty="0" smtClean="0"/>
-              <a:t>)</a:t>
-            </a:r>
-            <a:r>
-              <a:rPr lang="zh-CN" altLang="en-US" sz="2800" dirty="0" smtClean="0"/>
-              <a:t>、</a:t>
-            </a:r>
-            <a:r>
-              <a:rPr lang="en-US" altLang="zh-CN" sz="2800" dirty="0" err="1" smtClean="0"/>
-              <a:t>UIImageView</a:t>
-            </a:r>
-            <a:r>
-              <a:rPr lang="en-US" altLang="zh-CN" sz="2800" dirty="0" smtClean="0"/>
-              <a:t>(</a:t>
-            </a:r>
-            <a:r>
-              <a:rPr lang="zh-CN" altLang="en-US" sz="2800" dirty="0" smtClean="0"/>
-              <a:t>图片</a:t>
-            </a:r>
-            <a:r>
-              <a:rPr lang="en-US" altLang="zh-CN" sz="2800" dirty="0" smtClean="0"/>
-              <a:t>)</a:t>
-            </a:r>
-            <a:r>
-              <a:rPr lang="zh-CN" altLang="en-US" sz="2800" dirty="0" smtClean="0"/>
-              <a:t>、</a:t>
-            </a:r>
-            <a:r>
-              <a:rPr lang="en-US" altLang="zh-CN" sz="2800" dirty="0" err="1" smtClean="0"/>
-              <a:t>UITableView</a:t>
-            </a:r>
-            <a:r>
-              <a:rPr lang="en-US" altLang="zh-CN" sz="2800" dirty="0" smtClean="0"/>
-              <a:t>(</a:t>
-            </a:r>
-            <a:r>
-              <a:rPr lang="zh-CN" altLang="en-US" sz="2800" dirty="0" smtClean="0"/>
-              <a:t>列表</a:t>
-            </a:r>
-            <a:r>
-              <a:rPr lang="en-US" altLang="zh-CN" sz="2800" dirty="0" smtClean="0"/>
-              <a:t>)</a:t>
-            </a:r>
-            <a:r>
-              <a:rPr lang="zh-CN" altLang="en-US" sz="2800" dirty="0" smtClean="0"/>
-              <a:t>、</a:t>
-            </a:r>
-            <a:r>
-              <a:rPr lang="en-US" altLang="zh-CN" sz="2800" dirty="0" err="1" smtClean="0"/>
-              <a:t>UICollectionView</a:t>
-            </a:r>
-            <a:r>
-              <a:rPr lang="en-US" altLang="zh-CN" sz="2800" dirty="0" smtClean="0"/>
-              <a:t>(</a:t>
-            </a:r>
-            <a:r>
-              <a:rPr lang="zh-CN" altLang="en-US" sz="2800" dirty="0" smtClean="0"/>
-              <a:t>网格列表</a:t>
-            </a:r>
-            <a:r>
-              <a:rPr lang="en-US" altLang="zh-CN" sz="2800" dirty="0" smtClean="0"/>
-              <a:t>)</a:t>
-            </a:r>
-            <a:r>
-              <a:rPr lang="zh-CN" altLang="en-US" sz="2800" dirty="0" smtClean="0"/>
-              <a:t>、</a:t>
-            </a:r>
-            <a:r>
-              <a:rPr lang="en-US" altLang="zh-CN" sz="2800" dirty="0" err="1" smtClean="0"/>
-              <a:t>UIScrollView</a:t>
-            </a:r>
-            <a:r>
-              <a:rPr lang="en-US" altLang="zh-CN" sz="2800" dirty="0" smtClean="0"/>
-              <a:t>(</a:t>
-            </a:r>
-            <a:r>
-              <a:rPr lang="zh-CN" altLang="en-US" sz="2800" dirty="0" smtClean="0"/>
-              <a:t>滚动视图</a:t>
-            </a:r>
-            <a:r>
-              <a:rPr lang="en-US" altLang="zh-CN" sz="2800" dirty="0" smtClean="0"/>
-              <a:t>)</a:t>
-            </a:r>
-            <a:r>
-              <a:rPr lang="mr-IN" altLang="zh-CN" sz="2800" dirty="0" smtClean="0"/>
-              <a:t>…</a:t>
+              <a:t>UINavigationContrtoller</a:t>
             </a:r>
             <a:r>
               <a:rPr lang="zh-CN" altLang="en-US" sz="2800" dirty="0" smtClean="0"/>
@@ -18607,7 +17567,7 @@
     </p:spTree>
     <p:extLst>
       <p:ext uri="{BB962C8B-B14F-4D97-AF65-F5344CB8AC3E}">
-        <p14:creationId xmlns:p14="http://schemas.microsoft.com/office/powerpoint/2010/main" val="1106053314"/>
+        <p14:creationId xmlns:p14="http://schemas.microsoft.com/office/powerpoint/2010/main" val="1614678146"/>
       </p:ext>
     </p:extLst>
   </p:cSld>
@@ -18624,7 +17584,7 @@
 </p:sld>
 </file>
 
-<file path=ppt/slides/slide24.xml><?xml version="1.0" encoding="utf-8"?>
+<file path=ppt/slides/slide23.xml><?xml version="1.0" encoding="utf-8"?>
 <p:sld xmlns:a="http://schemas.openxmlformats.org/drawingml/2006/main" xmlns:r="http://schemas.openxmlformats.org/officeDocument/2006/relationships" xmlns:p="http://schemas.openxmlformats.org/presentationml/2006/main">
   <p:cSld>
     <p:spTree>
@@ -18783,7 +17743,7 @@
         <p:spPr>
           <a:xfrm>
             <a:off x="1179819" y="-9144"/>
-            <a:ext cx="952505" cy="646331"/>
+            <a:ext cx="760144" cy="646331"/>
           </a:xfrm>
           <a:prstGeom prst="rect">
             <a:avLst/>
@@ -18803,7 +17763,7 @@
                 </a:solidFill>
                 <a:latin typeface="Impact" panose="020B0806030902050204" pitchFamily="34" charset="0"/>
               </a:rPr>
-              <a:t>3.1.1</a:t>
+              <a:t>3.3</a:t>
             </a:r>
             <a:endParaRPr lang="zh-CN" altLang="en-US" sz="3600" dirty="0">
               <a:solidFill>
@@ -19398,6 +18358,1087 @@
           <a:lstStyle/>
           <a:p>
             <a:r>
+              <a:rPr lang="en-US" altLang="zh-CN" sz="2800" dirty="0" smtClean="0"/>
+              <a:t>iOS</a:t>
+            </a:r>
+            <a:r>
+              <a:rPr lang="zh-CN" altLang="en-US" sz="2800" dirty="0" smtClean="0"/>
+              <a:t>的基本控件：</a:t>
+            </a:r>
+            <a:endParaRPr lang="en-US" altLang="zh-CN" sz="2800" dirty="0"/>
+          </a:p>
+          <a:p>
+            <a:endParaRPr lang="en-US" altLang="zh-CN" sz="2800" dirty="0" smtClean="0"/>
+          </a:p>
+          <a:p>
+            <a:r>
+              <a:rPr lang="en-US" altLang="zh-CN" sz="2800" dirty="0" err="1" smtClean="0"/>
+              <a:t>UILabel</a:t>
+            </a:r>
+            <a:r>
+              <a:rPr lang="en-US" altLang="zh-CN" sz="2800" dirty="0" smtClean="0"/>
+              <a:t>(</a:t>
+            </a:r>
+            <a:r>
+              <a:rPr lang="zh-CN" altLang="en-US" sz="2800" dirty="0" smtClean="0"/>
+              <a:t>文本</a:t>
+            </a:r>
+            <a:r>
+              <a:rPr lang="en-US" altLang="zh-CN" sz="2800" dirty="0" smtClean="0"/>
+              <a:t>)</a:t>
+            </a:r>
+            <a:r>
+              <a:rPr lang="zh-CN" altLang="en-US" sz="2800" dirty="0" smtClean="0"/>
+              <a:t>、</a:t>
+            </a:r>
+            <a:r>
+              <a:rPr lang="en-US" altLang="zh-CN" sz="2800" dirty="0" err="1" smtClean="0"/>
+              <a:t>UIButton</a:t>
+            </a:r>
+            <a:r>
+              <a:rPr lang="en-US" altLang="zh-CN" sz="2800" dirty="0" smtClean="0"/>
+              <a:t>(</a:t>
+            </a:r>
+            <a:r>
+              <a:rPr lang="zh-CN" altLang="en-US" sz="2800" dirty="0" smtClean="0"/>
+              <a:t>按钮</a:t>
+            </a:r>
+            <a:r>
+              <a:rPr lang="en-US" altLang="zh-CN" sz="2800" dirty="0" smtClean="0"/>
+              <a:t>)</a:t>
+            </a:r>
+            <a:r>
+              <a:rPr lang="zh-CN" altLang="en-US" sz="2800" dirty="0" smtClean="0"/>
+              <a:t>、</a:t>
+            </a:r>
+            <a:r>
+              <a:rPr lang="en-US" altLang="zh-CN" sz="2800" dirty="0" err="1" smtClean="0"/>
+              <a:t>UISegmentedControl</a:t>
+            </a:r>
+            <a:r>
+              <a:rPr lang="en-US" altLang="zh-CN" sz="2800" dirty="0" smtClean="0"/>
+              <a:t>(</a:t>
+            </a:r>
+            <a:r>
+              <a:rPr lang="zh-CN" altLang="en-US" sz="2800" dirty="0" smtClean="0"/>
+              <a:t>分段控制器</a:t>
+            </a:r>
+            <a:r>
+              <a:rPr lang="en-US" altLang="zh-CN" sz="2800" dirty="0" smtClean="0"/>
+              <a:t>)</a:t>
+            </a:r>
+            <a:r>
+              <a:rPr lang="zh-CN" altLang="en-US" sz="2800" dirty="0" smtClean="0"/>
+              <a:t>、</a:t>
+            </a:r>
+            <a:endParaRPr lang="en-US" altLang="zh-CN" sz="2800" dirty="0" smtClean="0"/>
+          </a:p>
+          <a:p>
+            <a:r>
+              <a:rPr lang="en-US" altLang="zh-CN" sz="2800" dirty="0" err="1" smtClean="0"/>
+              <a:t>UITextField</a:t>
+            </a:r>
+            <a:r>
+              <a:rPr lang="en-US" altLang="zh-CN" sz="2800" dirty="0" smtClean="0"/>
+              <a:t>(</a:t>
+            </a:r>
+            <a:r>
+              <a:rPr lang="zh-CN" altLang="en-US" sz="2800" dirty="0" smtClean="0"/>
+              <a:t>单行输入框</a:t>
+            </a:r>
+            <a:r>
+              <a:rPr lang="en-US" altLang="zh-CN" sz="2800" dirty="0" smtClean="0"/>
+              <a:t>)</a:t>
+            </a:r>
+            <a:r>
+              <a:rPr lang="zh-CN" altLang="en-US" sz="2800" dirty="0" smtClean="0"/>
+              <a:t>、</a:t>
+            </a:r>
+            <a:r>
+              <a:rPr lang="en-US" altLang="zh-CN" sz="2800" dirty="0" err="1" smtClean="0"/>
+              <a:t>UITextView</a:t>
+            </a:r>
+            <a:r>
+              <a:rPr lang="en-US" altLang="zh-CN" sz="2800" dirty="0" smtClean="0"/>
+              <a:t>(</a:t>
+            </a:r>
+            <a:r>
+              <a:rPr lang="zh-CN" altLang="en-US" sz="2800" dirty="0" smtClean="0"/>
+              <a:t>多行输入框</a:t>
+            </a:r>
+            <a:r>
+              <a:rPr lang="en-US" altLang="zh-CN" sz="2800" dirty="0" smtClean="0"/>
+              <a:t>)</a:t>
+            </a:r>
+            <a:r>
+              <a:rPr lang="zh-CN" altLang="en-US" sz="2800" dirty="0" smtClean="0"/>
+              <a:t>、</a:t>
+            </a:r>
+            <a:r>
+              <a:rPr lang="en-US" altLang="zh-CN" sz="2800" dirty="0" err="1" smtClean="0"/>
+              <a:t>UISlider</a:t>
+            </a:r>
+            <a:r>
+              <a:rPr lang="en-US" altLang="zh-CN" sz="2800" dirty="0" smtClean="0"/>
+              <a:t>(</a:t>
+            </a:r>
+            <a:r>
+              <a:rPr lang="zh-CN" altLang="en-US" sz="2800" dirty="0" smtClean="0"/>
+              <a:t>滑块</a:t>
+            </a:r>
+            <a:r>
+              <a:rPr lang="en-US" altLang="zh-CN" sz="2800" dirty="0" smtClean="0"/>
+              <a:t>)</a:t>
+            </a:r>
+            <a:r>
+              <a:rPr lang="zh-CN" altLang="en-US" sz="2800" dirty="0" smtClean="0"/>
+              <a:t>、</a:t>
+            </a:r>
+            <a:endParaRPr lang="en-US" altLang="zh-CN" sz="2800" dirty="0" smtClean="0"/>
+          </a:p>
+          <a:p>
+            <a:r>
+              <a:rPr lang="en-US" altLang="zh-CN" sz="2800" dirty="0" err="1" smtClean="0"/>
+              <a:t>UISwitch</a:t>
+            </a:r>
+            <a:r>
+              <a:rPr lang="en-US" altLang="zh-CN" sz="2800" dirty="0" smtClean="0"/>
+              <a:t>(</a:t>
+            </a:r>
+            <a:r>
+              <a:rPr lang="zh-CN" altLang="en-US" sz="2800" dirty="0" smtClean="0"/>
+              <a:t>切换按钮</a:t>
+            </a:r>
+            <a:r>
+              <a:rPr lang="en-US" altLang="zh-CN" sz="2800" dirty="0" smtClean="0"/>
+              <a:t>)</a:t>
+            </a:r>
+            <a:r>
+              <a:rPr lang="zh-CN" altLang="en-US" sz="2800" dirty="0" smtClean="0"/>
+              <a:t>、</a:t>
+            </a:r>
+            <a:r>
+              <a:rPr lang="en-US" altLang="zh-CN" sz="2800" dirty="0" err="1" smtClean="0"/>
+              <a:t>UIProgressView</a:t>
+            </a:r>
+            <a:r>
+              <a:rPr lang="en-US" altLang="zh-CN" sz="2800" dirty="0" smtClean="0"/>
+              <a:t>(</a:t>
+            </a:r>
+            <a:r>
+              <a:rPr lang="zh-CN" altLang="en-US" sz="2800" dirty="0" smtClean="0"/>
+              <a:t>进度条</a:t>
+            </a:r>
+            <a:r>
+              <a:rPr lang="en-US" altLang="zh-CN" sz="2800" dirty="0" smtClean="0"/>
+              <a:t>)</a:t>
+            </a:r>
+            <a:r>
+              <a:rPr lang="zh-CN" altLang="en-US" sz="2800" dirty="0" smtClean="0"/>
+              <a:t>、</a:t>
+            </a:r>
+            <a:r>
+              <a:rPr lang="en-US" altLang="zh-CN" sz="2800" dirty="0" err="1" smtClean="0"/>
+              <a:t>UIPageControl</a:t>
+            </a:r>
+            <a:r>
+              <a:rPr lang="en-US" altLang="zh-CN" sz="2800" dirty="0" smtClean="0"/>
+              <a:t>(</a:t>
+            </a:r>
+            <a:r>
+              <a:rPr lang="zh-CN" altLang="en-US" sz="2800" dirty="0" smtClean="0"/>
+              <a:t>分页</a:t>
+            </a:r>
+            <a:r>
+              <a:rPr lang="en-US" altLang="zh-CN" sz="2800" dirty="0" smtClean="0"/>
+              <a:t>)</a:t>
+            </a:r>
+            <a:r>
+              <a:rPr lang="zh-CN" altLang="en-US" sz="2800" dirty="0" smtClean="0"/>
+              <a:t>、</a:t>
+            </a:r>
+            <a:r>
+              <a:rPr lang="en-US" altLang="zh-CN" sz="2800" dirty="0" err="1" smtClean="0"/>
+              <a:t>UIImageView</a:t>
+            </a:r>
+            <a:r>
+              <a:rPr lang="en-US" altLang="zh-CN" sz="2800" dirty="0" smtClean="0"/>
+              <a:t>(</a:t>
+            </a:r>
+            <a:r>
+              <a:rPr lang="zh-CN" altLang="en-US" sz="2800" dirty="0" smtClean="0"/>
+              <a:t>图片</a:t>
+            </a:r>
+            <a:r>
+              <a:rPr lang="en-US" altLang="zh-CN" sz="2800" dirty="0" smtClean="0"/>
+              <a:t>)</a:t>
+            </a:r>
+            <a:r>
+              <a:rPr lang="zh-CN" altLang="en-US" sz="2800" dirty="0" smtClean="0"/>
+              <a:t>、</a:t>
+            </a:r>
+            <a:r>
+              <a:rPr lang="en-US" altLang="zh-CN" sz="2800" dirty="0" err="1" smtClean="0"/>
+              <a:t>UITableView</a:t>
+            </a:r>
+            <a:r>
+              <a:rPr lang="en-US" altLang="zh-CN" sz="2800" dirty="0" smtClean="0"/>
+              <a:t>(</a:t>
+            </a:r>
+            <a:r>
+              <a:rPr lang="zh-CN" altLang="en-US" sz="2800" dirty="0" smtClean="0"/>
+              <a:t>列表</a:t>
+            </a:r>
+            <a:r>
+              <a:rPr lang="en-US" altLang="zh-CN" sz="2800" dirty="0" smtClean="0"/>
+              <a:t>)</a:t>
+            </a:r>
+            <a:r>
+              <a:rPr lang="zh-CN" altLang="en-US" sz="2800" dirty="0" smtClean="0"/>
+              <a:t>、</a:t>
+            </a:r>
+            <a:r>
+              <a:rPr lang="en-US" altLang="zh-CN" sz="2800" dirty="0" err="1" smtClean="0"/>
+              <a:t>UICollectionView</a:t>
+            </a:r>
+            <a:r>
+              <a:rPr lang="en-US" altLang="zh-CN" sz="2800" dirty="0" smtClean="0"/>
+              <a:t>(</a:t>
+            </a:r>
+            <a:r>
+              <a:rPr lang="zh-CN" altLang="en-US" sz="2800" dirty="0" smtClean="0"/>
+              <a:t>网格列表</a:t>
+            </a:r>
+            <a:r>
+              <a:rPr lang="en-US" altLang="zh-CN" sz="2800" dirty="0" smtClean="0"/>
+              <a:t>)</a:t>
+            </a:r>
+            <a:r>
+              <a:rPr lang="zh-CN" altLang="en-US" sz="2800" dirty="0" smtClean="0"/>
+              <a:t>、</a:t>
+            </a:r>
+            <a:r>
+              <a:rPr lang="en-US" altLang="zh-CN" sz="2800" dirty="0" err="1" smtClean="0"/>
+              <a:t>UIScrollView</a:t>
+            </a:r>
+            <a:r>
+              <a:rPr lang="en-US" altLang="zh-CN" sz="2800" dirty="0" smtClean="0"/>
+              <a:t>(</a:t>
+            </a:r>
+            <a:r>
+              <a:rPr lang="zh-CN" altLang="en-US" sz="2800" dirty="0" smtClean="0"/>
+              <a:t>滚动视图</a:t>
+            </a:r>
+            <a:r>
+              <a:rPr lang="en-US" altLang="zh-CN" sz="2800" dirty="0" smtClean="0"/>
+              <a:t>)</a:t>
+            </a:r>
+            <a:r>
+              <a:rPr lang="mr-IN" altLang="zh-CN" sz="2800" dirty="0" smtClean="0"/>
+              <a:t>…</a:t>
+            </a:r>
+            <a:r>
+              <a:rPr lang="zh-CN" altLang="en-US" sz="2800" dirty="0" smtClean="0"/>
+              <a:t>等等</a:t>
+            </a:r>
+            <a:endParaRPr lang="en-US" altLang="zh-CN" sz="2800" dirty="0" smtClean="0"/>
+          </a:p>
+        </p:txBody>
+      </p:sp>
+    </p:spTree>
+    <p:extLst>
+      <p:ext uri="{BB962C8B-B14F-4D97-AF65-F5344CB8AC3E}">
+        <p14:creationId xmlns:p14="http://schemas.microsoft.com/office/powerpoint/2010/main" val="1106053314"/>
+      </p:ext>
+    </p:extLst>
+  </p:cSld>
+  <p:clrMapOvr>
+    <a:masterClrMapping/>
+  </p:clrMapOvr>
+  <p:timing>
+    <p:tnLst>
+      <p:par>
+        <p:cTn id="1" dur="indefinite" restart="never" nodeType="tmRoot"/>
+      </p:par>
+    </p:tnLst>
+  </p:timing>
+</p:sld>
+</file>
+
+<file path=ppt/slides/slide24.xml><?xml version="1.0" encoding="utf-8"?>
+<p:sld xmlns:a="http://schemas.openxmlformats.org/drawingml/2006/main" xmlns:r="http://schemas.openxmlformats.org/officeDocument/2006/relationships" xmlns:p="http://schemas.openxmlformats.org/presentationml/2006/main">
+  <p:cSld>
+    <p:spTree>
+      <p:nvGrpSpPr>
+        <p:cNvPr id="1" name=""/>
+        <p:cNvGrpSpPr/>
+        <p:nvPr/>
+      </p:nvGrpSpPr>
+      <p:grpSpPr>
+        <a:xfrm>
+          <a:off x="0" y="0"/>
+          <a:ext cx="0" cy="0"/>
+          <a:chOff x="0" y="0"/>
+          <a:chExt cx="0" cy="0"/>
+        </a:xfrm>
+      </p:grpSpPr>
+      <p:sp>
+        <p:nvSpPr>
+          <p:cNvPr id="25" name="同侧圆角矩形 24"/>
+          <p:cNvSpPr/>
+          <p:nvPr/>
+        </p:nvSpPr>
+        <p:spPr>
+          <a:xfrm>
+            <a:off x="2705696" y="326728"/>
+            <a:ext cx="7898804" cy="925716"/>
+          </a:xfrm>
+          <a:prstGeom prst="round2SameRect">
+            <a:avLst>
+              <a:gd name="adj1" fmla="val 38896"/>
+              <a:gd name="adj2" fmla="val 2451"/>
+            </a:avLst>
+          </a:prstGeom>
+          <a:gradFill>
+            <a:gsLst>
+              <a:gs pos="0">
+                <a:schemeClr val="bg1">
+                  <a:alpha val="22000"/>
+                </a:schemeClr>
+              </a:gs>
+              <a:gs pos="100000">
+                <a:schemeClr val="bg1">
+                  <a:alpha val="0"/>
+                </a:schemeClr>
+              </a:gs>
+            </a:gsLst>
+            <a:lin ang="5400000" scaled="1"/>
+          </a:gradFill>
+          <a:ln>
+            <a:noFill/>
+          </a:ln>
+        </p:spPr>
+        <p:style>
+          <a:lnRef idx="2">
+            <a:schemeClr val="accent1">
+              <a:shade val="50000"/>
+            </a:schemeClr>
+          </a:lnRef>
+          <a:fillRef idx="1">
+            <a:schemeClr val="accent1"/>
+          </a:fillRef>
+          <a:effectRef idx="0">
+            <a:schemeClr val="accent1"/>
+          </a:effectRef>
+          <a:fontRef idx="minor">
+            <a:schemeClr val="lt1"/>
+          </a:fontRef>
+        </p:style>
+        <p:txBody>
+          <a:bodyPr rtlCol="0" anchor="ctr"/>
+          <a:lstStyle/>
+          <a:p>
+            <a:pPr algn="ctr"/>
+            <a:endParaRPr lang="zh-CN" altLang="en-US"/>
+          </a:p>
+        </p:txBody>
+      </p:sp>
+      <p:sp>
+        <p:nvSpPr>
+          <p:cNvPr id="20" name="文本框 19"/>
+          <p:cNvSpPr txBox="1"/>
+          <p:nvPr/>
+        </p:nvSpPr>
+        <p:spPr>
+          <a:xfrm>
+            <a:off x="3055621" y="395721"/>
+            <a:ext cx="2178802" cy="584775"/>
+          </a:xfrm>
+          <a:prstGeom prst="rect">
+            <a:avLst/>
+          </a:prstGeom>
+          <a:noFill/>
+        </p:spPr>
+        <p:txBody>
+          <a:bodyPr wrap="none" rtlCol="0">
+            <a:spAutoFit/>
+          </a:bodyPr>
+          <a:lstStyle/>
+          <a:p>
+            <a:r>
+              <a:rPr lang="en-US" altLang="zh-CN" sz="3200" dirty="0" smtClean="0">
+                <a:solidFill>
+                  <a:schemeClr val="bg1"/>
+                </a:solidFill>
+                <a:latin typeface="方正兰亭粗黑_GBK" panose="02000000000000000000" pitchFamily="2" charset="-122"/>
+                <a:ea typeface="方正兰亭粗黑_GBK" panose="02000000000000000000" pitchFamily="2" charset="-122"/>
+              </a:rPr>
+              <a:t>iOS</a:t>
+            </a:r>
+            <a:r>
+              <a:rPr lang="zh-CN" altLang="en-US" sz="3200" dirty="0">
+                <a:solidFill>
+                  <a:schemeClr val="bg1"/>
+                </a:solidFill>
+                <a:latin typeface="方正兰亭粗黑_GBK" panose="02000000000000000000" pitchFamily="2" charset="-122"/>
+                <a:ea typeface="方正兰亭粗黑_GBK" panose="02000000000000000000" pitchFamily="2" charset="-122"/>
+              </a:rPr>
+              <a:t> </a:t>
+            </a:r>
+            <a:r>
+              <a:rPr lang="en-US" altLang="zh-CN" sz="3200" dirty="0" smtClean="0">
+                <a:solidFill>
+                  <a:schemeClr val="bg1"/>
+                </a:solidFill>
+                <a:latin typeface="方正兰亭粗黑_GBK" panose="02000000000000000000" pitchFamily="2" charset="-122"/>
+                <a:ea typeface="方正兰亭粗黑_GBK" panose="02000000000000000000" pitchFamily="2" charset="-122"/>
+              </a:rPr>
+              <a:t>UI</a:t>
+            </a:r>
+            <a:r>
+              <a:rPr lang="zh-CN" altLang="en-US" sz="3200" dirty="0" smtClean="0">
+                <a:solidFill>
+                  <a:schemeClr val="bg1"/>
+                </a:solidFill>
+                <a:latin typeface="方正兰亭粗黑_GBK" panose="02000000000000000000" pitchFamily="2" charset="-122"/>
+                <a:ea typeface="方正兰亭粗黑_GBK" panose="02000000000000000000" pitchFamily="2" charset="-122"/>
+              </a:rPr>
+              <a:t>开发</a:t>
+            </a:r>
+            <a:endParaRPr lang="zh-CN" altLang="en-US" sz="3200" dirty="0">
+              <a:solidFill>
+                <a:schemeClr val="bg1"/>
+              </a:solidFill>
+              <a:latin typeface="方正兰亭粗黑_GBK" panose="02000000000000000000" pitchFamily="2" charset="-122"/>
+              <a:ea typeface="方正兰亭粗黑_GBK" panose="02000000000000000000" pitchFamily="2" charset="-122"/>
+            </a:endParaRPr>
+          </a:p>
+        </p:txBody>
+      </p:sp>
+      <p:sp>
+        <p:nvSpPr>
+          <p:cNvPr id="21" name="文本框 20"/>
+          <p:cNvSpPr txBox="1"/>
+          <p:nvPr/>
+        </p:nvSpPr>
+        <p:spPr>
+          <a:xfrm>
+            <a:off x="1179819" y="-9144"/>
+            <a:ext cx="1021433" cy="646331"/>
+          </a:xfrm>
+          <a:prstGeom prst="rect">
+            <a:avLst/>
+          </a:prstGeom>
+          <a:noFill/>
+        </p:spPr>
+        <p:txBody>
+          <a:bodyPr wrap="none" rtlCol="0">
+            <a:spAutoFit/>
+          </a:bodyPr>
+          <a:lstStyle/>
+          <a:p>
+            <a:r>
+              <a:rPr lang="en-US" altLang="zh-CN" sz="3600" dirty="0" smtClean="0">
+                <a:solidFill>
+                  <a:schemeClr val="bg1"/>
+                </a:solidFill>
+                <a:latin typeface="Impact" panose="020B0806030902050204" pitchFamily="34" charset="0"/>
+              </a:rPr>
+              <a:t>3.3.1</a:t>
+            </a:r>
+            <a:endParaRPr lang="zh-CN" altLang="en-US" sz="3600" dirty="0">
+              <a:solidFill>
+                <a:schemeClr val="bg1"/>
+              </a:solidFill>
+              <a:latin typeface="Impact" panose="020B0806030902050204" pitchFamily="34" charset="0"/>
+            </a:endParaRPr>
+          </a:p>
+        </p:txBody>
+      </p:sp>
+      <p:grpSp>
+        <p:nvGrpSpPr>
+          <p:cNvPr id="3" name="组合 2"/>
+          <p:cNvGrpSpPr/>
+          <p:nvPr/>
+        </p:nvGrpSpPr>
+        <p:grpSpPr>
+          <a:xfrm>
+            <a:off x="153510" y="-1440518"/>
+            <a:ext cx="2393074" cy="2355198"/>
+            <a:chOff x="3706240" y="-3100473"/>
+            <a:chExt cx="4570694" cy="4498352"/>
+          </a:xfrm>
+        </p:grpSpPr>
+        <p:grpSp>
+          <p:nvGrpSpPr>
+            <p:cNvPr id="2" name="组合 1"/>
+            <p:cNvGrpSpPr/>
+            <p:nvPr/>
+          </p:nvGrpSpPr>
+          <p:grpSpPr>
+            <a:xfrm>
+              <a:off x="4313438" y="-2637781"/>
+              <a:ext cx="3595008" cy="3652822"/>
+              <a:chOff x="4313438" y="-2637781"/>
+              <a:chExt cx="3595008" cy="3652822"/>
+            </a:xfrm>
+          </p:grpSpPr>
+          <p:sp>
+            <p:nvSpPr>
+              <p:cNvPr id="36" name="任意多边形 35"/>
+              <p:cNvSpPr/>
+              <p:nvPr/>
+            </p:nvSpPr>
+            <p:spPr>
+              <a:xfrm rot="3600000">
+                <a:off x="4284531" y="-2608874"/>
+                <a:ext cx="3652822" cy="3595008"/>
+              </a:xfrm>
+              <a:custGeom>
+                <a:avLst/>
+                <a:gdLst>
+                  <a:gd name="connsiteX0" fmla="*/ 2326664 w 4653328"/>
+                  <a:gd name="connsiteY0" fmla="*/ 0 h 4579678"/>
+                  <a:gd name="connsiteX1" fmla="*/ 4653328 w 4653328"/>
+                  <a:gd name="connsiteY1" fmla="*/ 2326664 h 4579678"/>
+                  <a:gd name="connsiteX2" fmla="*/ 3232307 w 4653328"/>
+                  <a:gd name="connsiteY2" fmla="*/ 4470487 h 4579678"/>
+                  <a:gd name="connsiteX3" fmla="*/ 3031514 w 4653328"/>
+                  <a:gd name="connsiteY3" fmla="*/ 4543979 h 4579678"/>
+                  <a:gd name="connsiteX4" fmla="*/ 3031514 w 4653328"/>
+                  <a:gd name="connsiteY4" fmla="*/ 4509523 h 4579678"/>
+                  <a:gd name="connsiteX5" fmla="*/ 3219700 w 4653328"/>
+                  <a:gd name="connsiteY5" fmla="*/ 4440645 h 4579678"/>
+                  <a:gd name="connsiteX6" fmla="*/ 4620941 w 4653328"/>
+                  <a:gd name="connsiteY6" fmla="*/ 2326664 h 4579678"/>
+                  <a:gd name="connsiteX7" fmla="*/ 2326664 w 4653328"/>
+                  <a:gd name="connsiteY7" fmla="*/ 32387 h 4579678"/>
+                  <a:gd name="connsiteX8" fmla="*/ 32387 w 4653328"/>
+                  <a:gd name="connsiteY8" fmla="*/ 2326664 h 4579678"/>
+                  <a:gd name="connsiteX9" fmla="*/ 1644416 w 4653328"/>
+                  <a:gd name="connsiteY9" fmla="*/ 4517795 h 4579678"/>
+                  <a:gd name="connsiteX10" fmla="*/ 1755164 w 4653328"/>
+                  <a:gd name="connsiteY10" fmla="*/ 4546271 h 4579678"/>
+                  <a:gd name="connsiteX11" fmla="*/ 1755164 w 4653328"/>
+                  <a:gd name="connsiteY11" fmla="*/ 4579678 h 4579678"/>
+                  <a:gd name="connsiteX12" fmla="*/ 1634785 w 4653328"/>
+                  <a:gd name="connsiteY12" fmla="*/ 4548726 h 4579678"/>
+                  <a:gd name="connsiteX13" fmla="*/ 0 w 4653328"/>
+                  <a:gd name="connsiteY13" fmla="*/ 2326664 h 4579678"/>
+                  <a:gd name="connsiteX14" fmla="*/ 2326664 w 4653328"/>
+                  <a:gd name="connsiteY14" fmla="*/ 0 h 4579678"/>
+                </a:gdLst>
+                <a:ahLst/>
+                <a:cxnLst>
+                  <a:cxn ang="0">
+                    <a:pos x="connsiteX0" y="connsiteY0"/>
+                  </a:cxn>
+                  <a:cxn ang="0">
+                    <a:pos x="connsiteX1" y="connsiteY1"/>
+                  </a:cxn>
+                  <a:cxn ang="0">
+                    <a:pos x="connsiteX2" y="connsiteY2"/>
+                  </a:cxn>
+                  <a:cxn ang="0">
+                    <a:pos x="connsiteX3" y="connsiteY3"/>
+                  </a:cxn>
+                  <a:cxn ang="0">
+                    <a:pos x="connsiteX4" y="connsiteY4"/>
+                  </a:cxn>
+                  <a:cxn ang="0">
+                    <a:pos x="connsiteX5" y="connsiteY5"/>
+                  </a:cxn>
+                  <a:cxn ang="0">
+                    <a:pos x="connsiteX6" y="connsiteY6"/>
+                  </a:cxn>
+                  <a:cxn ang="0">
+                    <a:pos x="connsiteX7" y="connsiteY7"/>
+                  </a:cxn>
+                  <a:cxn ang="0">
+                    <a:pos x="connsiteX8" y="connsiteY8"/>
+                  </a:cxn>
+                  <a:cxn ang="0">
+                    <a:pos x="connsiteX9" y="connsiteY9"/>
+                  </a:cxn>
+                  <a:cxn ang="0">
+                    <a:pos x="connsiteX10" y="connsiteY10"/>
+                  </a:cxn>
+                  <a:cxn ang="0">
+                    <a:pos x="connsiteX11" y="connsiteY11"/>
+                  </a:cxn>
+                  <a:cxn ang="0">
+                    <a:pos x="connsiteX12" y="connsiteY12"/>
+                  </a:cxn>
+                  <a:cxn ang="0">
+                    <a:pos x="connsiteX13" y="connsiteY13"/>
+                  </a:cxn>
+                  <a:cxn ang="0">
+                    <a:pos x="connsiteX14" y="connsiteY14"/>
+                  </a:cxn>
+                </a:cxnLst>
+                <a:rect l="l" t="t" r="r" b="b"/>
+                <a:pathLst>
+                  <a:path w="4653328" h="4579678">
+                    <a:moveTo>
+                      <a:pt x="2326664" y="0"/>
+                    </a:moveTo>
+                    <a:cubicBezTo>
+                      <a:pt x="3611645" y="0"/>
+                      <a:pt x="4653328" y="1041683"/>
+                      <a:pt x="4653328" y="2326664"/>
+                    </a:cubicBezTo>
+                    <a:cubicBezTo>
+                      <a:pt x="4653328" y="3290400"/>
+                      <a:pt x="4067382" y="4117281"/>
+                      <a:pt x="3232307" y="4470487"/>
+                    </a:cubicBezTo>
+                    <a:lnTo>
+                      <a:pt x="3031514" y="4543979"/>
+                    </a:lnTo>
+                    <a:lnTo>
+                      <a:pt x="3031514" y="4509523"/>
+                    </a:lnTo>
+                    <a:lnTo>
+                      <a:pt x="3219700" y="4440645"/>
+                    </a:lnTo>
+                    <a:cubicBezTo>
+                      <a:pt x="4043151" y="4092355"/>
+                      <a:pt x="4620941" y="3276984"/>
+                      <a:pt x="4620941" y="2326664"/>
+                    </a:cubicBezTo>
+                    <a:cubicBezTo>
+                      <a:pt x="4620941" y="1059570"/>
+                      <a:pt x="3593758" y="32387"/>
+                      <a:pt x="2326664" y="32387"/>
+                    </a:cubicBezTo>
+                    <a:cubicBezTo>
+                      <a:pt x="1059570" y="32387"/>
+                      <a:pt x="32387" y="1059570"/>
+                      <a:pt x="32387" y="2326664"/>
+                    </a:cubicBezTo>
+                    <a:cubicBezTo>
+                      <a:pt x="32387" y="3356178"/>
+                      <a:pt x="710488" y="4227313"/>
+                      <a:pt x="1644416" y="4517795"/>
+                    </a:cubicBezTo>
+                    <a:lnTo>
+                      <a:pt x="1755164" y="4546271"/>
+                    </a:lnTo>
+                    <a:lnTo>
+                      <a:pt x="1755164" y="4579678"/>
+                    </a:lnTo>
+                    <a:lnTo>
+                      <a:pt x="1634785" y="4548726"/>
+                    </a:lnTo>
+                    <a:cubicBezTo>
+                      <a:pt x="687673" y="4254144"/>
+                      <a:pt x="0" y="3370711"/>
+                      <a:pt x="0" y="2326664"/>
+                    </a:cubicBezTo>
+                    <a:cubicBezTo>
+                      <a:pt x="0" y="1041683"/>
+                      <a:pt x="1041683" y="0"/>
+                      <a:pt x="2326664" y="0"/>
+                    </a:cubicBezTo>
+                    <a:close/>
+                  </a:path>
+                </a:pathLst>
+              </a:custGeom>
+              <a:solidFill>
+                <a:schemeClr val="bg1">
+                  <a:alpha val="40000"/>
+                </a:schemeClr>
+              </a:solidFill>
+              <a:ln>
+                <a:noFill/>
+              </a:ln>
+            </p:spPr>
+            <p:style>
+              <a:lnRef idx="2">
+                <a:schemeClr val="accent1">
+                  <a:shade val="50000"/>
+                </a:schemeClr>
+              </a:lnRef>
+              <a:fillRef idx="1">
+                <a:schemeClr val="accent1"/>
+              </a:fillRef>
+              <a:effectRef idx="0">
+                <a:schemeClr val="accent1"/>
+              </a:effectRef>
+              <a:fontRef idx="minor">
+                <a:schemeClr val="lt1"/>
+              </a:fontRef>
+            </p:style>
+            <p:txBody>
+              <a:bodyPr rtlCol="0" anchor="ctr"/>
+              <a:lstStyle/>
+              <a:p>
+                <a:pPr algn="ctr"/>
+                <a:endParaRPr lang="zh-CN" altLang="en-US"/>
+              </a:p>
+            </p:txBody>
+          </p:sp>
+          <p:sp>
+            <p:nvSpPr>
+              <p:cNvPr id="37" name="椭圆 36"/>
+              <p:cNvSpPr/>
+              <p:nvPr/>
+            </p:nvSpPr>
+            <p:spPr>
+              <a:xfrm>
+                <a:off x="4744096" y="417049"/>
+                <a:ext cx="254016" cy="254016"/>
+              </a:xfrm>
+              <a:prstGeom prst="ellipse">
+                <a:avLst/>
+              </a:prstGeom>
+              <a:solidFill>
+                <a:schemeClr val="bg1"/>
+              </a:solidFill>
+              <a:ln>
+                <a:noFill/>
+              </a:ln>
+            </p:spPr>
+            <p:style>
+              <a:lnRef idx="2">
+                <a:schemeClr val="accent1">
+                  <a:shade val="50000"/>
+                </a:schemeClr>
+              </a:lnRef>
+              <a:fillRef idx="1">
+                <a:schemeClr val="accent1"/>
+              </a:fillRef>
+              <a:effectRef idx="0">
+                <a:schemeClr val="accent1"/>
+              </a:effectRef>
+              <a:fontRef idx="minor">
+                <a:schemeClr val="lt1"/>
+              </a:fontRef>
+            </p:style>
+            <p:txBody>
+              <a:bodyPr rtlCol="0" anchor="ctr"/>
+              <a:lstStyle/>
+              <a:p>
+                <a:pPr algn="ctr"/>
+                <a:endParaRPr lang="zh-CN" altLang="en-US"/>
+              </a:p>
+            </p:txBody>
+          </p:sp>
+        </p:grpSp>
+        <p:grpSp>
+          <p:nvGrpSpPr>
+            <p:cNvPr id="48" name="组合 47"/>
+            <p:cNvGrpSpPr/>
+            <p:nvPr/>
+          </p:nvGrpSpPr>
+          <p:grpSpPr>
+            <a:xfrm rot="15713286">
+              <a:off x="3742411" y="-3136644"/>
+              <a:ext cx="4498352" cy="4570694"/>
+              <a:chOff x="4313438" y="-2637781"/>
+              <a:chExt cx="3595008" cy="3652822"/>
+            </a:xfrm>
+          </p:grpSpPr>
+          <p:sp>
+            <p:nvSpPr>
+              <p:cNvPr id="49" name="任意多边形 48"/>
+              <p:cNvSpPr/>
+              <p:nvPr/>
+            </p:nvSpPr>
+            <p:spPr>
+              <a:xfrm rot="3600000">
+                <a:off x="4284531" y="-2608874"/>
+                <a:ext cx="3652822" cy="3595008"/>
+              </a:xfrm>
+              <a:custGeom>
+                <a:avLst/>
+                <a:gdLst>
+                  <a:gd name="connsiteX0" fmla="*/ 2326664 w 4653328"/>
+                  <a:gd name="connsiteY0" fmla="*/ 0 h 4579678"/>
+                  <a:gd name="connsiteX1" fmla="*/ 4653328 w 4653328"/>
+                  <a:gd name="connsiteY1" fmla="*/ 2326664 h 4579678"/>
+                  <a:gd name="connsiteX2" fmla="*/ 3232307 w 4653328"/>
+                  <a:gd name="connsiteY2" fmla="*/ 4470487 h 4579678"/>
+                  <a:gd name="connsiteX3" fmla="*/ 3031514 w 4653328"/>
+                  <a:gd name="connsiteY3" fmla="*/ 4543979 h 4579678"/>
+                  <a:gd name="connsiteX4" fmla="*/ 3031514 w 4653328"/>
+                  <a:gd name="connsiteY4" fmla="*/ 4509523 h 4579678"/>
+                  <a:gd name="connsiteX5" fmla="*/ 3219700 w 4653328"/>
+                  <a:gd name="connsiteY5" fmla="*/ 4440645 h 4579678"/>
+                  <a:gd name="connsiteX6" fmla="*/ 4620941 w 4653328"/>
+                  <a:gd name="connsiteY6" fmla="*/ 2326664 h 4579678"/>
+                  <a:gd name="connsiteX7" fmla="*/ 2326664 w 4653328"/>
+                  <a:gd name="connsiteY7" fmla="*/ 32387 h 4579678"/>
+                  <a:gd name="connsiteX8" fmla="*/ 32387 w 4653328"/>
+                  <a:gd name="connsiteY8" fmla="*/ 2326664 h 4579678"/>
+                  <a:gd name="connsiteX9" fmla="*/ 1644416 w 4653328"/>
+                  <a:gd name="connsiteY9" fmla="*/ 4517795 h 4579678"/>
+                  <a:gd name="connsiteX10" fmla="*/ 1755164 w 4653328"/>
+                  <a:gd name="connsiteY10" fmla="*/ 4546271 h 4579678"/>
+                  <a:gd name="connsiteX11" fmla="*/ 1755164 w 4653328"/>
+                  <a:gd name="connsiteY11" fmla="*/ 4579678 h 4579678"/>
+                  <a:gd name="connsiteX12" fmla="*/ 1634785 w 4653328"/>
+                  <a:gd name="connsiteY12" fmla="*/ 4548726 h 4579678"/>
+                  <a:gd name="connsiteX13" fmla="*/ 0 w 4653328"/>
+                  <a:gd name="connsiteY13" fmla="*/ 2326664 h 4579678"/>
+                  <a:gd name="connsiteX14" fmla="*/ 2326664 w 4653328"/>
+                  <a:gd name="connsiteY14" fmla="*/ 0 h 4579678"/>
+                </a:gdLst>
+                <a:ahLst/>
+                <a:cxnLst>
+                  <a:cxn ang="0">
+                    <a:pos x="connsiteX0" y="connsiteY0"/>
+                  </a:cxn>
+                  <a:cxn ang="0">
+                    <a:pos x="connsiteX1" y="connsiteY1"/>
+                  </a:cxn>
+                  <a:cxn ang="0">
+                    <a:pos x="connsiteX2" y="connsiteY2"/>
+                  </a:cxn>
+                  <a:cxn ang="0">
+                    <a:pos x="connsiteX3" y="connsiteY3"/>
+                  </a:cxn>
+                  <a:cxn ang="0">
+                    <a:pos x="connsiteX4" y="connsiteY4"/>
+                  </a:cxn>
+                  <a:cxn ang="0">
+                    <a:pos x="connsiteX5" y="connsiteY5"/>
+                  </a:cxn>
+                  <a:cxn ang="0">
+                    <a:pos x="connsiteX6" y="connsiteY6"/>
+                  </a:cxn>
+                  <a:cxn ang="0">
+                    <a:pos x="connsiteX7" y="connsiteY7"/>
+                  </a:cxn>
+                  <a:cxn ang="0">
+                    <a:pos x="connsiteX8" y="connsiteY8"/>
+                  </a:cxn>
+                  <a:cxn ang="0">
+                    <a:pos x="connsiteX9" y="connsiteY9"/>
+                  </a:cxn>
+                  <a:cxn ang="0">
+                    <a:pos x="connsiteX10" y="connsiteY10"/>
+                  </a:cxn>
+                  <a:cxn ang="0">
+                    <a:pos x="connsiteX11" y="connsiteY11"/>
+                  </a:cxn>
+                  <a:cxn ang="0">
+                    <a:pos x="connsiteX12" y="connsiteY12"/>
+                  </a:cxn>
+                  <a:cxn ang="0">
+                    <a:pos x="connsiteX13" y="connsiteY13"/>
+                  </a:cxn>
+                  <a:cxn ang="0">
+                    <a:pos x="connsiteX14" y="connsiteY14"/>
+                  </a:cxn>
+                </a:cxnLst>
+                <a:rect l="l" t="t" r="r" b="b"/>
+                <a:pathLst>
+                  <a:path w="4653328" h="4579678">
+                    <a:moveTo>
+                      <a:pt x="2326664" y="0"/>
+                    </a:moveTo>
+                    <a:cubicBezTo>
+                      <a:pt x="3611645" y="0"/>
+                      <a:pt x="4653328" y="1041683"/>
+                      <a:pt x="4653328" y="2326664"/>
+                    </a:cubicBezTo>
+                    <a:cubicBezTo>
+                      <a:pt x="4653328" y="3290400"/>
+                      <a:pt x="4067382" y="4117281"/>
+                      <a:pt x="3232307" y="4470487"/>
+                    </a:cubicBezTo>
+                    <a:lnTo>
+                      <a:pt x="3031514" y="4543979"/>
+                    </a:lnTo>
+                    <a:lnTo>
+                      <a:pt x="3031514" y="4509523"/>
+                    </a:lnTo>
+                    <a:lnTo>
+                      <a:pt x="3219700" y="4440645"/>
+                    </a:lnTo>
+                    <a:cubicBezTo>
+                      <a:pt x="4043151" y="4092355"/>
+                      <a:pt x="4620941" y="3276984"/>
+                      <a:pt x="4620941" y="2326664"/>
+                    </a:cubicBezTo>
+                    <a:cubicBezTo>
+                      <a:pt x="4620941" y="1059570"/>
+                      <a:pt x="3593758" y="32387"/>
+                      <a:pt x="2326664" y="32387"/>
+                    </a:cubicBezTo>
+                    <a:cubicBezTo>
+                      <a:pt x="1059570" y="32387"/>
+                      <a:pt x="32387" y="1059570"/>
+                      <a:pt x="32387" y="2326664"/>
+                    </a:cubicBezTo>
+                    <a:cubicBezTo>
+                      <a:pt x="32387" y="3356178"/>
+                      <a:pt x="710488" y="4227313"/>
+                      <a:pt x="1644416" y="4517795"/>
+                    </a:cubicBezTo>
+                    <a:lnTo>
+                      <a:pt x="1755164" y="4546271"/>
+                    </a:lnTo>
+                    <a:lnTo>
+                      <a:pt x="1755164" y="4579678"/>
+                    </a:lnTo>
+                    <a:lnTo>
+                      <a:pt x="1634785" y="4548726"/>
+                    </a:lnTo>
+                    <a:cubicBezTo>
+                      <a:pt x="687673" y="4254144"/>
+                      <a:pt x="0" y="3370711"/>
+                      <a:pt x="0" y="2326664"/>
+                    </a:cubicBezTo>
+                    <a:cubicBezTo>
+                      <a:pt x="0" y="1041683"/>
+                      <a:pt x="1041683" y="0"/>
+                      <a:pt x="2326664" y="0"/>
+                    </a:cubicBezTo>
+                    <a:close/>
+                  </a:path>
+                </a:pathLst>
+              </a:custGeom>
+              <a:solidFill>
+                <a:schemeClr val="bg1">
+                  <a:alpha val="40000"/>
+                </a:schemeClr>
+              </a:solidFill>
+              <a:ln>
+                <a:noFill/>
+              </a:ln>
+            </p:spPr>
+            <p:style>
+              <a:lnRef idx="2">
+                <a:schemeClr val="accent1">
+                  <a:shade val="50000"/>
+                </a:schemeClr>
+              </a:lnRef>
+              <a:fillRef idx="1">
+                <a:schemeClr val="accent1"/>
+              </a:fillRef>
+              <a:effectRef idx="0">
+                <a:schemeClr val="accent1"/>
+              </a:effectRef>
+              <a:fontRef idx="minor">
+                <a:schemeClr val="lt1"/>
+              </a:fontRef>
+            </p:style>
+            <p:txBody>
+              <a:bodyPr rtlCol="0" anchor="ctr"/>
+              <a:lstStyle/>
+              <a:p>
+                <a:pPr algn="ctr"/>
+                <a:endParaRPr lang="zh-CN" altLang="en-US"/>
+              </a:p>
+            </p:txBody>
+          </p:sp>
+          <p:sp>
+            <p:nvSpPr>
+              <p:cNvPr id="50" name="椭圆 49"/>
+              <p:cNvSpPr/>
+              <p:nvPr/>
+            </p:nvSpPr>
+            <p:spPr>
+              <a:xfrm>
+                <a:off x="4744096" y="417049"/>
+                <a:ext cx="254016" cy="254016"/>
+              </a:xfrm>
+              <a:prstGeom prst="ellipse">
+                <a:avLst/>
+              </a:prstGeom>
+              <a:solidFill>
+                <a:schemeClr val="bg1"/>
+              </a:solidFill>
+              <a:ln>
+                <a:noFill/>
+              </a:ln>
+            </p:spPr>
+            <p:style>
+              <a:lnRef idx="2">
+                <a:schemeClr val="accent1">
+                  <a:shade val="50000"/>
+                </a:schemeClr>
+              </a:lnRef>
+              <a:fillRef idx="1">
+                <a:schemeClr val="accent1"/>
+              </a:fillRef>
+              <a:effectRef idx="0">
+                <a:schemeClr val="accent1"/>
+              </a:effectRef>
+              <a:fontRef idx="minor">
+                <a:schemeClr val="lt1"/>
+              </a:fontRef>
+            </p:style>
+            <p:txBody>
+              <a:bodyPr rtlCol="0" anchor="ctr"/>
+              <a:lstStyle/>
+              <a:p>
+                <a:pPr algn="ctr"/>
+                <a:endParaRPr lang="zh-CN" altLang="en-US"/>
+              </a:p>
+            </p:txBody>
+          </p:sp>
+        </p:grpSp>
+      </p:grpSp>
+      <p:sp>
+        <p:nvSpPr>
+          <p:cNvPr id="26" name="同侧圆角矩形 25"/>
+          <p:cNvSpPr/>
+          <p:nvPr/>
+        </p:nvSpPr>
+        <p:spPr>
+          <a:xfrm>
+            <a:off x="829894" y="1056684"/>
+            <a:ext cx="10714406" cy="5209181"/>
+          </a:xfrm>
+          <a:prstGeom prst="round2SameRect">
+            <a:avLst>
+              <a:gd name="adj1" fmla="val 7576"/>
+              <a:gd name="adj2" fmla="val 12431"/>
+            </a:avLst>
+          </a:prstGeom>
+          <a:gradFill>
+            <a:gsLst>
+              <a:gs pos="0">
+                <a:schemeClr val="bg1">
+                  <a:alpha val="61000"/>
+                </a:schemeClr>
+              </a:gs>
+              <a:gs pos="100000">
+                <a:schemeClr val="bg1">
+                  <a:alpha val="0"/>
+                </a:schemeClr>
+              </a:gs>
+            </a:gsLst>
+            <a:lin ang="5400000" scaled="1"/>
+          </a:gradFill>
+          <a:ln>
+            <a:noFill/>
+          </a:ln>
+        </p:spPr>
+        <p:style>
+          <a:lnRef idx="2">
+            <a:schemeClr val="accent1">
+              <a:shade val="50000"/>
+            </a:schemeClr>
+          </a:lnRef>
+          <a:fillRef idx="1">
+            <a:schemeClr val="accent1"/>
+          </a:fillRef>
+          <a:effectRef idx="0">
+            <a:schemeClr val="accent1"/>
+          </a:effectRef>
+          <a:fontRef idx="minor">
+            <a:schemeClr val="lt1"/>
+          </a:fontRef>
+        </p:style>
+        <p:txBody>
+          <a:bodyPr rtlCol="0" anchor="ctr"/>
+          <a:lstStyle/>
+          <a:p>
+            <a:r>
               <a:rPr lang="zh-CN" altLang="en-US" sz="2800" dirty="0" smtClean="0"/>
               <a:t>界面开发的方式</a:t>
             </a:r>
@@ -19618,7 +19659,7 @@
         <p:spPr>
           <a:xfrm>
             <a:off x="1179819" y="-9144"/>
-            <a:ext cx="952505" cy="646331"/>
+            <a:ext cx="1077539" cy="646331"/>
           </a:xfrm>
           <a:prstGeom prst="rect">
             <a:avLst/>
@@ -19638,7 +19679,7 @@
                 </a:solidFill>
                 <a:latin typeface="Impact" panose="020B0806030902050204" pitchFamily="34" charset="0"/>
               </a:rPr>
-              <a:t>3.1.1</a:t>
+              <a:t>3.3.2</a:t>
             </a:r>
             <a:endParaRPr lang="zh-CN" altLang="en-US" sz="3600" dirty="0">
               <a:solidFill>
@@ -20445,7 +20486,7 @@
         <p:spPr>
           <a:xfrm>
             <a:off x="1179819" y="-9144"/>
-            <a:ext cx="952505" cy="646331"/>
+            <a:ext cx="1090363" cy="646331"/>
           </a:xfrm>
           <a:prstGeom prst="rect">
             <a:avLst/>
@@ -20465,7 +20506,7 @@
                 </a:solidFill>
                 <a:latin typeface="Impact" panose="020B0806030902050204" pitchFamily="34" charset="0"/>
               </a:rPr>
-              <a:t>3.1.1</a:t>
+              <a:t>3.3.3</a:t>
             </a:r>
             <a:endParaRPr lang="zh-CN" altLang="en-US" sz="3600" dirty="0">
               <a:solidFill>
@@ -21272,7 +21313,7 @@
         <p:spPr>
           <a:xfrm>
             <a:off x="1179819" y="-9144"/>
-            <a:ext cx="952505" cy="646331"/>
+            <a:ext cx="1008609" cy="646331"/>
           </a:xfrm>
           <a:prstGeom prst="rect">
             <a:avLst/>
@@ -21292,7 +21333,7 @@
                 </a:solidFill>
                 <a:latin typeface="Impact" panose="020B0806030902050204" pitchFamily="34" charset="0"/>
               </a:rPr>
-              <a:t>3.1.1</a:t>
+              <a:t>3.2.1</a:t>
             </a:r>
             <a:endParaRPr lang="zh-CN" altLang="en-US" sz="3600" dirty="0">
               <a:solidFill>
@@ -22127,7 +22168,7 @@
         <p:spPr>
           <a:xfrm>
             <a:off x="1179819" y="-9144"/>
-            <a:ext cx="747320" cy="646331"/>
+            <a:ext cx="760144" cy="646331"/>
           </a:xfrm>
           <a:prstGeom prst="rect">
             <a:avLst/>
@@ -22147,7 +22188,7 @@
                 </a:solidFill>
                 <a:latin typeface="Impact" panose="020B0806030902050204" pitchFamily="34" charset="0"/>
               </a:rPr>
-              <a:t>3.2</a:t>
+              <a:t>3.3</a:t>
             </a:r>
             <a:endParaRPr lang="zh-CN" altLang="en-US" sz="3600" dirty="0">
               <a:solidFill>
@@ -23295,7 +23336,7 @@
         <p:spPr>
           <a:xfrm>
             <a:off x="1179819" y="-9144"/>
-            <a:ext cx="760144" cy="646331"/>
+            <a:ext cx="745717" cy="646331"/>
           </a:xfrm>
           <a:prstGeom prst="rect">
             <a:avLst/>
@@ -23315,7 +23356,7 @@
                 </a:solidFill>
                 <a:latin typeface="Impact" panose="020B0806030902050204" pitchFamily="34" charset="0"/>
               </a:rPr>
-              <a:t>3.3</a:t>
+              <a:t>3.4</a:t>
             </a:r>
             <a:endParaRPr lang="zh-CN" altLang="en-US" sz="3600" dirty="0">
               <a:solidFill>
@@ -25401,7 +25442,7 @@
         <p:spPr>
           <a:xfrm>
             <a:off x="1179819" y="-9144"/>
-            <a:ext cx="760144" cy="646331"/>
+            <a:ext cx="763351" cy="646331"/>
           </a:xfrm>
           <a:prstGeom prst="rect">
             <a:avLst/>
@@ -25421,7 +25462,7 @@
                 </a:solidFill>
                 <a:latin typeface="Impact" panose="020B0806030902050204" pitchFamily="34" charset="0"/>
               </a:rPr>
-              <a:t>3.4</a:t>
+              <a:t>3.5</a:t>
             </a:r>
             <a:endParaRPr lang="zh-CN" altLang="en-US" sz="3600" dirty="0">
               <a:solidFill>
@@ -26119,11 +26160,7 @@
             </a:r>
             <a:r>
               <a:rPr lang="zh-CN" altLang="en-US" sz="2800" dirty="0" smtClean="0"/>
-              <a:t>）</a:t>
-            </a:r>
-            <a:r>
-              <a:rPr lang="zh-CN" altLang="en-US" sz="2800" dirty="0" smtClean="0"/>
-              <a:t>。</a:t>
+              <a:t>）。</a:t>
             </a:r>
             <a:endParaRPr lang="en-US" altLang="zh-CN" sz="2800" dirty="0" smtClean="0"/>
           </a:p>
@@ -26346,7 +26383,7 @@
         <p:spPr>
           <a:xfrm>
             <a:off x="1179819" y="-9144"/>
-            <a:ext cx="760144" cy="646331"/>
+            <a:ext cx="764953" cy="646331"/>
           </a:xfrm>
           <a:prstGeom prst="rect">
             <a:avLst/>
@@ -26366,7 +26403,7 @@
                 </a:solidFill>
                 <a:latin typeface="Impact" panose="020B0806030902050204" pitchFamily="34" charset="0"/>
               </a:rPr>
-              <a:t>3.4</a:t>
+              <a:t>3.6</a:t>
             </a:r>
             <a:endParaRPr lang="zh-CN" altLang="en-US" sz="3600" dirty="0">
               <a:solidFill>
@@ -33361,8 +33398,8 @@
         </p:nvSpPr>
         <p:spPr>
           <a:xfrm>
-            <a:off x="3055621" y="510025"/>
-            <a:ext cx="1866217" cy="400110"/>
+            <a:off x="3055621" y="410009"/>
+            <a:ext cx="3012363" cy="584775"/>
           </a:xfrm>
           <a:prstGeom prst="rect">
             <a:avLst/>
@@ -33376,26 +33413,26 @@
           <a:lstStyle/>
           <a:p>
             <a:r>
-              <a:rPr lang="en-US" altLang="zh-CN" sz="2000" dirty="0" smtClean="0">
+              <a:rPr lang="en-US" altLang="zh-CN" sz="3200" dirty="0" smtClean="0">
                 <a:solidFill>
                   <a:schemeClr val="bg1"/>
                 </a:solidFill>
                 <a:latin typeface="方正兰亭粗黑_GBK" panose="02000000000000000000" pitchFamily="2" charset="-122"/>
                 <a:ea typeface="方正兰亭粗黑_GBK" panose="02000000000000000000" pitchFamily="2" charset="-122"/>
               </a:rPr>
-              <a:t>iOS</a:t>
-            </a:r>
-            <a:r>
-              <a:rPr lang="zh-CN" altLang="en-US" sz="2000" dirty="0" smtClean="0">
+              <a:t>Objective-C</a:t>
+            </a:r>
+            <a:r>
+              <a:rPr lang="zh-CN" altLang="en-US" sz="3200" dirty="0" smtClean="0">
                 <a:solidFill>
                   <a:schemeClr val="bg1"/>
                 </a:solidFill>
                 <a:latin typeface="方正兰亭粗黑_GBK" panose="02000000000000000000" pitchFamily="2" charset="-122"/>
                 <a:ea typeface="方正兰亭粗黑_GBK" panose="02000000000000000000" pitchFamily="2" charset="-122"/>
               </a:rPr>
-              <a:t>使用的语言</a:t>
-            </a:r>
-            <a:endParaRPr lang="zh-CN" altLang="en-US" sz="2000" dirty="0">
+              <a:t>简史</a:t>
+            </a:r>
+            <a:endParaRPr lang="zh-CN" altLang="en-US" sz="3200" dirty="0">
               <a:solidFill>
                 <a:schemeClr val="bg1"/>
               </a:solidFill>
@@ -33414,7 +33451,7 @@
         <p:spPr>
           <a:xfrm>
             <a:off x="1179819" y="-9144"/>
-            <a:ext cx="678391" cy="646331"/>
+            <a:ext cx="939681" cy="646331"/>
           </a:xfrm>
           <a:prstGeom prst="rect">
             <a:avLst/>
@@ -33434,7 +33471,7 @@
                 </a:solidFill>
                 <a:latin typeface="Impact" panose="020B0806030902050204" pitchFamily="34" charset="0"/>
               </a:rPr>
-              <a:t>1.2</a:t>
+              <a:t>1.2.1</a:t>
             </a:r>
             <a:endParaRPr lang="zh-CN" altLang="en-US" sz="3600" dirty="0">
               <a:solidFill>
@@ -33980,7 +34017,7 @@
         </p:nvSpPr>
         <p:spPr>
           <a:xfrm>
-            <a:off x="829894" y="1056684"/>
+            <a:off x="829894" y="1094690"/>
             <a:ext cx="10714406" cy="5209181"/>
           </a:xfrm>
           <a:prstGeom prst="round2SameRect">
@@ -34028,187 +34065,145 @@
           <a:bodyPr rtlCol="0" anchor="ctr"/>
           <a:lstStyle/>
           <a:p>
-            <a:pPr algn="ctr"/>
-            <a:endParaRPr lang="zh-CN" altLang="en-US"/>
+            <a:r>
+              <a:rPr lang="en-US" altLang="zh-CN" sz="2800" dirty="0"/>
+              <a:t>1980</a:t>
+            </a:r>
+            <a:r>
+              <a:rPr lang="zh-CN" altLang="en-US" sz="2800" dirty="0"/>
+              <a:t>年代初布莱德</a:t>
+            </a:r>
+            <a:r>
+              <a:rPr lang="en-US" altLang="zh-CN" sz="2800" dirty="0"/>
+              <a:t>·</a:t>
+            </a:r>
+            <a:r>
+              <a:rPr lang="zh-CN" altLang="en-US" sz="2800" dirty="0"/>
+              <a:t>考克斯</a:t>
+            </a:r>
+            <a:r>
+              <a:rPr lang="en-US" altLang="zh-CN" sz="2800" dirty="0"/>
+              <a:t>(Brad Cox)</a:t>
+            </a:r>
+            <a:r>
+              <a:rPr lang="zh-CN" altLang="en-US" sz="2800" dirty="0"/>
+              <a:t>在其公司</a:t>
+            </a:r>
+            <a:r>
+              <a:rPr lang="en-US" altLang="zh-CN" sz="2800" dirty="0" err="1"/>
+              <a:t>Stepstone</a:t>
+            </a:r>
+            <a:r>
+              <a:rPr lang="zh-CN" altLang="en-US" sz="2800" dirty="0"/>
+              <a:t>发明</a:t>
+            </a:r>
+            <a:r>
+              <a:rPr lang="en-US" altLang="zh-CN" sz="2800" dirty="0" smtClean="0"/>
+              <a:t>Objective-C</a:t>
+            </a:r>
+            <a:r>
+              <a:rPr lang="zh-CN" altLang="en-US" sz="2800" dirty="0" smtClean="0"/>
+              <a:t>。</a:t>
+            </a:r>
+            <a:endParaRPr lang="en-US" altLang="zh-CN" sz="2800" dirty="0" smtClean="0"/>
           </a:p>
-        </p:txBody>
-      </p:sp>
-      <p:sp>
-        <p:nvSpPr>
-          <p:cNvPr id="4" name="矩形 3"/>
-          <p:cNvSpPr/>
-          <p:nvPr/>
-        </p:nvSpPr>
-        <p:spPr>
-          <a:xfrm>
-            <a:off x="1485900" y="2071688"/>
-            <a:ext cx="9272588" cy="1048198"/>
-          </a:xfrm>
-          <a:prstGeom prst="rect">
-            <a:avLst/>
-          </a:prstGeom>
-          <a:gradFill flip="none" rotWithShape="1">
-            <a:gsLst>
-              <a:gs pos="0">
-                <a:schemeClr val="bg1">
-                  <a:alpha val="11000"/>
-                </a:schemeClr>
-              </a:gs>
-              <a:gs pos="100000">
-                <a:schemeClr val="bg1">
-                  <a:alpha val="0"/>
-                </a:schemeClr>
-              </a:gs>
-            </a:gsLst>
-            <a:lin ang="5400000" scaled="0"/>
-            <a:tileRect/>
-          </a:gradFill>
-          <a:ln>
-            <a:noFill/>
-          </a:ln>
-        </p:spPr>
-        <p:style>
-          <a:lnRef idx="2">
-            <a:schemeClr val="accent1">
-              <a:shade val="50000"/>
-            </a:schemeClr>
-          </a:lnRef>
-          <a:fillRef idx="1">
-            <a:schemeClr val="accent1"/>
-          </a:fillRef>
-          <a:effectRef idx="0">
-            <a:schemeClr val="accent1"/>
-          </a:effectRef>
-          <a:fontRef idx="minor">
-            <a:schemeClr val="lt1"/>
-          </a:fontRef>
-        </p:style>
-        <p:txBody>
-          <a:bodyPr rtlCol="0" anchor="ctr"/>
-          <a:lstStyle/>
           <a:p>
-            <a:pPr algn="ctr"/>
-            <a:r>
-              <a:rPr lang="en-US" altLang="zh-CN" sz="4000" dirty="0" smtClean="0">
-                <a:solidFill>
-                  <a:schemeClr val="bg1"/>
-                </a:solidFill>
-                <a:effectLst>
-                  <a:glow rad="139700">
-                    <a:schemeClr val="accent5">
-                      <a:satMod val="175000"/>
-                      <a:alpha val="40000"/>
-                    </a:schemeClr>
-                  </a:glow>
-                </a:effectLst>
-                <a:latin typeface="方正兰亭粗黑_GBK" panose="02000000000000000000" pitchFamily="2" charset="-122"/>
-                <a:ea typeface="方正兰亭粗黑_GBK" panose="02000000000000000000" pitchFamily="2" charset="-122"/>
-              </a:rPr>
+            <a:r>
+              <a:rPr lang="en-US" altLang="zh-CN" sz="2800" dirty="0"/>
+              <a:t>Brad Cox</a:t>
+            </a:r>
+            <a:r>
+              <a:rPr lang="zh-CN" altLang="en-US" sz="2800" dirty="0"/>
+              <a:t>一直专注软件工程，软件重用性，组建化，这也是</a:t>
+            </a:r>
+            <a:r>
+              <a:rPr lang="en-US" altLang="zh-CN" sz="2800" dirty="0" err="1"/>
+              <a:t>ObjC</a:t>
+            </a:r>
+            <a:r>
+              <a:rPr lang="zh-CN" altLang="en-US" sz="2800" dirty="0"/>
+              <a:t>里面的核心思想，</a:t>
+            </a:r>
+            <a:r>
+              <a:rPr lang="en-US" altLang="zh-CN" sz="2800" dirty="0"/>
+              <a:t>Brad</a:t>
+            </a:r>
+            <a:r>
+              <a:rPr lang="zh-CN" altLang="en-US" sz="2800" dirty="0"/>
+              <a:t>当时想打造一门流行的、可移植的</a:t>
+            </a:r>
+            <a:r>
+              <a:rPr lang="en-US" altLang="zh-CN" sz="2800" dirty="0"/>
+              <a:t>C</a:t>
+            </a:r>
+            <a:r>
+              <a:rPr lang="zh-CN" altLang="en-US" sz="2800" dirty="0"/>
+              <a:t>语言与优雅的</a:t>
+            </a:r>
+            <a:r>
+              <a:rPr lang="en-US" altLang="zh-CN" sz="2800" dirty="0"/>
+              <a:t>Smalltalk</a:t>
+            </a:r>
+            <a:r>
+              <a:rPr lang="zh-CN" altLang="en-US" sz="2800" dirty="0"/>
+              <a:t>的结合体。</a:t>
+            </a:r>
+            <a:r>
+              <a:rPr lang="en-US" altLang="zh-CN" sz="2800" dirty="0"/>
               <a:t>Objective-C</a:t>
             </a:r>
-            <a:endParaRPr kumimoji="1" lang="zh-CN" altLang="en-US" sz="4000" dirty="0">
-              <a:effectLst>
-                <a:glow rad="139700">
-                  <a:schemeClr val="accent5">
-                    <a:satMod val="175000"/>
-                    <a:alpha val="40000"/>
-                  </a:schemeClr>
-                </a:glow>
-              </a:effectLst>
-            </a:endParaRPr>
-          </a:p>
-        </p:txBody>
-      </p:sp>
-      <p:sp>
-        <p:nvSpPr>
-          <p:cNvPr id="15" name="矩形 14"/>
-          <p:cNvSpPr/>
-          <p:nvPr/>
-        </p:nvSpPr>
-        <p:spPr>
-          <a:xfrm>
-            <a:off x="1485900" y="3539383"/>
-            <a:ext cx="9272588" cy="1048198"/>
-          </a:xfrm>
-          <a:prstGeom prst="rect">
-            <a:avLst/>
-          </a:prstGeom>
-          <a:gradFill flip="none" rotWithShape="1">
-            <a:gsLst>
-              <a:gs pos="0">
-                <a:schemeClr val="bg1">
-                  <a:alpha val="11000"/>
-                </a:schemeClr>
-              </a:gs>
-              <a:gs pos="100000">
-                <a:schemeClr val="bg1">
-                  <a:alpha val="0"/>
-                </a:schemeClr>
-              </a:gs>
-            </a:gsLst>
-            <a:lin ang="5400000" scaled="0"/>
-            <a:tileRect/>
-          </a:gradFill>
-          <a:ln>
-            <a:noFill/>
-          </a:ln>
-        </p:spPr>
-        <p:style>
-          <a:lnRef idx="2">
-            <a:schemeClr val="accent1">
-              <a:shade val="50000"/>
-            </a:schemeClr>
-          </a:lnRef>
-          <a:fillRef idx="1">
-            <a:schemeClr val="accent1"/>
-          </a:fillRef>
-          <a:effectRef idx="0">
-            <a:schemeClr val="accent1"/>
-          </a:effectRef>
-          <a:fontRef idx="minor">
-            <a:schemeClr val="lt1"/>
-          </a:fontRef>
-        </p:style>
-        <p:txBody>
-          <a:bodyPr rtlCol="0" anchor="ctr"/>
-          <a:lstStyle/>
-          <a:p>
-            <a:pPr algn="ctr"/>
-            <a:r>
-              <a:rPr lang="en-US" altLang="zh-CN" sz="4000" dirty="0" smtClean="0">
-                <a:solidFill>
-                  <a:schemeClr val="bg1"/>
-                </a:solidFill>
-                <a:effectLst>
-                  <a:glow rad="139700">
-                    <a:schemeClr val="accent5">
-                      <a:satMod val="175000"/>
-                      <a:alpha val="40000"/>
-                    </a:schemeClr>
-                  </a:glow>
-                </a:effectLst>
-                <a:latin typeface="方正兰亭粗黑_GBK" panose="02000000000000000000" pitchFamily="2" charset="-122"/>
-                <a:ea typeface="方正兰亭粗黑_GBK" panose="02000000000000000000" pitchFamily="2" charset="-122"/>
-              </a:rPr>
-              <a:t>Swift</a:t>
-            </a:r>
-            <a:endParaRPr kumimoji="1" lang="zh-CN" altLang="en-US" sz="4000" dirty="0">
-              <a:effectLst>
-                <a:glow rad="139700">
-                  <a:schemeClr val="accent5">
-                    <a:satMod val="175000"/>
-                    <a:alpha val="40000"/>
-                  </a:schemeClr>
-                </a:glow>
-              </a:effectLst>
-            </a:endParaRPr>
+            <a:r>
+              <a:rPr lang="zh-CN" altLang="en-US" sz="2800" dirty="0"/>
+              <a:t>，通常写作</a:t>
+            </a:r>
+            <a:r>
+              <a:rPr lang="en-US" altLang="zh-CN" sz="2800" dirty="0" err="1"/>
+              <a:t>ObjC</a:t>
+            </a:r>
+            <a:r>
+              <a:rPr lang="zh-CN" altLang="en-US" sz="2800" dirty="0"/>
+              <a:t>，有时候也写作</a:t>
+            </a:r>
+            <a:r>
+              <a:rPr lang="en-US" altLang="zh-CN" sz="2800" dirty="0"/>
+              <a:t>Objective-C</a:t>
+            </a:r>
+            <a:r>
+              <a:rPr lang="zh-CN" altLang="en-US" sz="2800" dirty="0"/>
+              <a:t>或</a:t>
+            </a:r>
+            <a:r>
+              <a:rPr lang="en-US" altLang="zh-CN" sz="2800" dirty="0" err="1"/>
+              <a:t>Obj</a:t>
+            </a:r>
+            <a:r>
+              <a:rPr lang="en-US" altLang="zh-CN" sz="2800" dirty="0"/>
+              <a:t>-C,</a:t>
+            </a:r>
+            <a:r>
+              <a:rPr lang="zh-CN" altLang="en-US" sz="2800" dirty="0"/>
+              <a:t>是在</a:t>
+            </a:r>
+            <a:r>
+              <a:rPr lang="en-US" altLang="zh-CN" sz="2800" dirty="0"/>
+              <a:t>C</a:t>
+            </a:r>
+            <a:r>
+              <a:rPr lang="zh-CN" altLang="en-US" sz="2800" dirty="0"/>
+              <a:t>的基础上，加入面向对象特性扩充而成的编程语言</a:t>
+            </a:r>
+            <a:r>
+              <a:rPr lang="zh-CN" altLang="en-US" sz="2800" dirty="0" smtClean="0"/>
+              <a:t>。</a:t>
+            </a:r>
+            <a:endParaRPr lang="zh-CN" altLang="en-US" sz="2800" dirty="0"/>
           </a:p>
         </p:txBody>
       </p:sp>
     </p:spTree>
     <p:extLst>
       <p:ext uri="{BB962C8B-B14F-4D97-AF65-F5344CB8AC3E}">
-        <p14:creationId xmlns:p14="http://schemas.microsoft.com/office/powerpoint/2010/main" val="2042535288"/>
+        <p14:creationId xmlns:p14="http://schemas.microsoft.com/office/powerpoint/2010/main" val="974230390"/>
       </p:ext>
     </p:extLst>
   </p:cSld>
@@ -34311,7 +34306,7 @@
         </p:nvSpPr>
         <p:spPr>
           <a:xfrm>
-            <a:off x="3055621" y="410009"/>
+            <a:off x="3055621" y="395721"/>
             <a:ext cx="3012363" cy="584775"/>
           </a:xfrm>
           <a:prstGeom prst="rect">
@@ -34364,7 +34359,7 @@
         <p:spPr>
           <a:xfrm>
             <a:off x="1179819" y="-9144"/>
-            <a:ext cx="939681" cy="646331"/>
+            <a:ext cx="995785" cy="646331"/>
           </a:xfrm>
           <a:prstGeom prst="rect">
             <a:avLst/>
@@ -34384,7 +34379,7 @@
                 </a:solidFill>
                 <a:latin typeface="Impact" panose="020B0806030902050204" pitchFamily="34" charset="0"/>
               </a:rPr>
-              <a:t>1.2.1</a:t>
+              <a:t>1.2.2</a:t>
             </a:r>
             <a:endParaRPr lang="zh-CN" altLang="en-US" sz="3600" dirty="0">
               <a:solidFill>
@@ -34930,7 +34925,7 @@
         </p:nvSpPr>
         <p:spPr>
           <a:xfrm>
-            <a:off x="829894" y="1094690"/>
+            <a:off x="829894" y="1093432"/>
             <a:ext cx="10714406" cy="5209181"/>
           </a:xfrm>
           <a:prstGeom prst="round2SameRect">
@@ -34980,39 +34975,43 @@
           <a:p>
             <a:r>
               <a:rPr lang="en-US" altLang="zh-CN" sz="2800" dirty="0"/>
-              <a:t>1980</a:t>
+              <a:t>1976</a:t>
+            </a:r>
+            <a:r>
+              <a:rPr lang="en-US" altLang="zh-CN" sz="2800" dirty="0" smtClean="0"/>
+              <a:t>,</a:t>
+            </a:r>
+            <a:r>
+              <a:rPr lang="en-US" altLang="zh-CN" sz="2800" dirty="0"/>
+              <a:t> Steve </a:t>
+            </a:r>
+            <a:r>
+              <a:rPr lang="en-US" altLang="zh-CN" sz="2800" dirty="0" err="1"/>
+              <a:t>Wonzniak</a:t>
             </a:r>
             <a:r>
               <a:rPr lang="zh-CN" altLang="en-US" sz="2800" dirty="0"/>
-              <a:t>年代初布莱德</a:t>
+              <a:t>史提夫 沃兹尼克 和 </a:t>
             </a:r>
             <a:r>
               <a:rPr lang="en-US" altLang="zh-CN" sz="2800" dirty="0"/>
-              <a:t>·</a:t>
+              <a:t>Steve Jobs</a:t>
             </a:r>
             <a:r>
               <a:rPr lang="zh-CN" altLang="en-US" sz="2800" dirty="0"/>
-              <a:t>考克斯</a:t>
-            </a:r>
-            <a:r>
-              <a:rPr lang="en-US" altLang="zh-CN" sz="2800" dirty="0"/>
-              <a:t>(Brad Cox)</a:t>
+              <a:t>史提夫 </a:t>
+            </a:r>
+            <a:r>
+              <a:rPr lang="zh-CN" altLang="en-US" sz="2800" dirty="0" smtClean="0"/>
+              <a:t>贾伯斯</a:t>
             </a:r>
             <a:r>
               <a:rPr lang="zh-CN" altLang="en-US" sz="2800" dirty="0"/>
-              <a:t>在其公司</a:t>
-            </a:r>
-            <a:r>
-              <a:rPr lang="en-US" altLang="zh-CN" sz="2800" dirty="0" err="1"/>
-              <a:t>Stepstone</a:t>
-            </a:r>
-            <a:r>
-              <a:rPr lang="zh-CN" altLang="en-US" sz="2800" dirty="0"/>
-              <a:t>发明</a:t>
+              <a:t>创立</a:t>
             </a:r>
             <a:r>
               <a:rPr lang="en-US" altLang="zh-CN" sz="2800" dirty="0" smtClean="0"/>
-              <a:t>Objective-C</a:t>
+              <a:t>Apple</a:t>
             </a:r>
             <a:r>
               <a:rPr lang="zh-CN" altLang="en-US" sz="2800" dirty="0" smtClean="0"/>
@@ -35022,44 +35021,79 @@
           </a:p>
           <a:p>
             <a:r>
+              <a:rPr lang="en-US" altLang="zh-CN" sz="2800" dirty="0" smtClean="0"/>
+              <a:t>1985</a:t>
+            </a:r>
+            <a:r>
+              <a:rPr lang="zh-CN" altLang="en-US" sz="2800" dirty="0"/>
+              <a:t>年，</a:t>
+            </a:r>
+            <a:r>
               <a:rPr lang="en-US" altLang="zh-CN" sz="2800" dirty="0"/>
-              <a:t>Brad Cox</a:t>
+              <a:t>John </a:t>
+            </a:r>
+            <a:r>
+              <a:rPr lang="en-US" altLang="zh-CN" sz="2800" dirty="0" err="1"/>
+              <a:t>Sculley</a:t>
             </a:r>
             <a:r>
               <a:rPr lang="zh-CN" altLang="en-US" sz="2800" dirty="0"/>
-              <a:t>一直专注软件工程，软件重用性，组建化，这也是</a:t>
+              <a:t>接管了苹果电脑，并把</a:t>
+            </a:r>
+            <a:r>
+              <a:rPr lang="en-US" altLang="zh-CN" sz="2800" dirty="0"/>
+              <a:t>Steve</a:t>
+            </a:r>
+            <a:br>
+              <a:rPr lang="en-US" altLang="zh-CN" sz="2800" dirty="0"/>
+            </a:br>
+            <a:r>
+              <a:rPr lang="en-US" altLang="zh-CN" sz="2800" dirty="0"/>
+              <a:t>Jobs</a:t>
+            </a:r>
+            <a:r>
+              <a:rPr lang="zh-CN" altLang="en-US" sz="2800" dirty="0"/>
+              <a:t>赶出了苹果电脑。他离开后创立了</a:t>
+            </a:r>
+            <a:r>
+              <a:rPr lang="en-US" altLang="zh-CN" sz="2800" dirty="0"/>
+              <a:t>NeXT</a:t>
+            </a:r>
+            <a:r>
+              <a:rPr lang="zh-CN" altLang="en-US" sz="2800" dirty="0"/>
+              <a:t>电脑公司，并发展出</a:t>
+            </a:r>
+            <a:r>
+              <a:rPr lang="en-US" altLang="zh-CN" sz="2800" dirty="0"/>
+              <a:t>NeXT</a:t>
+            </a:r>
+            <a:r>
+              <a:rPr lang="zh-CN" altLang="en-US" sz="2800" dirty="0"/>
+              <a:t>电脑及</a:t>
+            </a:r>
+            <a:r>
+              <a:rPr lang="en-US" altLang="zh-CN" sz="2800" dirty="0"/>
+              <a:t>NeXT STEP</a:t>
+            </a:r>
+            <a:r>
+              <a:rPr lang="zh-CN" altLang="en-US" sz="2800" dirty="0"/>
+              <a:t>操作系统。</a:t>
+            </a:r>
+            <a:r>
+              <a:rPr lang="en-US" altLang="zh-CN" sz="2800" dirty="0"/>
+              <a:t>NeXT</a:t>
+            </a:r>
+            <a:r>
+              <a:rPr lang="zh-CN" altLang="en-US" sz="2800" dirty="0"/>
+              <a:t>获得了</a:t>
             </a:r>
             <a:r>
               <a:rPr lang="en-US" altLang="zh-CN" sz="2800" dirty="0" err="1"/>
-              <a:t>ObjC</a:t>
+              <a:t>Stepstone</a:t>
             </a:r>
             <a:r>
               <a:rPr lang="zh-CN" altLang="en-US" sz="2800" dirty="0"/>
-              <a:t>里面的核心思想，</a:t>
-            </a:r>
-            <a:r>
-              <a:rPr lang="en-US" altLang="zh-CN" sz="2800" dirty="0"/>
-              <a:t>Brad</a:t>
-            </a:r>
-            <a:r>
-              <a:rPr lang="zh-CN" altLang="en-US" sz="2800" dirty="0"/>
-              <a:t>当时想打造一门流行的、可移植的</a:t>
-            </a:r>
-            <a:r>
-              <a:rPr lang="en-US" altLang="zh-CN" sz="2800" dirty="0"/>
-              <a:t>C</a:t>
-            </a:r>
-            <a:r>
-              <a:rPr lang="zh-CN" altLang="en-US" sz="2800" dirty="0"/>
-              <a:t>语言与优雅的</a:t>
-            </a:r>
-            <a:r>
-              <a:rPr lang="en-US" altLang="zh-CN" sz="2800" dirty="0"/>
-              <a:t>Smalltalk</a:t>
-            </a:r>
-            <a:r>
-              <a:rPr lang="zh-CN" altLang="en-US" sz="2800" dirty="0"/>
-              <a:t>的结合体。</a:t>
+              <a:t>公司的</a:t>
             </a:r>
             <a:r>
               <a:rPr lang="en-US" altLang="zh-CN" sz="2800" dirty="0"/>
@@ -35067,15 +35101,23 @@
             </a:r>
             <a:r>
               <a:rPr lang="zh-CN" altLang="en-US" sz="2800" dirty="0"/>
-              <a:t>，通常写作</a:t>
-            </a:r>
-            <a:r>
-              <a:rPr lang="en-US" altLang="zh-CN" sz="2800" dirty="0" err="1"/>
-              <a:t>ObjC</a:t>
+              <a:t>语言授权和可以发布自己的</a:t>
+            </a:r>
+            <a:r>
+              <a:rPr lang="en-US" altLang="zh-CN" sz="2800" dirty="0"/>
+              <a:t>Objective-C Compiler</a:t>
             </a:r>
             <a:r>
               <a:rPr lang="zh-CN" altLang="en-US" sz="2800" dirty="0"/>
-              <a:t>，有时候也写作</a:t>
+              <a:t>和</a:t>
+            </a:r>
+            <a:r>
+              <a:rPr lang="en-US" altLang="zh-CN" sz="2800" dirty="0"/>
+              <a:t>libraries</a:t>
+            </a:r>
+            <a:r>
+              <a:rPr lang="zh-CN" altLang="en-US" sz="2800" dirty="0"/>
+              <a:t>。同时使用</a:t>
             </a:r>
             <a:r>
               <a:rPr lang="en-US" altLang="zh-CN" sz="2800" dirty="0"/>
@@ -35083,27 +35125,27 @@
             </a:r>
             <a:r>
               <a:rPr lang="zh-CN" altLang="en-US" sz="2800" dirty="0"/>
-              <a:t>或</a:t>
+              <a:t>开发了一套</a:t>
             </a:r>
             <a:r>
               <a:rPr lang="en-US" altLang="zh-CN" sz="2800" dirty="0" err="1"/>
-              <a:t>Obj</a:t>
+              <a:t>NeXTSTEP</a:t>
+            </a:r>
+            <a:r>
+              <a:rPr lang="zh-CN" altLang="en-US" sz="2800" dirty="0"/>
+              <a:t>，并创建了</a:t>
+            </a:r>
+            <a:r>
+              <a:rPr lang="en-US" altLang="zh-CN" sz="2800" dirty="0" err="1"/>
+              <a:t>NeXTSTEP</a:t>
             </a:r>
             <a:r>
               <a:rPr lang="en-US" altLang="zh-CN" sz="2800" dirty="0"/>
-              <a:t>-C,</a:t>
+              <a:t> Toolkit</a:t>
             </a:r>
             <a:r>
               <a:rPr lang="zh-CN" altLang="en-US" sz="2800" dirty="0"/>
-              <a:t>是在</a:t>
-            </a:r>
-            <a:r>
-              <a:rPr lang="en-US" altLang="zh-CN" sz="2800" dirty="0"/>
-              <a:t>C</a:t>
-            </a:r>
-            <a:r>
-              <a:rPr lang="zh-CN" altLang="en-US" sz="2800" dirty="0"/>
-              <a:t>的基础上，加入面向对象特性扩充而成的编程语言</a:t>
+              <a:t>软件包，这个工具包用于开发用户界面，功能强大</a:t>
             </a:r>
             <a:r>
               <a:rPr lang="zh-CN" altLang="en-US" sz="2800" dirty="0" smtClean="0"/>
@@ -35116,7 +35158,7 @@
     </p:spTree>
     <p:extLst>
       <p:ext uri="{BB962C8B-B14F-4D97-AF65-F5344CB8AC3E}">
-        <p14:creationId xmlns:p14="http://schemas.microsoft.com/office/powerpoint/2010/main" val="974230390"/>
+        <p14:creationId xmlns:p14="http://schemas.microsoft.com/office/powerpoint/2010/main" val="2064624082"/>
       </p:ext>
     </p:extLst>
   </p:cSld>
@@ -35272,7 +35314,7 @@
         <p:spPr>
           <a:xfrm>
             <a:off x="1179819" y="-9144"/>
-            <a:ext cx="995785" cy="646331"/>
+            <a:ext cx="1008609" cy="646331"/>
           </a:xfrm>
           <a:prstGeom prst="rect">
             <a:avLst/>
@@ -35292,7 +35334,7 @@
                 </a:solidFill>
                 <a:latin typeface="Impact" panose="020B0806030902050204" pitchFamily="34" charset="0"/>
               </a:rPr>
-              <a:t>1.2.2</a:t>
+              <a:t>1.2.3</a:t>
             </a:r>
             <a:endParaRPr lang="zh-CN" altLang="en-US" sz="3600" dirty="0">
               <a:solidFill>
@@ -35888,7 +35930,7 @@
           <a:p>
             <a:r>
               <a:rPr lang="en-US" altLang="zh-CN" sz="2800" dirty="0"/>
-              <a:t>1985</a:t>
+              <a:t>1993</a:t>
             </a:r>
             <a:r>
               <a:rPr lang="zh-CN" altLang="en-US" sz="2800" dirty="0"/>
@@ -35896,30 +35938,31 @@
             </a:r>
             <a:r>
               <a:rPr lang="en-US" altLang="zh-CN" sz="2800" dirty="0"/>
-              <a:t>John </a:t>
+              <a:t>NeXT</a:t>
+            </a:r>
+            <a:r>
+              <a:rPr lang="zh-CN" altLang="en-US" sz="2800" dirty="0"/>
+              <a:t>终止了硬件业务，转为专注于</a:t>
             </a:r>
             <a:r>
               <a:rPr lang="en-US" altLang="zh-CN" sz="2800" dirty="0" err="1"/>
-              <a:t>Sculley</a:t>
+              <a:t>NeXTSTEP</a:t>
+            </a:r>
+            <a:r>
+              <a:rPr lang="en-US" altLang="zh-CN" sz="2800" dirty="0"/>
+              <a:t>(OPENSTEP)</a:t>
             </a:r>
             <a:r>
               <a:rPr lang="zh-CN" altLang="en-US" sz="2800" dirty="0"/>
-              <a:t>接管了苹果电脑，并把</a:t>
+              <a:t>软件市场，</a:t>
             </a:r>
             <a:r>
               <a:rPr lang="en-US" altLang="zh-CN" sz="2800" dirty="0"/>
-              <a:t>Steve</a:t>
-            </a:r>
-            <a:br>
-              <a:rPr lang="en-US" altLang="zh-CN" sz="2800" dirty="0"/>
-            </a:br>
-            <a:r>
-              <a:rPr lang="en-US" altLang="zh-CN" sz="2800" dirty="0"/>
-              <a:t>Jobs</a:t>
+              <a:t>OPENSTEP</a:t>
             </a:r>
             <a:r>
               <a:rPr lang="zh-CN" altLang="en-US" sz="2800" dirty="0"/>
-              <a:t>赶出了苹果电脑。他离开后创立了</a:t>
+              <a:t>实际上 是</a:t>
             </a:r>
             <a:r>
               <a:rPr lang="en-US" altLang="zh-CN" sz="2800" dirty="0"/>
@@ -35927,51 +35970,19 @@
             </a:r>
             <a:r>
               <a:rPr lang="zh-CN" altLang="en-US" sz="2800" dirty="0"/>
-              <a:t>电脑公司，并发展出</a:t>
+              <a:t>和</a:t>
             </a:r>
             <a:r>
               <a:rPr lang="en-US" altLang="zh-CN" sz="2800" dirty="0"/>
-              <a:t>NeXT</a:t>
+              <a:t>SUN</a:t>
             </a:r>
             <a:r>
               <a:rPr lang="zh-CN" altLang="en-US" sz="2800" dirty="0"/>
-              <a:t>电脑及</a:t>
-            </a:r>
-            <a:r>
-              <a:rPr lang="en-US" altLang="zh-CN" sz="2800" dirty="0"/>
-              <a:t>NeXT STEP</a:t>
-            </a:r>
-            <a:r>
-              <a:rPr lang="zh-CN" altLang="en-US" sz="2800" dirty="0"/>
-              <a:t>操作系统。</a:t>
-            </a:r>
-            <a:r>
-              <a:rPr lang="en-US" altLang="zh-CN" sz="2800" dirty="0"/>
-              <a:t>NeXT</a:t>
-            </a:r>
-            <a:r>
-              <a:rPr lang="zh-CN" altLang="en-US" sz="2800" dirty="0"/>
-              <a:t>获得了</a:t>
+              <a:t>公司合作开发的一套系统，可以运行在</a:t>
             </a:r>
             <a:r>
               <a:rPr lang="en-US" altLang="zh-CN" sz="2800" dirty="0" err="1"/>
-              <a:t>Stepstone</a:t>
-            </a:r>
-            <a:r>
-              <a:rPr lang="zh-CN" altLang="en-US" sz="2800" dirty="0"/>
-              <a:t>公司的</a:t>
-            </a:r>
-            <a:r>
-              <a:rPr lang="en-US" altLang="zh-CN" sz="2800" dirty="0"/>
-              <a:t>Objective-C</a:t>
-            </a:r>
-            <a:r>
-              <a:rPr lang="zh-CN" altLang="en-US" sz="2800" dirty="0"/>
-              <a:t>语言授权和可以发布自己的</a:t>
-            </a:r>
-            <a:r>
-              <a:rPr lang="en-US" altLang="zh-CN" sz="2800" dirty="0"/>
-              <a:t>Objective-C Compiler</a:t>
+              <a:t>Soloris</a:t>
             </a:r>
             <a:r>
               <a:rPr lang="zh-CN" altLang="en-US" sz="2800" dirty="0"/>
@@ -35979,52 +35990,27 @@
             </a:r>
             <a:r>
               <a:rPr lang="en-US" altLang="zh-CN" sz="2800" dirty="0"/>
-              <a:t>libraries</a:t>
+              <a:t>Windows NT</a:t>
             </a:r>
             <a:r>
               <a:rPr lang="zh-CN" altLang="en-US" sz="2800" dirty="0"/>
-              <a:t>。同时使用</a:t>
+              <a:t>，并推出了一套网络程序架构</a:t>
             </a:r>
             <a:r>
               <a:rPr lang="en-US" altLang="zh-CN" sz="2800" dirty="0"/>
-              <a:t>Objective-C</a:t>
+              <a:t>WebObjects</a:t>
             </a:r>
             <a:r>
               <a:rPr lang="zh-CN" altLang="en-US" sz="2800" dirty="0"/>
-              <a:t>开发了一套</a:t>
-            </a:r>
-            <a:r>
-              <a:rPr lang="en-US" altLang="zh-CN" sz="2800" dirty="0" err="1"/>
-              <a:t>NeXTSTEP</a:t>
-            </a:r>
-            <a:r>
-              <a:rPr lang="zh-CN" altLang="en-US" sz="2800" dirty="0"/>
-              <a:t>，并创建了</a:t>
-            </a:r>
-            <a:r>
-              <a:rPr lang="en-US" altLang="zh-CN" sz="2800" dirty="0" err="1"/>
-              <a:t>NeXTSTEP</a:t>
-            </a:r>
-            <a:r>
-              <a:rPr lang="en-US" altLang="zh-CN" sz="2800" dirty="0"/>
-              <a:t> Toolkit</a:t>
-            </a:r>
-            <a:r>
-              <a:rPr lang="zh-CN" altLang="en-US" sz="2800" dirty="0"/>
-              <a:t>软件包，这个工具包用于开发用户界面，功能强大</a:t>
-            </a:r>
-            <a:r>
-              <a:rPr lang="zh-CN" altLang="en-US" sz="2800" dirty="0" smtClean="0"/>
-              <a:t>。</a:t>
-            </a:r>
-            <a:endParaRPr lang="zh-CN" altLang="en-US" sz="2800" dirty="0"/>
+              <a:t>用于进行动态页面的生成。</a:t>
+            </a:r>
           </a:p>
         </p:txBody>
       </p:sp>
     </p:spTree>
     <p:extLst>
       <p:ext uri="{BB962C8B-B14F-4D97-AF65-F5344CB8AC3E}">
-        <p14:creationId xmlns:p14="http://schemas.microsoft.com/office/powerpoint/2010/main" val="2064624082"/>
+        <p14:creationId xmlns:p14="http://schemas.microsoft.com/office/powerpoint/2010/main" val="354096903"/>
       </p:ext>
     </p:extLst>
   </p:cSld>
@@ -36180,7 +36166,7 @@
         <p:spPr>
           <a:xfrm>
             <a:off x="1179819" y="-9144"/>
-            <a:ext cx="1008609" cy="646331"/>
+            <a:ext cx="995785" cy="646331"/>
           </a:xfrm>
           <a:prstGeom prst="rect">
             <a:avLst/>
@@ -36200,7 +36186,7 @@
                 </a:solidFill>
                 <a:latin typeface="Impact" panose="020B0806030902050204" pitchFamily="34" charset="0"/>
               </a:rPr>
-              <a:t>1.2.3</a:t>
+              <a:t>1.2.4</a:t>
             </a:r>
             <a:endParaRPr lang="zh-CN" altLang="en-US" sz="3600" dirty="0">
               <a:solidFill>
@@ -36796,11 +36782,11 @@
           <a:p>
             <a:r>
               <a:rPr lang="en-US" altLang="zh-CN" sz="2800" dirty="0"/>
-              <a:t>1993</a:t>
+              <a:t>1994</a:t>
             </a:r>
             <a:r>
               <a:rPr lang="zh-CN" altLang="en-US" sz="2800" dirty="0"/>
-              <a:t>年，</a:t>
+              <a:t>，</a:t>
             </a:r>
             <a:r>
               <a:rPr lang="en-US" altLang="zh-CN" sz="2800" dirty="0"/>
@@ -36808,19 +36794,59 @@
             </a:r>
             <a:r>
               <a:rPr lang="zh-CN" altLang="en-US" sz="2800" dirty="0"/>
-              <a:t>终止了硬件业务，转为专注于</a:t>
+              <a:t>与</a:t>
+            </a:r>
+            <a:r>
+              <a:rPr lang="en-US" altLang="zh-CN" sz="2800" dirty="0"/>
+              <a:t>Sun</a:t>
+            </a:r>
+            <a:r>
+              <a:rPr lang="zh-CN" altLang="en-US" sz="2800" dirty="0"/>
+              <a:t>共同制定</a:t>
             </a:r>
             <a:r>
               <a:rPr lang="en-US" altLang="zh-CN" sz="2800" dirty="0" err="1"/>
-              <a:t>NeXTSTEP</a:t>
+              <a:t>OpenStep</a:t>
             </a:r>
             <a:r>
               <a:rPr lang="en-US" altLang="zh-CN" sz="2800" dirty="0"/>
-              <a:t>(OPENSTEP)</a:t>
+              <a:t> API</a:t>
             </a:r>
             <a:r>
               <a:rPr lang="zh-CN" altLang="en-US" sz="2800" dirty="0"/>
-              <a:t>软件市场，</a:t>
+              <a:t>标准，其中两个重要的部分是</a:t>
+            </a:r>
+            <a:r>
+              <a:rPr lang="en-US" altLang="zh-CN" sz="2800" dirty="0"/>
+              <a:t>Foundation</a:t>
+            </a:r>
+            <a:r>
+              <a:rPr lang="zh-CN" altLang="en-US" sz="2800" dirty="0"/>
+              <a:t>跟</a:t>
+            </a:r>
+            <a:r>
+              <a:rPr lang="en-US" altLang="zh-CN" sz="2800" dirty="0"/>
+              <a:t>Application kit</a:t>
+            </a:r>
+            <a:r>
+              <a:rPr lang="zh-CN" altLang="en-US" sz="2800" dirty="0"/>
+              <a:t>，此时开始使用命名前缀</a:t>
+            </a:r>
+            <a:r>
+              <a:rPr lang="en-US" altLang="zh-CN" sz="2800" dirty="0"/>
+              <a:t>NS</a:t>
+            </a:r>
+            <a:r>
+              <a:rPr lang="zh-CN" altLang="en-US" sz="2800" dirty="0"/>
+              <a:t>。</a:t>
+            </a:r>
+            <a:r>
+              <a:rPr lang="en-US" altLang="zh-CN" sz="2800" dirty="0"/>
+              <a:t>NeXT</a:t>
+            </a:r>
+            <a:r>
+              <a:rPr lang="zh-CN" altLang="en-US" sz="2800" dirty="0"/>
+              <a:t>自己的实作成为</a:t>
             </a:r>
             <a:r>
               <a:rPr lang="en-US" altLang="zh-CN" sz="2800" dirty="0"/>
@@ -36828,7 +36854,59 @@
             </a:r>
             <a:r>
               <a:rPr lang="zh-CN" altLang="en-US" sz="2800" dirty="0"/>
-              <a:t>实际上 是</a:t>
+              <a:t>，软件开发工具组当时大概叫做</a:t>
+            </a:r>
+            <a:r>
+              <a:rPr lang="en-US" altLang="zh-CN" sz="2800" dirty="0" err="1" smtClean="0"/>
+              <a:t>OpenStep</a:t>
+            </a:r>
+            <a:r>
+              <a:rPr lang="zh-CN" altLang="en-US" sz="2800" dirty="0" smtClean="0"/>
+              <a:t> </a:t>
+            </a:r>
+            <a:r>
+              <a:rPr lang="en-US" altLang="zh-CN" sz="2800" dirty="0" smtClean="0"/>
+              <a:t>developers </a:t>
+            </a:r>
+            <a:r>
+              <a:rPr lang="en-US" altLang="zh-CN" sz="2800" dirty="0"/>
+              <a:t>toolkit</a:t>
+            </a:r>
+            <a:r>
+              <a:rPr lang="zh-CN" altLang="en-US" sz="2800" dirty="0"/>
+              <a:t>；另外还有自由软体的实作，名为</a:t>
+            </a:r>
+            <a:r>
+              <a:rPr lang="en-US" altLang="zh-CN" sz="2800" dirty="0" err="1"/>
+              <a:t>GNUstep</a:t>
+            </a:r>
+            <a:r>
+              <a:rPr lang="zh-CN" altLang="en-US" sz="2800" dirty="0"/>
+              <a:t>。因此</a:t>
+            </a:r>
+            <a:r>
+              <a:rPr lang="en-US" altLang="zh-CN" sz="2800" dirty="0"/>
+              <a:t>Mac OS X</a:t>
+            </a:r>
+            <a:r>
+              <a:rPr lang="zh-CN" altLang="en-US" sz="2800" dirty="0"/>
+              <a:t>、</a:t>
+            </a:r>
+            <a:r>
+              <a:rPr lang="en-US" altLang="zh-CN" sz="2800" dirty="0"/>
+              <a:t>iPhone SDK</a:t>
+            </a:r>
+            <a:r>
+              <a:rPr lang="zh-CN" altLang="en-US" sz="2800" dirty="0"/>
+              <a:t>、</a:t>
+            </a:r>
+            <a:r>
+              <a:rPr lang="en-US" altLang="zh-CN" sz="2800" dirty="0" err="1"/>
+              <a:t>Xcode</a:t>
+            </a:r>
+            <a:r>
+              <a:rPr lang="zh-CN" altLang="en-US" sz="2800" dirty="0"/>
+              <a:t>可追 溯到</a:t>
             </a:r>
             <a:r>
               <a:rPr lang="en-US" altLang="zh-CN" sz="2800" dirty="0"/>
@@ -36836,47 +36914,52 @@
             </a:r>
             <a:r>
               <a:rPr lang="zh-CN" altLang="en-US" sz="2800" dirty="0"/>
-              <a:t>和</a:t>
+              <a:t>、</a:t>
+            </a:r>
+            <a:r>
+              <a:rPr lang="en-US" altLang="zh-CN" sz="2800" dirty="0" err="1"/>
+              <a:t>NeXTStep</a:t>
+            </a:r>
+            <a:r>
+              <a:rPr lang="zh-CN" altLang="en-US" sz="2800" dirty="0"/>
+              <a:t>，所以是以</a:t>
             </a:r>
             <a:r>
               <a:rPr lang="en-US" altLang="zh-CN" sz="2800" dirty="0"/>
-              <a:t>SUN</a:t>
+              <a:t>Objective-C</a:t>
             </a:r>
             <a:r>
               <a:rPr lang="zh-CN" altLang="en-US" sz="2800" dirty="0"/>
-              <a:t>公司合作开发的一套系统，可以运行在</a:t>
-            </a:r>
-            <a:r>
-              <a:rPr lang="en-US" altLang="zh-CN" sz="2800" dirty="0" err="1"/>
-              <a:t>Soloris</a:t>
+              <a:t>为主力开发语言，所以程式码中会出现</a:t>
+            </a:r>
+            <a:r>
+              <a:rPr lang="en-US" altLang="zh-CN" sz="2800" dirty="0"/>
+              <a:t>NX</a:t>
             </a:r>
             <a:r>
               <a:rPr lang="zh-CN" altLang="en-US" sz="2800" dirty="0"/>
-              <a:t>和</a:t>
+              <a:t>与</a:t>
             </a:r>
             <a:r>
               <a:rPr lang="en-US" altLang="zh-CN" sz="2800" dirty="0"/>
-              <a:t>Windows NT</a:t>
+              <a:t>NS</a:t>
             </a:r>
             <a:r>
               <a:rPr lang="zh-CN" altLang="en-US" sz="2800" dirty="0"/>
-              <a:t>，并推出了一套网络程序架构</a:t>
-            </a:r>
-            <a:r>
-              <a:rPr lang="en-US" altLang="zh-CN" sz="2800" dirty="0"/>
-              <a:t>WebObjects</a:t>
-            </a:r>
-            <a:r>
-              <a:rPr lang="zh-CN" altLang="en-US" sz="2800" dirty="0"/>
-              <a:t>用于进行动态页面的生成。</a:t>
-            </a:r>
+              <a:t>字样</a:t>
+            </a:r>
+            <a:r>
+              <a:rPr lang="zh-CN" altLang="en-US" sz="2800" dirty="0" smtClean="0"/>
+              <a:t>。</a:t>
+            </a:r>
+            <a:endParaRPr lang="zh-CN" altLang="en-US" sz="2800" dirty="0"/>
           </a:p>
         </p:txBody>
       </p:sp>
     </p:spTree>
     <p:extLst>
       <p:ext uri="{BB962C8B-B14F-4D97-AF65-F5344CB8AC3E}">
-        <p14:creationId xmlns:p14="http://schemas.microsoft.com/office/powerpoint/2010/main" val="354096903"/>
+        <p14:creationId xmlns:p14="http://schemas.microsoft.com/office/powerpoint/2010/main" val="629462884"/>
       </p:ext>
     </p:extLst>
   </p:cSld>
@@ -37032,7 +37115,7 @@
         <p:spPr>
           <a:xfrm>
             <a:off x="1179819" y="-9144"/>
-            <a:ext cx="995785" cy="646331"/>
+            <a:ext cx="1011815" cy="646331"/>
           </a:xfrm>
           <a:prstGeom prst="rect">
             <a:avLst/>
@@ -37052,7 +37135,7 @@
                 </a:solidFill>
                 <a:latin typeface="Impact" panose="020B0806030902050204" pitchFamily="34" charset="0"/>
               </a:rPr>
-              <a:t>1.2.4</a:t>
+              <a:t>1.2.5</a:t>
             </a:r>
             <a:endParaRPr lang="zh-CN" altLang="en-US" sz="3600" dirty="0">
               <a:solidFill>
@@ -37647,8 +37730,54 @@
           <a:lstStyle/>
           <a:p>
             <a:r>
+              <a:rPr lang="zh-CN" altLang="en-US" sz="2800" dirty="0"/>
+              <a:t>在</a:t>
+            </a:r>
+            <a:r>
               <a:rPr lang="en-US" altLang="zh-CN" sz="2800" dirty="0"/>
-              <a:t>1994</a:t>
+              <a:t>1995</a:t>
+            </a:r>
+            <a:r>
+              <a:rPr lang="zh-CN" altLang="en-US" sz="2800" dirty="0"/>
+              <a:t>年，</a:t>
+            </a:r>
+            <a:r>
+              <a:rPr lang="en-US" altLang="zh-CN" sz="2800" dirty="0"/>
+              <a:t>NeXT</a:t>
+            </a:r>
+            <a:r>
+              <a:rPr lang="zh-CN" altLang="en-US" sz="2800" dirty="0"/>
+              <a:t>从</a:t>
+            </a:r>
+            <a:r>
+              <a:rPr lang="en-US" altLang="zh-CN" sz="2800" dirty="0" err="1"/>
+              <a:t>Stepstone</a:t>
+            </a:r>
+            <a:r>
+              <a:rPr lang="zh-CN" altLang="en-US" sz="2800" dirty="0"/>
+              <a:t>得到了</a:t>
+            </a:r>
+            <a:r>
+              <a:rPr lang="en-US" altLang="zh-CN" sz="2800" dirty="0"/>
+              <a:t>Objective-C</a:t>
+            </a:r>
+            <a:r>
+              <a:rPr lang="zh-CN" altLang="en-US" sz="2800" dirty="0"/>
+              <a:t>全部</a:t>
+            </a:r>
+            <a:r>
+              <a:rPr lang="zh-CN" altLang="en-US" sz="2800" dirty="0" smtClean="0"/>
+              <a:t>版权</a:t>
+            </a:r>
+            <a:endParaRPr lang="en-US" altLang="zh-CN" sz="2800" dirty="0" smtClean="0"/>
+          </a:p>
+          <a:p>
+            <a:endParaRPr lang="zh-CN" altLang="en-US" sz="2800" dirty="0"/>
+          </a:p>
+          <a:p>
+            <a:r>
+              <a:rPr lang="en-US" altLang="zh-CN" sz="2800" dirty="0"/>
+              <a:t>1996</a:t>
             </a:r>
             <a:r>
               <a:rPr lang="zh-CN" altLang="en-US" sz="2800" dirty="0"/>
@@ -37656,176 +37785,81 @@
             </a:r>
             <a:r>
               <a:rPr lang="en-US" altLang="zh-CN" sz="2800" dirty="0"/>
+              <a:t>Apple</a:t>
+            </a:r>
+            <a:r>
+              <a:rPr lang="zh-CN" altLang="en-US" sz="2800" dirty="0"/>
+              <a:t>买下</a:t>
+            </a:r>
+            <a:r>
+              <a:rPr lang="en-US" altLang="zh-CN" sz="2800" dirty="0"/>
               <a:t>NeXT</a:t>
             </a:r>
             <a:r>
               <a:rPr lang="zh-CN" altLang="en-US" sz="2800" dirty="0"/>
-              <a:t>与</a:t>
-            </a:r>
+              <a:t>，主要用意就是要以</a:t>
+            </a:r>
+            <a:r>
+              <a:rPr lang="en-US" altLang="zh-CN" sz="2800" dirty="0" err="1"/>
+              <a:t>NeXTStep</a:t>
+            </a:r>
+            <a:r>
+              <a:rPr lang="zh-CN" altLang="en-US" sz="2800" dirty="0"/>
+              <a:t>作业系统取代老旧的</a:t>
+            </a:r>
+            <a:r>
+              <a:rPr lang="en-US" altLang="zh-CN" sz="2800" dirty="0" smtClean="0"/>
+              <a:t>Mac</a:t>
+            </a:r>
+            <a:r>
+              <a:rPr lang="zh-CN" altLang="en-US" sz="2800" dirty="0" smtClean="0"/>
+              <a:t> </a:t>
+            </a:r>
+            <a:r>
+              <a:rPr lang="en-US" altLang="zh-CN" sz="2800" dirty="0" smtClean="0"/>
+              <a:t>OS</a:t>
+            </a:r>
+            <a:r>
+              <a:rPr lang="zh-CN" altLang="en-US" sz="2800" dirty="0" smtClean="0"/>
+              <a:t>。</a:t>
+            </a:r>
+            <a:endParaRPr lang="en-US" altLang="zh-CN" sz="2800" dirty="0" smtClean="0"/>
+          </a:p>
+          <a:p>
+            <a:endParaRPr lang="zh-CN" altLang="en-US" sz="2800" dirty="0"/>
+          </a:p>
+          <a:p>
             <a:r>
               <a:rPr lang="en-US" altLang="zh-CN" sz="2800" dirty="0"/>
-              <a:t>Sun</a:t>
+              <a:t>1997</a:t>
             </a:r>
             <a:r>
               <a:rPr lang="zh-CN" altLang="en-US" sz="2800" dirty="0"/>
-              <a:t>共同制定</a:t>
-            </a:r>
-            <a:r>
-              <a:rPr lang="en-US" altLang="zh-CN" sz="2800" dirty="0" err="1"/>
-              <a:t>OpenStep</a:t>
+              <a:t>，</a:t>
             </a:r>
             <a:r>
               <a:rPr lang="en-US" altLang="zh-CN" sz="2800" dirty="0"/>
-              <a:t> API</a:t>
+              <a:t>Steve Jobs</a:t>
             </a:r>
             <a:r>
               <a:rPr lang="zh-CN" altLang="en-US" sz="2800" dirty="0"/>
-              <a:t>标准，其中两个重要的部分是</a:t>
+              <a:t>重回</a:t>
             </a:r>
             <a:r>
               <a:rPr lang="en-US" altLang="zh-CN" sz="2800" dirty="0"/>
-              <a:t>Foundation</a:t>
-            </a:r>
-            <a:r>
-              <a:rPr lang="zh-CN" altLang="en-US" sz="2800" dirty="0"/>
-              <a:t>跟</a:t>
-            </a:r>
-            <a:r>
-              <a:rPr lang="en-US" altLang="zh-CN" sz="2800" dirty="0"/>
-              <a:t>Application kit</a:t>
-            </a:r>
-            <a:r>
-              <a:rPr lang="zh-CN" altLang="en-US" sz="2800" dirty="0"/>
-              <a:t>，此时开始使用命名前缀</a:t>
-            </a:r>
-            <a:r>
-              <a:rPr lang="en-US" altLang="zh-CN" sz="2800" dirty="0"/>
-              <a:t>NS</a:t>
+              <a:t>Apple</a:t>
             </a:r>
             <a:r>
               <a:rPr lang="zh-CN" altLang="en-US" sz="2800" dirty="0"/>
               <a:t>。</a:t>
             </a:r>
-            <a:r>
-              <a:rPr lang="en-US" altLang="zh-CN" sz="2800" dirty="0"/>
-              <a:t>NeXT</a:t>
-            </a:r>
-            <a:r>
-              <a:rPr lang="zh-CN" altLang="en-US" sz="2800" dirty="0"/>
-              <a:t>自己的实作成为</a:t>
-            </a:r>
-            <a:r>
-              <a:rPr lang="en-US" altLang="zh-CN" sz="2800" dirty="0"/>
-              <a:t>OPENSTEP</a:t>
-            </a:r>
-            <a:r>
-              <a:rPr lang="zh-CN" altLang="en-US" sz="2800" dirty="0"/>
-              <a:t>，软件开发工具组当时大概叫做</a:t>
-            </a:r>
-            <a:r>
-              <a:rPr lang="en-US" altLang="zh-CN" sz="2800" dirty="0" err="1" smtClean="0"/>
-              <a:t>OpenStep</a:t>
-            </a:r>
-            <a:r>
-              <a:rPr lang="zh-CN" altLang="en-US" sz="2800" dirty="0" smtClean="0"/>
-              <a:t> </a:t>
-            </a:r>
-            <a:r>
-              <a:rPr lang="en-US" altLang="zh-CN" sz="2800" dirty="0" smtClean="0"/>
-              <a:t>developers </a:t>
-            </a:r>
-            <a:r>
-              <a:rPr lang="en-US" altLang="zh-CN" sz="2800" dirty="0"/>
-              <a:t>toolkit</a:t>
-            </a:r>
-            <a:r>
-              <a:rPr lang="zh-CN" altLang="en-US" sz="2800" dirty="0"/>
-              <a:t>；另外还有自由软体的实作，名为</a:t>
-            </a:r>
-            <a:r>
-              <a:rPr lang="en-US" altLang="zh-CN" sz="2800" dirty="0" err="1"/>
-              <a:t>GNUstep</a:t>
-            </a:r>
-            <a:r>
-              <a:rPr lang="zh-CN" altLang="en-US" sz="2800" dirty="0"/>
-              <a:t>。因此</a:t>
-            </a:r>
-            <a:r>
-              <a:rPr lang="en-US" altLang="zh-CN" sz="2800" dirty="0"/>
-              <a:t>Mac OS X</a:t>
-            </a:r>
-            <a:r>
-              <a:rPr lang="zh-CN" altLang="en-US" sz="2800" dirty="0"/>
-              <a:t>、</a:t>
-            </a:r>
-            <a:r>
-              <a:rPr lang="en-US" altLang="zh-CN" sz="2800" dirty="0"/>
-              <a:t>iPhone SDK</a:t>
-            </a:r>
-            <a:r>
-              <a:rPr lang="zh-CN" altLang="en-US" sz="2800" dirty="0"/>
-              <a:t>、</a:t>
-            </a:r>
-            <a:r>
-              <a:rPr lang="en-US" altLang="zh-CN" sz="2800" dirty="0" err="1"/>
-              <a:t>Xcode</a:t>
-            </a:r>
-            <a:r>
-              <a:rPr lang="zh-CN" altLang="en-US" sz="2800" dirty="0"/>
-              <a:t>可追 溯到</a:t>
-            </a:r>
-            <a:r>
-              <a:rPr lang="en-US" altLang="zh-CN" sz="2800" dirty="0"/>
-              <a:t>NeXT</a:t>
-            </a:r>
-            <a:r>
-              <a:rPr lang="zh-CN" altLang="en-US" sz="2800" dirty="0"/>
-              <a:t>、</a:t>
-            </a:r>
-            <a:r>
-              <a:rPr lang="en-US" altLang="zh-CN" sz="2800" dirty="0" err="1"/>
-              <a:t>NeXTStep</a:t>
-            </a:r>
-            <a:r>
-              <a:rPr lang="zh-CN" altLang="en-US" sz="2800" dirty="0"/>
-              <a:t>，所以是以</a:t>
-            </a:r>
-            <a:r>
-              <a:rPr lang="en-US" altLang="zh-CN" sz="2800" dirty="0"/>
-              <a:t>Objective-C</a:t>
-            </a:r>
-            <a:r>
-              <a:rPr lang="zh-CN" altLang="en-US" sz="2800" dirty="0"/>
-              <a:t>为主力开发语言，所以程式码中会出现</a:t>
-            </a:r>
-            <a:r>
-              <a:rPr lang="en-US" altLang="zh-CN" sz="2800" dirty="0"/>
-              <a:t>NX</a:t>
-            </a:r>
-            <a:r>
-              <a:rPr lang="zh-CN" altLang="en-US" sz="2800" dirty="0"/>
-              <a:t>与</a:t>
-            </a:r>
-            <a:r>
-              <a:rPr lang="en-US" altLang="zh-CN" sz="2800" dirty="0"/>
-              <a:t>NS</a:t>
-            </a:r>
-            <a:r>
-              <a:rPr lang="zh-CN" altLang="en-US" sz="2800" dirty="0"/>
-              <a:t>字样</a:t>
-            </a:r>
-            <a:r>
-              <a:rPr lang="zh-CN" altLang="en-US" sz="2800" dirty="0" smtClean="0"/>
-              <a:t>。</a:t>
-            </a:r>
-            <a:endParaRPr lang="zh-CN" altLang="en-US" sz="2800" dirty="0"/>
           </a:p>
         </p:txBody>
       </p:sp>
     </p:spTree>
     <p:extLst>
       <p:ext uri="{BB962C8B-B14F-4D97-AF65-F5344CB8AC3E}">
-        <p14:creationId xmlns:p14="http://schemas.microsoft.com/office/powerpoint/2010/main" val="629462884"/>
+        <p14:creationId xmlns:p14="http://schemas.microsoft.com/office/powerpoint/2010/main" val="2004085961"/>
       </p:ext>
     </p:extLst>
   </p:cSld>
